--- a/prezentacija.pptx
+++ b/prezentacija.pptx
@@ -5,7 +5,7 @@
     <p:sldMasterId id="2147483648" r:id="rId1"/>
   </p:sldMasterIdLst>
   <p:notesMasterIdLst>
-    <p:notesMasterId r:id="rId31"/>
+    <p:notesMasterId r:id="rId34"/>
   </p:notesMasterIdLst>
   <p:sldIdLst>
     <p:sldId id="258" r:id="rId2"/>
@@ -27,16 +27,19 @@
     <p:sldId id="277" r:id="rId18"/>
     <p:sldId id="263" r:id="rId19"/>
     <p:sldId id="278" r:id="rId20"/>
-    <p:sldId id="264" r:id="rId21"/>
-    <p:sldId id="279" r:id="rId22"/>
-    <p:sldId id="280" r:id="rId23"/>
-    <p:sldId id="281" r:id="rId24"/>
-    <p:sldId id="282" r:id="rId25"/>
-    <p:sldId id="265" r:id="rId26"/>
-    <p:sldId id="283" r:id="rId27"/>
-    <p:sldId id="284" r:id="rId28"/>
-    <p:sldId id="285" r:id="rId29"/>
-    <p:sldId id="286" r:id="rId30"/>
+    <p:sldId id="287" r:id="rId21"/>
+    <p:sldId id="288" r:id="rId22"/>
+    <p:sldId id="289" r:id="rId23"/>
+    <p:sldId id="264" r:id="rId24"/>
+    <p:sldId id="279" r:id="rId25"/>
+    <p:sldId id="280" r:id="rId26"/>
+    <p:sldId id="281" r:id="rId27"/>
+    <p:sldId id="282" r:id="rId28"/>
+    <p:sldId id="265" r:id="rId29"/>
+    <p:sldId id="283" r:id="rId30"/>
+    <p:sldId id="284" r:id="rId31"/>
+    <p:sldId id="285" r:id="rId32"/>
+    <p:sldId id="286" r:id="rId33"/>
   </p:sldIdLst>
   <p:sldSz cx="12192000" cy="6858000"/>
   <p:notesSz cx="6858000" cy="9144000"/>
@@ -959,7 +962,7 @@
             </a:pPr>
             <a:r>
               <a:rPr lang="en-US" dirty="0"/>
-              <a:t>Economics</a:t>
+              <a:t>Judiciary</a:t>
             </a:r>
           </a:p>
           <a:p>
@@ -969,7 +972,57 @@
             </a:pPr>
             <a:r>
               <a:rPr lang="en-US" dirty="0"/>
-              <a:t>Sociology</a:t>
+              <a:t>Legislature</a:t>
+            </a:r>
+          </a:p>
+          <a:p>
+            <a:pPr marL="171450" indent="-171450">
+              <a:buFont typeface="Arial" panose="020B0604020202020204" pitchFamily="34" charset="0"/>
+              <a:buChar char="•"/>
+            </a:pPr>
+            <a:r>
+              <a:rPr lang="en-US" dirty="0"/>
+              <a:t>Executive</a:t>
+            </a:r>
+          </a:p>
+          <a:p>
+            <a:pPr marL="171450" indent="-171450">
+              <a:buFont typeface="Arial" panose="020B0604020202020204" pitchFamily="34" charset="0"/>
+              <a:buChar char="•"/>
+            </a:pPr>
+            <a:r>
+              <a:rPr lang="en-US" dirty="0"/>
+              <a:t>Military and police</a:t>
+            </a:r>
+          </a:p>
+          <a:p>
+            <a:pPr marL="171450" indent="-171450">
+              <a:buFont typeface="Arial" panose="020B0604020202020204" pitchFamily="34" charset="0"/>
+              <a:buChar char="•"/>
+            </a:pPr>
+            <a:r>
+              <a:rPr lang="en-US" dirty="0"/>
+              <a:t>Bureaucracy</a:t>
+            </a:r>
+          </a:p>
+          <a:p>
+            <a:pPr marL="171450" indent="-171450">
+              <a:buFont typeface="Arial" panose="020B0604020202020204" pitchFamily="34" charset="0"/>
+              <a:buChar char="•"/>
+            </a:pPr>
+            <a:r>
+              <a:rPr lang="en-US" dirty="0"/>
+              <a:t>Legal profession</a:t>
+            </a:r>
+          </a:p>
+          <a:p>
+            <a:pPr marL="171450" indent="-171450">
+              <a:buFont typeface="Arial" panose="020B0604020202020204" pitchFamily="34" charset="0"/>
+              <a:buChar char="•"/>
+            </a:pPr>
+            <a:r>
+              <a:rPr lang="en-US" dirty="0"/>
+              <a:t>Civil society</a:t>
             </a:r>
           </a:p>
         </p:txBody>
@@ -1000,7 +1053,7 @@
     </p:spTree>
     <p:extLst>
       <p:ext uri="{BB962C8B-B14F-4D97-AF65-F5344CB8AC3E}">
-        <p14:creationId xmlns:p14="http://schemas.microsoft.com/office/powerpoint/2010/main" val="1444438337"/>
+        <p14:creationId xmlns:p14="http://schemas.microsoft.com/office/powerpoint/2010/main" val="1507340810"/>
       </p:ext>
     </p:extLst>
   </p:cSld>
@@ -1066,7 +1119,7 @@
             </a:pPr>
             <a:r>
               <a:rPr lang="en-US" dirty="0"/>
-              <a:t>Economics</a:t>
+              <a:t>Judiciary</a:t>
             </a:r>
           </a:p>
           <a:p>
@@ -1076,7 +1129,57 @@
             </a:pPr>
             <a:r>
               <a:rPr lang="en-US" dirty="0"/>
-              <a:t>Sociology</a:t>
+              <a:t>Legislature</a:t>
+            </a:r>
+          </a:p>
+          <a:p>
+            <a:pPr marL="171450" indent="-171450">
+              <a:buFont typeface="Arial" panose="020B0604020202020204" pitchFamily="34" charset="0"/>
+              <a:buChar char="•"/>
+            </a:pPr>
+            <a:r>
+              <a:rPr lang="en-US" dirty="0"/>
+              <a:t>Executive</a:t>
+            </a:r>
+          </a:p>
+          <a:p>
+            <a:pPr marL="171450" indent="-171450">
+              <a:buFont typeface="Arial" panose="020B0604020202020204" pitchFamily="34" charset="0"/>
+              <a:buChar char="•"/>
+            </a:pPr>
+            <a:r>
+              <a:rPr lang="en-US" dirty="0"/>
+              <a:t>Military and police</a:t>
+            </a:r>
+          </a:p>
+          <a:p>
+            <a:pPr marL="171450" indent="-171450">
+              <a:buFont typeface="Arial" panose="020B0604020202020204" pitchFamily="34" charset="0"/>
+              <a:buChar char="•"/>
+            </a:pPr>
+            <a:r>
+              <a:rPr lang="en-US" dirty="0"/>
+              <a:t>Bureaucracy</a:t>
+            </a:r>
+          </a:p>
+          <a:p>
+            <a:pPr marL="171450" indent="-171450">
+              <a:buFont typeface="Arial" panose="020B0604020202020204" pitchFamily="34" charset="0"/>
+              <a:buChar char="•"/>
+            </a:pPr>
+            <a:r>
+              <a:rPr lang="en-US" dirty="0"/>
+              <a:t>Legal profession</a:t>
+            </a:r>
+          </a:p>
+          <a:p>
+            <a:pPr marL="171450" indent="-171450">
+              <a:buFont typeface="Arial" panose="020B0604020202020204" pitchFamily="34" charset="0"/>
+              <a:buChar char="•"/>
+            </a:pPr>
+            <a:r>
+              <a:rPr lang="en-US" dirty="0"/>
+              <a:t>Civil society</a:t>
             </a:r>
           </a:p>
         </p:txBody>
@@ -1107,7 +1210,7 @@
     </p:spTree>
     <p:extLst>
       <p:ext uri="{BB962C8B-B14F-4D97-AF65-F5344CB8AC3E}">
-        <p14:creationId xmlns:p14="http://schemas.microsoft.com/office/powerpoint/2010/main" val="1498289573"/>
+        <p14:creationId xmlns:p14="http://schemas.microsoft.com/office/powerpoint/2010/main" val="3947436259"/>
       </p:ext>
     </p:extLst>
   </p:cSld>
@@ -1173,7 +1276,7 @@
             </a:pPr>
             <a:r>
               <a:rPr lang="en-US" dirty="0"/>
-              <a:t>Economics</a:t>
+              <a:t>Judiciary</a:t>
             </a:r>
           </a:p>
           <a:p>
@@ -1183,7 +1286,57 @@
             </a:pPr>
             <a:r>
               <a:rPr lang="en-US" dirty="0"/>
-              <a:t>Sociology</a:t>
+              <a:t>Legislature</a:t>
+            </a:r>
+          </a:p>
+          <a:p>
+            <a:pPr marL="171450" indent="-171450">
+              <a:buFont typeface="Arial" panose="020B0604020202020204" pitchFamily="34" charset="0"/>
+              <a:buChar char="•"/>
+            </a:pPr>
+            <a:r>
+              <a:rPr lang="en-US" dirty="0"/>
+              <a:t>Executive</a:t>
+            </a:r>
+          </a:p>
+          <a:p>
+            <a:pPr marL="171450" indent="-171450">
+              <a:buFont typeface="Arial" panose="020B0604020202020204" pitchFamily="34" charset="0"/>
+              <a:buChar char="•"/>
+            </a:pPr>
+            <a:r>
+              <a:rPr lang="en-US" dirty="0"/>
+              <a:t>Military and police</a:t>
+            </a:r>
+          </a:p>
+          <a:p>
+            <a:pPr marL="171450" indent="-171450">
+              <a:buFont typeface="Arial" panose="020B0604020202020204" pitchFamily="34" charset="0"/>
+              <a:buChar char="•"/>
+            </a:pPr>
+            <a:r>
+              <a:rPr lang="en-US" dirty="0"/>
+              <a:t>Bureaucracy</a:t>
+            </a:r>
+          </a:p>
+          <a:p>
+            <a:pPr marL="171450" indent="-171450">
+              <a:buFont typeface="Arial" panose="020B0604020202020204" pitchFamily="34" charset="0"/>
+              <a:buChar char="•"/>
+            </a:pPr>
+            <a:r>
+              <a:rPr lang="en-US" dirty="0"/>
+              <a:t>Legal profession</a:t>
+            </a:r>
+          </a:p>
+          <a:p>
+            <a:pPr marL="171450" indent="-171450">
+              <a:buFont typeface="Arial" panose="020B0604020202020204" pitchFamily="34" charset="0"/>
+              <a:buChar char="•"/>
+            </a:pPr>
+            <a:r>
+              <a:rPr lang="en-US" dirty="0"/>
+              <a:t>Civil society</a:t>
             </a:r>
           </a:p>
         </p:txBody>
@@ -1214,7 +1367,7 @@
     </p:spTree>
     <p:extLst>
       <p:ext uri="{BB962C8B-B14F-4D97-AF65-F5344CB8AC3E}">
-        <p14:creationId xmlns:p14="http://schemas.microsoft.com/office/powerpoint/2010/main" val="149251095"/>
+        <p14:creationId xmlns:p14="http://schemas.microsoft.com/office/powerpoint/2010/main" val="1682054207"/>
       </p:ext>
     </p:extLst>
   </p:cSld>
@@ -1321,7 +1474,7 @@
     </p:spTree>
     <p:extLst>
       <p:ext uri="{BB962C8B-B14F-4D97-AF65-F5344CB8AC3E}">
-        <p14:creationId xmlns:p14="http://schemas.microsoft.com/office/powerpoint/2010/main" val="853270972"/>
+        <p14:creationId xmlns:p14="http://schemas.microsoft.com/office/powerpoint/2010/main" val="1444438337"/>
       </p:ext>
     </p:extLst>
   </p:cSld>
@@ -1420,6 +1573,327 @@
             <a:fld id="{E0746DE6-3336-457D-A091-FA20AC1C536E}" type="slidenum">
               <a:rPr lang="en-US" smtClean="0"/>
               <a:t>24</a:t>
+            </a:fld>
+            <a:endParaRPr lang="en-US"/>
+          </a:p>
+        </p:txBody>
+      </p:sp>
+    </p:spTree>
+    <p:extLst>
+      <p:ext uri="{BB962C8B-B14F-4D97-AF65-F5344CB8AC3E}">
+        <p14:creationId xmlns:p14="http://schemas.microsoft.com/office/powerpoint/2010/main" val="1498289573"/>
+      </p:ext>
+    </p:extLst>
+  </p:cSld>
+  <p:clrMapOvr>
+    <a:masterClrMapping/>
+  </p:clrMapOvr>
+</p:notes>
+</file>
+
+<file path=ppt/notesSlides/notesSlide17.xml><?xml version="1.0" encoding="utf-8"?>
+<p:notes xmlns:a="http://schemas.openxmlformats.org/drawingml/2006/main" xmlns:r="http://schemas.openxmlformats.org/officeDocument/2006/relationships" xmlns:p="http://schemas.openxmlformats.org/presentationml/2006/main">
+  <p:cSld>
+    <p:spTree>
+      <p:nvGrpSpPr>
+        <p:cNvPr id="1" name=""/>
+        <p:cNvGrpSpPr/>
+        <p:nvPr/>
+      </p:nvGrpSpPr>
+      <p:grpSpPr>
+        <a:xfrm>
+          <a:off x="0" y="0"/>
+          <a:ext cx="0" cy="0"/>
+          <a:chOff x="0" y="0"/>
+          <a:chExt cx="0" cy="0"/>
+        </a:xfrm>
+      </p:grpSpPr>
+      <p:sp>
+        <p:nvSpPr>
+          <p:cNvPr id="2" name="Slide Image Placeholder 1"/>
+          <p:cNvSpPr>
+            <a:spLocks noGrp="1" noRot="1" noChangeAspect="1"/>
+          </p:cNvSpPr>
+          <p:nvPr>
+            <p:ph type="sldImg"/>
+          </p:nvPr>
+        </p:nvSpPr>
+        <p:spPr/>
+      </p:sp>
+      <p:sp>
+        <p:nvSpPr>
+          <p:cNvPr id="3" name="Notes Placeholder 2"/>
+          <p:cNvSpPr>
+            <a:spLocks noGrp="1"/>
+          </p:cNvSpPr>
+          <p:nvPr>
+            <p:ph type="body" idx="1"/>
+          </p:nvPr>
+        </p:nvSpPr>
+        <p:spPr/>
+        <p:txBody>
+          <a:bodyPr/>
+          <a:lstStyle/>
+          <a:p>
+            <a:r>
+              <a:rPr lang="en-US" dirty="0"/>
+              <a:t>Consider talking about:</a:t>
+            </a:r>
+          </a:p>
+          <a:p>
+            <a:pPr marL="171450" indent="-171450">
+              <a:buFont typeface="Arial" panose="020B0604020202020204" pitchFamily="34" charset="0"/>
+              <a:buChar char="•"/>
+            </a:pPr>
+            <a:r>
+              <a:rPr lang="en-US" dirty="0"/>
+              <a:t>Economics</a:t>
+            </a:r>
+          </a:p>
+          <a:p>
+            <a:pPr marL="171450" indent="-171450">
+              <a:buFont typeface="Arial" panose="020B0604020202020204" pitchFamily="34" charset="0"/>
+              <a:buChar char="•"/>
+            </a:pPr>
+            <a:r>
+              <a:rPr lang="en-US" dirty="0"/>
+              <a:t>Sociology</a:t>
+            </a:r>
+          </a:p>
+        </p:txBody>
+      </p:sp>
+      <p:sp>
+        <p:nvSpPr>
+          <p:cNvPr id="4" name="Slide Number Placeholder 3"/>
+          <p:cNvSpPr>
+            <a:spLocks noGrp="1"/>
+          </p:cNvSpPr>
+          <p:nvPr>
+            <p:ph type="sldNum" sz="quarter" idx="10"/>
+          </p:nvPr>
+        </p:nvSpPr>
+        <p:spPr/>
+        <p:txBody>
+          <a:bodyPr/>
+          <a:lstStyle/>
+          <a:p>
+            <a:fld id="{E0746DE6-3336-457D-A091-FA20AC1C536E}" type="slidenum">
+              <a:rPr lang="en-US" smtClean="0"/>
+              <a:t>25</a:t>
+            </a:fld>
+            <a:endParaRPr lang="en-US"/>
+          </a:p>
+        </p:txBody>
+      </p:sp>
+    </p:spTree>
+    <p:extLst>
+      <p:ext uri="{BB962C8B-B14F-4D97-AF65-F5344CB8AC3E}">
+        <p14:creationId xmlns:p14="http://schemas.microsoft.com/office/powerpoint/2010/main" val="149251095"/>
+      </p:ext>
+    </p:extLst>
+  </p:cSld>
+  <p:clrMapOvr>
+    <a:masterClrMapping/>
+  </p:clrMapOvr>
+</p:notes>
+</file>
+
+<file path=ppt/notesSlides/notesSlide18.xml><?xml version="1.0" encoding="utf-8"?>
+<p:notes xmlns:a="http://schemas.openxmlformats.org/drawingml/2006/main" xmlns:r="http://schemas.openxmlformats.org/officeDocument/2006/relationships" xmlns:p="http://schemas.openxmlformats.org/presentationml/2006/main">
+  <p:cSld>
+    <p:spTree>
+      <p:nvGrpSpPr>
+        <p:cNvPr id="1" name=""/>
+        <p:cNvGrpSpPr/>
+        <p:nvPr/>
+      </p:nvGrpSpPr>
+      <p:grpSpPr>
+        <a:xfrm>
+          <a:off x="0" y="0"/>
+          <a:ext cx="0" cy="0"/>
+          <a:chOff x="0" y="0"/>
+          <a:chExt cx="0" cy="0"/>
+        </a:xfrm>
+      </p:grpSpPr>
+      <p:sp>
+        <p:nvSpPr>
+          <p:cNvPr id="2" name="Slide Image Placeholder 1"/>
+          <p:cNvSpPr>
+            <a:spLocks noGrp="1" noRot="1" noChangeAspect="1"/>
+          </p:cNvSpPr>
+          <p:nvPr>
+            <p:ph type="sldImg"/>
+          </p:nvPr>
+        </p:nvSpPr>
+        <p:spPr/>
+      </p:sp>
+      <p:sp>
+        <p:nvSpPr>
+          <p:cNvPr id="3" name="Notes Placeholder 2"/>
+          <p:cNvSpPr>
+            <a:spLocks noGrp="1"/>
+          </p:cNvSpPr>
+          <p:nvPr>
+            <p:ph type="body" idx="1"/>
+          </p:nvPr>
+        </p:nvSpPr>
+        <p:spPr/>
+        <p:txBody>
+          <a:bodyPr/>
+          <a:lstStyle/>
+          <a:p>
+            <a:r>
+              <a:rPr lang="en-US" dirty="0"/>
+              <a:t>Consider talking about:</a:t>
+            </a:r>
+          </a:p>
+          <a:p>
+            <a:pPr marL="171450" indent="-171450">
+              <a:buFont typeface="Arial" panose="020B0604020202020204" pitchFamily="34" charset="0"/>
+              <a:buChar char="•"/>
+            </a:pPr>
+            <a:r>
+              <a:rPr lang="en-US" dirty="0"/>
+              <a:t>Economics</a:t>
+            </a:r>
+          </a:p>
+          <a:p>
+            <a:pPr marL="171450" indent="-171450">
+              <a:buFont typeface="Arial" panose="020B0604020202020204" pitchFamily="34" charset="0"/>
+              <a:buChar char="•"/>
+            </a:pPr>
+            <a:r>
+              <a:rPr lang="en-US" dirty="0"/>
+              <a:t>Sociology</a:t>
+            </a:r>
+          </a:p>
+        </p:txBody>
+      </p:sp>
+      <p:sp>
+        <p:nvSpPr>
+          <p:cNvPr id="4" name="Slide Number Placeholder 3"/>
+          <p:cNvSpPr>
+            <a:spLocks noGrp="1"/>
+          </p:cNvSpPr>
+          <p:nvPr>
+            <p:ph type="sldNum" sz="quarter" idx="10"/>
+          </p:nvPr>
+        </p:nvSpPr>
+        <p:spPr/>
+        <p:txBody>
+          <a:bodyPr/>
+          <a:lstStyle/>
+          <a:p>
+            <a:fld id="{E0746DE6-3336-457D-A091-FA20AC1C536E}" type="slidenum">
+              <a:rPr lang="en-US" smtClean="0"/>
+              <a:t>26</a:t>
+            </a:fld>
+            <a:endParaRPr lang="en-US"/>
+          </a:p>
+        </p:txBody>
+      </p:sp>
+    </p:spTree>
+    <p:extLst>
+      <p:ext uri="{BB962C8B-B14F-4D97-AF65-F5344CB8AC3E}">
+        <p14:creationId xmlns:p14="http://schemas.microsoft.com/office/powerpoint/2010/main" val="853270972"/>
+      </p:ext>
+    </p:extLst>
+  </p:cSld>
+  <p:clrMapOvr>
+    <a:masterClrMapping/>
+  </p:clrMapOvr>
+</p:notes>
+</file>
+
+<file path=ppt/notesSlides/notesSlide19.xml><?xml version="1.0" encoding="utf-8"?>
+<p:notes xmlns:a="http://schemas.openxmlformats.org/drawingml/2006/main" xmlns:r="http://schemas.openxmlformats.org/officeDocument/2006/relationships" xmlns:p="http://schemas.openxmlformats.org/presentationml/2006/main">
+  <p:cSld>
+    <p:spTree>
+      <p:nvGrpSpPr>
+        <p:cNvPr id="1" name=""/>
+        <p:cNvGrpSpPr/>
+        <p:nvPr/>
+      </p:nvGrpSpPr>
+      <p:grpSpPr>
+        <a:xfrm>
+          <a:off x="0" y="0"/>
+          <a:ext cx="0" cy="0"/>
+          <a:chOff x="0" y="0"/>
+          <a:chExt cx="0" cy="0"/>
+        </a:xfrm>
+      </p:grpSpPr>
+      <p:sp>
+        <p:nvSpPr>
+          <p:cNvPr id="2" name="Slide Image Placeholder 1"/>
+          <p:cNvSpPr>
+            <a:spLocks noGrp="1" noRot="1" noChangeAspect="1"/>
+          </p:cNvSpPr>
+          <p:nvPr>
+            <p:ph type="sldImg"/>
+          </p:nvPr>
+        </p:nvSpPr>
+        <p:spPr/>
+      </p:sp>
+      <p:sp>
+        <p:nvSpPr>
+          <p:cNvPr id="3" name="Notes Placeholder 2"/>
+          <p:cNvSpPr>
+            <a:spLocks noGrp="1"/>
+          </p:cNvSpPr>
+          <p:nvPr>
+            <p:ph type="body" idx="1"/>
+          </p:nvPr>
+        </p:nvSpPr>
+        <p:spPr/>
+        <p:txBody>
+          <a:bodyPr/>
+          <a:lstStyle/>
+          <a:p>
+            <a:r>
+              <a:rPr lang="en-US" dirty="0"/>
+              <a:t>Consider talking about:</a:t>
+            </a:r>
+          </a:p>
+          <a:p>
+            <a:pPr marL="171450" indent="-171450">
+              <a:buFont typeface="Arial" panose="020B0604020202020204" pitchFamily="34" charset="0"/>
+              <a:buChar char="•"/>
+            </a:pPr>
+            <a:r>
+              <a:rPr lang="en-US" dirty="0"/>
+              <a:t>Economics</a:t>
+            </a:r>
+          </a:p>
+          <a:p>
+            <a:pPr marL="171450" indent="-171450">
+              <a:buFont typeface="Arial" panose="020B0604020202020204" pitchFamily="34" charset="0"/>
+              <a:buChar char="•"/>
+            </a:pPr>
+            <a:r>
+              <a:rPr lang="en-US" dirty="0"/>
+              <a:t>Sociology</a:t>
+            </a:r>
+          </a:p>
+        </p:txBody>
+      </p:sp>
+      <p:sp>
+        <p:nvSpPr>
+          <p:cNvPr id="4" name="Slide Number Placeholder 3"/>
+          <p:cNvSpPr>
+            <a:spLocks noGrp="1"/>
+          </p:cNvSpPr>
+          <p:nvPr>
+            <p:ph type="sldNum" sz="quarter" idx="10"/>
+          </p:nvPr>
+        </p:nvSpPr>
+        <p:spPr/>
+        <p:txBody>
+          <a:bodyPr/>
+          <a:lstStyle/>
+          <a:p>
+            <a:fld id="{E0746DE6-3336-457D-A091-FA20AC1C536E}" type="slidenum">
+              <a:rPr lang="en-US" smtClean="0"/>
+              <a:t>27</a:t>
             </a:fld>
             <a:endParaRPr lang="en-US"/>
           </a:p>
@@ -12972,6 +13446,36 @@
           </a:p>
         </p:txBody>
       </p:sp>
+      <p:pic>
+        <p:nvPicPr>
+          <p:cNvPr id="5" name="Picture 4">
+            <a:extLst>
+              <a:ext uri="{FF2B5EF4-FFF2-40B4-BE49-F238E27FC236}">
+                <a16:creationId xmlns:a16="http://schemas.microsoft.com/office/drawing/2014/main" id="{0119E2D4-4E84-6846-BEF7-1DE6182E5585}"/>
+              </a:ext>
+            </a:extLst>
+          </p:cNvPr>
+          <p:cNvPicPr>
+            <a:picLocks noChangeAspect="1"/>
+          </p:cNvPicPr>
+          <p:nvPr/>
+        </p:nvPicPr>
+        <p:blipFill>
+          <a:blip r:embed="rId3"/>
+          <a:stretch>
+            <a:fillRect/>
+          </a:stretch>
+        </p:blipFill>
+        <p:spPr>
+          <a:xfrm>
+            <a:off x="4877244" y="1475643"/>
+            <a:ext cx="4648200" cy="3409950"/>
+          </a:xfrm>
+          <a:prstGeom prst="rect">
+            <a:avLst/>
+          </a:prstGeom>
+        </p:spPr>
+      </p:pic>
     </p:spTree>
     <p:extLst>
       <p:ext uri="{BB962C8B-B14F-4D97-AF65-F5344CB8AC3E}">
@@ -13645,15 +14149,7 @@
                   <a:srgbClr val="FFFFFF"/>
                 </a:solidFill>
               </a:rPr>
-              <a:t>Meta podaci i hiper-</a:t>
-            </a:r>
-            <a:r>
-              <a:rPr lang="sr-Latn-RS" dirty="0" err="1">
-                <a:solidFill>
-                  <a:srgbClr val="FFFFFF"/>
-                </a:solidFill>
-              </a:rPr>
-              <a:t>linkovanje</a:t>
+              <a:t>Predlog kazne po slučaju</a:t>
             </a:r>
             <a:endParaRPr lang="en-US" dirty="0">
               <a:solidFill>
@@ -13736,8 +14232,8 @@
         </p:nvSpPr>
         <p:spPr>
           <a:xfrm>
-            <a:off x="4447308" y="591344"/>
-            <a:ext cx="6906491" cy="5585619"/>
+            <a:off x="4447308" y="298060"/>
+            <a:ext cx="6906491" cy="676739"/>
           </a:xfrm>
         </p:spPr>
         <p:txBody>
@@ -13747,952 +14243,52 @@
           <a:lstStyle/>
           <a:p>
             <a:r>
-              <a:rPr lang="en-US" b="0" i="0" dirty="0">
-                <a:solidFill>
-                  <a:srgbClr val="374151"/>
-                </a:solidFill>
-                <a:effectLst/>
-                <a:latin typeface="Söhne"/>
-              </a:rPr>
-              <a:t>Meta </a:t>
-            </a:r>
-            <a:r>
-              <a:rPr lang="en-US" b="0" i="0" dirty="0" err="1">
-                <a:solidFill>
-                  <a:srgbClr val="374151"/>
-                </a:solidFill>
-                <a:effectLst/>
-                <a:latin typeface="Söhne"/>
-              </a:rPr>
-              <a:t>podaci</a:t>
-            </a:r>
-            <a:r>
-              <a:rPr lang="en-US" b="0" i="0" dirty="0">
-                <a:solidFill>
-                  <a:srgbClr val="374151"/>
-                </a:solidFill>
-                <a:effectLst/>
-                <a:latin typeface="Söhne"/>
-              </a:rPr>
-              <a:t> </a:t>
-            </a:r>
-            <a:r>
-              <a:rPr lang="en-US" b="0" i="0" dirty="0" err="1">
-                <a:solidFill>
-                  <a:srgbClr val="374151"/>
-                </a:solidFill>
-                <a:effectLst/>
-                <a:latin typeface="Söhne"/>
-              </a:rPr>
-              <a:t>predstavljaju</a:t>
-            </a:r>
-            <a:r>
-              <a:rPr lang="en-US" b="0" i="0" dirty="0">
-                <a:solidFill>
-                  <a:srgbClr val="374151"/>
-                </a:solidFill>
-                <a:effectLst/>
-                <a:latin typeface="Söhne"/>
-              </a:rPr>
-              <a:t> </a:t>
-            </a:r>
-            <a:r>
-              <a:rPr lang="en-US" b="0" i="0" dirty="0" err="1">
-                <a:solidFill>
-                  <a:srgbClr val="374151"/>
-                </a:solidFill>
-                <a:effectLst/>
-                <a:latin typeface="Söhne"/>
-              </a:rPr>
-              <a:t>informacije</a:t>
-            </a:r>
-            <a:r>
-              <a:rPr lang="en-US" b="0" i="0" dirty="0">
-                <a:solidFill>
-                  <a:srgbClr val="374151"/>
-                </a:solidFill>
-                <a:effectLst/>
-                <a:latin typeface="Söhne"/>
-              </a:rPr>
-              <a:t> o </a:t>
-            </a:r>
-            <a:r>
-              <a:rPr lang="en-US" b="0" i="0" dirty="0" err="1">
-                <a:solidFill>
-                  <a:srgbClr val="374151"/>
-                </a:solidFill>
-                <a:effectLst/>
-                <a:latin typeface="Söhne"/>
-              </a:rPr>
-              <a:t>drugim</a:t>
-            </a:r>
-            <a:r>
-              <a:rPr lang="en-US" b="0" i="0" dirty="0">
-                <a:solidFill>
-                  <a:srgbClr val="374151"/>
-                </a:solidFill>
-                <a:effectLst/>
-                <a:latin typeface="Söhne"/>
-              </a:rPr>
-              <a:t> </a:t>
-            </a:r>
-            <a:r>
-              <a:rPr lang="en-US" b="0" i="0" dirty="0" err="1">
-                <a:solidFill>
-                  <a:srgbClr val="374151"/>
-                </a:solidFill>
-                <a:effectLst/>
-                <a:latin typeface="Söhne"/>
-              </a:rPr>
-              <a:t>podacima</a:t>
-            </a:r>
-            <a:r>
-              <a:rPr lang="en-US" b="0" i="0" dirty="0">
-                <a:solidFill>
-                  <a:srgbClr val="374151"/>
-                </a:solidFill>
-                <a:effectLst/>
-                <a:latin typeface="Söhne"/>
-              </a:rPr>
-              <a:t> </a:t>
-            </a:r>
-            <a:r>
-              <a:rPr lang="en-US" b="0" i="0" dirty="0" err="1">
-                <a:solidFill>
-                  <a:srgbClr val="374151"/>
-                </a:solidFill>
-                <a:effectLst/>
-                <a:latin typeface="Söhne"/>
-              </a:rPr>
-              <a:t>i</a:t>
-            </a:r>
-            <a:r>
-              <a:rPr lang="en-US" b="0" i="0" dirty="0">
-                <a:solidFill>
-                  <a:srgbClr val="374151"/>
-                </a:solidFill>
-                <a:effectLst/>
-                <a:latin typeface="Söhne"/>
-              </a:rPr>
-              <a:t> </a:t>
-            </a:r>
-            <a:r>
-              <a:rPr lang="en-US" b="0" i="0" dirty="0" err="1">
-                <a:solidFill>
-                  <a:srgbClr val="374151"/>
-                </a:solidFill>
-                <a:effectLst/>
-                <a:latin typeface="Söhne"/>
-              </a:rPr>
-              <a:t>opisuju</a:t>
-            </a:r>
-            <a:r>
-              <a:rPr lang="en-US" b="0" i="0" dirty="0">
-                <a:solidFill>
-                  <a:srgbClr val="374151"/>
-                </a:solidFill>
-                <a:effectLst/>
-                <a:latin typeface="Söhne"/>
-              </a:rPr>
-              <a:t> </a:t>
-            </a:r>
-            <a:r>
-              <a:rPr lang="en-US" b="0" i="0" dirty="0" err="1">
-                <a:solidFill>
-                  <a:srgbClr val="374151"/>
-                </a:solidFill>
-                <a:effectLst/>
-                <a:latin typeface="Söhne"/>
-              </a:rPr>
-              <a:t>njihov</a:t>
-            </a:r>
-            <a:r>
-              <a:rPr lang="en-US" b="0" i="0" dirty="0">
-                <a:solidFill>
-                  <a:srgbClr val="374151"/>
-                </a:solidFill>
-                <a:effectLst/>
-                <a:latin typeface="Söhne"/>
-              </a:rPr>
-              <a:t> </a:t>
-            </a:r>
-            <a:r>
-              <a:rPr lang="en-US" b="0" i="0" dirty="0" err="1">
-                <a:solidFill>
-                  <a:srgbClr val="374151"/>
-                </a:solidFill>
-                <a:effectLst/>
-                <a:latin typeface="Söhne"/>
-              </a:rPr>
-              <a:t>sadržaj</a:t>
-            </a:r>
-            <a:r>
-              <a:rPr lang="en-US" b="0" i="0" dirty="0">
-                <a:solidFill>
-                  <a:srgbClr val="374151"/>
-                </a:solidFill>
-                <a:effectLst/>
-                <a:latin typeface="Söhne"/>
-              </a:rPr>
-              <a:t> </a:t>
-            </a:r>
-            <a:r>
-              <a:rPr lang="en-US" b="0" i="0" dirty="0" err="1">
-                <a:solidFill>
-                  <a:srgbClr val="374151"/>
-                </a:solidFill>
-                <a:effectLst/>
-                <a:latin typeface="Söhne"/>
-              </a:rPr>
-              <a:t>i</a:t>
-            </a:r>
-            <a:r>
-              <a:rPr lang="en-US" b="0" i="0" dirty="0">
-                <a:solidFill>
-                  <a:srgbClr val="374151"/>
-                </a:solidFill>
-                <a:effectLst/>
-                <a:latin typeface="Söhne"/>
-              </a:rPr>
-              <a:t> </a:t>
-            </a:r>
-            <a:r>
-              <a:rPr lang="en-US" b="0" i="0" dirty="0" err="1">
-                <a:solidFill>
-                  <a:srgbClr val="374151"/>
-                </a:solidFill>
-                <a:effectLst/>
-                <a:latin typeface="Söhne"/>
-              </a:rPr>
-              <a:t>formu</a:t>
-            </a:r>
-            <a:r>
-              <a:rPr lang="en-US" b="0" i="0" dirty="0">
-                <a:solidFill>
-                  <a:srgbClr val="374151"/>
-                </a:solidFill>
-                <a:effectLst/>
-                <a:latin typeface="Söhne"/>
-              </a:rPr>
-              <a:t>, </a:t>
-            </a:r>
-            <a:r>
-              <a:rPr lang="en-US" b="0" i="0" dirty="0" err="1">
-                <a:solidFill>
-                  <a:srgbClr val="374151"/>
-                </a:solidFill>
-                <a:effectLst/>
-                <a:latin typeface="Söhne"/>
-              </a:rPr>
-              <a:t>dok</a:t>
-            </a:r>
-            <a:r>
-              <a:rPr lang="en-US" b="0" i="0" dirty="0">
-                <a:solidFill>
-                  <a:srgbClr val="374151"/>
-                </a:solidFill>
-                <a:effectLst/>
-                <a:latin typeface="Söhne"/>
-              </a:rPr>
-              <a:t> </a:t>
-            </a:r>
-            <a:r>
-              <a:rPr lang="en-US" b="0" i="0" dirty="0" err="1">
-                <a:solidFill>
-                  <a:srgbClr val="374151"/>
-                </a:solidFill>
-                <a:effectLst/>
-                <a:latin typeface="Söhne"/>
-              </a:rPr>
-              <a:t>hiper-linkovanje</a:t>
-            </a:r>
-            <a:r>
-              <a:rPr lang="en-US" b="0" i="0" dirty="0">
-                <a:solidFill>
-                  <a:srgbClr val="374151"/>
-                </a:solidFill>
-                <a:effectLst/>
-                <a:latin typeface="Söhne"/>
-              </a:rPr>
-              <a:t> </a:t>
-            </a:r>
-            <a:r>
-              <a:rPr lang="en-US" b="0" i="0" dirty="0" err="1">
-                <a:solidFill>
-                  <a:srgbClr val="374151"/>
-                </a:solidFill>
-                <a:effectLst/>
-                <a:latin typeface="Söhne"/>
-              </a:rPr>
-              <a:t>predstavlja</a:t>
-            </a:r>
-            <a:r>
-              <a:rPr lang="en-US" b="0" i="0" dirty="0">
-                <a:solidFill>
-                  <a:srgbClr val="374151"/>
-                </a:solidFill>
-                <a:effectLst/>
-                <a:latin typeface="Söhne"/>
-              </a:rPr>
-              <a:t> </a:t>
-            </a:r>
-            <a:r>
-              <a:rPr lang="en-US" b="0" i="0" dirty="0" err="1">
-                <a:solidFill>
-                  <a:srgbClr val="374151"/>
-                </a:solidFill>
-                <a:effectLst/>
-                <a:latin typeface="Söhne"/>
-              </a:rPr>
-              <a:t>tehniku</a:t>
-            </a:r>
-            <a:r>
-              <a:rPr lang="en-US" b="0" i="0" dirty="0">
-                <a:solidFill>
-                  <a:srgbClr val="374151"/>
-                </a:solidFill>
-                <a:effectLst/>
-                <a:latin typeface="Söhne"/>
-              </a:rPr>
-              <a:t> </a:t>
-            </a:r>
-            <a:r>
-              <a:rPr lang="en-US" b="0" i="0" dirty="0" err="1">
-                <a:solidFill>
-                  <a:srgbClr val="374151"/>
-                </a:solidFill>
-                <a:effectLst/>
-                <a:latin typeface="Söhne"/>
-              </a:rPr>
-              <a:t>koja</a:t>
-            </a:r>
-            <a:r>
-              <a:rPr lang="en-US" b="0" i="0" dirty="0">
-                <a:solidFill>
-                  <a:srgbClr val="374151"/>
-                </a:solidFill>
-                <a:effectLst/>
-                <a:latin typeface="Söhne"/>
-              </a:rPr>
-              <a:t> </a:t>
-            </a:r>
-            <a:r>
-              <a:rPr lang="en-US" b="0" i="0" dirty="0" err="1">
-                <a:solidFill>
-                  <a:srgbClr val="374151"/>
-                </a:solidFill>
-                <a:effectLst/>
-                <a:latin typeface="Söhne"/>
-              </a:rPr>
-              <a:t>omogućava</a:t>
-            </a:r>
-            <a:r>
-              <a:rPr lang="en-US" b="0" i="0" dirty="0">
-                <a:solidFill>
-                  <a:srgbClr val="374151"/>
-                </a:solidFill>
-                <a:effectLst/>
-                <a:latin typeface="Söhne"/>
-              </a:rPr>
-              <a:t> </a:t>
-            </a:r>
-            <a:r>
-              <a:rPr lang="en-US" b="0" i="0" dirty="0" err="1">
-                <a:solidFill>
-                  <a:srgbClr val="374151"/>
-                </a:solidFill>
-                <a:effectLst/>
-                <a:latin typeface="Söhne"/>
-              </a:rPr>
-              <a:t>povezivanje</a:t>
-            </a:r>
-            <a:r>
-              <a:rPr lang="en-US" b="0" i="0" dirty="0">
-                <a:solidFill>
-                  <a:srgbClr val="374151"/>
-                </a:solidFill>
-                <a:effectLst/>
-                <a:latin typeface="Söhne"/>
-              </a:rPr>
-              <a:t> </a:t>
-            </a:r>
-            <a:r>
-              <a:rPr lang="en-US" b="0" i="0" dirty="0" err="1">
-                <a:solidFill>
-                  <a:srgbClr val="374151"/>
-                </a:solidFill>
-                <a:effectLst/>
-                <a:latin typeface="Söhne"/>
-              </a:rPr>
-              <a:t>različitih</a:t>
-            </a:r>
-            <a:r>
-              <a:rPr lang="en-US" b="0" i="0" dirty="0">
-                <a:solidFill>
-                  <a:srgbClr val="374151"/>
-                </a:solidFill>
-                <a:effectLst/>
-                <a:latin typeface="Söhne"/>
-              </a:rPr>
-              <a:t> </a:t>
-            </a:r>
-            <a:r>
-              <a:rPr lang="en-US" b="0" i="0" dirty="0" err="1">
-                <a:solidFill>
-                  <a:srgbClr val="374151"/>
-                </a:solidFill>
-                <a:effectLst/>
-                <a:latin typeface="Söhne"/>
-              </a:rPr>
-              <a:t>informacija</a:t>
-            </a:r>
-            <a:r>
-              <a:rPr lang="en-US" b="0" i="0" dirty="0">
-                <a:solidFill>
-                  <a:srgbClr val="374151"/>
-                </a:solidFill>
-                <a:effectLst/>
-                <a:latin typeface="Söhne"/>
-              </a:rPr>
-              <a:t> </a:t>
-            </a:r>
-            <a:r>
-              <a:rPr lang="en-US" b="0" i="0" dirty="0" err="1">
-                <a:solidFill>
-                  <a:srgbClr val="374151"/>
-                </a:solidFill>
-                <a:effectLst/>
-                <a:latin typeface="Söhne"/>
-              </a:rPr>
-              <a:t>i</a:t>
-            </a:r>
-            <a:r>
-              <a:rPr lang="en-US" b="0" i="0" dirty="0">
-                <a:solidFill>
-                  <a:srgbClr val="374151"/>
-                </a:solidFill>
-                <a:effectLst/>
-                <a:latin typeface="Söhne"/>
-              </a:rPr>
-              <a:t> </a:t>
-            </a:r>
-            <a:r>
-              <a:rPr lang="en-US" b="0" i="0" dirty="0" err="1">
-                <a:solidFill>
-                  <a:srgbClr val="374151"/>
-                </a:solidFill>
-                <a:effectLst/>
-                <a:latin typeface="Söhne"/>
-              </a:rPr>
-              <a:t>resursa</a:t>
-            </a:r>
-            <a:r>
-              <a:rPr lang="en-US" b="0" i="0" dirty="0">
-                <a:solidFill>
-                  <a:srgbClr val="374151"/>
-                </a:solidFill>
-                <a:effectLst/>
-                <a:latin typeface="Söhne"/>
-              </a:rPr>
-              <a:t> </a:t>
-            </a:r>
-            <a:r>
-              <a:rPr lang="en-US" b="0" i="0" dirty="0" err="1">
-                <a:solidFill>
-                  <a:srgbClr val="374151"/>
-                </a:solidFill>
-                <a:effectLst/>
-                <a:latin typeface="Söhne"/>
-              </a:rPr>
-              <a:t>putem</a:t>
-            </a:r>
-            <a:r>
-              <a:rPr lang="en-US" b="0" i="0" dirty="0">
-                <a:solidFill>
-                  <a:srgbClr val="374151"/>
-                </a:solidFill>
-                <a:effectLst/>
-                <a:latin typeface="Söhne"/>
-              </a:rPr>
-              <a:t> </a:t>
-            </a:r>
-            <a:r>
-              <a:rPr lang="en-US" b="0" i="0" dirty="0" err="1">
-                <a:solidFill>
-                  <a:srgbClr val="374151"/>
-                </a:solidFill>
-                <a:effectLst/>
-                <a:latin typeface="Söhne"/>
-              </a:rPr>
-              <a:t>hiperlinkova</a:t>
-            </a:r>
-            <a:r>
-              <a:rPr lang="en-US" b="0" i="0" dirty="0">
-                <a:solidFill>
-                  <a:srgbClr val="374151"/>
-                </a:solidFill>
-                <a:effectLst/>
-                <a:latin typeface="Söhne"/>
-              </a:rPr>
-              <a:t>.</a:t>
-            </a:r>
-            <a:endParaRPr lang="sr-Latn-RS" b="0" i="0" dirty="0">
-              <a:solidFill>
-                <a:srgbClr val="374151"/>
-              </a:solidFill>
-              <a:effectLst/>
-              <a:latin typeface="Söhne"/>
-            </a:endParaRPr>
-          </a:p>
-          <a:p>
-            <a:r>
-              <a:rPr lang="en-US" b="0" i="0" dirty="0" err="1">
-                <a:solidFill>
-                  <a:srgbClr val="374151"/>
-                </a:solidFill>
-                <a:effectLst/>
-                <a:latin typeface="Söhne"/>
-              </a:rPr>
-              <a:t>Obe</a:t>
-            </a:r>
-            <a:r>
-              <a:rPr lang="en-US" b="0" i="0" dirty="0">
-                <a:solidFill>
-                  <a:srgbClr val="374151"/>
-                </a:solidFill>
-                <a:effectLst/>
-                <a:latin typeface="Söhne"/>
-              </a:rPr>
-              <a:t> </a:t>
-            </a:r>
-            <a:r>
-              <a:rPr lang="en-US" b="0" i="0" dirty="0" err="1">
-                <a:solidFill>
-                  <a:srgbClr val="374151"/>
-                </a:solidFill>
-                <a:effectLst/>
-                <a:latin typeface="Söhne"/>
-              </a:rPr>
-              <a:t>ove</a:t>
-            </a:r>
-            <a:r>
-              <a:rPr lang="en-US" b="0" i="0" dirty="0">
-                <a:solidFill>
-                  <a:srgbClr val="374151"/>
-                </a:solidFill>
-                <a:effectLst/>
-                <a:latin typeface="Söhne"/>
-              </a:rPr>
-              <a:t> </a:t>
-            </a:r>
-            <a:r>
-              <a:rPr lang="en-US" b="0" i="0" dirty="0" err="1">
-                <a:solidFill>
-                  <a:srgbClr val="374151"/>
-                </a:solidFill>
-                <a:effectLst/>
-                <a:latin typeface="Söhne"/>
-              </a:rPr>
-              <a:t>teme</a:t>
-            </a:r>
-            <a:r>
-              <a:rPr lang="en-US" b="0" i="0" dirty="0">
-                <a:solidFill>
-                  <a:srgbClr val="374151"/>
-                </a:solidFill>
-                <a:effectLst/>
-                <a:latin typeface="Söhne"/>
-              </a:rPr>
-              <a:t> </a:t>
-            </a:r>
-            <a:r>
-              <a:rPr lang="en-US" b="0" i="0" dirty="0" err="1">
-                <a:solidFill>
-                  <a:srgbClr val="374151"/>
-                </a:solidFill>
-                <a:effectLst/>
-                <a:latin typeface="Söhne"/>
-              </a:rPr>
-              <a:t>su</a:t>
-            </a:r>
-            <a:r>
-              <a:rPr lang="en-US" b="0" i="0" dirty="0">
-                <a:solidFill>
-                  <a:srgbClr val="374151"/>
-                </a:solidFill>
-                <a:effectLst/>
-                <a:latin typeface="Söhne"/>
-              </a:rPr>
-              <a:t> od </a:t>
-            </a:r>
-            <a:r>
-              <a:rPr lang="en-US" b="0" i="0" dirty="0" err="1">
-                <a:solidFill>
-                  <a:srgbClr val="374151"/>
-                </a:solidFill>
-                <a:effectLst/>
-                <a:latin typeface="Söhne"/>
-              </a:rPr>
-              <a:t>izuzetne</a:t>
-            </a:r>
-            <a:r>
-              <a:rPr lang="en-US" b="0" i="0" dirty="0">
-                <a:solidFill>
-                  <a:srgbClr val="374151"/>
-                </a:solidFill>
-                <a:effectLst/>
-                <a:latin typeface="Söhne"/>
-              </a:rPr>
-              <a:t> </a:t>
-            </a:r>
-            <a:r>
-              <a:rPr lang="en-US" b="0" i="0" dirty="0" err="1">
-                <a:solidFill>
-                  <a:srgbClr val="374151"/>
-                </a:solidFill>
-                <a:effectLst/>
-                <a:latin typeface="Söhne"/>
-              </a:rPr>
-              <a:t>važnosti</a:t>
-            </a:r>
-            <a:r>
-              <a:rPr lang="en-US" b="0" i="0" dirty="0">
-                <a:solidFill>
-                  <a:srgbClr val="374151"/>
-                </a:solidFill>
-                <a:effectLst/>
-                <a:latin typeface="Söhne"/>
-              </a:rPr>
-              <a:t> u </a:t>
-            </a:r>
-            <a:r>
-              <a:rPr lang="en-US" b="0" i="0" dirty="0" err="1">
-                <a:solidFill>
-                  <a:srgbClr val="374151"/>
-                </a:solidFill>
-                <a:effectLst/>
-                <a:latin typeface="Söhne"/>
-              </a:rPr>
-              <a:t>oblasti</a:t>
-            </a:r>
-            <a:r>
-              <a:rPr lang="en-US" b="0" i="0" dirty="0">
-                <a:solidFill>
-                  <a:srgbClr val="374151"/>
-                </a:solidFill>
-                <a:effectLst/>
-                <a:latin typeface="Söhne"/>
-              </a:rPr>
-              <a:t> </a:t>
-            </a:r>
-            <a:r>
-              <a:rPr lang="en-US" b="0" i="0" dirty="0" err="1">
-                <a:solidFill>
-                  <a:srgbClr val="374151"/>
-                </a:solidFill>
-                <a:effectLst/>
-                <a:latin typeface="Söhne"/>
-              </a:rPr>
-              <a:t>prava</a:t>
-            </a:r>
-            <a:r>
-              <a:rPr lang="en-US" b="0" i="0" dirty="0">
-                <a:solidFill>
-                  <a:srgbClr val="374151"/>
-                </a:solidFill>
-                <a:effectLst/>
-                <a:latin typeface="Söhne"/>
-              </a:rPr>
-              <a:t>, </a:t>
-            </a:r>
-            <a:r>
-              <a:rPr lang="en-US" b="0" i="0" dirty="0" err="1">
-                <a:solidFill>
-                  <a:srgbClr val="374151"/>
-                </a:solidFill>
-                <a:effectLst/>
-                <a:latin typeface="Söhne"/>
-              </a:rPr>
-              <a:t>jer</a:t>
-            </a:r>
-            <a:r>
-              <a:rPr lang="en-US" b="0" i="0" dirty="0">
-                <a:solidFill>
-                  <a:srgbClr val="374151"/>
-                </a:solidFill>
-                <a:effectLst/>
-                <a:latin typeface="Söhne"/>
-              </a:rPr>
-              <a:t> </a:t>
-            </a:r>
-            <a:r>
-              <a:rPr lang="en-US" b="0" i="0" dirty="0" err="1">
-                <a:solidFill>
-                  <a:srgbClr val="374151"/>
-                </a:solidFill>
-                <a:effectLst/>
-                <a:latin typeface="Söhne"/>
-              </a:rPr>
-              <a:t>omogućavaju</a:t>
-            </a:r>
-            <a:r>
-              <a:rPr lang="en-US" b="0" i="0" dirty="0">
-                <a:solidFill>
-                  <a:srgbClr val="374151"/>
-                </a:solidFill>
-                <a:effectLst/>
-                <a:latin typeface="Söhne"/>
-              </a:rPr>
-              <a:t> </a:t>
-            </a:r>
-            <a:r>
-              <a:rPr lang="en-US" b="0" i="0" dirty="0" err="1">
-                <a:solidFill>
-                  <a:srgbClr val="374151"/>
-                </a:solidFill>
-                <a:effectLst/>
-                <a:latin typeface="Söhne"/>
-              </a:rPr>
-              <a:t>efikasno</a:t>
-            </a:r>
-            <a:r>
-              <a:rPr lang="en-US" b="0" i="0" dirty="0">
-                <a:solidFill>
-                  <a:srgbClr val="374151"/>
-                </a:solidFill>
-                <a:effectLst/>
-                <a:latin typeface="Söhne"/>
-              </a:rPr>
-              <a:t> </a:t>
-            </a:r>
-            <a:r>
-              <a:rPr lang="en-US" b="0" i="0" dirty="0" err="1">
-                <a:solidFill>
-                  <a:srgbClr val="374151"/>
-                </a:solidFill>
-                <a:effectLst/>
-                <a:latin typeface="Söhne"/>
-              </a:rPr>
-              <a:t>pretraživanje</a:t>
-            </a:r>
-            <a:r>
-              <a:rPr lang="en-US" b="0" i="0" dirty="0">
-                <a:solidFill>
-                  <a:srgbClr val="374151"/>
-                </a:solidFill>
-                <a:effectLst/>
-                <a:latin typeface="Söhne"/>
-              </a:rPr>
-              <a:t> </a:t>
-            </a:r>
-            <a:r>
-              <a:rPr lang="en-US" b="0" i="0" dirty="0" err="1">
-                <a:solidFill>
-                  <a:srgbClr val="374151"/>
-                </a:solidFill>
-                <a:effectLst/>
-                <a:latin typeface="Söhne"/>
-              </a:rPr>
-              <a:t>i</a:t>
-            </a:r>
-            <a:r>
-              <a:rPr lang="en-US" b="0" i="0" dirty="0">
-                <a:solidFill>
-                  <a:srgbClr val="374151"/>
-                </a:solidFill>
-                <a:effectLst/>
-                <a:latin typeface="Söhne"/>
-              </a:rPr>
-              <a:t> </a:t>
-            </a:r>
-            <a:r>
-              <a:rPr lang="en-US" b="0" i="0" dirty="0" err="1">
-                <a:solidFill>
-                  <a:srgbClr val="374151"/>
-                </a:solidFill>
-                <a:effectLst/>
-                <a:latin typeface="Söhne"/>
-              </a:rPr>
-              <a:t>analizu</a:t>
-            </a:r>
-            <a:r>
-              <a:rPr lang="en-US" b="0" i="0" dirty="0">
-                <a:solidFill>
-                  <a:srgbClr val="374151"/>
-                </a:solidFill>
-                <a:effectLst/>
-                <a:latin typeface="Söhne"/>
-              </a:rPr>
-              <a:t> </a:t>
-            </a:r>
-            <a:r>
-              <a:rPr lang="en-US" b="0" i="0" dirty="0" err="1">
-                <a:solidFill>
-                  <a:srgbClr val="374151"/>
-                </a:solidFill>
-                <a:effectLst/>
-                <a:latin typeface="Söhne"/>
-              </a:rPr>
-              <a:t>pravnih</a:t>
-            </a:r>
-            <a:r>
-              <a:rPr lang="en-US" b="0" i="0" dirty="0">
-                <a:solidFill>
-                  <a:srgbClr val="374151"/>
-                </a:solidFill>
-                <a:effectLst/>
-                <a:latin typeface="Söhne"/>
-              </a:rPr>
-              <a:t> </a:t>
-            </a:r>
-            <a:r>
-              <a:rPr lang="en-US" b="0" i="0" dirty="0" err="1">
-                <a:solidFill>
-                  <a:srgbClr val="374151"/>
-                </a:solidFill>
-                <a:effectLst/>
-                <a:latin typeface="Söhne"/>
-              </a:rPr>
-              <a:t>dokumenata</a:t>
-            </a:r>
-            <a:r>
-              <a:rPr lang="en-US" b="0" i="0" dirty="0">
-                <a:solidFill>
-                  <a:srgbClr val="374151"/>
-                </a:solidFill>
-                <a:effectLst/>
-                <a:latin typeface="Söhne"/>
-              </a:rPr>
-              <a:t>, </a:t>
-            </a:r>
-            <a:r>
-              <a:rPr lang="en-US" b="0" i="0" dirty="0" err="1">
-                <a:solidFill>
-                  <a:srgbClr val="374151"/>
-                </a:solidFill>
-                <a:effectLst/>
-                <a:latin typeface="Söhne"/>
-              </a:rPr>
-              <a:t>kao</a:t>
-            </a:r>
-            <a:r>
-              <a:rPr lang="en-US" b="0" i="0" dirty="0">
-                <a:solidFill>
-                  <a:srgbClr val="374151"/>
-                </a:solidFill>
-                <a:effectLst/>
-                <a:latin typeface="Söhne"/>
-              </a:rPr>
-              <a:t> </a:t>
-            </a:r>
-            <a:r>
-              <a:rPr lang="en-US" b="0" i="0" dirty="0" err="1">
-                <a:solidFill>
-                  <a:srgbClr val="374151"/>
-                </a:solidFill>
-                <a:effectLst/>
-                <a:latin typeface="Söhne"/>
-              </a:rPr>
-              <a:t>i</a:t>
-            </a:r>
-            <a:r>
-              <a:rPr lang="en-US" b="0" i="0" dirty="0">
-                <a:solidFill>
-                  <a:srgbClr val="374151"/>
-                </a:solidFill>
-                <a:effectLst/>
-                <a:latin typeface="Söhne"/>
-              </a:rPr>
-              <a:t> </a:t>
-            </a:r>
-            <a:r>
-              <a:rPr lang="en-US" b="0" i="0" dirty="0" err="1">
-                <a:solidFill>
-                  <a:srgbClr val="374151"/>
-                </a:solidFill>
-                <a:effectLst/>
-                <a:latin typeface="Söhne"/>
-              </a:rPr>
-              <a:t>povezivanje</a:t>
-            </a:r>
-            <a:r>
-              <a:rPr lang="en-US" b="0" i="0" dirty="0">
-                <a:solidFill>
-                  <a:srgbClr val="374151"/>
-                </a:solidFill>
-                <a:effectLst/>
-                <a:latin typeface="Söhne"/>
-              </a:rPr>
-              <a:t> </a:t>
-            </a:r>
-            <a:r>
-              <a:rPr lang="en-US" b="0" i="0" dirty="0" err="1">
-                <a:solidFill>
-                  <a:srgbClr val="374151"/>
-                </a:solidFill>
-                <a:effectLst/>
-                <a:latin typeface="Söhne"/>
-              </a:rPr>
-              <a:t>različitih</a:t>
-            </a:r>
-            <a:r>
-              <a:rPr lang="en-US" b="0" i="0" dirty="0">
-                <a:solidFill>
-                  <a:srgbClr val="374151"/>
-                </a:solidFill>
-                <a:effectLst/>
-                <a:latin typeface="Söhne"/>
-              </a:rPr>
-              <a:t> </a:t>
-            </a:r>
-            <a:r>
-              <a:rPr lang="en-US" b="0" i="0" dirty="0" err="1">
-                <a:solidFill>
-                  <a:srgbClr val="374151"/>
-                </a:solidFill>
-                <a:effectLst/>
-                <a:latin typeface="Söhne"/>
-              </a:rPr>
-              <a:t>pravnih</a:t>
-            </a:r>
-            <a:r>
-              <a:rPr lang="en-US" b="0" i="0" dirty="0">
-                <a:solidFill>
-                  <a:srgbClr val="374151"/>
-                </a:solidFill>
-                <a:effectLst/>
-                <a:latin typeface="Söhne"/>
-              </a:rPr>
-              <a:t> </a:t>
-            </a:r>
-            <a:r>
-              <a:rPr lang="en-US" b="0" i="0" dirty="0" err="1">
-                <a:solidFill>
-                  <a:srgbClr val="374151"/>
-                </a:solidFill>
-                <a:effectLst/>
-                <a:latin typeface="Söhne"/>
-              </a:rPr>
-              <a:t>izvora</a:t>
-            </a:r>
-            <a:r>
-              <a:rPr lang="en-US" b="0" i="0" dirty="0">
-                <a:solidFill>
-                  <a:srgbClr val="374151"/>
-                </a:solidFill>
-                <a:effectLst/>
-                <a:latin typeface="Söhne"/>
-              </a:rPr>
-              <a:t>.</a:t>
+              <a:rPr lang="sr-Latn-RS" dirty="0">
+                <a:solidFill>
+                  <a:srgbClr val="374151"/>
+                </a:solidFill>
+                <a:latin typeface="Söhne"/>
+              </a:rPr>
+              <a:t>Primer predloga kazne po slučaju</a:t>
             </a:r>
             <a:endParaRPr lang="en-US" dirty="0"/>
           </a:p>
         </p:txBody>
       </p:sp>
+      <p:pic>
+        <p:nvPicPr>
+          <p:cNvPr id="7" name="Picture 6">
+            <a:extLst>
+              <a:ext uri="{FF2B5EF4-FFF2-40B4-BE49-F238E27FC236}">
+                <a16:creationId xmlns:a16="http://schemas.microsoft.com/office/drawing/2014/main" id="{9E0088C7-8CA4-1A89-8A48-3354AA23A302}"/>
+              </a:ext>
+            </a:extLst>
+          </p:cNvPr>
+          <p:cNvPicPr>
+            <a:picLocks noChangeAspect="1"/>
+          </p:cNvPicPr>
+          <p:nvPr/>
+        </p:nvPicPr>
+        <p:blipFill>
+          <a:blip r:embed="rId3"/>
+          <a:stretch>
+            <a:fillRect/>
+          </a:stretch>
+        </p:blipFill>
+        <p:spPr>
+          <a:xfrm>
+            <a:off x="5012939" y="1622028"/>
+            <a:ext cx="4514850" cy="3524250"/>
+          </a:xfrm>
+          <a:prstGeom prst="rect">
+            <a:avLst/>
+          </a:prstGeom>
+        </p:spPr>
+      </p:pic>
     </p:spTree>
     <p:extLst>
       <p:ext uri="{BB962C8B-B14F-4D97-AF65-F5344CB8AC3E}">
-        <p14:creationId xmlns:p14="http://schemas.microsoft.com/office/powerpoint/2010/main" val="593464938"/>
+        <p14:creationId xmlns:p14="http://schemas.microsoft.com/office/powerpoint/2010/main" val="3252419666"/>
       </p:ext>
     </p:extLst>
   </p:cSld>
@@ -14949,15 +14545,7 @@
                   <a:srgbClr val="FFFFFF"/>
                 </a:solidFill>
               </a:rPr>
-              <a:t>Meta podaci i hiper-</a:t>
-            </a:r>
-            <a:r>
-              <a:rPr lang="sr-Latn-RS" dirty="0" err="1">
-                <a:solidFill>
-                  <a:srgbClr val="FFFFFF"/>
-                </a:solidFill>
-              </a:rPr>
-              <a:t>linkovanje</a:t>
+              <a:t>Predlog kazne po slučaju</a:t>
             </a:r>
             <a:endParaRPr lang="en-US" dirty="0">
               <a:solidFill>
@@ -15040,8 +14628,8 @@
         </p:nvSpPr>
         <p:spPr>
           <a:xfrm>
-            <a:off x="4447308" y="298061"/>
-            <a:ext cx="6906491" cy="562228"/>
+            <a:off x="4447308" y="298060"/>
+            <a:ext cx="6906491" cy="676739"/>
           </a:xfrm>
         </p:spPr>
         <p:txBody>
@@ -15051,33 +14639,52 @@
           <a:lstStyle/>
           <a:p>
             <a:r>
-              <a:rPr lang="sr-Latn-RS" b="0" i="0" dirty="0">
-                <a:solidFill>
-                  <a:srgbClr val="374151"/>
-                </a:solidFill>
-                <a:effectLst/>
-                <a:latin typeface="Söhne"/>
-              </a:rPr>
-              <a:t>Primer meta podataka i hiper-</a:t>
-            </a:r>
-            <a:r>
-              <a:rPr lang="sr-Latn-RS" b="0" i="0" dirty="0" err="1">
-                <a:solidFill>
-                  <a:srgbClr val="374151"/>
-                </a:solidFill>
-                <a:effectLst/>
-                <a:latin typeface="Söhne"/>
-              </a:rPr>
-              <a:t>linkovanja</a:t>
+              <a:rPr lang="sr-Latn-RS" dirty="0">
+                <a:solidFill>
+                  <a:srgbClr val="374151"/>
+                </a:solidFill>
+                <a:latin typeface="Söhne"/>
+              </a:rPr>
+              <a:t>Primer predloga kazne po slučaju</a:t>
             </a:r>
             <a:endParaRPr lang="en-US" dirty="0"/>
           </a:p>
         </p:txBody>
       </p:sp>
+      <p:pic>
+        <p:nvPicPr>
+          <p:cNvPr id="5" name="Picture 4">
+            <a:extLst>
+              <a:ext uri="{FF2B5EF4-FFF2-40B4-BE49-F238E27FC236}">
+                <a16:creationId xmlns:a16="http://schemas.microsoft.com/office/drawing/2014/main" id="{FF67D42D-D768-0192-DD6D-DEC86058A333}"/>
+              </a:ext>
+            </a:extLst>
+          </p:cNvPr>
+          <p:cNvPicPr>
+            <a:picLocks noChangeAspect="1"/>
+          </p:cNvPicPr>
+          <p:nvPr/>
+        </p:nvPicPr>
+        <p:blipFill>
+          <a:blip r:embed="rId3"/>
+          <a:stretch>
+            <a:fillRect/>
+          </a:stretch>
+        </p:blipFill>
+        <p:spPr>
+          <a:xfrm>
+            <a:off x="4659632" y="974799"/>
+            <a:ext cx="5114925" cy="5629275"/>
+          </a:xfrm>
+          <a:prstGeom prst="rect">
+            <a:avLst/>
+          </a:prstGeom>
+        </p:spPr>
+      </p:pic>
     </p:spTree>
     <p:extLst>
       <p:ext uri="{BB962C8B-B14F-4D97-AF65-F5344CB8AC3E}">
-        <p14:creationId xmlns:p14="http://schemas.microsoft.com/office/powerpoint/2010/main" val="3009236944"/>
+        <p14:creationId xmlns:p14="http://schemas.microsoft.com/office/powerpoint/2010/main" val="3954035261"/>
       </p:ext>
     </p:extLst>
   </p:cSld>
@@ -15334,15 +14941,7 @@
                   <a:srgbClr val="FFFFFF"/>
                 </a:solidFill>
               </a:rPr>
-              <a:t>Meta podaci i hiper-</a:t>
-            </a:r>
-            <a:r>
-              <a:rPr lang="sr-Latn-RS" dirty="0" err="1">
-                <a:solidFill>
-                  <a:srgbClr val="FFFFFF"/>
-                </a:solidFill>
-              </a:rPr>
-              <a:t>linkovanje</a:t>
+              <a:t>Predlog kazne po slučaju</a:t>
             </a:r>
             <a:endParaRPr lang="en-US" dirty="0">
               <a:solidFill>
@@ -15425,8 +15024,8 @@
         </p:nvSpPr>
         <p:spPr>
           <a:xfrm>
-            <a:off x="4447308" y="298061"/>
-            <a:ext cx="6906491" cy="562228"/>
+            <a:off x="4447308" y="298060"/>
+            <a:ext cx="6906491" cy="676739"/>
           </a:xfrm>
         </p:spPr>
         <p:txBody>
@@ -15436,24 +15035,13 @@
           <a:lstStyle/>
           <a:p>
             <a:r>
-              <a:rPr lang="sr-Latn-RS" b="0" i="0" dirty="0">
-                <a:solidFill>
-                  <a:srgbClr val="374151"/>
-                </a:solidFill>
-                <a:effectLst/>
-                <a:latin typeface="Söhne"/>
-              </a:rPr>
-              <a:t>Primer meta podataka i hiper-</a:t>
-            </a:r>
-            <a:r>
-              <a:rPr lang="sr-Latn-RS" b="0" i="0" dirty="0" err="1">
-                <a:solidFill>
-                  <a:srgbClr val="374151"/>
-                </a:solidFill>
-                <a:effectLst/>
-                <a:latin typeface="Söhne"/>
-              </a:rPr>
-              <a:t>linkovanja</a:t>
+              <a:rPr lang="sr-Latn-RS" dirty="0">
+                <a:solidFill>
+                  <a:srgbClr val="374151"/>
+                </a:solidFill>
+                <a:latin typeface="Söhne"/>
+              </a:rPr>
+              <a:t>Primer predloga kazne po slučaju</a:t>
             </a:r>
             <a:endParaRPr lang="en-US" dirty="0"/>
           </a:p>
@@ -15461,10 +15049,10 @@
       </p:sp>
       <p:pic>
         <p:nvPicPr>
-          <p:cNvPr id="5" name="Picture 4">
+          <p:cNvPr id="6" name="Picture 5">
             <a:extLst>
               <a:ext uri="{FF2B5EF4-FFF2-40B4-BE49-F238E27FC236}">
-                <a16:creationId xmlns:a16="http://schemas.microsoft.com/office/drawing/2014/main" id="{1ED62814-5E0B-A6B2-7CFB-523392172436}"/>
+                <a16:creationId xmlns:a16="http://schemas.microsoft.com/office/drawing/2014/main" id="{C32C8CCE-75C9-5FAA-39FD-87377CDC83A1}"/>
               </a:ext>
             </a:extLst>
           </p:cNvPr>
@@ -15481,8 +15069,8 @@
         </p:blipFill>
         <p:spPr>
           <a:xfrm>
-            <a:off x="3887234" y="860288"/>
-            <a:ext cx="8282161" cy="5997711"/>
+            <a:off x="3007150" y="1097010"/>
+            <a:ext cx="9166667" cy="5704428"/>
           </a:xfrm>
           <a:prstGeom prst="rect">
             <a:avLst/>
@@ -15492,7 +15080,7 @@
     </p:spTree>
     <p:extLst>
       <p:ext uri="{BB962C8B-B14F-4D97-AF65-F5344CB8AC3E}">
-        <p14:creationId xmlns:p14="http://schemas.microsoft.com/office/powerpoint/2010/main" val="1828387559"/>
+        <p14:creationId xmlns:p14="http://schemas.microsoft.com/office/powerpoint/2010/main" val="3172048641"/>
       </p:ext>
     </p:extLst>
   </p:cSld>
@@ -15840,8 +15428,8 @@
         </p:nvSpPr>
         <p:spPr>
           <a:xfrm>
-            <a:off x="4447308" y="298061"/>
-            <a:ext cx="6906491" cy="562228"/>
+            <a:off x="4447308" y="591344"/>
+            <a:ext cx="6906491" cy="5585619"/>
           </a:xfrm>
         </p:spPr>
         <p:txBody>
@@ -15851,63 +15439,952 @@
           <a:lstStyle/>
           <a:p>
             <a:r>
-              <a:rPr lang="sr-Latn-RS" b="0" i="0" dirty="0">
-                <a:solidFill>
-                  <a:srgbClr val="374151"/>
-                </a:solidFill>
-                <a:effectLst/>
-                <a:latin typeface="Söhne"/>
-              </a:rPr>
-              <a:t>Primer meta podataka i hiper-</a:t>
-            </a:r>
-            <a:r>
-              <a:rPr lang="sr-Latn-RS" b="0" i="0" dirty="0" err="1">
-                <a:solidFill>
-                  <a:srgbClr val="374151"/>
-                </a:solidFill>
-                <a:effectLst/>
-                <a:latin typeface="Söhne"/>
-              </a:rPr>
-              <a:t>linkovanja</a:t>
+              <a:rPr lang="en-US" b="0" i="0" dirty="0">
+                <a:solidFill>
+                  <a:srgbClr val="374151"/>
+                </a:solidFill>
+                <a:effectLst/>
+                <a:latin typeface="Söhne"/>
+              </a:rPr>
+              <a:t>Meta </a:t>
+            </a:r>
+            <a:r>
+              <a:rPr lang="en-US" b="0" i="0" dirty="0" err="1">
+                <a:solidFill>
+                  <a:srgbClr val="374151"/>
+                </a:solidFill>
+                <a:effectLst/>
+                <a:latin typeface="Söhne"/>
+              </a:rPr>
+              <a:t>podaci</a:t>
+            </a:r>
+            <a:r>
+              <a:rPr lang="en-US" b="0" i="0" dirty="0">
+                <a:solidFill>
+                  <a:srgbClr val="374151"/>
+                </a:solidFill>
+                <a:effectLst/>
+                <a:latin typeface="Söhne"/>
+              </a:rPr>
+              <a:t> </a:t>
+            </a:r>
+            <a:r>
+              <a:rPr lang="en-US" b="0" i="0" dirty="0" err="1">
+                <a:solidFill>
+                  <a:srgbClr val="374151"/>
+                </a:solidFill>
+                <a:effectLst/>
+                <a:latin typeface="Söhne"/>
+              </a:rPr>
+              <a:t>predstavljaju</a:t>
+            </a:r>
+            <a:r>
+              <a:rPr lang="en-US" b="0" i="0" dirty="0">
+                <a:solidFill>
+                  <a:srgbClr val="374151"/>
+                </a:solidFill>
+                <a:effectLst/>
+                <a:latin typeface="Söhne"/>
+              </a:rPr>
+              <a:t> </a:t>
+            </a:r>
+            <a:r>
+              <a:rPr lang="en-US" b="0" i="0" dirty="0" err="1">
+                <a:solidFill>
+                  <a:srgbClr val="374151"/>
+                </a:solidFill>
+                <a:effectLst/>
+                <a:latin typeface="Söhne"/>
+              </a:rPr>
+              <a:t>informacije</a:t>
+            </a:r>
+            <a:r>
+              <a:rPr lang="en-US" b="0" i="0" dirty="0">
+                <a:solidFill>
+                  <a:srgbClr val="374151"/>
+                </a:solidFill>
+                <a:effectLst/>
+                <a:latin typeface="Söhne"/>
+              </a:rPr>
+              <a:t> o </a:t>
+            </a:r>
+            <a:r>
+              <a:rPr lang="en-US" b="0" i="0" dirty="0" err="1">
+                <a:solidFill>
+                  <a:srgbClr val="374151"/>
+                </a:solidFill>
+                <a:effectLst/>
+                <a:latin typeface="Söhne"/>
+              </a:rPr>
+              <a:t>drugim</a:t>
+            </a:r>
+            <a:r>
+              <a:rPr lang="en-US" b="0" i="0" dirty="0">
+                <a:solidFill>
+                  <a:srgbClr val="374151"/>
+                </a:solidFill>
+                <a:effectLst/>
+                <a:latin typeface="Söhne"/>
+              </a:rPr>
+              <a:t> </a:t>
+            </a:r>
+            <a:r>
+              <a:rPr lang="en-US" b="0" i="0" dirty="0" err="1">
+                <a:solidFill>
+                  <a:srgbClr val="374151"/>
+                </a:solidFill>
+                <a:effectLst/>
+                <a:latin typeface="Söhne"/>
+              </a:rPr>
+              <a:t>podacima</a:t>
+            </a:r>
+            <a:r>
+              <a:rPr lang="en-US" b="0" i="0" dirty="0">
+                <a:solidFill>
+                  <a:srgbClr val="374151"/>
+                </a:solidFill>
+                <a:effectLst/>
+                <a:latin typeface="Söhne"/>
+              </a:rPr>
+              <a:t> </a:t>
+            </a:r>
+            <a:r>
+              <a:rPr lang="en-US" b="0" i="0" dirty="0" err="1">
+                <a:solidFill>
+                  <a:srgbClr val="374151"/>
+                </a:solidFill>
+                <a:effectLst/>
+                <a:latin typeface="Söhne"/>
+              </a:rPr>
+              <a:t>i</a:t>
+            </a:r>
+            <a:r>
+              <a:rPr lang="en-US" b="0" i="0" dirty="0">
+                <a:solidFill>
+                  <a:srgbClr val="374151"/>
+                </a:solidFill>
+                <a:effectLst/>
+                <a:latin typeface="Söhne"/>
+              </a:rPr>
+              <a:t> </a:t>
+            </a:r>
+            <a:r>
+              <a:rPr lang="en-US" b="0" i="0" dirty="0" err="1">
+                <a:solidFill>
+                  <a:srgbClr val="374151"/>
+                </a:solidFill>
+                <a:effectLst/>
+                <a:latin typeface="Söhne"/>
+              </a:rPr>
+              <a:t>opisuju</a:t>
+            </a:r>
+            <a:r>
+              <a:rPr lang="en-US" b="0" i="0" dirty="0">
+                <a:solidFill>
+                  <a:srgbClr val="374151"/>
+                </a:solidFill>
+                <a:effectLst/>
+                <a:latin typeface="Söhne"/>
+              </a:rPr>
+              <a:t> </a:t>
+            </a:r>
+            <a:r>
+              <a:rPr lang="en-US" b="0" i="0" dirty="0" err="1">
+                <a:solidFill>
+                  <a:srgbClr val="374151"/>
+                </a:solidFill>
+                <a:effectLst/>
+                <a:latin typeface="Söhne"/>
+              </a:rPr>
+              <a:t>njihov</a:t>
+            </a:r>
+            <a:r>
+              <a:rPr lang="en-US" b="0" i="0" dirty="0">
+                <a:solidFill>
+                  <a:srgbClr val="374151"/>
+                </a:solidFill>
+                <a:effectLst/>
+                <a:latin typeface="Söhne"/>
+              </a:rPr>
+              <a:t> </a:t>
+            </a:r>
+            <a:r>
+              <a:rPr lang="en-US" b="0" i="0" dirty="0" err="1">
+                <a:solidFill>
+                  <a:srgbClr val="374151"/>
+                </a:solidFill>
+                <a:effectLst/>
+                <a:latin typeface="Söhne"/>
+              </a:rPr>
+              <a:t>sadržaj</a:t>
+            </a:r>
+            <a:r>
+              <a:rPr lang="en-US" b="0" i="0" dirty="0">
+                <a:solidFill>
+                  <a:srgbClr val="374151"/>
+                </a:solidFill>
+                <a:effectLst/>
+                <a:latin typeface="Söhne"/>
+              </a:rPr>
+              <a:t> </a:t>
+            </a:r>
+            <a:r>
+              <a:rPr lang="en-US" b="0" i="0" dirty="0" err="1">
+                <a:solidFill>
+                  <a:srgbClr val="374151"/>
+                </a:solidFill>
+                <a:effectLst/>
+                <a:latin typeface="Söhne"/>
+              </a:rPr>
+              <a:t>i</a:t>
+            </a:r>
+            <a:r>
+              <a:rPr lang="en-US" b="0" i="0" dirty="0">
+                <a:solidFill>
+                  <a:srgbClr val="374151"/>
+                </a:solidFill>
+                <a:effectLst/>
+                <a:latin typeface="Söhne"/>
+              </a:rPr>
+              <a:t> </a:t>
+            </a:r>
+            <a:r>
+              <a:rPr lang="en-US" b="0" i="0" dirty="0" err="1">
+                <a:solidFill>
+                  <a:srgbClr val="374151"/>
+                </a:solidFill>
+                <a:effectLst/>
+                <a:latin typeface="Söhne"/>
+              </a:rPr>
+              <a:t>formu</a:t>
+            </a:r>
+            <a:r>
+              <a:rPr lang="en-US" b="0" i="0" dirty="0">
+                <a:solidFill>
+                  <a:srgbClr val="374151"/>
+                </a:solidFill>
+                <a:effectLst/>
+                <a:latin typeface="Söhne"/>
+              </a:rPr>
+              <a:t>, </a:t>
+            </a:r>
+            <a:r>
+              <a:rPr lang="en-US" b="0" i="0" dirty="0" err="1">
+                <a:solidFill>
+                  <a:srgbClr val="374151"/>
+                </a:solidFill>
+                <a:effectLst/>
+                <a:latin typeface="Söhne"/>
+              </a:rPr>
+              <a:t>dok</a:t>
+            </a:r>
+            <a:r>
+              <a:rPr lang="en-US" b="0" i="0" dirty="0">
+                <a:solidFill>
+                  <a:srgbClr val="374151"/>
+                </a:solidFill>
+                <a:effectLst/>
+                <a:latin typeface="Söhne"/>
+              </a:rPr>
+              <a:t> </a:t>
+            </a:r>
+            <a:r>
+              <a:rPr lang="en-US" b="0" i="0" dirty="0" err="1">
+                <a:solidFill>
+                  <a:srgbClr val="374151"/>
+                </a:solidFill>
+                <a:effectLst/>
+                <a:latin typeface="Söhne"/>
+              </a:rPr>
+              <a:t>hiper-linkovanje</a:t>
+            </a:r>
+            <a:r>
+              <a:rPr lang="en-US" b="0" i="0" dirty="0">
+                <a:solidFill>
+                  <a:srgbClr val="374151"/>
+                </a:solidFill>
+                <a:effectLst/>
+                <a:latin typeface="Söhne"/>
+              </a:rPr>
+              <a:t> </a:t>
+            </a:r>
+            <a:r>
+              <a:rPr lang="en-US" b="0" i="0" dirty="0" err="1">
+                <a:solidFill>
+                  <a:srgbClr val="374151"/>
+                </a:solidFill>
+                <a:effectLst/>
+                <a:latin typeface="Söhne"/>
+              </a:rPr>
+              <a:t>predstavlja</a:t>
+            </a:r>
+            <a:r>
+              <a:rPr lang="en-US" b="0" i="0" dirty="0">
+                <a:solidFill>
+                  <a:srgbClr val="374151"/>
+                </a:solidFill>
+                <a:effectLst/>
+                <a:latin typeface="Söhne"/>
+              </a:rPr>
+              <a:t> </a:t>
+            </a:r>
+            <a:r>
+              <a:rPr lang="en-US" b="0" i="0" dirty="0" err="1">
+                <a:solidFill>
+                  <a:srgbClr val="374151"/>
+                </a:solidFill>
+                <a:effectLst/>
+                <a:latin typeface="Söhne"/>
+              </a:rPr>
+              <a:t>tehniku</a:t>
+            </a:r>
+            <a:r>
+              <a:rPr lang="en-US" b="0" i="0" dirty="0">
+                <a:solidFill>
+                  <a:srgbClr val="374151"/>
+                </a:solidFill>
+                <a:effectLst/>
+                <a:latin typeface="Söhne"/>
+              </a:rPr>
+              <a:t> </a:t>
+            </a:r>
+            <a:r>
+              <a:rPr lang="en-US" b="0" i="0" dirty="0" err="1">
+                <a:solidFill>
+                  <a:srgbClr val="374151"/>
+                </a:solidFill>
+                <a:effectLst/>
+                <a:latin typeface="Söhne"/>
+              </a:rPr>
+              <a:t>koja</a:t>
+            </a:r>
+            <a:r>
+              <a:rPr lang="en-US" b="0" i="0" dirty="0">
+                <a:solidFill>
+                  <a:srgbClr val="374151"/>
+                </a:solidFill>
+                <a:effectLst/>
+                <a:latin typeface="Söhne"/>
+              </a:rPr>
+              <a:t> </a:t>
+            </a:r>
+            <a:r>
+              <a:rPr lang="en-US" b="0" i="0" dirty="0" err="1">
+                <a:solidFill>
+                  <a:srgbClr val="374151"/>
+                </a:solidFill>
+                <a:effectLst/>
+                <a:latin typeface="Söhne"/>
+              </a:rPr>
+              <a:t>omogućava</a:t>
+            </a:r>
+            <a:r>
+              <a:rPr lang="en-US" b="0" i="0" dirty="0">
+                <a:solidFill>
+                  <a:srgbClr val="374151"/>
+                </a:solidFill>
+                <a:effectLst/>
+                <a:latin typeface="Söhne"/>
+              </a:rPr>
+              <a:t> </a:t>
+            </a:r>
+            <a:r>
+              <a:rPr lang="en-US" b="0" i="0" dirty="0" err="1">
+                <a:solidFill>
+                  <a:srgbClr val="374151"/>
+                </a:solidFill>
+                <a:effectLst/>
+                <a:latin typeface="Söhne"/>
+              </a:rPr>
+              <a:t>povezivanje</a:t>
+            </a:r>
+            <a:r>
+              <a:rPr lang="en-US" b="0" i="0" dirty="0">
+                <a:solidFill>
+                  <a:srgbClr val="374151"/>
+                </a:solidFill>
+                <a:effectLst/>
+                <a:latin typeface="Söhne"/>
+              </a:rPr>
+              <a:t> </a:t>
+            </a:r>
+            <a:r>
+              <a:rPr lang="en-US" b="0" i="0" dirty="0" err="1">
+                <a:solidFill>
+                  <a:srgbClr val="374151"/>
+                </a:solidFill>
+                <a:effectLst/>
+                <a:latin typeface="Söhne"/>
+              </a:rPr>
+              <a:t>različitih</a:t>
+            </a:r>
+            <a:r>
+              <a:rPr lang="en-US" b="0" i="0" dirty="0">
+                <a:solidFill>
+                  <a:srgbClr val="374151"/>
+                </a:solidFill>
+                <a:effectLst/>
+                <a:latin typeface="Söhne"/>
+              </a:rPr>
+              <a:t> </a:t>
+            </a:r>
+            <a:r>
+              <a:rPr lang="en-US" b="0" i="0" dirty="0" err="1">
+                <a:solidFill>
+                  <a:srgbClr val="374151"/>
+                </a:solidFill>
+                <a:effectLst/>
+                <a:latin typeface="Söhne"/>
+              </a:rPr>
+              <a:t>informacija</a:t>
+            </a:r>
+            <a:r>
+              <a:rPr lang="en-US" b="0" i="0" dirty="0">
+                <a:solidFill>
+                  <a:srgbClr val="374151"/>
+                </a:solidFill>
+                <a:effectLst/>
+                <a:latin typeface="Söhne"/>
+              </a:rPr>
+              <a:t> </a:t>
+            </a:r>
+            <a:r>
+              <a:rPr lang="en-US" b="0" i="0" dirty="0" err="1">
+                <a:solidFill>
+                  <a:srgbClr val="374151"/>
+                </a:solidFill>
+                <a:effectLst/>
+                <a:latin typeface="Söhne"/>
+              </a:rPr>
+              <a:t>i</a:t>
+            </a:r>
+            <a:r>
+              <a:rPr lang="en-US" b="0" i="0" dirty="0">
+                <a:solidFill>
+                  <a:srgbClr val="374151"/>
+                </a:solidFill>
+                <a:effectLst/>
+                <a:latin typeface="Söhne"/>
+              </a:rPr>
+              <a:t> </a:t>
+            </a:r>
+            <a:r>
+              <a:rPr lang="en-US" b="0" i="0" dirty="0" err="1">
+                <a:solidFill>
+                  <a:srgbClr val="374151"/>
+                </a:solidFill>
+                <a:effectLst/>
+                <a:latin typeface="Söhne"/>
+              </a:rPr>
+              <a:t>resursa</a:t>
+            </a:r>
+            <a:r>
+              <a:rPr lang="en-US" b="0" i="0" dirty="0">
+                <a:solidFill>
+                  <a:srgbClr val="374151"/>
+                </a:solidFill>
+                <a:effectLst/>
+                <a:latin typeface="Söhne"/>
+              </a:rPr>
+              <a:t> </a:t>
+            </a:r>
+            <a:r>
+              <a:rPr lang="en-US" b="0" i="0" dirty="0" err="1">
+                <a:solidFill>
+                  <a:srgbClr val="374151"/>
+                </a:solidFill>
+                <a:effectLst/>
+                <a:latin typeface="Söhne"/>
+              </a:rPr>
+              <a:t>putem</a:t>
+            </a:r>
+            <a:r>
+              <a:rPr lang="en-US" b="0" i="0" dirty="0">
+                <a:solidFill>
+                  <a:srgbClr val="374151"/>
+                </a:solidFill>
+                <a:effectLst/>
+                <a:latin typeface="Söhne"/>
+              </a:rPr>
+              <a:t> </a:t>
+            </a:r>
+            <a:r>
+              <a:rPr lang="en-US" b="0" i="0" dirty="0" err="1">
+                <a:solidFill>
+                  <a:srgbClr val="374151"/>
+                </a:solidFill>
+                <a:effectLst/>
+                <a:latin typeface="Söhne"/>
+              </a:rPr>
+              <a:t>hiperlinkova</a:t>
+            </a:r>
+            <a:r>
+              <a:rPr lang="en-US" b="0" i="0" dirty="0">
+                <a:solidFill>
+                  <a:srgbClr val="374151"/>
+                </a:solidFill>
+                <a:effectLst/>
+                <a:latin typeface="Söhne"/>
+              </a:rPr>
+              <a:t>.</a:t>
+            </a:r>
+            <a:endParaRPr lang="sr-Latn-RS" b="0" i="0" dirty="0">
+              <a:solidFill>
+                <a:srgbClr val="374151"/>
+              </a:solidFill>
+              <a:effectLst/>
+              <a:latin typeface="Söhne"/>
+            </a:endParaRPr>
+          </a:p>
+          <a:p>
+            <a:r>
+              <a:rPr lang="en-US" b="0" i="0" dirty="0" err="1">
+                <a:solidFill>
+                  <a:srgbClr val="374151"/>
+                </a:solidFill>
+                <a:effectLst/>
+                <a:latin typeface="Söhne"/>
+              </a:rPr>
+              <a:t>Obe</a:t>
+            </a:r>
+            <a:r>
+              <a:rPr lang="en-US" b="0" i="0" dirty="0">
+                <a:solidFill>
+                  <a:srgbClr val="374151"/>
+                </a:solidFill>
+                <a:effectLst/>
+                <a:latin typeface="Söhne"/>
+              </a:rPr>
+              <a:t> </a:t>
+            </a:r>
+            <a:r>
+              <a:rPr lang="en-US" b="0" i="0" dirty="0" err="1">
+                <a:solidFill>
+                  <a:srgbClr val="374151"/>
+                </a:solidFill>
+                <a:effectLst/>
+                <a:latin typeface="Söhne"/>
+              </a:rPr>
+              <a:t>ove</a:t>
+            </a:r>
+            <a:r>
+              <a:rPr lang="en-US" b="0" i="0" dirty="0">
+                <a:solidFill>
+                  <a:srgbClr val="374151"/>
+                </a:solidFill>
+                <a:effectLst/>
+                <a:latin typeface="Söhne"/>
+              </a:rPr>
+              <a:t> </a:t>
+            </a:r>
+            <a:r>
+              <a:rPr lang="en-US" b="0" i="0" dirty="0" err="1">
+                <a:solidFill>
+                  <a:srgbClr val="374151"/>
+                </a:solidFill>
+                <a:effectLst/>
+                <a:latin typeface="Söhne"/>
+              </a:rPr>
+              <a:t>teme</a:t>
+            </a:r>
+            <a:r>
+              <a:rPr lang="en-US" b="0" i="0" dirty="0">
+                <a:solidFill>
+                  <a:srgbClr val="374151"/>
+                </a:solidFill>
+                <a:effectLst/>
+                <a:latin typeface="Söhne"/>
+              </a:rPr>
+              <a:t> </a:t>
+            </a:r>
+            <a:r>
+              <a:rPr lang="en-US" b="0" i="0" dirty="0" err="1">
+                <a:solidFill>
+                  <a:srgbClr val="374151"/>
+                </a:solidFill>
+                <a:effectLst/>
+                <a:latin typeface="Söhne"/>
+              </a:rPr>
+              <a:t>su</a:t>
+            </a:r>
+            <a:r>
+              <a:rPr lang="en-US" b="0" i="0" dirty="0">
+                <a:solidFill>
+                  <a:srgbClr val="374151"/>
+                </a:solidFill>
+                <a:effectLst/>
+                <a:latin typeface="Söhne"/>
+              </a:rPr>
+              <a:t> od </a:t>
+            </a:r>
+            <a:r>
+              <a:rPr lang="en-US" b="0" i="0" dirty="0" err="1">
+                <a:solidFill>
+                  <a:srgbClr val="374151"/>
+                </a:solidFill>
+                <a:effectLst/>
+                <a:latin typeface="Söhne"/>
+              </a:rPr>
+              <a:t>izuzetne</a:t>
+            </a:r>
+            <a:r>
+              <a:rPr lang="en-US" b="0" i="0" dirty="0">
+                <a:solidFill>
+                  <a:srgbClr val="374151"/>
+                </a:solidFill>
+                <a:effectLst/>
+                <a:latin typeface="Söhne"/>
+              </a:rPr>
+              <a:t> </a:t>
+            </a:r>
+            <a:r>
+              <a:rPr lang="en-US" b="0" i="0" dirty="0" err="1">
+                <a:solidFill>
+                  <a:srgbClr val="374151"/>
+                </a:solidFill>
+                <a:effectLst/>
+                <a:latin typeface="Söhne"/>
+              </a:rPr>
+              <a:t>važnosti</a:t>
+            </a:r>
+            <a:r>
+              <a:rPr lang="en-US" b="0" i="0" dirty="0">
+                <a:solidFill>
+                  <a:srgbClr val="374151"/>
+                </a:solidFill>
+                <a:effectLst/>
+                <a:latin typeface="Söhne"/>
+              </a:rPr>
+              <a:t> u </a:t>
+            </a:r>
+            <a:r>
+              <a:rPr lang="en-US" b="0" i="0" dirty="0" err="1">
+                <a:solidFill>
+                  <a:srgbClr val="374151"/>
+                </a:solidFill>
+                <a:effectLst/>
+                <a:latin typeface="Söhne"/>
+              </a:rPr>
+              <a:t>oblasti</a:t>
+            </a:r>
+            <a:r>
+              <a:rPr lang="en-US" b="0" i="0" dirty="0">
+                <a:solidFill>
+                  <a:srgbClr val="374151"/>
+                </a:solidFill>
+                <a:effectLst/>
+                <a:latin typeface="Söhne"/>
+              </a:rPr>
+              <a:t> </a:t>
+            </a:r>
+            <a:r>
+              <a:rPr lang="en-US" b="0" i="0" dirty="0" err="1">
+                <a:solidFill>
+                  <a:srgbClr val="374151"/>
+                </a:solidFill>
+                <a:effectLst/>
+                <a:latin typeface="Söhne"/>
+              </a:rPr>
+              <a:t>prava</a:t>
+            </a:r>
+            <a:r>
+              <a:rPr lang="en-US" b="0" i="0" dirty="0">
+                <a:solidFill>
+                  <a:srgbClr val="374151"/>
+                </a:solidFill>
+                <a:effectLst/>
+                <a:latin typeface="Söhne"/>
+              </a:rPr>
+              <a:t>, </a:t>
+            </a:r>
+            <a:r>
+              <a:rPr lang="en-US" b="0" i="0" dirty="0" err="1">
+                <a:solidFill>
+                  <a:srgbClr val="374151"/>
+                </a:solidFill>
+                <a:effectLst/>
+                <a:latin typeface="Söhne"/>
+              </a:rPr>
+              <a:t>jer</a:t>
+            </a:r>
+            <a:r>
+              <a:rPr lang="en-US" b="0" i="0" dirty="0">
+                <a:solidFill>
+                  <a:srgbClr val="374151"/>
+                </a:solidFill>
+                <a:effectLst/>
+                <a:latin typeface="Söhne"/>
+              </a:rPr>
+              <a:t> </a:t>
+            </a:r>
+            <a:r>
+              <a:rPr lang="en-US" b="0" i="0" dirty="0" err="1">
+                <a:solidFill>
+                  <a:srgbClr val="374151"/>
+                </a:solidFill>
+                <a:effectLst/>
+                <a:latin typeface="Söhne"/>
+              </a:rPr>
+              <a:t>omogućavaju</a:t>
+            </a:r>
+            <a:r>
+              <a:rPr lang="en-US" b="0" i="0" dirty="0">
+                <a:solidFill>
+                  <a:srgbClr val="374151"/>
+                </a:solidFill>
+                <a:effectLst/>
+                <a:latin typeface="Söhne"/>
+              </a:rPr>
+              <a:t> </a:t>
+            </a:r>
+            <a:r>
+              <a:rPr lang="en-US" b="0" i="0" dirty="0" err="1">
+                <a:solidFill>
+                  <a:srgbClr val="374151"/>
+                </a:solidFill>
+                <a:effectLst/>
+                <a:latin typeface="Söhne"/>
+              </a:rPr>
+              <a:t>efikasno</a:t>
+            </a:r>
+            <a:r>
+              <a:rPr lang="en-US" b="0" i="0" dirty="0">
+                <a:solidFill>
+                  <a:srgbClr val="374151"/>
+                </a:solidFill>
+                <a:effectLst/>
+                <a:latin typeface="Söhne"/>
+              </a:rPr>
+              <a:t> </a:t>
+            </a:r>
+            <a:r>
+              <a:rPr lang="en-US" b="0" i="0" dirty="0" err="1">
+                <a:solidFill>
+                  <a:srgbClr val="374151"/>
+                </a:solidFill>
+                <a:effectLst/>
+                <a:latin typeface="Söhne"/>
+              </a:rPr>
+              <a:t>pretraživanje</a:t>
+            </a:r>
+            <a:r>
+              <a:rPr lang="en-US" b="0" i="0" dirty="0">
+                <a:solidFill>
+                  <a:srgbClr val="374151"/>
+                </a:solidFill>
+                <a:effectLst/>
+                <a:latin typeface="Söhne"/>
+              </a:rPr>
+              <a:t> </a:t>
+            </a:r>
+            <a:r>
+              <a:rPr lang="en-US" b="0" i="0" dirty="0" err="1">
+                <a:solidFill>
+                  <a:srgbClr val="374151"/>
+                </a:solidFill>
+                <a:effectLst/>
+                <a:latin typeface="Söhne"/>
+              </a:rPr>
+              <a:t>i</a:t>
+            </a:r>
+            <a:r>
+              <a:rPr lang="en-US" b="0" i="0" dirty="0">
+                <a:solidFill>
+                  <a:srgbClr val="374151"/>
+                </a:solidFill>
+                <a:effectLst/>
+                <a:latin typeface="Söhne"/>
+              </a:rPr>
+              <a:t> </a:t>
+            </a:r>
+            <a:r>
+              <a:rPr lang="en-US" b="0" i="0" dirty="0" err="1">
+                <a:solidFill>
+                  <a:srgbClr val="374151"/>
+                </a:solidFill>
+                <a:effectLst/>
+                <a:latin typeface="Söhne"/>
+              </a:rPr>
+              <a:t>analizu</a:t>
+            </a:r>
+            <a:r>
+              <a:rPr lang="en-US" b="0" i="0" dirty="0">
+                <a:solidFill>
+                  <a:srgbClr val="374151"/>
+                </a:solidFill>
+                <a:effectLst/>
+                <a:latin typeface="Söhne"/>
+              </a:rPr>
+              <a:t> </a:t>
+            </a:r>
+            <a:r>
+              <a:rPr lang="en-US" b="0" i="0" dirty="0" err="1">
+                <a:solidFill>
+                  <a:srgbClr val="374151"/>
+                </a:solidFill>
+                <a:effectLst/>
+                <a:latin typeface="Söhne"/>
+              </a:rPr>
+              <a:t>pravnih</a:t>
+            </a:r>
+            <a:r>
+              <a:rPr lang="en-US" b="0" i="0" dirty="0">
+                <a:solidFill>
+                  <a:srgbClr val="374151"/>
+                </a:solidFill>
+                <a:effectLst/>
+                <a:latin typeface="Söhne"/>
+              </a:rPr>
+              <a:t> </a:t>
+            </a:r>
+            <a:r>
+              <a:rPr lang="en-US" b="0" i="0" dirty="0" err="1">
+                <a:solidFill>
+                  <a:srgbClr val="374151"/>
+                </a:solidFill>
+                <a:effectLst/>
+                <a:latin typeface="Söhne"/>
+              </a:rPr>
+              <a:t>dokumenata</a:t>
+            </a:r>
+            <a:r>
+              <a:rPr lang="en-US" b="0" i="0" dirty="0">
+                <a:solidFill>
+                  <a:srgbClr val="374151"/>
+                </a:solidFill>
+                <a:effectLst/>
+                <a:latin typeface="Söhne"/>
+              </a:rPr>
+              <a:t>, </a:t>
+            </a:r>
+            <a:r>
+              <a:rPr lang="en-US" b="0" i="0" dirty="0" err="1">
+                <a:solidFill>
+                  <a:srgbClr val="374151"/>
+                </a:solidFill>
+                <a:effectLst/>
+                <a:latin typeface="Söhne"/>
+              </a:rPr>
+              <a:t>kao</a:t>
+            </a:r>
+            <a:r>
+              <a:rPr lang="en-US" b="0" i="0" dirty="0">
+                <a:solidFill>
+                  <a:srgbClr val="374151"/>
+                </a:solidFill>
+                <a:effectLst/>
+                <a:latin typeface="Söhne"/>
+              </a:rPr>
+              <a:t> </a:t>
+            </a:r>
+            <a:r>
+              <a:rPr lang="en-US" b="0" i="0" dirty="0" err="1">
+                <a:solidFill>
+                  <a:srgbClr val="374151"/>
+                </a:solidFill>
+                <a:effectLst/>
+                <a:latin typeface="Söhne"/>
+              </a:rPr>
+              <a:t>i</a:t>
+            </a:r>
+            <a:r>
+              <a:rPr lang="en-US" b="0" i="0" dirty="0">
+                <a:solidFill>
+                  <a:srgbClr val="374151"/>
+                </a:solidFill>
+                <a:effectLst/>
+                <a:latin typeface="Söhne"/>
+              </a:rPr>
+              <a:t> </a:t>
+            </a:r>
+            <a:r>
+              <a:rPr lang="en-US" b="0" i="0" dirty="0" err="1">
+                <a:solidFill>
+                  <a:srgbClr val="374151"/>
+                </a:solidFill>
+                <a:effectLst/>
+                <a:latin typeface="Söhne"/>
+              </a:rPr>
+              <a:t>povezivanje</a:t>
+            </a:r>
+            <a:r>
+              <a:rPr lang="en-US" b="0" i="0" dirty="0">
+                <a:solidFill>
+                  <a:srgbClr val="374151"/>
+                </a:solidFill>
+                <a:effectLst/>
+                <a:latin typeface="Söhne"/>
+              </a:rPr>
+              <a:t> </a:t>
+            </a:r>
+            <a:r>
+              <a:rPr lang="en-US" b="0" i="0" dirty="0" err="1">
+                <a:solidFill>
+                  <a:srgbClr val="374151"/>
+                </a:solidFill>
+                <a:effectLst/>
+                <a:latin typeface="Söhne"/>
+              </a:rPr>
+              <a:t>različitih</a:t>
+            </a:r>
+            <a:r>
+              <a:rPr lang="en-US" b="0" i="0" dirty="0">
+                <a:solidFill>
+                  <a:srgbClr val="374151"/>
+                </a:solidFill>
+                <a:effectLst/>
+                <a:latin typeface="Söhne"/>
+              </a:rPr>
+              <a:t> </a:t>
+            </a:r>
+            <a:r>
+              <a:rPr lang="en-US" b="0" i="0" dirty="0" err="1">
+                <a:solidFill>
+                  <a:srgbClr val="374151"/>
+                </a:solidFill>
+                <a:effectLst/>
+                <a:latin typeface="Söhne"/>
+              </a:rPr>
+              <a:t>pravnih</a:t>
+            </a:r>
+            <a:r>
+              <a:rPr lang="en-US" b="0" i="0" dirty="0">
+                <a:solidFill>
+                  <a:srgbClr val="374151"/>
+                </a:solidFill>
+                <a:effectLst/>
+                <a:latin typeface="Söhne"/>
+              </a:rPr>
+              <a:t> </a:t>
+            </a:r>
+            <a:r>
+              <a:rPr lang="en-US" b="0" i="0" dirty="0" err="1">
+                <a:solidFill>
+                  <a:srgbClr val="374151"/>
+                </a:solidFill>
+                <a:effectLst/>
+                <a:latin typeface="Söhne"/>
+              </a:rPr>
+              <a:t>izvora</a:t>
+            </a:r>
+            <a:r>
+              <a:rPr lang="en-US" b="0" i="0" dirty="0">
+                <a:solidFill>
+                  <a:srgbClr val="374151"/>
+                </a:solidFill>
+                <a:effectLst/>
+                <a:latin typeface="Söhne"/>
+              </a:rPr>
+              <a:t>.</a:t>
             </a:r>
             <a:endParaRPr lang="en-US" dirty="0"/>
           </a:p>
         </p:txBody>
       </p:sp>
-      <p:pic>
-        <p:nvPicPr>
-          <p:cNvPr id="6" name="Picture 5">
-            <a:extLst>
-              <a:ext uri="{FF2B5EF4-FFF2-40B4-BE49-F238E27FC236}">
-                <a16:creationId xmlns:a16="http://schemas.microsoft.com/office/drawing/2014/main" id="{86E8D01A-B35E-1D1A-CDBC-9067EE7F7820}"/>
-              </a:ext>
-            </a:extLst>
-          </p:cNvPr>
-          <p:cNvPicPr>
-            <a:picLocks noChangeAspect="1"/>
-          </p:cNvPicPr>
-          <p:nvPr/>
-        </p:nvPicPr>
-        <p:blipFill>
-          <a:blip r:embed="rId3"/>
-          <a:stretch>
-            <a:fillRect/>
-          </a:stretch>
-        </p:blipFill>
-        <p:spPr>
-          <a:xfrm>
-            <a:off x="4221361" y="1856767"/>
-            <a:ext cx="7606738" cy="2413309"/>
-          </a:xfrm>
-          <a:prstGeom prst="rect">
-            <a:avLst/>
-          </a:prstGeom>
-        </p:spPr>
-      </p:pic>
     </p:spTree>
     <p:extLst>
       <p:ext uri="{BB962C8B-B14F-4D97-AF65-F5344CB8AC3E}">
-        <p14:creationId xmlns:p14="http://schemas.microsoft.com/office/powerpoint/2010/main" val="2669945393"/>
+        <p14:creationId xmlns:p14="http://schemas.microsoft.com/office/powerpoint/2010/main" val="593464938"/>
       </p:ext>
     </p:extLst>
   </p:cSld>
@@ -16289,40 +16766,10 @@
           </a:p>
         </p:txBody>
       </p:sp>
-      <p:pic>
-        <p:nvPicPr>
-          <p:cNvPr id="5" name="Picture 4">
-            <a:extLst>
-              <a:ext uri="{FF2B5EF4-FFF2-40B4-BE49-F238E27FC236}">
-                <a16:creationId xmlns:a16="http://schemas.microsoft.com/office/drawing/2014/main" id="{0B60BC2F-520F-855F-D64D-0BB39A235244}"/>
-              </a:ext>
-            </a:extLst>
-          </p:cNvPr>
-          <p:cNvPicPr>
-            <a:picLocks noChangeAspect="1"/>
-          </p:cNvPicPr>
-          <p:nvPr/>
-        </p:nvPicPr>
-        <p:blipFill>
-          <a:blip r:embed="rId3"/>
-          <a:stretch>
-            <a:fillRect/>
-          </a:stretch>
-        </p:blipFill>
-        <p:spPr>
-          <a:xfrm>
-            <a:off x="3674852" y="1844379"/>
-            <a:ext cx="8462445" cy="4601217"/>
-          </a:xfrm>
-          <a:prstGeom prst="rect">
-            <a:avLst/>
-          </a:prstGeom>
-        </p:spPr>
-      </p:pic>
     </p:spTree>
     <p:extLst>
       <p:ext uri="{BB962C8B-B14F-4D97-AF65-F5344CB8AC3E}">
-        <p14:creationId xmlns:p14="http://schemas.microsoft.com/office/powerpoint/2010/main" val="4048915896"/>
+        <p14:creationId xmlns:p14="http://schemas.microsoft.com/office/powerpoint/2010/main" val="3009236944"/>
       </p:ext>
     </p:extLst>
   </p:cSld>
@@ -16579,7 +17026,15 @@
                   <a:srgbClr val="FFFFFF"/>
                 </a:solidFill>
               </a:rPr>
-              <a:t>Zaključak</a:t>
+              <a:t>Meta podaci i hiper-</a:t>
+            </a:r>
+            <a:r>
+              <a:rPr lang="sr-Latn-RS" dirty="0" err="1">
+                <a:solidFill>
+                  <a:srgbClr val="FFFFFF"/>
+                </a:solidFill>
+              </a:rPr>
+              <a:t>linkovanje</a:t>
             </a:r>
             <a:endParaRPr lang="en-US" dirty="0">
               <a:solidFill>
@@ -16657,13 +17112,13 @@
             <a:spLocks noGrp="1"/>
           </p:cNvSpPr>
           <p:nvPr>
-            <p:ph type="body" idx="1"/>
+            <p:ph idx="1"/>
           </p:nvPr>
         </p:nvSpPr>
         <p:spPr>
           <a:xfrm>
-            <a:off x="4447308" y="591344"/>
-            <a:ext cx="6906491" cy="5585619"/>
+            <a:off x="4447308" y="298061"/>
+            <a:ext cx="6906491" cy="562228"/>
           </a:xfrm>
         </p:spPr>
         <p:txBody>
@@ -16673,35 +17128,6 @@
           <a:lstStyle/>
           <a:p>
             <a:r>
-              <a:rPr lang="sr-Latn-RS" dirty="0">
-                <a:solidFill>
-                  <a:srgbClr val="374151"/>
-                </a:solidFill>
-                <a:latin typeface="Söhne"/>
-              </a:rPr>
-              <a:t>O</a:t>
-            </a:r>
-            <a:r>
-              <a:rPr lang="en-US" b="0" i="0" dirty="0" err="1">
-                <a:solidFill>
-                  <a:srgbClr val="374151"/>
-                </a:solidFill>
-                <a:effectLst/>
-                <a:latin typeface="Söhne"/>
-              </a:rPr>
-              <a:t>va</a:t>
-            </a:r>
-            <a:r>
-              <a:rPr lang="en-US" b="0" i="0" dirty="0">
-                <a:solidFill>
-                  <a:srgbClr val="374151"/>
-                </a:solidFill>
-                <a:effectLst/>
-                <a:latin typeface="Söhne"/>
-              </a:rPr>
-              <a:t> oblast</a:t>
-            </a:r>
-            <a:r>
               <a:rPr lang="sr-Latn-RS" b="0" i="0" dirty="0">
                 <a:solidFill>
                   <a:srgbClr val="374151"/>
@@ -16709,835 +17135,56 @@
                 <a:effectLst/>
                 <a:latin typeface="Söhne"/>
               </a:rPr>
-              <a:t> je</a:t>
-            </a:r>
-            <a:r>
-              <a:rPr lang="en-US" b="0" i="0" dirty="0">
-                <a:solidFill>
-                  <a:srgbClr val="374151"/>
-                </a:solidFill>
-                <a:effectLst/>
-                <a:latin typeface="Söhne"/>
-              </a:rPr>
-              <a:t> </a:t>
-            </a:r>
-            <a:r>
-              <a:rPr lang="en-US" b="0" i="0" dirty="0" err="1">
-                <a:solidFill>
-                  <a:srgbClr val="374151"/>
-                </a:solidFill>
-                <a:effectLst/>
-                <a:latin typeface="Söhne"/>
-              </a:rPr>
-              <a:t>postala</a:t>
-            </a:r>
-            <a:r>
-              <a:rPr lang="en-US" b="0" i="0" dirty="0">
-                <a:solidFill>
-                  <a:srgbClr val="374151"/>
-                </a:solidFill>
-                <a:effectLst/>
-                <a:latin typeface="Söhne"/>
-              </a:rPr>
-              <a:t> </a:t>
-            </a:r>
-            <a:r>
-              <a:rPr lang="en-US" b="0" i="0" dirty="0" err="1">
-                <a:solidFill>
-                  <a:srgbClr val="374151"/>
-                </a:solidFill>
-                <a:effectLst/>
-                <a:latin typeface="Söhne"/>
-              </a:rPr>
-              <a:t>neizostavni</a:t>
-            </a:r>
-            <a:r>
-              <a:rPr lang="en-US" b="0" i="0" dirty="0">
-                <a:solidFill>
-                  <a:srgbClr val="374151"/>
-                </a:solidFill>
-                <a:effectLst/>
-                <a:latin typeface="Söhne"/>
-              </a:rPr>
-              <a:t> deo </a:t>
-            </a:r>
-            <a:r>
-              <a:rPr lang="en-US" b="0" i="0" dirty="0" err="1">
-                <a:solidFill>
-                  <a:srgbClr val="374151"/>
-                </a:solidFill>
-                <a:effectLst/>
-                <a:latin typeface="Söhne"/>
-              </a:rPr>
-              <a:t>savremenog</a:t>
-            </a:r>
-            <a:r>
-              <a:rPr lang="en-US" b="0" i="0" dirty="0">
-                <a:solidFill>
-                  <a:srgbClr val="374151"/>
-                </a:solidFill>
-                <a:effectLst/>
-                <a:latin typeface="Söhne"/>
-              </a:rPr>
-              <a:t> </a:t>
-            </a:r>
-            <a:r>
-              <a:rPr lang="en-US" b="0" i="0" dirty="0" err="1">
-                <a:solidFill>
-                  <a:srgbClr val="374151"/>
-                </a:solidFill>
-                <a:effectLst/>
-                <a:latin typeface="Söhne"/>
-              </a:rPr>
-              <a:t>pravnog</a:t>
-            </a:r>
-            <a:r>
-              <a:rPr lang="en-US" b="0" i="0" dirty="0">
-                <a:solidFill>
-                  <a:srgbClr val="374151"/>
-                </a:solidFill>
-                <a:effectLst/>
-                <a:latin typeface="Söhne"/>
-              </a:rPr>
-              <a:t> </a:t>
-            </a:r>
-            <a:r>
-              <a:rPr lang="en-US" b="0" i="0" dirty="0" err="1">
-                <a:solidFill>
-                  <a:srgbClr val="374151"/>
-                </a:solidFill>
-                <a:effectLst/>
-                <a:latin typeface="Söhne"/>
-              </a:rPr>
-              <a:t>sistema</a:t>
-            </a:r>
-            <a:r>
-              <a:rPr lang="en-US" b="0" i="0" dirty="0">
-                <a:solidFill>
-                  <a:srgbClr val="374151"/>
-                </a:solidFill>
-                <a:effectLst/>
-                <a:latin typeface="Söhne"/>
-              </a:rPr>
-              <a:t>.</a:t>
-            </a:r>
-            <a:endParaRPr lang="sr-Latn-RS" b="0" i="0" dirty="0">
-              <a:solidFill>
-                <a:srgbClr val="374151"/>
-              </a:solidFill>
-              <a:effectLst/>
-              <a:latin typeface="Söhne"/>
-            </a:endParaRPr>
-          </a:p>
-          <a:p>
-            <a:r>
-              <a:rPr lang="en-US" b="0" i="0" dirty="0" err="1">
-                <a:solidFill>
-                  <a:srgbClr val="374151"/>
-                </a:solidFill>
-                <a:effectLst/>
-                <a:latin typeface="Söhne"/>
-              </a:rPr>
-              <a:t>Korišćenje</a:t>
-            </a:r>
-            <a:r>
-              <a:rPr lang="en-US" b="0" i="0" dirty="0">
-                <a:solidFill>
-                  <a:srgbClr val="374151"/>
-                </a:solidFill>
-                <a:effectLst/>
-                <a:latin typeface="Söhne"/>
-              </a:rPr>
-              <a:t> </a:t>
-            </a:r>
-            <a:r>
-              <a:rPr lang="en-US" b="0" i="0" dirty="0" err="1">
-                <a:solidFill>
-                  <a:srgbClr val="374151"/>
-                </a:solidFill>
-                <a:effectLst/>
-                <a:latin typeface="Söhne"/>
-              </a:rPr>
-              <a:t>informacionih</a:t>
-            </a:r>
-            <a:r>
-              <a:rPr lang="en-US" b="0" i="0" dirty="0">
-                <a:solidFill>
-                  <a:srgbClr val="374151"/>
-                </a:solidFill>
-                <a:effectLst/>
-                <a:latin typeface="Söhne"/>
-              </a:rPr>
-              <a:t> </a:t>
-            </a:r>
-            <a:r>
-              <a:rPr lang="en-US" b="0" i="0" dirty="0" err="1">
-                <a:solidFill>
-                  <a:srgbClr val="374151"/>
-                </a:solidFill>
-                <a:effectLst/>
-                <a:latin typeface="Söhne"/>
-              </a:rPr>
-              <a:t>tehnologija</a:t>
-            </a:r>
-            <a:r>
-              <a:rPr lang="en-US" b="0" i="0" dirty="0">
-                <a:solidFill>
-                  <a:srgbClr val="374151"/>
-                </a:solidFill>
-                <a:effectLst/>
-                <a:latin typeface="Söhne"/>
-              </a:rPr>
-              <a:t> u </a:t>
-            </a:r>
-            <a:r>
-              <a:rPr lang="en-US" b="0" i="0" dirty="0" err="1">
-                <a:solidFill>
-                  <a:srgbClr val="374151"/>
-                </a:solidFill>
-                <a:effectLst/>
-                <a:latin typeface="Söhne"/>
-              </a:rPr>
-              <a:t>pravosuđu</a:t>
-            </a:r>
-            <a:r>
-              <a:rPr lang="en-US" b="0" i="0" dirty="0">
-                <a:solidFill>
-                  <a:srgbClr val="374151"/>
-                </a:solidFill>
-                <a:effectLst/>
-                <a:latin typeface="Söhne"/>
-              </a:rPr>
-              <a:t> </a:t>
-            </a:r>
-            <a:r>
-              <a:rPr lang="en-US" b="0" i="0" dirty="0" err="1">
-                <a:solidFill>
-                  <a:srgbClr val="374151"/>
-                </a:solidFill>
-                <a:effectLst/>
-                <a:latin typeface="Söhne"/>
-              </a:rPr>
-              <a:t>i</a:t>
-            </a:r>
-            <a:r>
-              <a:rPr lang="en-US" b="0" i="0" dirty="0">
-                <a:solidFill>
-                  <a:srgbClr val="374151"/>
-                </a:solidFill>
-                <a:effectLst/>
-                <a:latin typeface="Söhne"/>
-              </a:rPr>
-              <a:t> </a:t>
-            </a:r>
-            <a:r>
-              <a:rPr lang="en-US" b="0" i="0" dirty="0" err="1">
-                <a:solidFill>
-                  <a:srgbClr val="374151"/>
-                </a:solidFill>
-                <a:effectLst/>
-                <a:latin typeface="Söhne"/>
-              </a:rPr>
-              <a:t>pravnoj</a:t>
-            </a:r>
-            <a:r>
-              <a:rPr lang="en-US" b="0" i="0" dirty="0">
-                <a:solidFill>
-                  <a:srgbClr val="374151"/>
-                </a:solidFill>
-                <a:effectLst/>
-                <a:latin typeface="Söhne"/>
-              </a:rPr>
-              <a:t> </a:t>
-            </a:r>
-            <a:r>
-              <a:rPr lang="en-US" b="0" i="0" dirty="0" err="1">
-                <a:solidFill>
-                  <a:srgbClr val="374151"/>
-                </a:solidFill>
-                <a:effectLst/>
-                <a:latin typeface="Söhne"/>
-              </a:rPr>
-              <a:t>teoriji</a:t>
-            </a:r>
-            <a:r>
-              <a:rPr lang="en-US" b="0" i="0" dirty="0">
-                <a:solidFill>
-                  <a:srgbClr val="374151"/>
-                </a:solidFill>
-                <a:effectLst/>
-                <a:latin typeface="Söhne"/>
-              </a:rPr>
-              <a:t> </a:t>
-            </a:r>
-            <a:r>
-              <a:rPr lang="en-US" b="0" i="0" dirty="0" err="1">
-                <a:solidFill>
-                  <a:srgbClr val="374151"/>
-                </a:solidFill>
-                <a:effectLst/>
-                <a:latin typeface="Söhne"/>
-              </a:rPr>
-              <a:t>ima</a:t>
-            </a:r>
-            <a:r>
-              <a:rPr lang="en-US" b="0" i="0" dirty="0">
-                <a:solidFill>
-                  <a:srgbClr val="374151"/>
-                </a:solidFill>
-                <a:effectLst/>
-                <a:latin typeface="Söhne"/>
-              </a:rPr>
-              <a:t> </a:t>
-            </a:r>
-            <a:r>
-              <a:rPr lang="en-US" b="0" i="0" dirty="0" err="1">
-                <a:solidFill>
-                  <a:srgbClr val="374151"/>
-                </a:solidFill>
-                <a:effectLst/>
-                <a:latin typeface="Söhne"/>
-              </a:rPr>
-              <a:t>mnoge</a:t>
-            </a:r>
-            <a:r>
-              <a:rPr lang="en-US" b="0" i="0" dirty="0">
-                <a:solidFill>
-                  <a:srgbClr val="374151"/>
-                </a:solidFill>
-                <a:effectLst/>
-                <a:latin typeface="Söhne"/>
-              </a:rPr>
-              <a:t> </a:t>
-            </a:r>
-            <a:r>
-              <a:rPr lang="en-US" b="0" i="0" dirty="0" err="1">
-                <a:solidFill>
-                  <a:srgbClr val="374151"/>
-                </a:solidFill>
-                <a:effectLst/>
-                <a:latin typeface="Söhne"/>
-              </a:rPr>
-              <a:t>prednosti</a:t>
-            </a:r>
-            <a:r>
-              <a:rPr lang="en-US" b="0" i="0" dirty="0">
-                <a:solidFill>
-                  <a:srgbClr val="374151"/>
-                </a:solidFill>
-                <a:effectLst/>
-                <a:latin typeface="Söhne"/>
-              </a:rPr>
-              <a:t>, </a:t>
-            </a:r>
-            <a:r>
-              <a:rPr lang="en-US" b="0" i="0" dirty="0" err="1">
-                <a:solidFill>
-                  <a:srgbClr val="374151"/>
-                </a:solidFill>
-                <a:effectLst/>
-                <a:latin typeface="Söhne"/>
-              </a:rPr>
-              <a:t>kao</a:t>
-            </a:r>
-            <a:r>
-              <a:rPr lang="en-US" b="0" i="0" dirty="0">
-                <a:solidFill>
-                  <a:srgbClr val="374151"/>
-                </a:solidFill>
-                <a:effectLst/>
-                <a:latin typeface="Söhne"/>
-              </a:rPr>
-              <a:t> </a:t>
-            </a:r>
-            <a:r>
-              <a:rPr lang="en-US" b="0" i="0" dirty="0" err="1">
-                <a:solidFill>
-                  <a:srgbClr val="374151"/>
-                </a:solidFill>
-                <a:effectLst/>
-                <a:latin typeface="Söhne"/>
-              </a:rPr>
-              <a:t>što</a:t>
-            </a:r>
-            <a:r>
-              <a:rPr lang="en-US" b="0" i="0" dirty="0">
-                <a:solidFill>
-                  <a:srgbClr val="374151"/>
-                </a:solidFill>
-                <a:effectLst/>
-                <a:latin typeface="Söhne"/>
-              </a:rPr>
-              <a:t> </a:t>
-            </a:r>
-            <a:r>
-              <a:rPr lang="en-US" b="0" i="0" dirty="0" err="1">
-                <a:solidFill>
-                  <a:srgbClr val="374151"/>
-                </a:solidFill>
-                <a:effectLst/>
-                <a:latin typeface="Söhne"/>
-              </a:rPr>
-              <a:t>su</a:t>
-            </a:r>
-            <a:r>
-              <a:rPr lang="en-US" b="0" i="0" dirty="0">
-                <a:solidFill>
-                  <a:srgbClr val="374151"/>
-                </a:solidFill>
-                <a:effectLst/>
-                <a:latin typeface="Söhne"/>
-              </a:rPr>
-              <a:t> </a:t>
-            </a:r>
-            <a:r>
-              <a:rPr lang="en-US" b="0" i="0" dirty="0" err="1">
-                <a:solidFill>
-                  <a:srgbClr val="374151"/>
-                </a:solidFill>
-                <a:effectLst/>
-                <a:latin typeface="Söhne"/>
-              </a:rPr>
-              <a:t>brže</a:t>
-            </a:r>
-            <a:r>
-              <a:rPr lang="en-US" b="0" i="0" dirty="0">
-                <a:solidFill>
-                  <a:srgbClr val="374151"/>
-                </a:solidFill>
-                <a:effectLst/>
-                <a:latin typeface="Söhne"/>
-              </a:rPr>
-              <a:t> </a:t>
-            </a:r>
-            <a:r>
-              <a:rPr lang="en-US" b="0" i="0" dirty="0" err="1">
-                <a:solidFill>
-                  <a:srgbClr val="374151"/>
-                </a:solidFill>
-                <a:effectLst/>
-                <a:latin typeface="Söhne"/>
-              </a:rPr>
-              <a:t>i</a:t>
-            </a:r>
-            <a:r>
-              <a:rPr lang="en-US" b="0" i="0" dirty="0">
-                <a:solidFill>
-                  <a:srgbClr val="374151"/>
-                </a:solidFill>
-                <a:effectLst/>
-                <a:latin typeface="Söhne"/>
-              </a:rPr>
-              <a:t> </a:t>
-            </a:r>
-            <a:r>
-              <a:rPr lang="en-US" b="0" i="0" dirty="0" err="1">
-                <a:solidFill>
-                  <a:srgbClr val="374151"/>
-                </a:solidFill>
-                <a:effectLst/>
-                <a:latin typeface="Söhne"/>
-              </a:rPr>
-              <a:t>efikasnije</a:t>
-            </a:r>
-            <a:r>
-              <a:rPr lang="en-US" b="0" i="0" dirty="0">
-                <a:solidFill>
-                  <a:srgbClr val="374151"/>
-                </a:solidFill>
-                <a:effectLst/>
-                <a:latin typeface="Söhne"/>
-              </a:rPr>
-              <a:t> </a:t>
-            </a:r>
-            <a:r>
-              <a:rPr lang="en-US" b="0" i="0" dirty="0" err="1">
-                <a:solidFill>
-                  <a:srgbClr val="374151"/>
-                </a:solidFill>
-                <a:effectLst/>
-                <a:latin typeface="Söhne"/>
-              </a:rPr>
-              <a:t>donošenje</a:t>
-            </a:r>
-            <a:r>
-              <a:rPr lang="en-US" b="0" i="0" dirty="0">
-                <a:solidFill>
-                  <a:srgbClr val="374151"/>
-                </a:solidFill>
-                <a:effectLst/>
-                <a:latin typeface="Söhne"/>
-              </a:rPr>
-              <a:t> </a:t>
-            </a:r>
-            <a:r>
-              <a:rPr lang="en-US" b="0" i="0" dirty="0" err="1">
-                <a:solidFill>
-                  <a:srgbClr val="374151"/>
-                </a:solidFill>
-                <a:effectLst/>
-                <a:latin typeface="Söhne"/>
-              </a:rPr>
-              <a:t>odluka</a:t>
-            </a:r>
-            <a:r>
-              <a:rPr lang="en-US" b="0" i="0" dirty="0">
-                <a:solidFill>
-                  <a:srgbClr val="374151"/>
-                </a:solidFill>
-                <a:effectLst/>
-                <a:latin typeface="Söhne"/>
-              </a:rPr>
-              <a:t>, </a:t>
-            </a:r>
-            <a:r>
-              <a:rPr lang="en-US" b="0" i="0" dirty="0" err="1">
-                <a:solidFill>
-                  <a:srgbClr val="374151"/>
-                </a:solidFill>
-                <a:effectLst/>
-                <a:latin typeface="Söhne"/>
-              </a:rPr>
-              <a:t>olakšavanje</a:t>
-            </a:r>
-            <a:r>
-              <a:rPr lang="en-US" b="0" i="0" dirty="0">
-                <a:solidFill>
-                  <a:srgbClr val="374151"/>
-                </a:solidFill>
-                <a:effectLst/>
-                <a:latin typeface="Söhne"/>
-              </a:rPr>
-              <a:t> </a:t>
-            </a:r>
-            <a:r>
-              <a:rPr lang="en-US" b="0" i="0" dirty="0" err="1">
-                <a:solidFill>
-                  <a:srgbClr val="374151"/>
-                </a:solidFill>
-                <a:effectLst/>
-                <a:latin typeface="Söhne"/>
-              </a:rPr>
-              <a:t>pristupa</a:t>
-            </a:r>
-            <a:r>
-              <a:rPr lang="en-US" b="0" i="0" dirty="0">
-                <a:solidFill>
-                  <a:srgbClr val="374151"/>
-                </a:solidFill>
-                <a:effectLst/>
-                <a:latin typeface="Söhne"/>
-              </a:rPr>
-              <a:t> </a:t>
-            </a:r>
-            <a:r>
-              <a:rPr lang="en-US" b="0" i="0" dirty="0" err="1">
-                <a:solidFill>
-                  <a:srgbClr val="374151"/>
-                </a:solidFill>
-                <a:effectLst/>
-                <a:latin typeface="Söhne"/>
-              </a:rPr>
-              <a:t>pravnim</a:t>
-            </a:r>
-            <a:r>
-              <a:rPr lang="en-US" b="0" i="0" dirty="0">
-                <a:solidFill>
-                  <a:srgbClr val="374151"/>
-                </a:solidFill>
-                <a:effectLst/>
-                <a:latin typeface="Söhne"/>
-              </a:rPr>
-              <a:t> </a:t>
-            </a:r>
-            <a:r>
-              <a:rPr lang="en-US" b="0" i="0" dirty="0" err="1">
-                <a:solidFill>
-                  <a:srgbClr val="374151"/>
-                </a:solidFill>
-                <a:effectLst/>
-                <a:latin typeface="Söhne"/>
-              </a:rPr>
-              <a:t>informacijama</a:t>
-            </a:r>
-            <a:r>
-              <a:rPr lang="en-US" b="0" i="0" dirty="0">
-                <a:solidFill>
-                  <a:srgbClr val="374151"/>
-                </a:solidFill>
-                <a:effectLst/>
-                <a:latin typeface="Söhne"/>
-              </a:rPr>
-              <a:t>, </a:t>
-            </a:r>
-            <a:r>
-              <a:rPr lang="en-US" b="0" i="0" dirty="0" err="1">
-                <a:solidFill>
-                  <a:srgbClr val="374151"/>
-                </a:solidFill>
-                <a:effectLst/>
-                <a:latin typeface="Söhne"/>
-              </a:rPr>
-              <a:t>bolja</a:t>
-            </a:r>
-            <a:r>
-              <a:rPr lang="en-US" b="0" i="0" dirty="0">
-                <a:solidFill>
-                  <a:srgbClr val="374151"/>
-                </a:solidFill>
-                <a:effectLst/>
-                <a:latin typeface="Söhne"/>
-              </a:rPr>
-              <a:t> </a:t>
-            </a:r>
-            <a:r>
-              <a:rPr lang="en-US" b="0" i="0" dirty="0" err="1">
-                <a:solidFill>
-                  <a:srgbClr val="374151"/>
-                </a:solidFill>
-                <a:effectLst/>
-                <a:latin typeface="Söhne"/>
-              </a:rPr>
-              <a:t>organizacija</a:t>
-            </a:r>
-            <a:r>
-              <a:rPr lang="en-US" b="0" i="0" dirty="0">
-                <a:solidFill>
-                  <a:srgbClr val="374151"/>
-                </a:solidFill>
-                <a:effectLst/>
-                <a:latin typeface="Söhne"/>
-              </a:rPr>
-              <a:t> </a:t>
-            </a:r>
-            <a:r>
-              <a:rPr lang="en-US" b="0" i="0" dirty="0" err="1">
-                <a:solidFill>
-                  <a:srgbClr val="374151"/>
-                </a:solidFill>
-                <a:effectLst/>
-                <a:latin typeface="Söhne"/>
-              </a:rPr>
-              <a:t>i</a:t>
-            </a:r>
-            <a:r>
-              <a:rPr lang="en-US" b="0" i="0" dirty="0">
-                <a:solidFill>
-                  <a:srgbClr val="374151"/>
-                </a:solidFill>
-                <a:effectLst/>
-                <a:latin typeface="Söhne"/>
-              </a:rPr>
-              <a:t> </a:t>
-            </a:r>
-            <a:r>
-              <a:rPr lang="en-US" b="0" i="0" dirty="0" err="1">
-                <a:solidFill>
-                  <a:srgbClr val="374151"/>
-                </a:solidFill>
-                <a:effectLst/>
-                <a:latin typeface="Söhne"/>
-              </a:rPr>
-              <a:t>prezentacija</a:t>
-            </a:r>
-            <a:r>
-              <a:rPr lang="en-US" b="0" i="0" dirty="0">
-                <a:solidFill>
-                  <a:srgbClr val="374151"/>
-                </a:solidFill>
-                <a:effectLst/>
-                <a:latin typeface="Söhne"/>
-              </a:rPr>
-              <a:t> </a:t>
-            </a:r>
-            <a:r>
-              <a:rPr lang="en-US" b="0" i="0" dirty="0" err="1">
-                <a:solidFill>
-                  <a:srgbClr val="374151"/>
-                </a:solidFill>
-                <a:effectLst/>
-                <a:latin typeface="Söhne"/>
-              </a:rPr>
-              <a:t>pravnih</a:t>
-            </a:r>
-            <a:r>
-              <a:rPr lang="en-US" b="0" i="0" dirty="0">
-                <a:solidFill>
-                  <a:srgbClr val="374151"/>
-                </a:solidFill>
-                <a:effectLst/>
-                <a:latin typeface="Söhne"/>
-              </a:rPr>
-              <a:t> </a:t>
-            </a:r>
-            <a:r>
-              <a:rPr lang="en-US" b="0" i="0" dirty="0" err="1">
-                <a:solidFill>
-                  <a:srgbClr val="374151"/>
-                </a:solidFill>
-                <a:effectLst/>
-                <a:latin typeface="Söhne"/>
-              </a:rPr>
-              <a:t>dokumenata</a:t>
-            </a:r>
-            <a:r>
-              <a:rPr lang="en-US" b="0" i="0" dirty="0">
-                <a:solidFill>
-                  <a:srgbClr val="374151"/>
-                </a:solidFill>
-                <a:effectLst/>
-                <a:latin typeface="Söhne"/>
-              </a:rPr>
-              <a:t>, </a:t>
-            </a:r>
-            <a:r>
-              <a:rPr lang="en-US" b="0" i="0" dirty="0" err="1">
-                <a:solidFill>
-                  <a:srgbClr val="374151"/>
-                </a:solidFill>
-                <a:effectLst/>
-                <a:latin typeface="Söhne"/>
-              </a:rPr>
-              <a:t>kao</a:t>
-            </a:r>
-            <a:r>
-              <a:rPr lang="en-US" b="0" i="0" dirty="0">
-                <a:solidFill>
-                  <a:srgbClr val="374151"/>
-                </a:solidFill>
-                <a:effectLst/>
-                <a:latin typeface="Söhne"/>
-              </a:rPr>
-              <a:t> </a:t>
-            </a:r>
-            <a:r>
-              <a:rPr lang="en-US" b="0" i="0" dirty="0" err="1">
-                <a:solidFill>
-                  <a:srgbClr val="374151"/>
-                </a:solidFill>
-                <a:effectLst/>
-                <a:latin typeface="Söhne"/>
-              </a:rPr>
-              <a:t>i</a:t>
-            </a:r>
-            <a:r>
-              <a:rPr lang="en-US" b="0" i="0" dirty="0">
-                <a:solidFill>
-                  <a:srgbClr val="374151"/>
-                </a:solidFill>
-                <a:effectLst/>
-                <a:latin typeface="Söhne"/>
-              </a:rPr>
-              <a:t> </a:t>
-            </a:r>
-            <a:r>
-              <a:rPr lang="en-US" b="0" i="0" dirty="0" err="1">
-                <a:solidFill>
-                  <a:srgbClr val="374151"/>
-                </a:solidFill>
-                <a:effectLst/>
-                <a:latin typeface="Söhne"/>
-              </a:rPr>
-              <a:t>mogućnost</a:t>
-            </a:r>
-            <a:r>
-              <a:rPr lang="en-US" b="0" i="0" dirty="0">
-                <a:solidFill>
-                  <a:srgbClr val="374151"/>
-                </a:solidFill>
-                <a:effectLst/>
-                <a:latin typeface="Söhne"/>
-              </a:rPr>
-              <a:t> </a:t>
-            </a:r>
-            <a:r>
-              <a:rPr lang="en-US" b="0" i="0" dirty="0" err="1">
-                <a:solidFill>
-                  <a:srgbClr val="374151"/>
-                </a:solidFill>
-                <a:effectLst/>
-                <a:latin typeface="Söhne"/>
-              </a:rPr>
-              <a:t>automatizacije</a:t>
-            </a:r>
-            <a:r>
-              <a:rPr lang="en-US" b="0" i="0" dirty="0">
-                <a:solidFill>
-                  <a:srgbClr val="374151"/>
-                </a:solidFill>
-                <a:effectLst/>
-                <a:latin typeface="Söhne"/>
-              </a:rPr>
-              <a:t> </a:t>
-            </a:r>
-            <a:r>
-              <a:rPr lang="en-US" b="0" i="0" dirty="0" err="1">
-                <a:solidFill>
-                  <a:srgbClr val="374151"/>
-                </a:solidFill>
-                <a:effectLst/>
-                <a:latin typeface="Söhne"/>
-              </a:rPr>
-              <a:t>pojedinih</a:t>
-            </a:r>
-            <a:r>
-              <a:rPr lang="en-US" b="0" i="0" dirty="0">
-                <a:solidFill>
-                  <a:srgbClr val="374151"/>
-                </a:solidFill>
-                <a:effectLst/>
-                <a:latin typeface="Söhne"/>
-              </a:rPr>
-              <a:t> </a:t>
-            </a:r>
-            <a:r>
-              <a:rPr lang="en-US" b="0" i="0" dirty="0" err="1">
-                <a:solidFill>
-                  <a:srgbClr val="374151"/>
-                </a:solidFill>
-                <a:effectLst/>
-                <a:latin typeface="Söhne"/>
-              </a:rPr>
-              <a:t>pravnih</a:t>
-            </a:r>
-            <a:r>
-              <a:rPr lang="en-US" b="0" i="0" dirty="0">
-                <a:solidFill>
-                  <a:srgbClr val="374151"/>
-                </a:solidFill>
-                <a:effectLst/>
-                <a:latin typeface="Söhne"/>
-              </a:rPr>
-              <a:t> </a:t>
-            </a:r>
-            <a:r>
-              <a:rPr lang="en-US" b="0" i="0" dirty="0" err="1">
-                <a:solidFill>
-                  <a:srgbClr val="374151"/>
-                </a:solidFill>
-                <a:effectLst/>
-                <a:latin typeface="Söhne"/>
-              </a:rPr>
-              <a:t>procesa</a:t>
-            </a:r>
-            <a:r>
-              <a:rPr lang="en-US" b="0" i="0" dirty="0">
-                <a:solidFill>
-                  <a:srgbClr val="374151"/>
-                </a:solidFill>
-                <a:effectLst/>
-                <a:latin typeface="Söhne"/>
-              </a:rPr>
-              <a:t>.</a:t>
-            </a:r>
-            <a:endParaRPr dirty="0"/>
+              <a:t>Primer meta podataka i hiper-</a:t>
+            </a:r>
+            <a:r>
+              <a:rPr lang="sr-Latn-RS" b="0" i="0" dirty="0" err="1">
+                <a:solidFill>
+                  <a:srgbClr val="374151"/>
+                </a:solidFill>
+                <a:effectLst/>
+                <a:latin typeface="Söhne"/>
+              </a:rPr>
+              <a:t>linkovanja</a:t>
+            </a:r>
+            <a:endParaRPr lang="en-US" dirty="0"/>
           </a:p>
         </p:txBody>
       </p:sp>
+      <p:pic>
+        <p:nvPicPr>
+          <p:cNvPr id="5" name="Picture 4">
+            <a:extLst>
+              <a:ext uri="{FF2B5EF4-FFF2-40B4-BE49-F238E27FC236}">
+                <a16:creationId xmlns:a16="http://schemas.microsoft.com/office/drawing/2014/main" id="{1ED62814-5E0B-A6B2-7CFB-523392172436}"/>
+              </a:ext>
+            </a:extLst>
+          </p:cNvPr>
+          <p:cNvPicPr>
+            <a:picLocks noChangeAspect="1"/>
+          </p:cNvPicPr>
+          <p:nvPr/>
+        </p:nvPicPr>
+        <p:blipFill>
+          <a:blip r:embed="rId3"/>
+          <a:stretch>
+            <a:fillRect/>
+          </a:stretch>
+        </p:blipFill>
+        <p:spPr>
+          <a:xfrm>
+            <a:off x="3887234" y="860288"/>
+            <a:ext cx="8282161" cy="5997711"/>
+          </a:xfrm>
+          <a:prstGeom prst="rect">
+            <a:avLst/>
+          </a:prstGeom>
+        </p:spPr>
+      </p:pic>
     </p:spTree>
     <p:extLst>
       <p:ext uri="{BB962C8B-B14F-4D97-AF65-F5344CB8AC3E}">
-        <p14:creationId xmlns:p14="http://schemas.microsoft.com/office/powerpoint/2010/main" val="2482808566"/>
+        <p14:creationId xmlns:p14="http://schemas.microsoft.com/office/powerpoint/2010/main" val="1828387559"/>
       </p:ext>
     </p:extLst>
   </p:cSld>
@@ -17794,7 +17441,15 @@
                   <a:srgbClr val="FFFFFF"/>
                 </a:solidFill>
               </a:rPr>
-              <a:t>Zaključak</a:t>
+              <a:t>Meta podaci i hiper-</a:t>
+            </a:r>
+            <a:r>
+              <a:rPr lang="sr-Latn-RS" dirty="0" err="1">
+                <a:solidFill>
+                  <a:srgbClr val="FFFFFF"/>
+                </a:solidFill>
+              </a:rPr>
+              <a:t>linkovanje</a:t>
             </a:r>
             <a:endParaRPr lang="en-US" dirty="0">
               <a:solidFill>
@@ -17872,13 +17527,13 @@
             <a:spLocks noGrp="1"/>
           </p:cNvSpPr>
           <p:nvPr>
-            <p:ph type="body" idx="1"/>
+            <p:ph idx="1"/>
           </p:nvPr>
         </p:nvSpPr>
         <p:spPr>
           <a:xfrm>
-            <a:off x="4447308" y="591344"/>
-            <a:ext cx="6906491" cy="5585619"/>
+            <a:off x="4447308" y="298061"/>
+            <a:ext cx="6906491" cy="562228"/>
           </a:xfrm>
         </p:spPr>
         <p:txBody>
@@ -17895,954 +17550,56 @@
                 <a:effectLst/>
                 <a:latin typeface="Söhne"/>
               </a:rPr>
-              <a:t>V</a:t>
-            </a:r>
-            <a:r>
-              <a:rPr lang="en-US" b="0" i="0" dirty="0" err="1">
-                <a:solidFill>
-                  <a:srgbClr val="374151"/>
-                </a:solidFill>
-                <a:effectLst/>
-                <a:latin typeface="Söhne"/>
-              </a:rPr>
-              <a:t>ažno</a:t>
-            </a:r>
-            <a:r>
-              <a:rPr lang="en-US" b="0" i="0" dirty="0">
-                <a:solidFill>
-                  <a:srgbClr val="374151"/>
-                </a:solidFill>
-                <a:effectLst/>
-                <a:latin typeface="Söhne"/>
-              </a:rPr>
-              <a:t> je </a:t>
-            </a:r>
-            <a:r>
-              <a:rPr lang="en-US" b="0" i="0" dirty="0" err="1">
-                <a:solidFill>
-                  <a:srgbClr val="374151"/>
-                </a:solidFill>
-                <a:effectLst/>
-                <a:latin typeface="Söhne"/>
-              </a:rPr>
-              <a:t>istaći</a:t>
-            </a:r>
-            <a:r>
-              <a:rPr lang="en-US" b="0" i="0" dirty="0">
-                <a:solidFill>
-                  <a:srgbClr val="374151"/>
-                </a:solidFill>
-                <a:effectLst/>
-                <a:latin typeface="Söhne"/>
-              </a:rPr>
-              <a:t> da </a:t>
-            </a:r>
-            <a:r>
-              <a:rPr lang="en-US" b="0" i="0" dirty="0" err="1">
-                <a:solidFill>
-                  <a:srgbClr val="374151"/>
-                </a:solidFill>
-                <a:effectLst/>
-                <a:latin typeface="Söhne"/>
-              </a:rPr>
-              <a:t>postoje</a:t>
-            </a:r>
-            <a:r>
-              <a:rPr lang="en-US" b="0" i="0" dirty="0">
-                <a:solidFill>
-                  <a:srgbClr val="374151"/>
-                </a:solidFill>
-                <a:effectLst/>
-                <a:latin typeface="Söhne"/>
-              </a:rPr>
-              <a:t> </a:t>
-            </a:r>
-            <a:r>
-              <a:rPr lang="en-US" b="0" i="0" dirty="0" err="1">
-                <a:solidFill>
-                  <a:srgbClr val="374151"/>
-                </a:solidFill>
-                <a:effectLst/>
-                <a:latin typeface="Söhne"/>
-              </a:rPr>
-              <a:t>i</a:t>
-            </a:r>
-            <a:r>
-              <a:rPr lang="en-US" b="0" i="0" dirty="0">
-                <a:solidFill>
-                  <a:srgbClr val="374151"/>
-                </a:solidFill>
-                <a:effectLst/>
-                <a:latin typeface="Söhne"/>
-              </a:rPr>
-              <a:t> </a:t>
-            </a:r>
-            <a:r>
-              <a:rPr lang="en-US" b="0" i="0" dirty="0" err="1">
-                <a:solidFill>
-                  <a:srgbClr val="374151"/>
-                </a:solidFill>
-                <a:effectLst/>
-                <a:latin typeface="Söhne"/>
-              </a:rPr>
-              <a:t>neki</a:t>
-            </a:r>
-            <a:r>
-              <a:rPr lang="en-US" b="0" i="0" dirty="0">
-                <a:solidFill>
-                  <a:srgbClr val="374151"/>
-                </a:solidFill>
-                <a:effectLst/>
-                <a:latin typeface="Söhne"/>
-              </a:rPr>
-              <a:t> </a:t>
-            </a:r>
-            <a:r>
-              <a:rPr lang="en-US" b="0" i="0" dirty="0" err="1">
-                <a:solidFill>
-                  <a:srgbClr val="374151"/>
-                </a:solidFill>
-                <a:effectLst/>
-                <a:latin typeface="Söhne"/>
-              </a:rPr>
-              <a:t>izazovi</a:t>
-            </a:r>
-            <a:r>
-              <a:rPr lang="en-US" b="0" i="0" dirty="0">
-                <a:solidFill>
-                  <a:srgbClr val="374151"/>
-                </a:solidFill>
-                <a:effectLst/>
-                <a:latin typeface="Söhne"/>
-              </a:rPr>
-              <a:t> </a:t>
-            </a:r>
-            <a:r>
-              <a:rPr lang="en-US" b="0" i="0" dirty="0" err="1">
-                <a:solidFill>
-                  <a:srgbClr val="374151"/>
-                </a:solidFill>
-                <a:effectLst/>
-                <a:latin typeface="Söhne"/>
-              </a:rPr>
-              <a:t>i</a:t>
-            </a:r>
-            <a:r>
-              <a:rPr lang="en-US" b="0" i="0" dirty="0">
-                <a:solidFill>
-                  <a:srgbClr val="374151"/>
-                </a:solidFill>
-                <a:effectLst/>
-                <a:latin typeface="Söhne"/>
-              </a:rPr>
-              <a:t> </a:t>
-            </a:r>
-            <a:r>
-              <a:rPr lang="en-US" b="0" i="0" dirty="0" err="1">
-                <a:solidFill>
-                  <a:srgbClr val="374151"/>
-                </a:solidFill>
-                <a:effectLst/>
-                <a:latin typeface="Söhne"/>
-              </a:rPr>
-              <a:t>nedostaci</a:t>
-            </a:r>
-            <a:r>
-              <a:rPr lang="en-US" b="0" i="0" dirty="0">
-                <a:solidFill>
-                  <a:srgbClr val="374151"/>
-                </a:solidFill>
-                <a:effectLst/>
-                <a:latin typeface="Söhne"/>
-              </a:rPr>
-              <a:t> u </a:t>
-            </a:r>
-            <a:r>
-              <a:rPr lang="en-US" b="0" i="0" dirty="0" err="1">
-                <a:solidFill>
-                  <a:srgbClr val="374151"/>
-                </a:solidFill>
-                <a:effectLst/>
-                <a:latin typeface="Söhne"/>
-              </a:rPr>
-              <a:t>primeni</a:t>
-            </a:r>
-            <a:r>
-              <a:rPr lang="en-US" b="0" i="0" dirty="0">
-                <a:solidFill>
-                  <a:srgbClr val="374151"/>
-                </a:solidFill>
-                <a:effectLst/>
-                <a:latin typeface="Söhne"/>
-              </a:rPr>
-              <a:t> </a:t>
-            </a:r>
-            <a:r>
-              <a:rPr lang="en-US" b="0" i="0" dirty="0" err="1">
-                <a:solidFill>
-                  <a:srgbClr val="374151"/>
-                </a:solidFill>
-                <a:effectLst/>
-                <a:latin typeface="Söhne"/>
-              </a:rPr>
-              <a:t>informacionih</a:t>
-            </a:r>
-            <a:r>
-              <a:rPr lang="en-US" b="0" i="0" dirty="0">
-                <a:solidFill>
-                  <a:srgbClr val="374151"/>
-                </a:solidFill>
-                <a:effectLst/>
-                <a:latin typeface="Söhne"/>
-              </a:rPr>
-              <a:t> </a:t>
-            </a:r>
-            <a:r>
-              <a:rPr lang="en-US" b="0" i="0" dirty="0" err="1">
-                <a:solidFill>
-                  <a:srgbClr val="374151"/>
-                </a:solidFill>
-                <a:effectLst/>
-                <a:latin typeface="Söhne"/>
-              </a:rPr>
-              <a:t>tehnologija</a:t>
-            </a:r>
-            <a:r>
-              <a:rPr lang="en-US" b="0" i="0" dirty="0">
-                <a:solidFill>
-                  <a:srgbClr val="374151"/>
-                </a:solidFill>
-                <a:effectLst/>
-                <a:latin typeface="Söhne"/>
-              </a:rPr>
-              <a:t> u </a:t>
-            </a:r>
-            <a:r>
-              <a:rPr lang="en-US" b="0" i="0" dirty="0" err="1">
-                <a:solidFill>
-                  <a:srgbClr val="374151"/>
-                </a:solidFill>
-                <a:effectLst/>
-                <a:latin typeface="Söhne"/>
-              </a:rPr>
-              <a:t>pravosuđu</a:t>
-            </a:r>
-            <a:r>
-              <a:rPr lang="en-US" b="0" i="0" dirty="0">
-                <a:solidFill>
-                  <a:srgbClr val="374151"/>
-                </a:solidFill>
-                <a:effectLst/>
-                <a:latin typeface="Söhne"/>
-              </a:rPr>
-              <a:t>. </a:t>
-            </a:r>
-            <a:r>
-              <a:rPr lang="en-US" b="0" i="0" dirty="0" err="1">
-                <a:solidFill>
-                  <a:srgbClr val="374151"/>
-                </a:solidFill>
-                <a:effectLst/>
-                <a:latin typeface="Söhne"/>
-              </a:rPr>
-              <a:t>Jedan</a:t>
-            </a:r>
-            <a:r>
-              <a:rPr lang="en-US" b="0" i="0" dirty="0">
-                <a:solidFill>
-                  <a:srgbClr val="374151"/>
-                </a:solidFill>
-                <a:effectLst/>
-                <a:latin typeface="Söhne"/>
-              </a:rPr>
-              <a:t> od </a:t>
-            </a:r>
-            <a:r>
-              <a:rPr lang="en-US" b="0" i="0" dirty="0" err="1">
-                <a:solidFill>
-                  <a:srgbClr val="374151"/>
-                </a:solidFill>
-                <a:effectLst/>
-                <a:latin typeface="Söhne"/>
-              </a:rPr>
-              <a:t>najvećih</a:t>
-            </a:r>
-            <a:r>
-              <a:rPr lang="en-US" b="0" i="0" dirty="0">
-                <a:solidFill>
-                  <a:srgbClr val="374151"/>
-                </a:solidFill>
-                <a:effectLst/>
-                <a:latin typeface="Söhne"/>
-              </a:rPr>
-              <a:t> </a:t>
-            </a:r>
-            <a:r>
-              <a:rPr lang="en-US" b="0" i="0" dirty="0" err="1">
-                <a:solidFill>
-                  <a:srgbClr val="374151"/>
-                </a:solidFill>
-                <a:effectLst/>
-                <a:latin typeface="Söhne"/>
-              </a:rPr>
-              <a:t>izazova</a:t>
-            </a:r>
-            <a:r>
-              <a:rPr lang="en-US" b="0" i="0" dirty="0">
-                <a:solidFill>
-                  <a:srgbClr val="374151"/>
-                </a:solidFill>
-                <a:effectLst/>
-                <a:latin typeface="Söhne"/>
-              </a:rPr>
-              <a:t> je </a:t>
-            </a:r>
-            <a:r>
-              <a:rPr lang="en-US" b="0" i="0" dirty="0" err="1">
-                <a:solidFill>
-                  <a:srgbClr val="374151"/>
-                </a:solidFill>
-                <a:effectLst/>
-                <a:latin typeface="Söhne"/>
-              </a:rPr>
-              <a:t>bezbednost</a:t>
-            </a:r>
-            <a:r>
-              <a:rPr lang="en-US" b="0" i="0" dirty="0">
-                <a:solidFill>
-                  <a:srgbClr val="374151"/>
-                </a:solidFill>
-                <a:effectLst/>
-                <a:latin typeface="Söhne"/>
-              </a:rPr>
-              <a:t> </a:t>
-            </a:r>
-            <a:r>
-              <a:rPr lang="en-US" b="0" i="0" dirty="0" err="1">
-                <a:solidFill>
-                  <a:srgbClr val="374151"/>
-                </a:solidFill>
-                <a:effectLst/>
-                <a:latin typeface="Söhne"/>
-              </a:rPr>
-              <a:t>podataka</a:t>
-            </a:r>
-            <a:r>
-              <a:rPr lang="en-US" b="0" i="0" dirty="0">
-                <a:solidFill>
-                  <a:srgbClr val="374151"/>
-                </a:solidFill>
-                <a:effectLst/>
-                <a:latin typeface="Söhne"/>
-              </a:rPr>
-              <a:t>, a </a:t>
-            </a:r>
-            <a:r>
-              <a:rPr lang="en-US" b="0" i="0" dirty="0" err="1">
-                <a:solidFill>
-                  <a:srgbClr val="374151"/>
-                </a:solidFill>
-                <a:effectLst/>
-                <a:latin typeface="Söhne"/>
-              </a:rPr>
-              <a:t>takođe</a:t>
-            </a:r>
-            <a:r>
-              <a:rPr lang="en-US" b="0" i="0" dirty="0">
-                <a:solidFill>
-                  <a:srgbClr val="374151"/>
-                </a:solidFill>
-                <a:effectLst/>
-                <a:latin typeface="Söhne"/>
-              </a:rPr>
-              <a:t> je </a:t>
-            </a:r>
-            <a:r>
-              <a:rPr lang="en-US" b="0" i="0" dirty="0" err="1">
-                <a:solidFill>
-                  <a:srgbClr val="374151"/>
-                </a:solidFill>
-                <a:effectLst/>
-                <a:latin typeface="Söhne"/>
-              </a:rPr>
-              <a:t>važno</a:t>
-            </a:r>
-            <a:r>
-              <a:rPr lang="en-US" b="0" i="0" dirty="0">
-                <a:solidFill>
-                  <a:srgbClr val="374151"/>
-                </a:solidFill>
-                <a:effectLst/>
-                <a:latin typeface="Söhne"/>
-              </a:rPr>
-              <a:t> </a:t>
-            </a:r>
-            <a:r>
-              <a:rPr lang="en-US" b="0" i="0" dirty="0" err="1">
-                <a:solidFill>
-                  <a:srgbClr val="374151"/>
-                </a:solidFill>
-                <a:effectLst/>
-                <a:latin typeface="Söhne"/>
-              </a:rPr>
-              <a:t>razmotriti</a:t>
-            </a:r>
-            <a:r>
-              <a:rPr lang="en-US" b="0" i="0" dirty="0">
-                <a:solidFill>
-                  <a:srgbClr val="374151"/>
-                </a:solidFill>
-                <a:effectLst/>
-                <a:latin typeface="Söhne"/>
-              </a:rPr>
-              <a:t> </a:t>
-            </a:r>
-            <a:r>
-              <a:rPr lang="en-US" b="0" i="0" dirty="0" err="1">
-                <a:solidFill>
-                  <a:srgbClr val="374151"/>
-                </a:solidFill>
-                <a:effectLst/>
-                <a:latin typeface="Söhne"/>
-              </a:rPr>
-              <a:t>i</a:t>
-            </a:r>
-            <a:r>
-              <a:rPr lang="en-US" b="0" i="0" dirty="0">
-                <a:solidFill>
-                  <a:srgbClr val="374151"/>
-                </a:solidFill>
-                <a:effectLst/>
-                <a:latin typeface="Söhne"/>
-              </a:rPr>
-              <a:t> </a:t>
-            </a:r>
-            <a:r>
-              <a:rPr lang="en-US" b="0" i="0" dirty="0" err="1">
-                <a:solidFill>
-                  <a:srgbClr val="374151"/>
-                </a:solidFill>
-                <a:effectLst/>
-                <a:latin typeface="Söhne"/>
-              </a:rPr>
-              <a:t>problematiku</a:t>
-            </a:r>
-            <a:r>
-              <a:rPr lang="en-US" b="0" i="0" dirty="0">
-                <a:solidFill>
-                  <a:srgbClr val="374151"/>
-                </a:solidFill>
-                <a:effectLst/>
-                <a:latin typeface="Söhne"/>
-              </a:rPr>
-              <a:t> </a:t>
-            </a:r>
-            <a:r>
-              <a:rPr lang="en-US" b="0" i="0" dirty="0" err="1">
-                <a:solidFill>
-                  <a:srgbClr val="374151"/>
-                </a:solidFill>
-                <a:effectLst/>
-                <a:latin typeface="Söhne"/>
-              </a:rPr>
-              <a:t>autorskog</a:t>
-            </a:r>
-            <a:r>
-              <a:rPr lang="en-US" b="0" i="0" dirty="0">
-                <a:solidFill>
-                  <a:srgbClr val="374151"/>
-                </a:solidFill>
-                <a:effectLst/>
-                <a:latin typeface="Söhne"/>
-              </a:rPr>
-              <a:t> </a:t>
-            </a:r>
-            <a:r>
-              <a:rPr lang="en-US" b="0" i="0" dirty="0" err="1">
-                <a:solidFill>
-                  <a:srgbClr val="374151"/>
-                </a:solidFill>
-                <a:effectLst/>
-                <a:latin typeface="Söhne"/>
-              </a:rPr>
-              <a:t>prava</a:t>
-            </a:r>
-            <a:r>
-              <a:rPr lang="en-US" b="0" i="0" dirty="0">
-                <a:solidFill>
-                  <a:srgbClr val="374151"/>
-                </a:solidFill>
-                <a:effectLst/>
-                <a:latin typeface="Söhne"/>
-              </a:rPr>
-              <a:t> </a:t>
-            </a:r>
-            <a:r>
-              <a:rPr lang="en-US" b="0" i="0" dirty="0" err="1">
-                <a:solidFill>
-                  <a:srgbClr val="374151"/>
-                </a:solidFill>
-                <a:effectLst/>
-                <a:latin typeface="Söhne"/>
-              </a:rPr>
-              <a:t>i</a:t>
-            </a:r>
-            <a:r>
-              <a:rPr lang="en-US" b="0" i="0" dirty="0">
-                <a:solidFill>
-                  <a:srgbClr val="374151"/>
-                </a:solidFill>
-                <a:effectLst/>
-                <a:latin typeface="Söhne"/>
-              </a:rPr>
-              <a:t> </a:t>
-            </a:r>
-            <a:r>
-              <a:rPr lang="en-US" b="0" i="0" dirty="0" err="1">
-                <a:solidFill>
-                  <a:srgbClr val="374151"/>
-                </a:solidFill>
-                <a:effectLst/>
-                <a:latin typeface="Söhne"/>
-              </a:rPr>
-              <a:t>zaštite</a:t>
-            </a:r>
-            <a:r>
-              <a:rPr lang="en-US" b="0" i="0" dirty="0">
-                <a:solidFill>
-                  <a:srgbClr val="374151"/>
-                </a:solidFill>
-                <a:effectLst/>
-                <a:latin typeface="Söhne"/>
-              </a:rPr>
-              <a:t> </a:t>
-            </a:r>
-            <a:r>
-              <a:rPr lang="en-US" b="0" i="0" dirty="0" err="1">
-                <a:solidFill>
-                  <a:srgbClr val="374151"/>
-                </a:solidFill>
-                <a:effectLst/>
-                <a:latin typeface="Söhne"/>
-              </a:rPr>
-              <a:t>privatnosti</a:t>
-            </a:r>
-            <a:r>
-              <a:rPr lang="en-US" b="0" i="0" dirty="0">
-                <a:solidFill>
-                  <a:srgbClr val="374151"/>
-                </a:solidFill>
-                <a:effectLst/>
-                <a:latin typeface="Söhne"/>
-              </a:rPr>
-              <a:t> u </a:t>
-            </a:r>
-            <a:r>
-              <a:rPr lang="en-US" b="0" i="0" dirty="0" err="1">
-                <a:solidFill>
-                  <a:srgbClr val="374151"/>
-                </a:solidFill>
-                <a:effectLst/>
-                <a:latin typeface="Söhne"/>
-              </a:rPr>
-              <a:t>digitalnom</a:t>
-            </a:r>
-            <a:r>
-              <a:rPr lang="en-US" b="0" i="0" dirty="0">
-                <a:solidFill>
-                  <a:srgbClr val="374151"/>
-                </a:solidFill>
-                <a:effectLst/>
-                <a:latin typeface="Söhne"/>
-              </a:rPr>
-              <a:t> </a:t>
-            </a:r>
-            <a:r>
-              <a:rPr lang="en-US" b="0" i="0" dirty="0" err="1">
-                <a:solidFill>
-                  <a:srgbClr val="374151"/>
-                </a:solidFill>
-                <a:effectLst/>
-                <a:latin typeface="Söhne"/>
-              </a:rPr>
-              <a:t>okruženju</a:t>
-            </a:r>
-            <a:r>
-              <a:rPr lang="en-US" b="0" i="0" dirty="0">
-                <a:solidFill>
-                  <a:srgbClr val="374151"/>
-                </a:solidFill>
-                <a:effectLst/>
-                <a:latin typeface="Söhne"/>
-              </a:rPr>
-              <a:t>.</a:t>
-            </a:r>
-            <a:endParaRPr lang="sr-Latn-RS" b="0" i="0" dirty="0">
-              <a:solidFill>
-                <a:srgbClr val="374151"/>
-              </a:solidFill>
-              <a:effectLst/>
-              <a:latin typeface="Söhne"/>
-            </a:endParaRPr>
-          </a:p>
-          <a:p>
-            <a:r>
-              <a:rPr lang="sr-Latn-RS" dirty="0">
-                <a:solidFill>
-                  <a:srgbClr val="374151"/>
-                </a:solidFill>
-                <a:latin typeface="Söhne"/>
-              </a:rPr>
-              <a:t>P</a:t>
-            </a:r>
-            <a:r>
-              <a:rPr lang="en-US" b="0" i="0" dirty="0" err="1">
-                <a:solidFill>
-                  <a:srgbClr val="374151"/>
-                </a:solidFill>
-                <a:effectLst/>
-                <a:latin typeface="Söhne"/>
-              </a:rPr>
-              <a:t>ravna</a:t>
-            </a:r>
-            <a:r>
-              <a:rPr lang="en-US" b="0" i="0" dirty="0">
-                <a:solidFill>
-                  <a:srgbClr val="374151"/>
-                </a:solidFill>
-                <a:effectLst/>
-                <a:latin typeface="Söhne"/>
-              </a:rPr>
-              <a:t> </a:t>
-            </a:r>
-            <a:r>
-              <a:rPr lang="en-US" b="0" i="0" dirty="0" err="1">
-                <a:solidFill>
-                  <a:srgbClr val="374151"/>
-                </a:solidFill>
-                <a:effectLst/>
-                <a:latin typeface="Söhne"/>
-              </a:rPr>
-              <a:t>informatika</a:t>
-            </a:r>
-            <a:r>
-              <a:rPr lang="en-US" b="0" i="0" dirty="0">
-                <a:solidFill>
-                  <a:srgbClr val="374151"/>
-                </a:solidFill>
-                <a:effectLst/>
-                <a:latin typeface="Söhne"/>
-              </a:rPr>
-              <a:t> </a:t>
-            </a:r>
-            <a:r>
-              <a:rPr lang="en-US" b="0" i="0" dirty="0" err="1">
-                <a:solidFill>
-                  <a:srgbClr val="374151"/>
-                </a:solidFill>
-                <a:effectLst/>
-                <a:latin typeface="Söhne"/>
-              </a:rPr>
-              <a:t>predstavlja</a:t>
-            </a:r>
-            <a:r>
-              <a:rPr lang="en-US" b="0" i="0" dirty="0">
-                <a:solidFill>
-                  <a:srgbClr val="374151"/>
-                </a:solidFill>
-                <a:effectLst/>
-                <a:latin typeface="Söhne"/>
-              </a:rPr>
-              <a:t> </a:t>
-            </a:r>
-            <a:r>
-              <a:rPr lang="en-US" b="0" i="0" dirty="0" err="1">
-                <a:solidFill>
-                  <a:srgbClr val="374151"/>
-                </a:solidFill>
-                <a:effectLst/>
-                <a:latin typeface="Söhne"/>
-              </a:rPr>
-              <a:t>važan</a:t>
-            </a:r>
-            <a:r>
-              <a:rPr lang="en-US" b="0" i="0" dirty="0">
-                <a:solidFill>
-                  <a:srgbClr val="374151"/>
-                </a:solidFill>
-                <a:effectLst/>
-                <a:latin typeface="Söhne"/>
-              </a:rPr>
-              <a:t> </a:t>
-            </a:r>
-            <a:r>
-              <a:rPr lang="en-US" b="0" i="0" dirty="0" err="1">
-                <a:solidFill>
-                  <a:srgbClr val="374151"/>
-                </a:solidFill>
-                <a:effectLst/>
-                <a:latin typeface="Söhne"/>
-              </a:rPr>
-              <a:t>alat</a:t>
-            </a:r>
-            <a:r>
-              <a:rPr lang="en-US" b="0" i="0" dirty="0">
-                <a:solidFill>
-                  <a:srgbClr val="374151"/>
-                </a:solidFill>
-                <a:effectLst/>
-                <a:latin typeface="Söhne"/>
-              </a:rPr>
-              <a:t> u </a:t>
-            </a:r>
-            <a:r>
-              <a:rPr lang="en-US" b="0" i="0" dirty="0" err="1">
-                <a:solidFill>
-                  <a:srgbClr val="374151"/>
-                </a:solidFill>
-                <a:effectLst/>
-                <a:latin typeface="Söhne"/>
-              </a:rPr>
-              <a:t>savremenom</a:t>
-            </a:r>
-            <a:r>
-              <a:rPr lang="en-US" b="0" i="0" dirty="0">
-                <a:solidFill>
-                  <a:srgbClr val="374151"/>
-                </a:solidFill>
-                <a:effectLst/>
-                <a:latin typeface="Söhne"/>
-              </a:rPr>
-              <a:t> </a:t>
-            </a:r>
-            <a:r>
-              <a:rPr lang="en-US" b="0" i="0" dirty="0" err="1">
-                <a:solidFill>
-                  <a:srgbClr val="374151"/>
-                </a:solidFill>
-                <a:effectLst/>
-                <a:latin typeface="Söhne"/>
-              </a:rPr>
-              <a:t>pravosuđu</a:t>
-            </a:r>
-            <a:r>
-              <a:rPr lang="en-US" b="0" i="0" dirty="0">
-                <a:solidFill>
-                  <a:srgbClr val="374151"/>
-                </a:solidFill>
-                <a:effectLst/>
-                <a:latin typeface="Söhne"/>
-              </a:rPr>
-              <a:t>, koji </a:t>
-            </a:r>
-            <a:r>
-              <a:rPr lang="en-US" b="0" i="0" dirty="0" err="1">
-                <a:solidFill>
-                  <a:srgbClr val="374151"/>
-                </a:solidFill>
-                <a:effectLst/>
-                <a:latin typeface="Söhne"/>
-              </a:rPr>
-              <a:t>može</a:t>
-            </a:r>
-            <a:r>
-              <a:rPr lang="en-US" b="0" i="0" dirty="0">
-                <a:solidFill>
-                  <a:srgbClr val="374151"/>
-                </a:solidFill>
-                <a:effectLst/>
-                <a:latin typeface="Söhne"/>
-              </a:rPr>
-              <a:t> </a:t>
-            </a:r>
-            <a:r>
-              <a:rPr lang="en-US" b="0" i="0" dirty="0" err="1">
-                <a:solidFill>
-                  <a:srgbClr val="374151"/>
-                </a:solidFill>
-                <a:effectLst/>
-                <a:latin typeface="Söhne"/>
-              </a:rPr>
-              <a:t>pomoći</a:t>
-            </a:r>
-            <a:r>
-              <a:rPr lang="en-US" b="0" i="0" dirty="0">
-                <a:solidFill>
-                  <a:srgbClr val="374151"/>
-                </a:solidFill>
-                <a:effectLst/>
-                <a:latin typeface="Söhne"/>
-              </a:rPr>
-              <a:t> u </a:t>
-            </a:r>
-            <a:r>
-              <a:rPr lang="en-US" b="0" i="0" dirty="0" err="1">
-                <a:solidFill>
-                  <a:srgbClr val="374151"/>
-                </a:solidFill>
-                <a:effectLst/>
-                <a:latin typeface="Söhne"/>
-              </a:rPr>
-              <a:t>efikasnom</a:t>
-            </a:r>
-            <a:r>
-              <a:rPr lang="en-US" b="0" i="0" dirty="0">
-                <a:solidFill>
-                  <a:srgbClr val="374151"/>
-                </a:solidFill>
-                <a:effectLst/>
-                <a:latin typeface="Söhne"/>
-              </a:rPr>
-              <a:t> </a:t>
-            </a:r>
-            <a:r>
-              <a:rPr lang="en-US" b="0" i="0" dirty="0" err="1">
-                <a:solidFill>
-                  <a:srgbClr val="374151"/>
-                </a:solidFill>
-                <a:effectLst/>
-                <a:latin typeface="Söhne"/>
-              </a:rPr>
-              <a:t>rešavanju</a:t>
-            </a:r>
-            <a:r>
-              <a:rPr lang="en-US" b="0" i="0" dirty="0">
-                <a:solidFill>
-                  <a:srgbClr val="374151"/>
-                </a:solidFill>
-                <a:effectLst/>
-                <a:latin typeface="Söhne"/>
-              </a:rPr>
-              <a:t> </a:t>
-            </a:r>
-            <a:r>
-              <a:rPr lang="en-US" b="0" i="0" dirty="0" err="1">
-                <a:solidFill>
-                  <a:srgbClr val="374151"/>
-                </a:solidFill>
-                <a:effectLst/>
-                <a:latin typeface="Söhne"/>
-              </a:rPr>
-              <a:t>pravnih</a:t>
-            </a:r>
-            <a:r>
-              <a:rPr lang="en-US" b="0" i="0" dirty="0">
-                <a:solidFill>
-                  <a:srgbClr val="374151"/>
-                </a:solidFill>
-                <a:effectLst/>
-                <a:latin typeface="Söhne"/>
-              </a:rPr>
-              <a:t> </a:t>
-            </a:r>
-            <a:r>
-              <a:rPr lang="en-US" b="0" i="0" dirty="0" err="1">
-                <a:solidFill>
-                  <a:srgbClr val="374151"/>
-                </a:solidFill>
-                <a:effectLst/>
-                <a:latin typeface="Söhne"/>
-              </a:rPr>
-              <a:t>pitanja</a:t>
-            </a:r>
-            <a:r>
-              <a:rPr lang="en-US" b="0" i="0" dirty="0">
-                <a:solidFill>
-                  <a:srgbClr val="374151"/>
-                </a:solidFill>
-                <a:effectLst/>
-                <a:latin typeface="Söhne"/>
-              </a:rPr>
-              <a:t> </a:t>
-            </a:r>
-            <a:r>
-              <a:rPr lang="en-US" b="0" i="0" dirty="0" err="1">
-                <a:solidFill>
-                  <a:srgbClr val="374151"/>
-                </a:solidFill>
-                <a:effectLst/>
-                <a:latin typeface="Söhne"/>
-              </a:rPr>
-              <a:t>i</a:t>
-            </a:r>
-            <a:r>
-              <a:rPr lang="en-US" b="0" i="0" dirty="0">
-                <a:solidFill>
-                  <a:srgbClr val="374151"/>
-                </a:solidFill>
-                <a:effectLst/>
-                <a:latin typeface="Söhne"/>
-              </a:rPr>
-              <a:t> </a:t>
-            </a:r>
-            <a:r>
-              <a:rPr lang="en-US" b="0" i="0" dirty="0" err="1">
-                <a:solidFill>
-                  <a:srgbClr val="374151"/>
-                </a:solidFill>
-                <a:effectLst/>
-                <a:latin typeface="Söhne"/>
-              </a:rPr>
-              <a:t>donošenju</a:t>
-            </a:r>
-            <a:r>
-              <a:rPr lang="en-US" b="0" i="0" dirty="0">
-                <a:solidFill>
-                  <a:srgbClr val="374151"/>
-                </a:solidFill>
-                <a:effectLst/>
-                <a:latin typeface="Söhne"/>
-              </a:rPr>
-              <a:t> </a:t>
-            </a:r>
-            <a:r>
-              <a:rPr lang="en-US" b="0" i="0" dirty="0" err="1">
-                <a:solidFill>
-                  <a:srgbClr val="374151"/>
-                </a:solidFill>
-                <a:effectLst/>
-                <a:latin typeface="Söhne"/>
-              </a:rPr>
-              <a:t>kvalitetnih</a:t>
-            </a:r>
-            <a:r>
-              <a:rPr lang="en-US" b="0" i="0" dirty="0">
-                <a:solidFill>
-                  <a:srgbClr val="374151"/>
-                </a:solidFill>
-                <a:effectLst/>
-                <a:latin typeface="Söhne"/>
-              </a:rPr>
-              <a:t> </a:t>
-            </a:r>
-            <a:r>
-              <a:rPr lang="en-US" b="0" i="0" dirty="0" err="1">
-                <a:solidFill>
-                  <a:srgbClr val="374151"/>
-                </a:solidFill>
-                <a:effectLst/>
-                <a:latin typeface="Söhne"/>
-              </a:rPr>
-              <a:t>odluka</a:t>
-            </a:r>
-            <a:r>
-              <a:rPr lang="en-US" b="0" i="0" dirty="0">
-                <a:solidFill>
-                  <a:srgbClr val="374151"/>
-                </a:solidFill>
-                <a:effectLst/>
-                <a:latin typeface="Söhne"/>
-              </a:rPr>
-              <a:t>.</a:t>
-            </a:r>
-            <a:endParaRPr dirty="0"/>
+              <a:t>Primer meta podataka i hiper-</a:t>
+            </a:r>
+            <a:r>
+              <a:rPr lang="sr-Latn-RS" b="0" i="0" dirty="0" err="1">
+                <a:solidFill>
+                  <a:srgbClr val="374151"/>
+                </a:solidFill>
+                <a:effectLst/>
+                <a:latin typeface="Söhne"/>
+              </a:rPr>
+              <a:t>linkovanja</a:t>
+            </a:r>
+            <a:endParaRPr lang="en-US" dirty="0"/>
           </a:p>
         </p:txBody>
       </p:sp>
+      <p:pic>
+        <p:nvPicPr>
+          <p:cNvPr id="6" name="Picture 5">
+            <a:extLst>
+              <a:ext uri="{FF2B5EF4-FFF2-40B4-BE49-F238E27FC236}">
+                <a16:creationId xmlns:a16="http://schemas.microsoft.com/office/drawing/2014/main" id="{86E8D01A-B35E-1D1A-CDBC-9067EE7F7820}"/>
+              </a:ext>
+            </a:extLst>
+          </p:cNvPr>
+          <p:cNvPicPr>
+            <a:picLocks noChangeAspect="1"/>
+          </p:cNvPicPr>
+          <p:nvPr/>
+        </p:nvPicPr>
+        <p:blipFill>
+          <a:blip r:embed="rId3"/>
+          <a:stretch>
+            <a:fillRect/>
+          </a:stretch>
+        </p:blipFill>
+        <p:spPr>
+          <a:xfrm>
+            <a:off x="4221361" y="1856767"/>
+            <a:ext cx="7606738" cy="2413309"/>
+          </a:xfrm>
+          <a:prstGeom prst="rect">
+            <a:avLst/>
+          </a:prstGeom>
+        </p:spPr>
+      </p:pic>
     </p:spTree>
     <p:extLst>
       <p:ext uri="{BB962C8B-B14F-4D97-AF65-F5344CB8AC3E}">
-        <p14:creationId xmlns:p14="http://schemas.microsoft.com/office/powerpoint/2010/main" val="4290222120"/>
+        <p14:creationId xmlns:p14="http://schemas.microsoft.com/office/powerpoint/2010/main" val="2669945393"/>
       </p:ext>
     </p:extLst>
   </p:cSld>
@@ -19099,7 +17856,15 @@
                   <a:srgbClr val="FFFFFF"/>
                 </a:solidFill>
               </a:rPr>
-              <a:t>Dalja unapređenja</a:t>
+              <a:t>Meta podaci i hiper-</a:t>
+            </a:r>
+            <a:r>
+              <a:rPr lang="sr-Latn-RS" dirty="0" err="1">
+                <a:solidFill>
+                  <a:srgbClr val="FFFFFF"/>
+                </a:solidFill>
+              </a:rPr>
+              <a:t>linkovanje</a:t>
             </a:r>
             <a:endParaRPr lang="en-US" dirty="0">
               <a:solidFill>
@@ -19177,13 +17942,13 @@
             <a:spLocks noGrp="1"/>
           </p:cNvSpPr>
           <p:nvPr>
-            <p:ph type="body" idx="1"/>
+            <p:ph idx="1"/>
           </p:nvPr>
         </p:nvSpPr>
         <p:spPr>
           <a:xfrm>
-            <a:off x="4447308" y="591344"/>
-            <a:ext cx="6906491" cy="5585619"/>
+            <a:off x="4447308" y="298061"/>
+            <a:ext cx="6906491" cy="562228"/>
           </a:xfrm>
         </p:spPr>
         <p:txBody>
@@ -19193,286 +17958,6 @@
           <a:lstStyle/>
           <a:p>
             <a:r>
-              <a:rPr lang="en-US" b="0" i="0" dirty="0">
-                <a:solidFill>
-                  <a:srgbClr val="374151"/>
-                </a:solidFill>
-                <a:effectLst/>
-                <a:latin typeface="Söhne"/>
-              </a:rPr>
-              <a:t>Kao </a:t>
-            </a:r>
-            <a:r>
-              <a:rPr lang="en-US" b="0" i="0" dirty="0" err="1">
-                <a:solidFill>
-                  <a:srgbClr val="374151"/>
-                </a:solidFill>
-                <a:effectLst/>
-                <a:latin typeface="Söhne"/>
-              </a:rPr>
-              <a:t>što</a:t>
-            </a:r>
-            <a:r>
-              <a:rPr lang="en-US" b="0" i="0" dirty="0">
-                <a:solidFill>
-                  <a:srgbClr val="374151"/>
-                </a:solidFill>
-                <a:effectLst/>
-                <a:latin typeface="Söhne"/>
-              </a:rPr>
-              <a:t> se </a:t>
-            </a:r>
-            <a:r>
-              <a:rPr lang="en-US" b="0" i="0" dirty="0" err="1">
-                <a:solidFill>
-                  <a:srgbClr val="374151"/>
-                </a:solidFill>
-                <a:effectLst/>
-                <a:latin typeface="Söhne"/>
-              </a:rPr>
-              <a:t>razvijaju</a:t>
-            </a:r>
-            <a:r>
-              <a:rPr lang="en-US" b="0" i="0" dirty="0">
-                <a:solidFill>
-                  <a:srgbClr val="374151"/>
-                </a:solidFill>
-                <a:effectLst/>
-                <a:latin typeface="Söhne"/>
-              </a:rPr>
-              <a:t> </a:t>
-            </a:r>
-            <a:r>
-              <a:rPr lang="en-US" b="0" i="0" dirty="0" err="1">
-                <a:solidFill>
-                  <a:srgbClr val="374151"/>
-                </a:solidFill>
-                <a:effectLst/>
-                <a:latin typeface="Söhne"/>
-              </a:rPr>
-              <a:t>i</a:t>
-            </a:r>
-            <a:r>
-              <a:rPr lang="en-US" b="0" i="0" dirty="0">
-                <a:solidFill>
-                  <a:srgbClr val="374151"/>
-                </a:solidFill>
-                <a:effectLst/>
-                <a:latin typeface="Söhne"/>
-              </a:rPr>
-              <a:t> </a:t>
-            </a:r>
-            <a:r>
-              <a:rPr lang="en-US" b="0" i="0" dirty="0" err="1">
-                <a:solidFill>
-                  <a:srgbClr val="374151"/>
-                </a:solidFill>
-                <a:effectLst/>
-                <a:latin typeface="Söhne"/>
-              </a:rPr>
-              <a:t>napreduju</a:t>
-            </a:r>
-            <a:r>
-              <a:rPr lang="en-US" b="0" i="0" dirty="0">
-                <a:solidFill>
-                  <a:srgbClr val="374151"/>
-                </a:solidFill>
-                <a:effectLst/>
-                <a:latin typeface="Söhne"/>
-              </a:rPr>
-              <a:t> </a:t>
-            </a:r>
-            <a:r>
-              <a:rPr lang="en-US" b="0" i="0" dirty="0" err="1">
-                <a:solidFill>
-                  <a:srgbClr val="374151"/>
-                </a:solidFill>
-                <a:effectLst/>
-                <a:latin typeface="Söhne"/>
-              </a:rPr>
-              <a:t>tehnološke</a:t>
-            </a:r>
-            <a:r>
-              <a:rPr lang="en-US" b="0" i="0" dirty="0">
-                <a:solidFill>
-                  <a:srgbClr val="374151"/>
-                </a:solidFill>
-                <a:effectLst/>
-                <a:latin typeface="Söhne"/>
-              </a:rPr>
-              <a:t> </a:t>
-            </a:r>
-            <a:r>
-              <a:rPr lang="en-US" b="0" i="0" dirty="0" err="1">
-                <a:solidFill>
-                  <a:srgbClr val="374151"/>
-                </a:solidFill>
-                <a:effectLst/>
-                <a:latin typeface="Söhne"/>
-              </a:rPr>
-              <a:t>mogućnosti</a:t>
-            </a:r>
-            <a:r>
-              <a:rPr lang="en-US" b="0" i="0" dirty="0">
-                <a:solidFill>
-                  <a:srgbClr val="374151"/>
-                </a:solidFill>
-                <a:effectLst/>
-                <a:latin typeface="Söhne"/>
-              </a:rPr>
-              <a:t>, </a:t>
-            </a:r>
-            <a:r>
-              <a:rPr lang="en-US" b="0" i="0" dirty="0" err="1">
-                <a:solidFill>
-                  <a:srgbClr val="374151"/>
-                </a:solidFill>
-                <a:effectLst/>
-                <a:latin typeface="Söhne"/>
-              </a:rPr>
-              <a:t>tako</a:t>
-            </a:r>
-            <a:r>
-              <a:rPr lang="en-US" b="0" i="0" dirty="0">
-                <a:solidFill>
-                  <a:srgbClr val="374151"/>
-                </a:solidFill>
-                <a:effectLst/>
-                <a:latin typeface="Söhne"/>
-              </a:rPr>
-              <a:t> se </a:t>
-            </a:r>
-            <a:r>
-              <a:rPr lang="en-US" b="0" i="0" dirty="0" err="1">
-                <a:solidFill>
-                  <a:srgbClr val="374151"/>
-                </a:solidFill>
-                <a:effectLst/>
-                <a:latin typeface="Söhne"/>
-              </a:rPr>
-              <a:t>i</a:t>
-            </a:r>
-            <a:r>
-              <a:rPr lang="en-US" b="0" i="0" dirty="0">
-                <a:solidFill>
-                  <a:srgbClr val="374151"/>
-                </a:solidFill>
-                <a:effectLst/>
-                <a:latin typeface="Söhne"/>
-              </a:rPr>
-              <a:t> oblast </a:t>
-            </a:r>
-            <a:r>
-              <a:rPr lang="en-US" b="0" i="0" dirty="0" err="1">
-                <a:solidFill>
-                  <a:srgbClr val="374151"/>
-                </a:solidFill>
-                <a:effectLst/>
-                <a:latin typeface="Söhne"/>
-              </a:rPr>
-              <a:t>pravne</a:t>
-            </a:r>
-            <a:r>
-              <a:rPr lang="en-US" b="0" i="0" dirty="0">
-                <a:solidFill>
-                  <a:srgbClr val="374151"/>
-                </a:solidFill>
-                <a:effectLst/>
-                <a:latin typeface="Söhne"/>
-              </a:rPr>
-              <a:t> </a:t>
-            </a:r>
-            <a:r>
-              <a:rPr lang="en-US" b="0" i="0" dirty="0" err="1">
-                <a:solidFill>
-                  <a:srgbClr val="374151"/>
-                </a:solidFill>
-                <a:effectLst/>
-                <a:latin typeface="Söhne"/>
-              </a:rPr>
-              <a:t>informatike</a:t>
-            </a:r>
-            <a:r>
-              <a:rPr lang="en-US" b="0" i="0" dirty="0">
-                <a:solidFill>
-                  <a:srgbClr val="374151"/>
-                </a:solidFill>
-                <a:effectLst/>
-                <a:latin typeface="Söhne"/>
-              </a:rPr>
-              <a:t> </a:t>
-            </a:r>
-            <a:r>
-              <a:rPr lang="en-US" b="0" i="0" dirty="0" err="1">
-                <a:solidFill>
-                  <a:srgbClr val="374151"/>
-                </a:solidFill>
-                <a:effectLst/>
-                <a:latin typeface="Söhne"/>
-              </a:rPr>
-              <a:t>neprestano</a:t>
-            </a:r>
-            <a:r>
-              <a:rPr lang="en-US" b="0" i="0" dirty="0">
-                <a:solidFill>
-                  <a:srgbClr val="374151"/>
-                </a:solidFill>
-                <a:effectLst/>
-                <a:latin typeface="Söhne"/>
-              </a:rPr>
-              <a:t> </a:t>
-            </a:r>
-            <a:r>
-              <a:rPr lang="en-US" b="0" i="0" dirty="0" err="1">
-                <a:solidFill>
-                  <a:srgbClr val="374151"/>
-                </a:solidFill>
-                <a:effectLst/>
-                <a:latin typeface="Söhne"/>
-              </a:rPr>
-              <a:t>razvija</a:t>
-            </a:r>
-            <a:r>
-              <a:rPr lang="en-US" b="0" i="0" dirty="0">
-                <a:solidFill>
-                  <a:srgbClr val="374151"/>
-                </a:solidFill>
-                <a:effectLst/>
-                <a:latin typeface="Söhne"/>
-              </a:rPr>
-              <a:t> </a:t>
-            </a:r>
-            <a:r>
-              <a:rPr lang="en-US" b="0" i="0" dirty="0" err="1">
-                <a:solidFill>
-                  <a:srgbClr val="374151"/>
-                </a:solidFill>
-                <a:effectLst/>
-                <a:latin typeface="Söhne"/>
-              </a:rPr>
-              <a:t>i</a:t>
-            </a:r>
-            <a:r>
-              <a:rPr lang="en-US" b="0" i="0" dirty="0">
-                <a:solidFill>
-                  <a:srgbClr val="374151"/>
-                </a:solidFill>
-                <a:effectLst/>
-                <a:latin typeface="Söhne"/>
-              </a:rPr>
-              <a:t> </a:t>
-            </a:r>
-            <a:r>
-              <a:rPr lang="en-US" b="0" i="0" dirty="0" err="1">
-                <a:solidFill>
-                  <a:srgbClr val="374151"/>
-                </a:solidFill>
-                <a:effectLst/>
-                <a:latin typeface="Söhne"/>
-              </a:rPr>
-              <a:t>unapređuje</a:t>
-            </a:r>
-            <a:r>
               <a:rPr lang="sr-Latn-RS" b="0" i="0" dirty="0">
                 <a:solidFill>
                   <a:srgbClr val="374151"/>
@@ -19480,16 +17965,56 @@
                 <a:effectLst/>
                 <a:latin typeface="Söhne"/>
               </a:rPr>
-              <a:t>.</a:t>
-            </a:r>
-            <a:endParaRPr dirty="0"/>
+              <a:t>Primer meta podataka i hiper-</a:t>
+            </a:r>
+            <a:r>
+              <a:rPr lang="sr-Latn-RS" b="0" i="0" dirty="0" err="1">
+                <a:solidFill>
+                  <a:srgbClr val="374151"/>
+                </a:solidFill>
+                <a:effectLst/>
+                <a:latin typeface="Söhne"/>
+              </a:rPr>
+              <a:t>linkovanja</a:t>
+            </a:r>
+            <a:endParaRPr lang="en-US" dirty="0"/>
           </a:p>
         </p:txBody>
       </p:sp>
+      <p:pic>
+        <p:nvPicPr>
+          <p:cNvPr id="5" name="Picture 4">
+            <a:extLst>
+              <a:ext uri="{FF2B5EF4-FFF2-40B4-BE49-F238E27FC236}">
+                <a16:creationId xmlns:a16="http://schemas.microsoft.com/office/drawing/2014/main" id="{0B60BC2F-520F-855F-D64D-0BB39A235244}"/>
+              </a:ext>
+            </a:extLst>
+          </p:cNvPr>
+          <p:cNvPicPr>
+            <a:picLocks noChangeAspect="1"/>
+          </p:cNvPicPr>
+          <p:nvPr/>
+        </p:nvPicPr>
+        <p:blipFill>
+          <a:blip r:embed="rId3"/>
+          <a:stretch>
+            <a:fillRect/>
+          </a:stretch>
+        </p:blipFill>
+        <p:spPr>
+          <a:xfrm>
+            <a:off x="3674852" y="1844379"/>
+            <a:ext cx="8462445" cy="4601217"/>
+          </a:xfrm>
+          <a:prstGeom prst="rect">
+            <a:avLst/>
+          </a:prstGeom>
+        </p:spPr>
+      </p:pic>
     </p:spTree>
     <p:extLst>
       <p:ext uri="{BB962C8B-B14F-4D97-AF65-F5344CB8AC3E}">
-        <p14:creationId xmlns:p14="http://schemas.microsoft.com/office/powerpoint/2010/main" val="2421200628"/>
+        <p14:creationId xmlns:p14="http://schemas.microsoft.com/office/powerpoint/2010/main" val="4048915896"/>
       </p:ext>
     </p:extLst>
   </p:cSld>
@@ -19746,7 +18271,7 @@
                   <a:srgbClr val="FFFFFF"/>
                 </a:solidFill>
               </a:rPr>
-              <a:t>Dalja unapređenja</a:t>
+              <a:t>Zaključak</a:t>
             </a:r>
             <a:endParaRPr lang="en-US" dirty="0">
               <a:solidFill>
@@ -19830,18 +18355,44 @@
         <p:spPr>
           <a:xfrm>
             <a:off x="4447308" y="591344"/>
-            <a:ext cx="6906491" cy="6033743"/>
+            <a:ext cx="6906491" cy="5585619"/>
           </a:xfrm>
         </p:spPr>
         <p:txBody>
           <a:bodyPr anchor="ctr">
-            <a:normAutofit lnSpcReduction="10000"/>
+            <a:normAutofit/>
           </a:bodyPr>
           <a:lstStyle/>
           <a:p>
-            <a:pPr marL="0" indent="0">
-              <a:buNone/>
-            </a:pPr>
+            <a:r>
+              <a:rPr lang="sr-Latn-RS" dirty="0">
+                <a:solidFill>
+                  <a:srgbClr val="374151"/>
+                </a:solidFill>
+                <a:latin typeface="Söhne"/>
+              </a:rPr>
+              <a:t>O</a:t>
+            </a:r>
+            <a:r>
+              <a:rPr lang="en-US" b="0" i="0" dirty="0" err="1">
+                <a:solidFill>
+                  <a:srgbClr val="374151"/>
+                </a:solidFill>
+                <a:effectLst/>
+                <a:latin typeface="Söhne"/>
+              </a:rPr>
+              <a:t>va</a:t>
+            </a:r>
+            <a:r>
+              <a:rPr lang="en-US" b="0" i="0" dirty="0">
+                <a:solidFill>
+                  <a:srgbClr val="374151"/>
+                </a:solidFill>
+                <a:effectLst/>
+                <a:latin typeface="Söhne"/>
+              </a:rPr>
+              <a:t> oblast</a:t>
+            </a:r>
             <a:r>
               <a:rPr lang="sr-Latn-RS" b="0" i="0" dirty="0">
                 <a:solidFill>
@@ -19850,14 +18401,123 @@
                 <a:effectLst/>
                 <a:latin typeface="Söhne"/>
               </a:rPr>
-              <a:t>Nekoliko primera za dalja unapređenja rada:</a:t>
-            </a:r>
-          </a:p>
-          <a:p>
-            <a:endParaRPr lang="sr-Latn-RS" dirty="0">
+              <a:t> je</a:t>
+            </a:r>
+            <a:r>
+              <a:rPr lang="en-US" b="0" i="0" dirty="0">
+                <a:solidFill>
+                  <a:srgbClr val="374151"/>
+                </a:solidFill>
+                <a:effectLst/>
+                <a:latin typeface="Söhne"/>
+              </a:rPr>
+              <a:t> </a:t>
+            </a:r>
+            <a:r>
+              <a:rPr lang="en-US" b="0" i="0" dirty="0" err="1">
+                <a:solidFill>
+                  <a:srgbClr val="374151"/>
+                </a:solidFill>
+                <a:effectLst/>
+                <a:latin typeface="Söhne"/>
+              </a:rPr>
+              <a:t>postala</a:t>
+            </a:r>
+            <a:r>
+              <a:rPr lang="en-US" b="0" i="0" dirty="0">
+                <a:solidFill>
+                  <a:srgbClr val="374151"/>
+                </a:solidFill>
+                <a:effectLst/>
+                <a:latin typeface="Söhne"/>
+              </a:rPr>
+              <a:t> </a:t>
+            </a:r>
+            <a:r>
+              <a:rPr lang="en-US" b="0" i="0" dirty="0" err="1">
+                <a:solidFill>
+                  <a:srgbClr val="374151"/>
+                </a:solidFill>
+                <a:effectLst/>
+                <a:latin typeface="Söhne"/>
+              </a:rPr>
+              <a:t>neizostavni</a:t>
+            </a:r>
+            <a:r>
+              <a:rPr lang="en-US" b="0" i="0" dirty="0">
+                <a:solidFill>
+                  <a:srgbClr val="374151"/>
+                </a:solidFill>
+                <a:effectLst/>
+                <a:latin typeface="Söhne"/>
+              </a:rPr>
+              <a:t> deo </a:t>
+            </a:r>
+            <a:r>
+              <a:rPr lang="en-US" b="0" i="0" dirty="0" err="1">
+                <a:solidFill>
+                  <a:srgbClr val="374151"/>
+                </a:solidFill>
+                <a:effectLst/>
+                <a:latin typeface="Söhne"/>
+              </a:rPr>
+              <a:t>savremenog</a:t>
+            </a:r>
+            <a:r>
+              <a:rPr lang="en-US" b="0" i="0" dirty="0">
+                <a:solidFill>
+                  <a:srgbClr val="374151"/>
+                </a:solidFill>
+                <a:effectLst/>
+                <a:latin typeface="Söhne"/>
+              </a:rPr>
+              <a:t> </a:t>
+            </a:r>
+            <a:r>
+              <a:rPr lang="en-US" b="0" i="0" dirty="0" err="1">
+                <a:solidFill>
+                  <a:srgbClr val="374151"/>
+                </a:solidFill>
+                <a:effectLst/>
+                <a:latin typeface="Söhne"/>
+              </a:rPr>
+              <a:t>pravnog</a:t>
+            </a:r>
+            <a:r>
+              <a:rPr lang="en-US" b="0" i="0" dirty="0">
+                <a:solidFill>
+                  <a:srgbClr val="374151"/>
+                </a:solidFill>
+                <a:effectLst/>
+                <a:latin typeface="Söhne"/>
+              </a:rPr>
+              <a:t> </a:t>
+            </a:r>
+            <a:r>
+              <a:rPr lang="en-US" b="0" i="0" dirty="0" err="1">
+                <a:solidFill>
+                  <a:srgbClr val="374151"/>
+                </a:solidFill>
+                <a:effectLst/>
+                <a:latin typeface="Söhne"/>
+              </a:rPr>
+              <a:t>sistema</a:t>
+            </a:r>
+            <a:r>
+              <a:rPr lang="en-US" b="0" i="0" dirty="0">
+                <a:solidFill>
+                  <a:srgbClr val="374151"/>
+                </a:solidFill>
+                <a:effectLst/>
+                <a:latin typeface="Söhne"/>
+              </a:rPr>
+              <a:t>.</a:t>
+            </a:r>
+            <a:endParaRPr lang="sr-Latn-RS" b="0" i="0" dirty="0">
               <a:solidFill>
                 <a:srgbClr val="374151"/>
               </a:solidFill>
+              <a:effectLst/>
               <a:latin typeface="Söhne"/>
             </a:endParaRPr>
           </a:p>
@@ -19890,7 +18550,7 @@
                 <a:effectLst/>
                 <a:latin typeface="Söhne"/>
               </a:rPr>
-              <a:t>veštačke</a:t>
+              <a:t>informacionih</a:t>
             </a:r>
             <a:r>
               <a:rPr lang="en-US" b="0" i="0" dirty="0">
@@ -19910,7 +18570,7 @@
                 <a:effectLst/>
                 <a:latin typeface="Söhne"/>
               </a:rPr>
-              <a:t>inteligencije</a:t>
+              <a:t>tehnologija</a:t>
             </a:r>
             <a:r>
               <a:rPr lang="en-US" b="0" i="0" dirty="0">
@@ -19930,6 +18590,46 @@
                 <a:effectLst/>
                 <a:latin typeface="Söhne"/>
               </a:rPr>
+              <a:t>pravosuđu</a:t>
+            </a:r>
+            <a:r>
+              <a:rPr lang="en-US" b="0" i="0" dirty="0">
+                <a:solidFill>
+                  <a:srgbClr val="374151"/>
+                </a:solidFill>
+                <a:effectLst/>
+                <a:latin typeface="Söhne"/>
+              </a:rPr>
+              <a:t> </a:t>
+            </a:r>
+            <a:r>
+              <a:rPr lang="en-US" b="0" i="0" dirty="0" err="1">
+                <a:solidFill>
+                  <a:srgbClr val="374151"/>
+                </a:solidFill>
+                <a:effectLst/>
+                <a:latin typeface="Söhne"/>
+              </a:rPr>
+              <a:t>i</a:t>
+            </a:r>
+            <a:r>
+              <a:rPr lang="en-US" b="0" i="0" dirty="0">
+                <a:solidFill>
+                  <a:srgbClr val="374151"/>
+                </a:solidFill>
+                <a:effectLst/>
+                <a:latin typeface="Söhne"/>
+              </a:rPr>
+              <a:t> </a:t>
+            </a:r>
+            <a:r>
+              <a:rPr lang="en-US" b="0" i="0" dirty="0" err="1">
+                <a:solidFill>
+                  <a:srgbClr val="374151"/>
+                </a:solidFill>
+                <a:effectLst/>
+                <a:latin typeface="Söhne"/>
+              </a:rPr>
               <a:t>pravnoj</a:t>
             </a:r>
             <a:r>
@@ -19950,69 +18650,7 @@
                 <a:effectLst/>
                 <a:latin typeface="Söhne"/>
               </a:rPr>
-              <a:t>analizi</a:t>
-            </a:r>
-            <a:r>
-              <a:rPr lang="sr-Latn-RS" b="0" i="0" dirty="0">
-                <a:solidFill>
-                  <a:srgbClr val="374151"/>
-                </a:solidFill>
-                <a:effectLst/>
-                <a:latin typeface="Söhne"/>
-              </a:rPr>
-              <a:t> – razvoj VI na srpskom će u budućnosti dosta olakšati proces prikupljanja podataka</a:t>
-            </a:r>
-          </a:p>
-          <a:p>
-            <a:r>
-              <a:rPr lang="en-US" b="0" i="0" dirty="0" err="1">
-                <a:solidFill>
-                  <a:srgbClr val="374151"/>
-                </a:solidFill>
-                <a:effectLst/>
-                <a:latin typeface="Söhne"/>
-              </a:rPr>
-              <a:t>Upotreba</a:t>
-            </a:r>
-            <a:r>
-              <a:rPr lang="en-US" b="0" i="0" dirty="0">
-                <a:solidFill>
-                  <a:srgbClr val="374151"/>
-                </a:solidFill>
-                <a:effectLst/>
-                <a:latin typeface="Söhne"/>
-              </a:rPr>
-              <a:t> blockchain </a:t>
-            </a:r>
-            <a:r>
-              <a:rPr lang="en-US" b="0" i="0" dirty="0" err="1">
-                <a:solidFill>
-                  <a:srgbClr val="374151"/>
-                </a:solidFill>
-                <a:effectLst/>
-                <a:latin typeface="Söhne"/>
-              </a:rPr>
-              <a:t>tehnologije</a:t>
-            </a:r>
-            <a:r>
-              <a:rPr lang="en-US" b="0" i="0" dirty="0">
-                <a:solidFill>
-                  <a:srgbClr val="374151"/>
-                </a:solidFill>
-                <a:effectLst/>
-                <a:latin typeface="Söhne"/>
-              </a:rPr>
-              <a:t> u </a:t>
-            </a:r>
-            <a:r>
-              <a:rPr lang="en-US" b="0" i="0" dirty="0" err="1">
-                <a:solidFill>
-                  <a:srgbClr val="374151"/>
-                </a:solidFill>
-                <a:effectLst/>
-                <a:latin typeface="Söhne"/>
-              </a:rPr>
-              <a:t>pravnoj</a:t>
+              <a:t>teoriji</a:t>
             </a:r>
             <a:r>
               <a:rPr lang="en-US" b="0" i="0" dirty="0">
@@ -20032,30 +18670,10 @@
                 <a:effectLst/>
                 <a:latin typeface="Söhne"/>
               </a:rPr>
-              <a:t>dokumentaciji</a:t>
-            </a:r>
-            <a:r>
-              <a:rPr lang="sr-Latn-RS" b="0" i="0" dirty="0">
-                <a:solidFill>
-                  <a:srgbClr val="374151"/>
-                </a:solidFill>
-                <a:effectLst/>
-                <a:latin typeface="Söhne"/>
-              </a:rPr>
-              <a:t> – dalje </a:t>
-            </a:r>
-            <a:r>
-              <a:rPr lang="sr-Latn-RS" b="0" i="0" dirty="0" err="1">
-                <a:solidFill>
-                  <a:srgbClr val="374151"/>
-                </a:solidFill>
-                <a:effectLst/>
-                <a:latin typeface="Söhne"/>
-              </a:rPr>
-              <a:t>unapredjenje</a:t>
-            </a:r>
-            <a:r>
-              <a:rPr lang="sr-Latn-RS" b="0" i="0" dirty="0">
+              <a:t>ima</a:t>
+            </a:r>
+            <a:r>
+              <a:rPr lang="en-US" b="0" i="0" dirty="0">
                 <a:solidFill>
                   <a:srgbClr val="374151"/>
                 </a:solidFill>
@@ -20065,42 +18683,14 @@
               <a:t> </a:t>
             </a:r>
             <a:r>
-              <a:rPr lang="sr-Latn-RS" b="0" i="0" dirty="0" err="1">
-                <a:solidFill>
-                  <a:srgbClr val="374151"/>
-                </a:solidFill>
-                <a:effectLst/>
-                <a:latin typeface="Söhne"/>
-              </a:rPr>
-              <a:t>blockchain</a:t>
-            </a:r>
-            <a:r>
-              <a:rPr lang="sr-Latn-RS" b="0" i="0" dirty="0">
-                <a:solidFill>
-                  <a:srgbClr val="374151"/>
-                </a:solidFill>
-                <a:effectLst/>
-                <a:latin typeface="Söhne"/>
-              </a:rPr>
-              <a:t> tehnologija dovešće do veće sigurnosti, transparentnosti i efikasnosti u razmeni pravne dokumentacije</a:t>
-            </a:r>
-            <a:endParaRPr lang="sr-Latn-RS" dirty="0">
-              <a:solidFill>
-                <a:srgbClr val="374151"/>
-              </a:solidFill>
-              <a:latin typeface="Söhne"/>
-            </a:endParaRPr>
-          </a:p>
-          <a:p>
-            <a:r>
-              <a:rPr lang="en-US" b="0" i="0" dirty="0" err="1">
-                <a:solidFill>
-                  <a:srgbClr val="374151"/>
-                </a:solidFill>
-                <a:effectLst/>
-                <a:latin typeface="Söhne"/>
-              </a:rPr>
-              <a:t>Unapređenje</a:t>
+              <a:rPr lang="en-US" b="0" i="0" dirty="0" err="1">
+                <a:solidFill>
+                  <a:srgbClr val="374151"/>
+                </a:solidFill>
+                <a:effectLst/>
+                <a:latin typeface="Söhne"/>
+              </a:rPr>
+              <a:t>mnoge</a:t>
             </a:r>
             <a:r>
               <a:rPr lang="en-US" b="0" i="0" dirty="0">
@@ -20120,6 +18710,506 @@
                 <a:effectLst/>
                 <a:latin typeface="Söhne"/>
               </a:rPr>
+              <a:t>prednosti</a:t>
+            </a:r>
+            <a:r>
+              <a:rPr lang="en-US" b="0" i="0" dirty="0">
+                <a:solidFill>
+                  <a:srgbClr val="374151"/>
+                </a:solidFill>
+                <a:effectLst/>
+                <a:latin typeface="Söhne"/>
+              </a:rPr>
+              <a:t>, </a:t>
+            </a:r>
+            <a:r>
+              <a:rPr lang="en-US" b="0" i="0" dirty="0" err="1">
+                <a:solidFill>
+                  <a:srgbClr val="374151"/>
+                </a:solidFill>
+                <a:effectLst/>
+                <a:latin typeface="Söhne"/>
+              </a:rPr>
+              <a:t>kao</a:t>
+            </a:r>
+            <a:r>
+              <a:rPr lang="en-US" b="0" i="0" dirty="0">
+                <a:solidFill>
+                  <a:srgbClr val="374151"/>
+                </a:solidFill>
+                <a:effectLst/>
+                <a:latin typeface="Söhne"/>
+              </a:rPr>
+              <a:t> </a:t>
+            </a:r>
+            <a:r>
+              <a:rPr lang="en-US" b="0" i="0" dirty="0" err="1">
+                <a:solidFill>
+                  <a:srgbClr val="374151"/>
+                </a:solidFill>
+                <a:effectLst/>
+                <a:latin typeface="Söhne"/>
+              </a:rPr>
+              <a:t>što</a:t>
+            </a:r>
+            <a:r>
+              <a:rPr lang="en-US" b="0" i="0" dirty="0">
+                <a:solidFill>
+                  <a:srgbClr val="374151"/>
+                </a:solidFill>
+                <a:effectLst/>
+                <a:latin typeface="Söhne"/>
+              </a:rPr>
+              <a:t> </a:t>
+            </a:r>
+            <a:r>
+              <a:rPr lang="en-US" b="0" i="0" dirty="0" err="1">
+                <a:solidFill>
+                  <a:srgbClr val="374151"/>
+                </a:solidFill>
+                <a:effectLst/>
+                <a:latin typeface="Söhne"/>
+              </a:rPr>
+              <a:t>su</a:t>
+            </a:r>
+            <a:r>
+              <a:rPr lang="en-US" b="0" i="0" dirty="0">
+                <a:solidFill>
+                  <a:srgbClr val="374151"/>
+                </a:solidFill>
+                <a:effectLst/>
+                <a:latin typeface="Söhne"/>
+              </a:rPr>
+              <a:t> </a:t>
+            </a:r>
+            <a:r>
+              <a:rPr lang="en-US" b="0" i="0" dirty="0" err="1">
+                <a:solidFill>
+                  <a:srgbClr val="374151"/>
+                </a:solidFill>
+                <a:effectLst/>
+                <a:latin typeface="Söhne"/>
+              </a:rPr>
+              <a:t>brže</a:t>
+            </a:r>
+            <a:r>
+              <a:rPr lang="en-US" b="0" i="0" dirty="0">
+                <a:solidFill>
+                  <a:srgbClr val="374151"/>
+                </a:solidFill>
+                <a:effectLst/>
+                <a:latin typeface="Söhne"/>
+              </a:rPr>
+              <a:t> </a:t>
+            </a:r>
+            <a:r>
+              <a:rPr lang="en-US" b="0" i="0" dirty="0" err="1">
+                <a:solidFill>
+                  <a:srgbClr val="374151"/>
+                </a:solidFill>
+                <a:effectLst/>
+                <a:latin typeface="Söhne"/>
+              </a:rPr>
+              <a:t>i</a:t>
+            </a:r>
+            <a:r>
+              <a:rPr lang="en-US" b="0" i="0" dirty="0">
+                <a:solidFill>
+                  <a:srgbClr val="374151"/>
+                </a:solidFill>
+                <a:effectLst/>
+                <a:latin typeface="Söhne"/>
+              </a:rPr>
+              <a:t> </a:t>
+            </a:r>
+            <a:r>
+              <a:rPr lang="en-US" b="0" i="0" dirty="0" err="1">
+                <a:solidFill>
+                  <a:srgbClr val="374151"/>
+                </a:solidFill>
+                <a:effectLst/>
+                <a:latin typeface="Söhne"/>
+              </a:rPr>
+              <a:t>efikasnije</a:t>
+            </a:r>
+            <a:r>
+              <a:rPr lang="en-US" b="0" i="0" dirty="0">
+                <a:solidFill>
+                  <a:srgbClr val="374151"/>
+                </a:solidFill>
+                <a:effectLst/>
+                <a:latin typeface="Söhne"/>
+              </a:rPr>
+              <a:t> </a:t>
+            </a:r>
+            <a:r>
+              <a:rPr lang="en-US" b="0" i="0" dirty="0" err="1">
+                <a:solidFill>
+                  <a:srgbClr val="374151"/>
+                </a:solidFill>
+                <a:effectLst/>
+                <a:latin typeface="Söhne"/>
+              </a:rPr>
+              <a:t>donošenje</a:t>
+            </a:r>
+            <a:r>
+              <a:rPr lang="en-US" b="0" i="0" dirty="0">
+                <a:solidFill>
+                  <a:srgbClr val="374151"/>
+                </a:solidFill>
+                <a:effectLst/>
+                <a:latin typeface="Söhne"/>
+              </a:rPr>
+              <a:t> </a:t>
+            </a:r>
+            <a:r>
+              <a:rPr lang="en-US" b="0" i="0" dirty="0" err="1">
+                <a:solidFill>
+                  <a:srgbClr val="374151"/>
+                </a:solidFill>
+                <a:effectLst/>
+                <a:latin typeface="Söhne"/>
+              </a:rPr>
+              <a:t>odluka</a:t>
+            </a:r>
+            <a:r>
+              <a:rPr lang="en-US" b="0" i="0" dirty="0">
+                <a:solidFill>
+                  <a:srgbClr val="374151"/>
+                </a:solidFill>
+                <a:effectLst/>
+                <a:latin typeface="Söhne"/>
+              </a:rPr>
+              <a:t>, </a:t>
+            </a:r>
+            <a:r>
+              <a:rPr lang="en-US" b="0" i="0" dirty="0" err="1">
+                <a:solidFill>
+                  <a:srgbClr val="374151"/>
+                </a:solidFill>
+                <a:effectLst/>
+                <a:latin typeface="Söhne"/>
+              </a:rPr>
+              <a:t>olakšavanje</a:t>
+            </a:r>
+            <a:r>
+              <a:rPr lang="en-US" b="0" i="0" dirty="0">
+                <a:solidFill>
+                  <a:srgbClr val="374151"/>
+                </a:solidFill>
+                <a:effectLst/>
+                <a:latin typeface="Söhne"/>
+              </a:rPr>
+              <a:t> </a:t>
+            </a:r>
+            <a:r>
+              <a:rPr lang="en-US" b="0" i="0" dirty="0" err="1">
+                <a:solidFill>
+                  <a:srgbClr val="374151"/>
+                </a:solidFill>
+                <a:effectLst/>
+                <a:latin typeface="Söhne"/>
+              </a:rPr>
+              <a:t>pristupa</a:t>
+            </a:r>
+            <a:r>
+              <a:rPr lang="en-US" b="0" i="0" dirty="0">
+                <a:solidFill>
+                  <a:srgbClr val="374151"/>
+                </a:solidFill>
+                <a:effectLst/>
+                <a:latin typeface="Söhne"/>
+              </a:rPr>
+              <a:t> </a:t>
+            </a:r>
+            <a:r>
+              <a:rPr lang="en-US" b="0" i="0" dirty="0" err="1">
+                <a:solidFill>
+                  <a:srgbClr val="374151"/>
+                </a:solidFill>
+                <a:effectLst/>
+                <a:latin typeface="Söhne"/>
+              </a:rPr>
+              <a:t>pravnim</a:t>
+            </a:r>
+            <a:r>
+              <a:rPr lang="en-US" b="0" i="0" dirty="0">
+                <a:solidFill>
+                  <a:srgbClr val="374151"/>
+                </a:solidFill>
+                <a:effectLst/>
+                <a:latin typeface="Söhne"/>
+              </a:rPr>
+              <a:t> </a:t>
+            </a:r>
+            <a:r>
+              <a:rPr lang="en-US" b="0" i="0" dirty="0" err="1">
+                <a:solidFill>
+                  <a:srgbClr val="374151"/>
+                </a:solidFill>
+                <a:effectLst/>
+                <a:latin typeface="Söhne"/>
+              </a:rPr>
+              <a:t>informacijama</a:t>
+            </a:r>
+            <a:r>
+              <a:rPr lang="en-US" b="0" i="0" dirty="0">
+                <a:solidFill>
+                  <a:srgbClr val="374151"/>
+                </a:solidFill>
+                <a:effectLst/>
+                <a:latin typeface="Söhne"/>
+              </a:rPr>
+              <a:t>, </a:t>
+            </a:r>
+            <a:r>
+              <a:rPr lang="en-US" b="0" i="0" dirty="0" err="1">
+                <a:solidFill>
+                  <a:srgbClr val="374151"/>
+                </a:solidFill>
+                <a:effectLst/>
+                <a:latin typeface="Söhne"/>
+              </a:rPr>
+              <a:t>bolja</a:t>
+            </a:r>
+            <a:r>
+              <a:rPr lang="en-US" b="0" i="0" dirty="0">
+                <a:solidFill>
+                  <a:srgbClr val="374151"/>
+                </a:solidFill>
+                <a:effectLst/>
+                <a:latin typeface="Söhne"/>
+              </a:rPr>
+              <a:t> </a:t>
+            </a:r>
+            <a:r>
+              <a:rPr lang="en-US" b="0" i="0" dirty="0" err="1">
+                <a:solidFill>
+                  <a:srgbClr val="374151"/>
+                </a:solidFill>
+                <a:effectLst/>
+                <a:latin typeface="Söhne"/>
+              </a:rPr>
+              <a:t>organizacija</a:t>
+            </a:r>
+            <a:r>
+              <a:rPr lang="en-US" b="0" i="0" dirty="0">
+                <a:solidFill>
+                  <a:srgbClr val="374151"/>
+                </a:solidFill>
+                <a:effectLst/>
+                <a:latin typeface="Söhne"/>
+              </a:rPr>
+              <a:t> </a:t>
+            </a:r>
+            <a:r>
+              <a:rPr lang="en-US" b="0" i="0" dirty="0" err="1">
+                <a:solidFill>
+                  <a:srgbClr val="374151"/>
+                </a:solidFill>
+                <a:effectLst/>
+                <a:latin typeface="Söhne"/>
+              </a:rPr>
+              <a:t>i</a:t>
+            </a:r>
+            <a:r>
+              <a:rPr lang="en-US" b="0" i="0" dirty="0">
+                <a:solidFill>
+                  <a:srgbClr val="374151"/>
+                </a:solidFill>
+                <a:effectLst/>
+                <a:latin typeface="Söhne"/>
+              </a:rPr>
+              <a:t> </a:t>
+            </a:r>
+            <a:r>
+              <a:rPr lang="en-US" b="0" i="0" dirty="0" err="1">
+                <a:solidFill>
+                  <a:srgbClr val="374151"/>
+                </a:solidFill>
+                <a:effectLst/>
+                <a:latin typeface="Söhne"/>
+              </a:rPr>
+              <a:t>prezentacija</a:t>
+            </a:r>
+            <a:r>
+              <a:rPr lang="en-US" b="0" i="0" dirty="0">
+                <a:solidFill>
+                  <a:srgbClr val="374151"/>
+                </a:solidFill>
+                <a:effectLst/>
+                <a:latin typeface="Söhne"/>
+              </a:rPr>
+              <a:t> </a:t>
+            </a:r>
+            <a:r>
+              <a:rPr lang="en-US" b="0" i="0" dirty="0" err="1">
+                <a:solidFill>
+                  <a:srgbClr val="374151"/>
+                </a:solidFill>
+                <a:effectLst/>
+                <a:latin typeface="Söhne"/>
+              </a:rPr>
+              <a:t>pravnih</a:t>
+            </a:r>
+            <a:r>
+              <a:rPr lang="en-US" b="0" i="0" dirty="0">
+                <a:solidFill>
+                  <a:srgbClr val="374151"/>
+                </a:solidFill>
+                <a:effectLst/>
+                <a:latin typeface="Söhne"/>
+              </a:rPr>
+              <a:t> </a:t>
+            </a:r>
+            <a:r>
+              <a:rPr lang="en-US" b="0" i="0" dirty="0" err="1">
+                <a:solidFill>
+                  <a:srgbClr val="374151"/>
+                </a:solidFill>
+                <a:effectLst/>
+                <a:latin typeface="Söhne"/>
+              </a:rPr>
+              <a:t>dokumenata</a:t>
+            </a:r>
+            <a:r>
+              <a:rPr lang="en-US" b="0" i="0" dirty="0">
+                <a:solidFill>
+                  <a:srgbClr val="374151"/>
+                </a:solidFill>
+                <a:effectLst/>
+                <a:latin typeface="Söhne"/>
+              </a:rPr>
+              <a:t>, </a:t>
+            </a:r>
+            <a:r>
+              <a:rPr lang="en-US" b="0" i="0" dirty="0" err="1">
+                <a:solidFill>
+                  <a:srgbClr val="374151"/>
+                </a:solidFill>
+                <a:effectLst/>
+                <a:latin typeface="Söhne"/>
+              </a:rPr>
+              <a:t>kao</a:t>
+            </a:r>
+            <a:r>
+              <a:rPr lang="en-US" b="0" i="0" dirty="0">
+                <a:solidFill>
+                  <a:srgbClr val="374151"/>
+                </a:solidFill>
+                <a:effectLst/>
+                <a:latin typeface="Söhne"/>
+              </a:rPr>
+              <a:t> </a:t>
+            </a:r>
+            <a:r>
+              <a:rPr lang="en-US" b="0" i="0" dirty="0" err="1">
+                <a:solidFill>
+                  <a:srgbClr val="374151"/>
+                </a:solidFill>
+                <a:effectLst/>
+                <a:latin typeface="Söhne"/>
+              </a:rPr>
+              <a:t>i</a:t>
+            </a:r>
+            <a:r>
+              <a:rPr lang="en-US" b="0" i="0" dirty="0">
+                <a:solidFill>
+                  <a:srgbClr val="374151"/>
+                </a:solidFill>
+                <a:effectLst/>
+                <a:latin typeface="Söhne"/>
+              </a:rPr>
+              <a:t> </a:t>
+            </a:r>
+            <a:r>
+              <a:rPr lang="en-US" b="0" i="0" dirty="0" err="1">
+                <a:solidFill>
+                  <a:srgbClr val="374151"/>
+                </a:solidFill>
+                <a:effectLst/>
+                <a:latin typeface="Söhne"/>
+              </a:rPr>
+              <a:t>mogućnost</a:t>
+            </a:r>
+            <a:r>
+              <a:rPr lang="en-US" b="0" i="0" dirty="0">
+                <a:solidFill>
+                  <a:srgbClr val="374151"/>
+                </a:solidFill>
+                <a:effectLst/>
+                <a:latin typeface="Söhne"/>
+              </a:rPr>
+              <a:t> </a:t>
+            </a:r>
+            <a:r>
+              <a:rPr lang="en-US" b="0" i="0" dirty="0" err="1">
+                <a:solidFill>
+                  <a:srgbClr val="374151"/>
+                </a:solidFill>
+                <a:effectLst/>
+                <a:latin typeface="Söhne"/>
+              </a:rPr>
+              <a:t>automatizacije</a:t>
+            </a:r>
+            <a:r>
+              <a:rPr lang="en-US" b="0" i="0" dirty="0">
+                <a:solidFill>
+                  <a:srgbClr val="374151"/>
+                </a:solidFill>
+                <a:effectLst/>
+                <a:latin typeface="Söhne"/>
+              </a:rPr>
+              <a:t> </a:t>
+            </a:r>
+            <a:r>
+              <a:rPr lang="en-US" b="0" i="0" dirty="0" err="1">
+                <a:solidFill>
+                  <a:srgbClr val="374151"/>
+                </a:solidFill>
+                <a:effectLst/>
+                <a:latin typeface="Söhne"/>
+              </a:rPr>
+              <a:t>pojedinih</a:t>
+            </a:r>
+            <a:r>
+              <a:rPr lang="en-US" b="0" i="0" dirty="0">
+                <a:solidFill>
+                  <a:srgbClr val="374151"/>
+                </a:solidFill>
+                <a:effectLst/>
+                <a:latin typeface="Söhne"/>
+              </a:rPr>
+              <a:t> </a:t>
+            </a:r>
+            <a:r>
+              <a:rPr lang="en-US" b="0" i="0" dirty="0" err="1">
+                <a:solidFill>
+                  <a:srgbClr val="374151"/>
+                </a:solidFill>
+                <a:effectLst/>
+                <a:latin typeface="Söhne"/>
+              </a:rPr>
+              <a:t>pravnih</a:t>
+            </a:r>
+            <a:r>
+              <a:rPr lang="en-US" b="0" i="0" dirty="0">
+                <a:solidFill>
+                  <a:srgbClr val="374151"/>
+                </a:solidFill>
+                <a:effectLst/>
+                <a:latin typeface="Söhne"/>
+              </a:rPr>
+              <a:t> </a:t>
+            </a:r>
+            <a:r>
+              <a:rPr lang="en-US" b="0" i="0" dirty="0" err="1">
+                <a:solidFill>
+                  <a:srgbClr val="374151"/>
+                </a:solidFill>
+                <a:effectLst/>
+                <a:latin typeface="Söhne"/>
+              </a:rPr>
               <a:t>procesa</a:t>
             </a:r>
             <a:r>
@@ -20130,67 +19220,7 @@
                 <a:effectLst/>
                 <a:latin typeface="Söhne"/>
               </a:rPr>
-              <a:t> </a:t>
-            </a:r>
-            <a:r>
-              <a:rPr lang="en-US" b="0" i="0" dirty="0" err="1">
-                <a:solidFill>
-                  <a:srgbClr val="374151"/>
-                </a:solidFill>
-                <a:effectLst/>
-                <a:latin typeface="Söhne"/>
-              </a:rPr>
-              <a:t>automatizacije</a:t>
-            </a:r>
-            <a:r>
-              <a:rPr lang="en-US" b="0" i="0" dirty="0">
-                <a:solidFill>
-                  <a:srgbClr val="374151"/>
-                </a:solidFill>
-                <a:effectLst/>
-                <a:latin typeface="Söhne"/>
-              </a:rPr>
-              <a:t> </a:t>
-            </a:r>
-            <a:r>
-              <a:rPr lang="en-US" b="0" i="0" dirty="0" err="1">
-                <a:solidFill>
-                  <a:srgbClr val="374151"/>
-                </a:solidFill>
-                <a:effectLst/>
-                <a:latin typeface="Söhne"/>
-              </a:rPr>
-              <a:t>pravnog</a:t>
-            </a:r>
-            <a:r>
-              <a:rPr lang="en-US" b="0" i="0" dirty="0">
-                <a:solidFill>
-                  <a:srgbClr val="374151"/>
-                </a:solidFill>
-                <a:effectLst/>
-                <a:latin typeface="Söhne"/>
-              </a:rPr>
-              <a:t> </a:t>
-            </a:r>
-            <a:r>
-              <a:rPr lang="en-US" b="0" i="0" dirty="0" err="1">
-                <a:solidFill>
-                  <a:srgbClr val="374151"/>
-                </a:solidFill>
-                <a:effectLst/>
-                <a:latin typeface="Söhne"/>
-              </a:rPr>
-              <a:t>sistema</a:t>
-            </a:r>
-            <a:r>
-              <a:rPr lang="sr-Latn-RS" b="0" i="0" dirty="0">
-                <a:solidFill>
-                  <a:srgbClr val="374151"/>
-                </a:solidFill>
-                <a:effectLst/>
-                <a:latin typeface="Söhne"/>
-              </a:rPr>
-              <a:t> – novi algoritmi za automatizaciju procesa i nove tehnologije za praćenje pravnih procesa</a:t>
+              <a:t>.</a:t>
             </a:r>
             <a:endParaRPr dirty="0"/>
           </a:p>
@@ -20199,7 +19229,7 @@
     </p:spTree>
     <p:extLst>
       <p:ext uri="{BB962C8B-B14F-4D97-AF65-F5344CB8AC3E}">
-        <p14:creationId xmlns:p14="http://schemas.microsoft.com/office/powerpoint/2010/main" val="1034119320"/>
+        <p14:creationId xmlns:p14="http://schemas.microsoft.com/office/powerpoint/2010/main" val="2482808566"/>
       </p:ext>
     </p:extLst>
   </p:cSld>
@@ -20430,6 +19460,44 @@
       </p:sp>
       <p:sp>
         <p:nvSpPr>
+          <p:cNvPr id="2" name="Title 1"/>
+          <p:cNvSpPr>
+            <a:spLocks noGrp="1"/>
+          </p:cNvSpPr>
+          <p:nvPr>
+            <p:ph type="title"/>
+          </p:nvPr>
+        </p:nvSpPr>
+        <p:spPr>
+          <a:xfrm>
+            <a:off x="686834" y="1153572"/>
+            <a:ext cx="3200400" cy="4461163"/>
+          </a:xfrm>
+        </p:spPr>
+        <p:txBody>
+          <a:bodyPr>
+            <a:normAutofit/>
+          </a:bodyPr>
+          <a:lstStyle/>
+          <a:p>
+            <a:r>
+              <a:rPr lang="sr-Latn-RS" dirty="0">
+                <a:solidFill>
+                  <a:srgbClr val="FFFFFF"/>
+                </a:solidFill>
+              </a:rPr>
+              <a:t>Zaključak</a:t>
+            </a:r>
+            <a:endParaRPr lang="en-US" dirty="0">
+              <a:solidFill>
+                <a:srgbClr val="FFFFFF"/>
+              </a:solidFill>
+            </a:endParaRPr>
+          </a:p>
+        </p:txBody>
+      </p:sp>
+      <p:sp>
+        <p:nvSpPr>
           <p:cNvPr id="13" name="Arc 12">
             <a:extLst>
               <a:ext uri="{FF2B5EF4-FFF2-40B4-BE49-F238E27FC236}">
@@ -20502,7 +19570,7 @@
         <p:spPr>
           <a:xfrm>
             <a:off x="4447308" y="591344"/>
-            <a:ext cx="6906491" cy="6033743"/>
+            <a:ext cx="6906491" cy="5585619"/>
           </a:xfrm>
         </p:spPr>
         <p:txBody>
@@ -20511,9 +19579,605 @@
           </a:bodyPr>
           <a:lstStyle/>
           <a:p>
-            <a:pPr marL="0" indent="0">
-              <a:buNone/>
-            </a:pPr>
+            <a:r>
+              <a:rPr lang="sr-Latn-RS" b="0" i="0" dirty="0">
+                <a:solidFill>
+                  <a:srgbClr val="374151"/>
+                </a:solidFill>
+                <a:effectLst/>
+                <a:latin typeface="Söhne"/>
+              </a:rPr>
+              <a:t>V</a:t>
+            </a:r>
+            <a:r>
+              <a:rPr lang="en-US" b="0" i="0" dirty="0" err="1">
+                <a:solidFill>
+                  <a:srgbClr val="374151"/>
+                </a:solidFill>
+                <a:effectLst/>
+                <a:latin typeface="Söhne"/>
+              </a:rPr>
+              <a:t>ažno</a:t>
+            </a:r>
+            <a:r>
+              <a:rPr lang="en-US" b="0" i="0" dirty="0">
+                <a:solidFill>
+                  <a:srgbClr val="374151"/>
+                </a:solidFill>
+                <a:effectLst/>
+                <a:latin typeface="Söhne"/>
+              </a:rPr>
+              <a:t> je </a:t>
+            </a:r>
+            <a:r>
+              <a:rPr lang="en-US" b="0" i="0" dirty="0" err="1">
+                <a:solidFill>
+                  <a:srgbClr val="374151"/>
+                </a:solidFill>
+                <a:effectLst/>
+                <a:latin typeface="Söhne"/>
+              </a:rPr>
+              <a:t>istaći</a:t>
+            </a:r>
+            <a:r>
+              <a:rPr lang="en-US" b="0" i="0" dirty="0">
+                <a:solidFill>
+                  <a:srgbClr val="374151"/>
+                </a:solidFill>
+                <a:effectLst/>
+                <a:latin typeface="Söhne"/>
+              </a:rPr>
+              <a:t> da </a:t>
+            </a:r>
+            <a:r>
+              <a:rPr lang="en-US" b="0" i="0" dirty="0" err="1">
+                <a:solidFill>
+                  <a:srgbClr val="374151"/>
+                </a:solidFill>
+                <a:effectLst/>
+                <a:latin typeface="Söhne"/>
+              </a:rPr>
+              <a:t>postoje</a:t>
+            </a:r>
+            <a:r>
+              <a:rPr lang="en-US" b="0" i="0" dirty="0">
+                <a:solidFill>
+                  <a:srgbClr val="374151"/>
+                </a:solidFill>
+                <a:effectLst/>
+                <a:latin typeface="Söhne"/>
+              </a:rPr>
+              <a:t> </a:t>
+            </a:r>
+            <a:r>
+              <a:rPr lang="en-US" b="0" i="0" dirty="0" err="1">
+                <a:solidFill>
+                  <a:srgbClr val="374151"/>
+                </a:solidFill>
+                <a:effectLst/>
+                <a:latin typeface="Söhne"/>
+              </a:rPr>
+              <a:t>i</a:t>
+            </a:r>
+            <a:r>
+              <a:rPr lang="en-US" b="0" i="0" dirty="0">
+                <a:solidFill>
+                  <a:srgbClr val="374151"/>
+                </a:solidFill>
+                <a:effectLst/>
+                <a:latin typeface="Söhne"/>
+              </a:rPr>
+              <a:t> </a:t>
+            </a:r>
+            <a:r>
+              <a:rPr lang="en-US" b="0" i="0" dirty="0" err="1">
+                <a:solidFill>
+                  <a:srgbClr val="374151"/>
+                </a:solidFill>
+                <a:effectLst/>
+                <a:latin typeface="Söhne"/>
+              </a:rPr>
+              <a:t>neki</a:t>
+            </a:r>
+            <a:r>
+              <a:rPr lang="en-US" b="0" i="0" dirty="0">
+                <a:solidFill>
+                  <a:srgbClr val="374151"/>
+                </a:solidFill>
+                <a:effectLst/>
+                <a:latin typeface="Söhne"/>
+              </a:rPr>
+              <a:t> </a:t>
+            </a:r>
+            <a:r>
+              <a:rPr lang="en-US" b="0" i="0" dirty="0" err="1">
+                <a:solidFill>
+                  <a:srgbClr val="374151"/>
+                </a:solidFill>
+                <a:effectLst/>
+                <a:latin typeface="Söhne"/>
+              </a:rPr>
+              <a:t>izazovi</a:t>
+            </a:r>
+            <a:r>
+              <a:rPr lang="en-US" b="0" i="0" dirty="0">
+                <a:solidFill>
+                  <a:srgbClr val="374151"/>
+                </a:solidFill>
+                <a:effectLst/>
+                <a:latin typeface="Söhne"/>
+              </a:rPr>
+              <a:t> </a:t>
+            </a:r>
+            <a:r>
+              <a:rPr lang="en-US" b="0" i="0" dirty="0" err="1">
+                <a:solidFill>
+                  <a:srgbClr val="374151"/>
+                </a:solidFill>
+                <a:effectLst/>
+                <a:latin typeface="Söhne"/>
+              </a:rPr>
+              <a:t>i</a:t>
+            </a:r>
+            <a:r>
+              <a:rPr lang="en-US" b="0" i="0" dirty="0">
+                <a:solidFill>
+                  <a:srgbClr val="374151"/>
+                </a:solidFill>
+                <a:effectLst/>
+                <a:latin typeface="Söhne"/>
+              </a:rPr>
+              <a:t> </a:t>
+            </a:r>
+            <a:r>
+              <a:rPr lang="en-US" b="0" i="0" dirty="0" err="1">
+                <a:solidFill>
+                  <a:srgbClr val="374151"/>
+                </a:solidFill>
+                <a:effectLst/>
+                <a:latin typeface="Söhne"/>
+              </a:rPr>
+              <a:t>nedostaci</a:t>
+            </a:r>
+            <a:r>
+              <a:rPr lang="en-US" b="0" i="0" dirty="0">
+                <a:solidFill>
+                  <a:srgbClr val="374151"/>
+                </a:solidFill>
+                <a:effectLst/>
+                <a:latin typeface="Söhne"/>
+              </a:rPr>
+              <a:t> u </a:t>
+            </a:r>
+            <a:r>
+              <a:rPr lang="en-US" b="0" i="0" dirty="0" err="1">
+                <a:solidFill>
+                  <a:srgbClr val="374151"/>
+                </a:solidFill>
+                <a:effectLst/>
+                <a:latin typeface="Söhne"/>
+              </a:rPr>
+              <a:t>primeni</a:t>
+            </a:r>
+            <a:r>
+              <a:rPr lang="en-US" b="0" i="0" dirty="0">
+                <a:solidFill>
+                  <a:srgbClr val="374151"/>
+                </a:solidFill>
+                <a:effectLst/>
+                <a:latin typeface="Söhne"/>
+              </a:rPr>
+              <a:t> </a:t>
+            </a:r>
+            <a:r>
+              <a:rPr lang="en-US" b="0" i="0" dirty="0" err="1">
+                <a:solidFill>
+                  <a:srgbClr val="374151"/>
+                </a:solidFill>
+                <a:effectLst/>
+                <a:latin typeface="Söhne"/>
+              </a:rPr>
+              <a:t>informacionih</a:t>
+            </a:r>
+            <a:r>
+              <a:rPr lang="en-US" b="0" i="0" dirty="0">
+                <a:solidFill>
+                  <a:srgbClr val="374151"/>
+                </a:solidFill>
+                <a:effectLst/>
+                <a:latin typeface="Söhne"/>
+              </a:rPr>
+              <a:t> </a:t>
+            </a:r>
+            <a:r>
+              <a:rPr lang="en-US" b="0" i="0" dirty="0" err="1">
+                <a:solidFill>
+                  <a:srgbClr val="374151"/>
+                </a:solidFill>
+                <a:effectLst/>
+                <a:latin typeface="Söhne"/>
+              </a:rPr>
+              <a:t>tehnologija</a:t>
+            </a:r>
+            <a:r>
+              <a:rPr lang="en-US" b="0" i="0" dirty="0">
+                <a:solidFill>
+                  <a:srgbClr val="374151"/>
+                </a:solidFill>
+                <a:effectLst/>
+                <a:latin typeface="Söhne"/>
+              </a:rPr>
+              <a:t> u </a:t>
+            </a:r>
+            <a:r>
+              <a:rPr lang="en-US" b="0" i="0" dirty="0" err="1">
+                <a:solidFill>
+                  <a:srgbClr val="374151"/>
+                </a:solidFill>
+                <a:effectLst/>
+                <a:latin typeface="Söhne"/>
+              </a:rPr>
+              <a:t>pravosuđu</a:t>
+            </a:r>
+            <a:r>
+              <a:rPr lang="en-US" b="0" i="0" dirty="0">
+                <a:solidFill>
+                  <a:srgbClr val="374151"/>
+                </a:solidFill>
+                <a:effectLst/>
+                <a:latin typeface="Söhne"/>
+              </a:rPr>
+              <a:t>. </a:t>
+            </a:r>
+            <a:r>
+              <a:rPr lang="en-US" b="0" i="0" dirty="0" err="1">
+                <a:solidFill>
+                  <a:srgbClr val="374151"/>
+                </a:solidFill>
+                <a:effectLst/>
+                <a:latin typeface="Söhne"/>
+              </a:rPr>
+              <a:t>Jedan</a:t>
+            </a:r>
+            <a:r>
+              <a:rPr lang="en-US" b="0" i="0" dirty="0">
+                <a:solidFill>
+                  <a:srgbClr val="374151"/>
+                </a:solidFill>
+                <a:effectLst/>
+                <a:latin typeface="Söhne"/>
+              </a:rPr>
+              <a:t> od </a:t>
+            </a:r>
+            <a:r>
+              <a:rPr lang="en-US" b="0" i="0" dirty="0" err="1">
+                <a:solidFill>
+                  <a:srgbClr val="374151"/>
+                </a:solidFill>
+                <a:effectLst/>
+                <a:latin typeface="Söhne"/>
+              </a:rPr>
+              <a:t>najvećih</a:t>
+            </a:r>
+            <a:r>
+              <a:rPr lang="en-US" b="0" i="0" dirty="0">
+                <a:solidFill>
+                  <a:srgbClr val="374151"/>
+                </a:solidFill>
+                <a:effectLst/>
+                <a:latin typeface="Söhne"/>
+              </a:rPr>
+              <a:t> </a:t>
+            </a:r>
+            <a:r>
+              <a:rPr lang="en-US" b="0" i="0" dirty="0" err="1">
+                <a:solidFill>
+                  <a:srgbClr val="374151"/>
+                </a:solidFill>
+                <a:effectLst/>
+                <a:latin typeface="Söhne"/>
+              </a:rPr>
+              <a:t>izazova</a:t>
+            </a:r>
+            <a:r>
+              <a:rPr lang="en-US" b="0" i="0" dirty="0">
+                <a:solidFill>
+                  <a:srgbClr val="374151"/>
+                </a:solidFill>
+                <a:effectLst/>
+                <a:latin typeface="Söhne"/>
+              </a:rPr>
+              <a:t> je </a:t>
+            </a:r>
+            <a:r>
+              <a:rPr lang="en-US" b="0" i="0" dirty="0" err="1">
+                <a:solidFill>
+                  <a:srgbClr val="374151"/>
+                </a:solidFill>
+                <a:effectLst/>
+                <a:latin typeface="Söhne"/>
+              </a:rPr>
+              <a:t>bezbednost</a:t>
+            </a:r>
+            <a:r>
+              <a:rPr lang="en-US" b="0" i="0" dirty="0">
+                <a:solidFill>
+                  <a:srgbClr val="374151"/>
+                </a:solidFill>
+                <a:effectLst/>
+                <a:latin typeface="Söhne"/>
+              </a:rPr>
+              <a:t> </a:t>
+            </a:r>
+            <a:r>
+              <a:rPr lang="en-US" b="0" i="0" dirty="0" err="1">
+                <a:solidFill>
+                  <a:srgbClr val="374151"/>
+                </a:solidFill>
+                <a:effectLst/>
+                <a:latin typeface="Söhne"/>
+              </a:rPr>
+              <a:t>podataka</a:t>
+            </a:r>
+            <a:r>
+              <a:rPr lang="en-US" b="0" i="0" dirty="0">
+                <a:solidFill>
+                  <a:srgbClr val="374151"/>
+                </a:solidFill>
+                <a:effectLst/>
+                <a:latin typeface="Söhne"/>
+              </a:rPr>
+              <a:t>, a </a:t>
+            </a:r>
+            <a:r>
+              <a:rPr lang="en-US" b="0" i="0" dirty="0" err="1">
+                <a:solidFill>
+                  <a:srgbClr val="374151"/>
+                </a:solidFill>
+                <a:effectLst/>
+                <a:latin typeface="Söhne"/>
+              </a:rPr>
+              <a:t>takođe</a:t>
+            </a:r>
+            <a:r>
+              <a:rPr lang="en-US" b="0" i="0" dirty="0">
+                <a:solidFill>
+                  <a:srgbClr val="374151"/>
+                </a:solidFill>
+                <a:effectLst/>
+                <a:latin typeface="Söhne"/>
+              </a:rPr>
+              <a:t> je </a:t>
+            </a:r>
+            <a:r>
+              <a:rPr lang="en-US" b="0" i="0" dirty="0" err="1">
+                <a:solidFill>
+                  <a:srgbClr val="374151"/>
+                </a:solidFill>
+                <a:effectLst/>
+                <a:latin typeface="Söhne"/>
+              </a:rPr>
+              <a:t>važno</a:t>
+            </a:r>
+            <a:r>
+              <a:rPr lang="en-US" b="0" i="0" dirty="0">
+                <a:solidFill>
+                  <a:srgbClr val="374151"/>
+                </a:solidFill>
+                <a:effectLst/>
+                <a:latin typeface="Söhne"/>
+              </a:rPr>
+              <a:t> </a:t>
+            </a:r>
+            <a:r>
+              <a:rPr lang="en-US" b="0" i="0" dirty="0" err="1">
+                <a:solidFill>
+                  <a:srgbClr val="374151"/>
+                </a:solidFill>
+                <a:effectLst/>
+                <a:latin typeface="Söhne"/>
+              </a:rPr>
+              <a:t>razmotriti</a:t>
+            </a:r>
+            <a:r>
+              <a:rPr lang="en-US" b="0" i="0" dirty="0">
+                <a:solidFill>
+                  <a:srgbClr val="374151"/>
+                </a:solidFill>
+                <a:effectLst/>
+                <a:latin typeface="Söhne"/>
+              </a:rPr>
+              <a:t> </a:t>
+            </a:r>
+            <a:r>
+              <a:rPr lang="en-US" b="0" i="0" dirty="0" err="1">
+                <a:solidFill>
+                  <a:srgbClr val="374151"/>
+                </a:solidFill>
+                <a:effectLst/>
+                <a:latin typeface="Söhne"/>
+              </a:rPr>
+              <a:t>i</a:t>
+            </a:r>
+            <a:r>
+              <a:rPr lang="en-US" b="0" i="0" dirty="0">
+                <a:solidFill>
+                  <a:srgbClr val="374151"/>
+                </a:solidFill>
+                <a:effectLst/>
+                <a:latin typeface="Söhne"/>
+              </a:rPr>
+              <a:t> </a:t>
+            </a:r>
+            <a:r>
+              <a:rPr lang="en-US" b="0" i="0" dirty="0" err="1">
+                <a:solidFill>
+                  <a:srgbClr val="374151"/>
+                </a:solidFill>
+                <a:effectLst/>
+                <a:latin typeface="Söhne"/>
+              </a:rPr>
+              <a:t>problematiku</a:t>
+            </a:r>
+            <a:r>
+              <a:rPr lang="en-US" b="0" i="0" dirty="0">
+                <a:solidFill>
+                  <a:srgbClr val="374151"/>
+                </a:solidFill>
+                <a:effectLst/>
+                <a:latin typeface="Söhne"/>
+              </a:rPr>
+              <a:t> </a:t>
+            </a:r>
+            <a:r>
+              <a:rPr lang="en-US" b="0" i="0" dirty="0" err="1">
+                <a:solidFill>
+                  <a:srgbClr val="374151"/>
+                </a:solidFill>
+                <a:effectLst/>
+                <a:latin typeface="Söhne"/>
+              </a:rPr>
+              <a:t>autorskog</a:t>
+            </a:r>
+            <a:r>
+              <a:rPr lang="en-US" b="0" i="0" dirty="0">
+                <a:solidFill>
+                  <a:srgbClr val="374151"/>
+                </a:solidFill>
+                <a:effectLst/>
+                <a:latin typeface="Söhne"/>
+              </a:rPr>
+              <a:t> </a:t>
+            </a:r>
+            <a:r>
+              <a:rPr lang="en-US" b="0" i="0" dirty="0" err="1">
+                <a:solidFill>
+                  <a:srgbClr val="374151"/>
+                </a:solidFill>
+                <a:effectLst/>
+                <a:latin typeface="Söhne"/>
+              </a:rPr>
+              <a:t>prava</a:t>
+            </a:r>
+            <a:r>
+              <a:rPr lang="en-US" b="0" i="0" dirty="0">
+                <a:solidFill>
+                  <a:srgbClr val="374151"/>
+                </a:solidFill>
+                <a:effectLst/>
+                <a:latin typeface="Söhne"/>
+              </a:rPr>
+              <a:t> </a:t>
+            </a:r>
+            <a:r>
+              <a:rPr lang="en-US" b="0" i="0" dirty="0" err="1">
+                <a:solidFill>
+                  <a:srgbClr val="374151"/>
+                </a:solidFill>
+                <a:effectLst/>
+                <a:latin typeface="Söhne"/>
+              </a:rPr>
+              <a:t>i</a:t>
+            </a:r>
+            <a:r>
+              <a:rPr lang="en-US" b="0" i="0" dirty="0">
+                <a:solidFill>
+                  <a:srgbClr val="374151"/>
+                </a:solidFill>
+                <a:effectLst/>
+                <a:latin typeface="Söhne"/>
+              </a:rPr>
+              <a:t> </a:t>
+            </a:r>
+            <a:r>
+              <a:rPr lang="en-US" b="0" i="0" dirty="0" err="1">
+                <a:solidFill>
+                  <a:srgbClr val="374151"/>
+                </a:solidFill>
+                <a:effectLst/>
+                <a:latin typeface="Söhne"/>
+              </a:rPr>
+              <a:t>zaštite</a:t>
+            </a:r>
+            <a:r>
+              <a:rPr lang="en-US" b="0" i="0" dirty="0">
+                <a:solidFill>
+                  <a:srgbClr val="374151"/>
+                </a:solidFill>
+                <a:effectLst/>
+                <a:latin typeface="Söhne"/>
+              </a:rPr>
+              <a:t> </a:t>
+            </a:r>
+            <a:r>
+              <a:rPr lang="en-US" b="0" i="0" dirty="0" err="1">
+                <a:solidFill>
+                  <a:srgbClr val="374151"/>
+                </a:solidFill>
+                <a:effectLst/>
+                <a:latin typeface="Söhne"/>
+              </a:rPr>
+              <a:t>privatnosti</a:t>
+            </a:r>
+            <a:r>
+              <a:rPr lang="en-US" b="0" i="0" dirty="0">
+                <a:solidFill>
+                  <a:srgbClr val="374151"/>
+                </a:solidFill>
+                <a:effectLst/>
+                <a:latin typeface="Söhne"/>
+              </a:rPr>
+              <a:t> u </a:t>
+            </a:r>
+            <a:r>
+              <a:rPr lang="en-US" b="0" i="0" dirty="0" err="1">
+                <a:solidFill>
+                  <a:srgbClr val="374151"/>
+                </a:solidFill>
+                <a:effectLst/>
+                <a:latin typeface="Söhne"/>
+              </a:rPr>
+              <a:t>digitalnom</a:t>
+            </a:r>
+            <a:r>
+              <a:rPr lang="en-US" b="0" i="0" dirty="0">
+                <a:solidFill>
+                  <a:srgbClr val="374151"/>
+                </a:solidFill>
+                <a:effectLst/>
+                <a:latin typeface="Söhne"/>
+              </a:rPr>
+              <a:t> </a:t>
+            </a:r>
+            <a:r>
+              <a:rPr lang="en-US" b="0" i="0" dirty="0" err="1">
+                <a:solidFill>
+                  <a:srgbClr val="374151"/>
+                </a:solidFill>
+                <a:effectLst/>
+                <a:latin typeface="Söhne"/>
+              </a:rPr>
+              <a:t>okruženju</a:t>
+            </a:r>
+            <a:r>
+              <a:rPr lang="en-US" b="0" i="0" dirty="0">
+                <a:solidFill>
+                  <a:srgbClr val="374151"/>
+                </a:solidFill>
+                <a:effectLst/>
+                <a:latin typeface="Söhne"/>
+              </a:rPr>
+              <a:t>.</a:t>
+            </a:r>
+            <a:endParaRPr lang="sr-Latn-RS" b="0" i="0" dirty="0">
+              <a:solidFill>
+                <a:srgbClr val="374151"/>
+              </a:solidFill>
+              <a:effectLst/>
+              <a:latin typeface="Söhne"/>
+            </a:endParaRPr>
+          </a:p>
+          <a:p>
             <a:r>
               <a:rPr lang="sr-Latn-RS" dirty="0">
                 <a:solidFill>
@@ -20521,15 +20185,356 @@
                 </a:solidFill>
                 <a:latin typeface="Söhne"/>
               </a:rPr>
-              <a:t>		Hvala na pažnji</a:t>
-            </a:r>
+              <a:t>P</a:t>
+            </a:r>
+            <a:r>
+              <a:rPr lang="en-US" b="0" i="0" dirty="0" err="1">
+                <a:solidFill>
+                  <a:srgbClr val="374151"/>
+                </a:solidFill>
+                <a:effectLst/>
+                <a:latin typeface="Söhne"/>
+              </a:rPr>
+              <a:t>ravna</a:t>
+            </a:r>
+            <a:r>
+              <a:rPr lang="en-US" b="0" i="0" dirty="0">
+                <a:solidFill>
+                  <a:srgbClr val="374151"/>
+                </a:solidFill>
+                <a:effectLst/>
+                <a:latin typeface="Söhne"/>
+              </a:rPr>
+              <a:t> </a:t>
+            </a:r>
+            <a:r>
+              <a:rPr lang="en-US" b="0" i="0" dirty="0" err="1">
+                <a:solidFill>
+                  <a:srgbClr val="374151"/>
+                </a:solidFill>
+                <a:effectLst/>
+                <a:latin typeface="Söhne"/>
+              </a:rPr>
+              <a:t>informatika</a:t>
+            </a:r>
+            <a:r>
+              <a:rPr lang="en-US" b="0" i="0" dirty="0">
+                <a:solidFill>
+                  <a:srgbClr val="374151"/>
+                </a:solidFill>
+                <a:effectLst/>
+                <a:latin typeface="Söhne"/>
+              </a:rPr>
+              <a:t> </a:t>
+            </a:r>
+            <a:r>
+              <a:rPr lang="en-US" b="0" i="0" dirty="0" err="1">
+                <a:solidFill>
+                  <a:srgbClr val="374151"/>
+                </a:solidFill>
+                <a:effectLst/>
+                <a:latin typeface="Söhne"/>
+              </a:rPr>
+              <a:t>predstavlja</a:t>
+            </a:r>
+            <a:r>
+              <a:rPr lang="en-US" b="0" i="0" dirty="0">
+                <a:solidFill>
+                  <a:srgbClr val="374151"/>
+                </a:solidFill>
+                <a:effectLst/>
+                <a:latin typeface="Söhne"/>
+              </a:rPr>
+              <a:t> </a:t>
+            </a:r>
+            <a:r>
+              <a:rPr lang="en-US" b="0" i="0" dirty="0" err="1">
+                <a:solidFill>
+                  <a:srgbClr val="374151"/>
+                </a:solidFill>
+                <a:effectLst/>
+                <a:latin typeface="Söhne"/>
+              </a:rPr>
+              <a:t>važan</a:t>
+            </a:r>
+            <a:r>
+              <a:rPr lang="en-US" b="0" i="0" dirty="0">
+                <a:solidFill>
+                  <a:srgbClr val="374151"/>
+                </a:solidFill>
+                <a:effectLst/>
+                <a:latin typeface="Söhne"/>
+              </a:rPr>
+              <a:t> </a:t>
+            </a:r>
+            <a:r>
+              <a:rPr lang="en-US" b="0" i="0" dirty="0" err="1">
+                <a:solidFill>
+                  <a:srgbClr val="374151"/>
+                </a:solidFill>
+                <a:effectLst/>
+                <a:latin typeface="Söhne"/>
+              </a:rPr>
+              <a:t>alat</a:t>
+            </a:r>
+            <a:r>
+              <a:rPr lang="en-US" b="0" i="0" dirty="0">
+                <a:solidFill>
+                  <a:srgbClr val="374151"/>
+                </a:solidFill>
+                <a:effectLst/>
+                <a:latin typeface="Söhne"/>
+              </a:rPr>
+              <a:t> u </a:t>
+            </a:r>
+            <a:r>
+              <a:rPr lang="en-US" b="0" i="0" dirty="0" err="1">
+                <a:solidFill>
+                  <a:srgbClr val="374151"/>
+                </a:solidFill>
+                <a:effectLst/>
+                <a:latin typeface="Söhne"/>
+              </a:rPr>
+              <a:t>savremenom</a:t>
+            </a:r>
+            <a:r>
+              <a:rPr lang="en-US" b="0" i="0" dirty="0">
+                <a:solidFill>
+                  <a:srgbClr val="374151"/>
+                </a:solidFill>
+                <a:effectLst/>
+                <a:latin typeface="Söhne"/>
+              </a:rPr>
+              <a:t> </a:t>
+            </a:r>
+            <a:r>
+              <a:rPr lang="en-US" b="0" i="0" dirty="0" err="1">
+                <a:solidFill>
+                  <a:srgbClr val="374151"/>
+                </a:solidFill>
+                <a:effectLst/>
+                <a:latin typeface="Söhne"/>
+              </a:rPr>
+              <a:t>pravosuđu</a:t>
+            </a:r>
+            <a:r>
+              <a:rPr lang="en-US" b="0" i="0" dirty="0">
+                <a:solidFill>
+                  <a:srgbClr val="374151"/>
+                </a:solidFill>
+                <a:effectLst/>
+                <a:latin typeface="Söhne"/>
+              </a:rPr>
+              <a:t>, koji </a:t>
+            </a:r>
+            <a:r>
+              <a:rPr lang="en-US" b="0" i="0" dirty="0" err="1">
+                <a:solidFill>
+                  <a:srgbClr val="374151"/>
+                </a:solidFill>
+                <a:effectLst/>
+                <a:latin typeface="Söhne"/>
+              </a:rPr>
+              <a:t>može</a:t>
+            </a:r>
+            <a:r>
+              <a:rPr lang="en-US" b="0" i="0" dirty="0">
+                <a:solidFill>
+                  <a:srgbClr val="374151"/>
+                </a:solidFill>
+                <a:effectLst/>
+                <a:latin typeface="Söhne"/>
+              </a:rPr>
+              <a:t> </a:t>
+            </a:r>
+            <a:r>
+              <a:rPr lang="en-US" b="0" i="0" dirty="0" err="1">
+                <a:solidFill>
+                  <a:srgbClr val="374151"/>
+                </a:solidFill>
+                <a:effectLst/>
+                <a:latin typeface="Söhne"/>
+              </a:rPr>
+              <a:t>pomoći</a:t>
+            </a:r>
+            <a:r>
+              <a:rPr lang="en-US" b="0" i="0" dirty="0">
+                <a:solidFill>
+                  <a:srgbClr val="374151"/>
+                </a:solidFill>
+                <a:effectLst/>
+                <a:latin typeface="Söhne"/>
+              </a:rPr>
+              <a:t> u </a:t>
+            </a:r>
+            <a:r>
+              <a:rPr lang="en-US" b="0" i="0" dirty="0" err="1">
+                <a:solidFill>
+                  <a:srgbClr val="374151"/>
+                </a:solidFill>
+                <a:effectLst/>
+                <a:latin typeface="Söhne"/>
+              </a:rPr>
+              <a:t>efikasnom</a:t>
+            </a:r>
+            <a:r>
+              <a:rPr lang="en-US" b="0" i="0" dirty="0">
+                <a:solidFill>
+                  <a:srgbClr val="374151"/>
+                </a:solidFill>
+                <a:effectLst/>
+                <a:latin typeface="Söhne"/>
+              </a:rPr>
+              <a:t> </a:t>
+            </a:r>
+            <a:r>
+              <a:rPr lang="en-US" b="0" i="0" dirty="0" err="1">
+                <a:solidFill>
+                  <a:srgbClr val="374151"/>
+                </a:solidFill>
+                <a:effectLst/>
+                <a:latin typeface="Söhne"/>
+              </a:rPr>
+              <a:t>rešavanju</a:t>
+            </a:r>
+            <a:r>
+              <a:rPr lang="en-US" b="0" i="0" dirty="0">
+                <a:solidFill>
+                  <a:srgbClr val="374151"/>
+                </a:solidFill>
+                <a:effectLst/>
+                <a:latin typeface="Söhne"/>
+              </a:rPr>
+              <a:t> </a:t>
+            </a:r>
+            <a:r>
+              <a:rPr lang="en-US" b="0" i="0" dirty="0" err="1">
+                <a:solidFill>
+                  <a:srgbClr val="374151"/>
+                </a:solidFill>
+                <a:effectLst/>
+                <a:latin typeface="Söhne"/>
+              </a:rPr>
+              <a:t>pravnih</a:t>
+            </a:r>
+            <a:r>
+              <a:rPr lang="en-US" b="0" i="0" dirty="0">
+                <a:solidFill>
+                  <a:srgbClr val="374151"/>
+                </a:solidFill>
+                <a:effectLst/>
+                <a:latin typeface="Söhne"/>
+              </a:rPr>
+              <a:t> </a:t>
+            </a:r>
+            <a:r>
+              <a:rPr lang="en-US" b="0" i="0" dirty="0" err="1">
+                <a:solidFill>
+                  <a:srgbClr val="374151"/>
+                </a:solidFill>
+                <a:effectLst/>
+                <a:latin typeface="Söhne"/>
+              </a:rPr>
+              <a:t>pitanja</a:t>
+            </a:r>
+            <a:r>
+              <a:rPr lang="en-US" b="0" i="0" dirty="0">
+                <a:solidFill>
+                  <a:srgbClr val="374151"/>
+                </a:solidFill>
+                <a:effectLst/>
+                <a:latin typeface="Söhne"/>
+              </a:rPr>
+              <a:t> </a:t>
+            </a:r>
+            <a:r>
+              <a:rPr lang="en-US" b="0" i="0" dirty="0" err="1">
+                <a:solidFill>
+                  <a:srgbClr val="374151"/>
+                </a:solidFill>
+                <a:effectLst/>
+                <a:latin typeface="Söhne"/>
+              </a:rPr>
+              <a:t>i</a:t>
+            </a:r>
+            <a:r>
+              <a:rPr lang="en-US" b="0" i="0" dirty="0">
+                <a:solidFill>
+                  <a:srgbClr val="374151"/>
+                </a:solidFill>
+                <a:effectLst/>
+                <a:latin typeface="Söhne"/>
+              </a:rPr>
+              <a:t> </a:t>
+            </a:r>
+            <a:r>
+              <a:rPr lang="en-US" b="0" i="0" dirty="0" err="1">
+                <a:solidFill>
+                  <a:srgbClr val="374151"/>
+                </a:solidFill>
+                <a:effectLst/>
+                <a:latin typeface="Söhne"/>
+              </a:rPr>
+              <a:t>donošenju</a:t>
+            </a:r>
+            <a:r>
+              <a:rPr lang="en-US" b="0" i="0" dirty="0">
+                <a:solidFill>
+                  <a:srgbClr val="374151"/>
+                </a:solidFill>
+                <a:effectLst/>
+                <a:latin typeface="Söhne"/>
+              </a:rPr>
+              <a:t> </a:t>
+            </a:r>
+            <a:r>
+              <a:rPr lang="en-US" b="0" i="0" dirty="0" err="1">
+                <a:solidFill>
+                  <a:srgbClr val="374151"/>
+                </a:solidFill>
+                <a:effectLst/>
+                <a:latin typeface="Söhne"/>
+              </a:rPr>
+              <a:t>kvalitetnih</a:t>
+            </a:r>
+            <a:r>
+              <a:rPr lang="en-US" b="0" i="0" dirty="0">
+                <a:solidFill>
+                  <a:srgbClr val="374151"/>
+                </a:solidFill>
+                <a:effectLst/>
+                <a:latin typeface="Söhne"/>
+              </a:rPr>
+              <a:t> </a:t>
+            </a:r>
+            <a:r>
+              <a:rPr lang="en-US" b="0" i="0" dirty="0" err="1">
+                <a:solidFill>
+                  <a:srgbClr val="374151"/>
+                </a:solidFill>
+                <a:effectLst/>
+                <a:latin typeface="Söhne"/>
+              </a:rPr>
+              <a:t>odluka</a:t>
+            </a:r>
+            <a:r>
+              <a:rPr lang="en-US" b="0" i="0" dirty="0">
+                <a:solidFill>
+                  <a:srgbClr val="374151"/>
+                </a:solidFill>
+                <a:effectLst/>
+                <a:latin typeface="Söhne"/>
+              </a:rPr>
+              <a:t>.</a:t>
+            </a:r>
+            <a:endParaRPr dirty="0"/>
           </a:p>
         </p:txBody>
       </p:sp>
     </p:spTree>
     <p:extLst>
       <p:ext uri="{BB962C8B-B14F-4D97-AF65-F5344CB8AC3E}">
-        <p14:creationId xmlns:p14="http://schemas.microsoft.com/office/powerpoint/2010/main" val="1535785995"/>
+        <p14:creationId xmlns:p14="http://schemas.microsoft.com/office/powerpoint/2010/main" val="4290222120"/>
       </p:ext>
     </p:extLst>
   </p:cSld>
@@ -21419,6 +21424,1693 @@
     <p:extLst>
       <p:ext uri="{BB962C8B-B14F-4D97-AF65-F5344CB8AC3E}">
         <p14:creationId xmlns:p14="http://schemas.microsoft.com/office/powerpoint/2010/main" val="3944784253"/>
+      </p:ext>
+    </p:extLst>
+  </p:cSld>
+  <p:clrMapOvr>
+    <a:masterClrMapping/>
+  </p:clrMapOvr>
+</p:sld>
+</file>
+
+<file path=ppt/slides/slide30.xml><?xml version="1.0" encoding="utf-8"?>
+<p:sld xmlns:a="http://schemas.openxmlformats.org/drawingml/2006/main" xmlns:r="http://schemas.openxmlformats.org/officeDocument/2006/relationships" xmlns:p="http://schemas.openxmlformats.org/presentationml/2006/main">
+  <p:cSld>
+    <p:bg>
+      <p:bgPr>
+        <a:solidFill>
+          <a:schemeClr val="bg1"/>
+        </a:solidFill>
+        <a:effectLst/>
+      </p:bgPr>
+    </p:bg>
+    <p:spTree>
+      <p:nvGrpSpPr>
+        <p:cNvPr id="1" name=""/>
+        <p:cNvGrpSpPr/>
+        <p:nvPr/>
+      </p:nvGrpSpPr>
+      <p:grpSpPr>
+        <a:xfrm>
+          <a:off x="0" y="0"/>
+          <a:ext cx="0" cy="0"/>
+          <a:chOff x="0" y="0"/>
+          <a:chExt cx="0" cy="0"/>
+        </a:xfrm>
+      </p:grpSpPr>
+      <p:sp useBgFill="1">
+        <p:nvSpPr>
+          <p:cNvPr id="9" name="Rectangle 8">
+            <a:extLst>
+              <a:ext uri="{FF2B5EF4-FFF2-40B4-BE49-F238E27FC236}">
+                <a16:creationId xmlns:a16="http://schemas.microsoft.com/office/drawing/2014/main" id="{907EF6B7-1338-4443-8C46-6A318D952DFD}"/>
+              </a:ext>
+              <a:ext uri="{C183D7F6-B498-43B3-948B-1728B52AA6E4}">
+                <adec:decorative xmlns:adec="http://schemas.microsoft.com/office/drawing/2017/decorative" val="1"/>
+              </a:ext>
+            </a:extLst>
+          </p:cNvPr>
+          <p:cNvSpPr>
+            <a:spLocks noGrp="1" noRot="1" noChangeAspect="1" noMove="1" noResize="1" noEditPoints="1" noAdjustHandles="1" noChangeArrowheads="1" noChangeShapeType="1" noTextEdit="1"/>
+          </p:cNvSpPr>
+          <p:nvPr>
+            <p:extLst>
+              <p:ext uri="{386F3935-93C4-4BCD-93E2-E3B085C9AB24}">
+                <p16:designElem xmlns:p16="http://schemas.microsoft.com/office/powerpoint/2015/main" val="1"/>
+              </p:ext>
+            </p:extLst>
+          </p:nvPr>
+        </p:nvSpPr>
+        <p:spPr>
+          <a:xfrm>
+            <a:off x="3048" y="0"/>
+            <a:ext cx="12188952" cy="6858000"/>
+          </a:xfrm>
+          <a:prstGeom prst="rect">
+            <a:avLst/>
+          </a:prstGeom>
+          <a:ln>
+            <a:noFill/>
+          </a:ln>
+        </p:spPr>
+        <p:style>
+          <a:lnRef idx="2">
+            <a:schemeClr val="accent1">
+              <a:shade val="50000"/>
+            </a:schemeClr>
+          </a:lnRef>
+          <a:fillRef idx="1">
+            <a:schemeClr val="accent1"/>
+          </a:fillRef>
+          <a:effectRef idx="0">
+            <a:schemeClr val="accent1"/>
+          </a:effectRef>
+          <a:fontRef idx="minor">
+            <a:schemeClr val="lt1"/>
+          </a:fontRef>
+        </p:style>
+        <p:txBody>
+          <a:bodyPr rtlCol="0" anchor="ctr"/>
+          <a:lstStyle/>
+          <a:p>
+            <a:pPr algn="ctr"/>
+            <a:endParaRPr lang="en-US"/>
+          </a:p>
+        </p:txBody>
+      </p:sp>
+      <p:sp>
+        <p:nvSpPr>
+          <p:cNvPr id="11" name="Freeform: Shape 10">
+            <a:extLst>
+              <a:ext uri="{FF2B5EF4-FFF2-40B4-BE49-F238E27FC236}">
+                <a16:creationId xmlns:a16="http://schemas.microsoft.com/office/drawing/2014/main" id="{DAAE4CDD-124C-4DCF-9584-B6033B545DD5}"/>
+              </a:ext>
+              <a:ext uri="{C183D7F6-B498-43B3-948B-1728B52AA6E4}">
+                <adec:decorative xmlns:adec="http://schemas.microsoft.com/office/drawing/2017/decorative" val="1"/>
+              </a:ext>
+            </a:extLst>
+          </p:cNvPr>
+          <p:cNvSpPr>
+            <a:spLocks noGrp="1" noRot="1" noChangeAspect="1" noMove="1" noResize="1" noEditPoints="1" noAdjustHandles="1" noChangeArrowheads="1" noChangeShapeType="1" noTextEdit="1"/>
+          </p:cNvSpPr>
+          <p:nvPr>
+            <p:extLst>
+              <p:ext uri="{386F3935-93C4-4BCD-93E2-E3B085C9AB24}">
+                <p16:designElem xmlns:p16="http://schemas.microsoft.com/office/powerpoint/2015/main" val="1"/>
+              </p:ext>
+            </p:extLst>
+          </p:nvPr>
+        </p:nvSpPr>
+        <p:spPr>
+          <a:xfrm>
+            <a:off x="1" y="0"/>
+            <a:ext cx="4167271" cy="6858000"/>
+          </a:xfrm>
+          <a:custGeom>
+            <a:avLst/>
+            <a:gdLst>
+              <a:gd name="connsiteX0" fmla="*/ 0 w 4167271"/>
+              <a:gd name="connsiteY0" fmla="*/ 0 h 6858000"/>
+              <a:gd name="connsiteX1" fmla="*/ 2259550 w 4167271"/>
+              <a:gd name="connsiteY1" fmla="*/ 0 h 6858000"/>
+              <a:gd name="connsiteX2" fmla="*/ 2387803 w 4167271"/>
+              <a:gd name="connsiteY2" fmla="*/ 82222 h 6858000"/>
+              <a:gd name="connsiteX3" fmla="*/ 4167271 w 4167271"/>
+              <a:gd name="connsiteY3" fmla="*/ 3429000 h 6858000"/>
+              <a:gd name="connsiteX4" fmla="*/ 2387803 w 4167271"/>
+              <a:gd name="connsiteY4" fmla="*/ 6775779 h 6858000"/>
+              <a:gd name="connsiteX5" fmla="*/ 2259550 w 4167271"/>
+              <a:gd name="connsiteY5" fmla="*/ 6858000 h 6858000"/>
+              <a:gd name="connsiteX6" fmla="*/ 0 w 4167271"/>
+              <a:gd name="connsiteY6" fmla="*/ 6858000 h 6858000"/>
+            </a:gdLst>
+            <a:ahLst/>
+            <a:cxnLst>
+              <a:cxn ang="0">
+                <a:pos x="connsiteX0" y="connsiteY0"/>
+              </a:cxn>
+              <a:cxn ang="0">
+                <a:pos x="connsiteX1" y="connsiteY1"/>
+              </a:cxn>
+              <a:cxn ang="0">
+                <a:pos x="connsiteX2" y="connsiteY2"/>
+              </a:cxn>
+              <a:cxn ang="0">
+                <a:pos x="connsiteX3" y="connsiteY3"/>
+              </a:cxn>
+              <a:cxn ang="0">
+                <a:pos x="connsiteX4" y="connsiteY4"/>
+              </a:cxn>
+              <a:cxn ang="0">
+                <a:pos x="connsiteX5" y="connsiteY5"/>
+              </a:cxn>
+              <a:cxn ang="0">
+                <a:pos x="connsiteX6" y="connsiteY6"/>
+              </a:cxn>
+            </a:cxnLst>
+            <a:rect l="l" t="t" r="r" b="b"/>
+            <a:pathLst>
+              <a:path w="4167271" h="6858000">
+                <a:moveTo>
+                  <a:pt x="0" y="0"/>
+                </a:moveTo>
+                <a:lnTo>
+                  <a:pt x="2259550" y="0"/>
+                </a:lnTo>
+                <a:lnTo>
+                  <a:pt x="2387803" y="82222"/>
+                </a:lnTo>
+                <a:cubicBezTo>
+                  <a:pt x="3461407" y="807534"/>
+                  <a:pt x="4167271" y="2035835"/>
+                  <a:pt x="4167271" y="3429000"/>
+                </a:cubicBezTo>
+                <a:cubicBezTo>
+                  <a:pt x="4167271" y="4822165"/>
+                  <a:pt x="3461407" y="6050467"/>
+                  <a:pt x="2387803" y="6775779"/>
+                </a:cubicBezTo>
+                <a:lnTo>
+                  <a:pt x="2259550" y="6858000"/>
+                </a:lnTo>
+                <a:lnTo>
+                  <a:pt x="0" y="6858000"/>
+                </a:lnTo>
+                <a:close/>
+              </a:path>
+            </a:pathLst>
+          </a:custGeom>
+          <a:solidFill>
+            <a:schemeClr val="accent2"/>
+          </a:solidFill>
+          <a:ln>
+            <a:noFill/>
+          </a:ln>
+        </p:spPr>
+        <p:style>
+          <a:lnRef idx="2">
+            <a:schemeClr val="accent1">
+              <a:shade val="50000"/>
+            </a:schemeClr>
+          </a:lnRef>
+          <a:fillRef idx="1">
+            <a:schemeClr val="accent1"/>
+          </a:fillRef>
+          <a:effectRef idx="0">
+            <a:schemeClr val="accent1"/>
+          </a:effectRef>
+          <a:fontRef idx="minor">
+            <a:schemeClr val="lt1"/>
+          </a:fontRef>
+        </p:style>
+        <p:txBody>
+          <a:bodyPr rtlCol="0" anchor="ctr"/>
+          <a:lstStyle/>
+          <a:p>
+            <a:pPr algn="ctr"/>
+            <a:endParaRPr lang="en-US"/>
+          </a:p>
+        </p:txBody>
+      </p:sp>
+      <p:sp>
+        <p:nvSpPr>
+          <p:cNvPr id="2" name="Title 1"/>
+          <p:cNvSpPr>
+            <a:spLocks noGrp="1"/>
+          </p:cNvSpPr>
+          <p:nvPr>
+            <p:ph type="title"/>
+          </p:nvPr>
+        </p:nvSpPr>
+        <p:spPr>
+          <a:xfrm>
+            <a:off x="686834" y="1153572"/>
+            <a:ext cx="3200400" cy="4461163"/>
+          </a:xfrm>
+        </p:spPr>
+        <p:txBody>
+          <a:bodyPr>
+            <a:normAutofit/>
+          </a:bodyPr>
+          <a:lstStyle/>
+          <a:p>
+            <a:r>
+              <a:rPr lang="sr-Latn-RS" dirty="0">
+                <a:solidFill>
+                  <a:srgbClr val="FFFFFF"/>
+                </a:solidFill>
+              </a:rPr>
+              <a:t>Dalja unapređenja</a:t>
+            </a:r>
+            <a:endParaRPr lang="en-US" dirty="0">
+              <a:solidFill>
+                <a:srgbClr val="FFFFFF"/>
+              </a:solidFill>
+            </a:endParaRPr>
+          </a:p>
+        </p:txBody>
+      </p:sp>
+      <p:sp>
+        <p:nvSpPr>
+          <p:cNvPr id="13" name="Arc 12">
+            <a:extLst>
+              <a:ext uri="{FF2B5EF4-FFF2-40B4-BE49-F238E27FC236}">
+                <a16:creationId xmlns:a16="http://schemas.microsoft.com/office/drawing/2014/main" id="{081E4A58-353D-44AE-B2FC-2A74E2E400F7}"/>
+              </a:ext>
+              <a:ext uri="{C183D7F6-B498-43B3-948B-1728B52AA6E4}">
+                <adec:decorative xmlns:adec="http://schemas.microsoft.com/office/drawing/2017/decorative" val="1"/>
+              </a:ext>
+            </a:extLst>
+          </p:cNvPr>
+          <p:cNvSpPr>
+            <a:spLocks noGrp="1" noRot="1" noChangeAspect="1" noMove="1" noResize="1" noEditPoints="1" noAdjustHandles="1" noChangeArrowheads="1" noChangeShapeType="1" noTextEdit="1"/>
+          </p:cNvSpPr>
+          <p:nvPr>
+            <p:extLst>
+              <p:ext uri="{386F3935-93C4-4BCD-93E2-E3B085C9AB24}">
+                <p16:designElem xmlns:p16="http://schemas.microsoft.com/office/powerpoint/2015/main" val="1"/>
+              </p:ext>
+            </p:extLst>
+          </p:nvPr>
+        </p:nvSpPr>
+        <p:spPr>
+          <a:xfrm flipV="1">
+            <a:off x="7550402" y="2455479"/>
+            <a:ext cx="4083433" cy="4083433"/>
+          </a:xfrm>
+          <a:prstGeom prst="arc">
+            <a:avLst/>
+          </a:prstGeom>
+          <a:ln w="127000" cap="rnd">
+            <a:solidFill>
+              <a:schemeClr val="accent4"/>
+            </a:solidFill>
+            <a:prstDash val="dash"/>
+          </a:ln>
+        </p:spPr>
+        <p:style>
+          <a:lnRef idx="1">
+            <a:schemeClr val="accent1"/>
+          </a:lnRef>
+          <a:fillRef idx="0">
+            <a:schemeClr val="accent1"/>
+          </a:fillRef>
+          <a:effectRef idx="0">
+            <a:schemeClr val="accent1"/>
+          </a:effectRef>
+          <a:fontRef idx="minor">
+            <a:schemeClr val="tx1"/>
+          </a:fontRef>
+        </p:style>
+        <p:txBody>
+          <a:bodyPr rtlCol="0" anchor="ctr"/>
+          <a:lstStyle/>
+          <a:p>
+            <a:pPr algn="ctr"/>
+            <a:endParaRPr lang="en-US" dirty="0"/>
+          </a:p>
+        </p:txBody>
+      </p:sp>
+      <p:sp>
+        <p:nvSpPr>
+          <p:cNvPr id="3" name="Content Placeholder 2"/>
+          <p:cNvSpPr>
+            <a:spLocks noGrp="1"/>
+          </p:cNvSpPr>
+          <p:nvPr>
+            <p:ph type="body" idx="1"/>
+          </p:nvPr>
+        </p:nvSpPr>
+        <p:spPr>
+          <a:xfrm>
+            <a:off x="4447308" y="591344"/>
+            <a:ext cx="6906491" cy="5585619"/>
+          </a:xfrm>
+        </p:spPr>
+        <p:txBody>
+          <a:bodyPr anchor="ctr">
+            <a:normAutofit/>
+          </a:bodyPr>
+          <a:lstStyle/>
+          <a:p>
+            <a:r>
+              <a:rPr lang="en-US" b="0" i="0" dirty="0">
+                <a:solidFill>
+                  <a:srgbClr val="374151"/>
+                </a:solidFill>
+                <a:effectLst/>
+                <a:latin typeface="Söhne"/>
+              </a:rPr>
+              <a:t>Kao </a:t>
+            </a:r>
+            <a:r>
+              <a:rPr lang="en-US" b="0" i="0" dirty="0" err="1">
+                <a:solidFill>
+                  <a:srgbClr val="374151"/>
+                </a:solidFill>
+                <a:effectLst/>
+                <a:latin typeface="Söhne"/>
+              </a:rPr>
+              <a:t>što</a:t>
+            </a:r>
+            <a:r>
+              <a:rPr lang="en-US" b="0" i="0" dirty="0">
+                <a:solidFill>
+                  <a:srgbClr val="374151"/>
+                </a:solidFill>
+                <a:effectLst/>
+                <a:latin typeface="Söhne"/>
+              </a:rPr>
+              <a:t> se </a:t>
+            </a:r>
+            <a:r>
+              <a:rPr lang="en-US" b="0" i="0" dirty="0" err="1">
+                <a:solidFill>
+                  <a:srgbClr val="374151"/>
+                </a:solidFill>
+                <a:effectLst/>
+                <a:latin typeface="Söhne"/>
+              </a:rPr>
+              <a:t>razvijaju</a:t>
+            </a:r>
+            <a:r>
+              <a:rPr lang="en-US" b="0" i="0" dirty="0">
+                <a:solidFill>
+                  <a:srgbClr val="374151"/>
+                </a:solidFill>
+                <a:effectLst/>
+                <a:latin typeface="Söhne"/>
+              </a:rPr>
+              <a:t> </a:t>
+            </a:r>
+            <a:r>
+              <a:rPr lang="en-US" b="0" i="0" dirty="0" err="1">
+                <a:solidFill>
+                  <a:srgbClr val="374151"/>
+                </a:solidFill>
+                <a:effectLst/>
+                <a:latin typeface="Söhne"/>
+              </a:rPr>
+              <a:t>i</a:t>
+            </a:r>
+            <a:r>
+              <a:rPr lang="en-US" b="0" i="0" dirty="0">
+                <a:solidFill>
+                  <a:srgbClr val="374151"/>
+                </a:solidFill>
+                <a:effectLst/>
+                <a:latin typeface="Söhne"/>
+              </a:rPr>
+              <a:t> </a:t>
+            </a:r>
+            <a:r>
+              <a:rPr lang="en-US" b="0" i="0" dirty="0" err="1">
+                <a:solidFill>
+                  <a:srgbClr val="374151"/>
+                </a:solidFill>
+                <a:effectLst/>
+                <a:latin typeface="Söhne"/>
+              </a:rPr>
+              <a:t>napreduju</a:t>
+            </a:r>
+            <a:r>
+              <a:rPr lang="en-US" b="0" i="0" dirty="0">
+                <a:solidFill>
+                  <a:srgbClr val="374151"/>
+                </a:solidFill>
+                <a:effectLst/>
+                <a:latin typeface="Söhne"/>
+              </a:rPr>
+              <a:t> </a:t>
+            </a:r>
+            <a:r>
+              <a:rPr lang="en-US" b="0" i="0" dirty="0" err="1">
+                <a:solidFill>
+                  <a:srgbClr val="374151"/>
+                </a:solidFill>
+                <a:effectLst/>
+                <a:latin typeface="Söhne"/>
+              </a:rPr>
+              <a:t>tehnološke</a:t>
+            </a:r>
+            <a:r>
+              <a:rPr lang="en-US" b="0" i="0" dirty="0">
+                <a:solidFill>
+                  <a:srgbClr val="374151"/>
+                </a:solidFill>
+                <a:effectLst/>
+                <a:latin typeface="Söhne"/>
+              </a:rPr>
+              <a:t> </a:t>
+            </a:r>
+            <a:r>
+              <a:rPr lang="en-US" b="0" i="0" dirty="0" err="1">
+                <a:solidFill>
+                  <a:srgbClr val="374151"/>
+                </a:solidFill>
+                <a:effectLst/>
+                <a:latin typeface="Söhne"/>
+              </a:rPr>
+              <a:t>mogućnosti</a:t>
+            </a:r>
+            <a:r>
+              <a:rPr lang="en-US" b="0" i="0" dirty="0">
+                <a:solidFill>
+                  <a:srgbClr val="374151"/>
+                </a:solidFill>
+                <a:effectLst/>
+                <a:latin typeface="Söhne"/>
+              </a:rPr>
+              <a:t>, </a:t>
+            </a:r>
+            <a:r>
+              <a:rPr lang="en-US" b="0" i="0" dirty="0" err="1">
+                <a:solidFill>
+                  <a:srgbClr val="374151"/>
+                </a:solidFill>
+                <a:effectLst/>
+                <a:latin typeface="Söhne"/>
+              </a:rPr>
+              <a:t>tako</a:t>
+            </a:r>
+            <a:r>
+              <a:rPr lang="en-US" b="0" i="0" dirty="0">
+                <a:solidFill>
+                  <a:srgbClr val="374151"/>
+                </a:solidFill>
+                <a:effectLst/>
+                <a:latin typeface="Söhne"/>
+              </a:rPr>
+              <a:t> se </a:t>
+            </a:r>
+            <a:r>
+              <a:rPr lang="en-US" b="0" i="0" dirty="0" err="1">
+                <a:solidFill>
+                  <a:srgbClr val="374151"/>
+                </a:solidFill>
+                <a:effectLst/>
+                <a:latin typeface="Söhne"/>
+              </a:rPr>
+              <a:t>i</a:t>
+            </a:r>
+            <a:r>
+              <a:rPr lang="en-US" b="0" i="0" dirty="0">
+                <a:solidFill>
+                  <a:srgbClr val="374151"/>
+                </a:solidFill>
+                <a:effectLst/>
+                <a:latin typeface="Söhne"/>
+              </a:rPr>
+              <a:t> oblast </a:t>
+            </a:r>
+            <a:r>
+              <a:rPr lang="en-US" b="0" i="0" dirty="0" err="1">
+                <a:solidFill>
+                  <a:srgbClr val="374151"/>
+                </a:solidFill>
+                <a:effectLst/>
+                <a:latin typeface="Söhne"/>
+              </a:rPr>
+              <a:t>pravne</a:t>
+            </a:r>
+            <a:r>
+              <a:rPr lang="en-US" b="0" i="0" dirty="0">
+                <a:solidFill>
+                  <a:srgbClr val="374151"/>
+                </a:solidFill>
+                <a:effectLst/>
+                <a:latin typeface="Söhne"/>
+              </a:rPr>
+              <a:t> </a:t>
+            </a:r>
+            <a:r>
+              <a:rPr lang="en-US" b="0" i="0" dirty="0" err="1">
+                <a:solidFill>
+                  <a:srgbClr val="374151"/>
+                </a:solidFill>
+                <a:effectLst/>
+                <a:latin typeface="Söhne"/>
+              </a:rPr>
+              <a:t>informatike</a:t>
+            </a:r>
+            <a:r>
+              <a:rPr lang="en-US" b="0" i="0" dirty="0">
+                <a:solidFill>
+                  <a:srgbClr val="374151"/>
+                </a:solidFill>
+                <a:effectLst/>
+                <a:latin typeface="Söhne"/>
+              </a:rPr>
+              <a:t> </a:t>
+            </a:r>
+            <a:r>
+              <a:rPr lang="en-US" b="0" i="0" dirty="0" err="1">
+                <a:solidFill>
+                  <a:srgbClr val="374151"/>
+                </a:solidFill>
+                <a:effectLst/>
+                <a:latin typeface="Söhne"/>
+              </a:rPr>
+              <a:t>neprestano</a:t>
+            </a:r>
+            <a:r>
+              <a:rPr lang="en-US" b="0" i="0" dirty="0">
+                <a:solidFill>
+                  <a:srgbClr val="374151"/>
+                </a:solidFill>
+                <a:effectLst/>
+                <a:latin typeface="Söhne"/>
+              </a:rPr>
+              <a:t> </a:t>
+            </a:r>
+            <a:r>
+              <a:rPr lang="en-US" b="0" i="0" dirty="0" err="1">
+                <a:solidFill>
+                  <a:srgbClr val="374151"/>
+                </a:solidFill>
+                <a:effectLst/>
+                <a:latin typeface="Söhne"/>
+              </a:rPr>
+              <a:t>razvija</a:t>
+            </a:r>
+            <a:r>
+              <a:rPr lang="en-US" b="0" i="0" dirty="0">
+                <a:solidFill>
+                  <a:srgbClr val="374151"/>
+                </a:solidFill>
+                <a:effectLst/>
+                <a:latin typeface="Söhne"/>
+              </a:rPr>
+              <a:t> </a:t>
+            </a:r>
+            <a:r>
+              <a:rPr lang="en-US" b="0" i="0" dirty="0" err="1">
+                <a:solidFill>
+                  <a:srgbClr val="374151"/>
+                </a:solidFill>
+                <a:effectLst/>
+                <a:latin typeface="Söhne"/>
+              </a:rPr>
+              <a:t>i</a:t>
+            </a:r>
+            <a:r>
+              <a:rPr lang="en-US" b="0" i="0" dirty="0">
+                <a:solidFill>
+                  <a:srgbClr val="374151"/>
+                </a:solidFill>
+                <a:effectLst/>
+                <a:latin typeface="Söhne"/>
+              </a:rPr>
+              <a:t> </a:t>
+            </a:r>
+            <a:r>
+              <a:rPr lang="en-US" b="0" i="0" dirty="0" err="1">
+                <a:solidFill>
+                  <a:srgbClr val="374151"/>
+                </a:solidFill>
+                <a:effectLst/>
+                <a:latin typeface="Söhne"/>
+              </a:rPr>
+              <a:t>unapređuje</a:t>
+            </a:r>
+            <a:r>
+              <a:rPr lang="sr-Latn-RS" b="0" i="0" dirty="0">
+                <a:solidFill>
+                  <a:srgbClr val="374151"/>
+                </a:solidFill>
+                <a:effectLst/>
+                <a:latin typeface="Söhne"/>
+              </a:rPr>
+              <a:t>.</a:t>
+            </a:r>
+            <a:endParaRPr dirty="0"/>
+          </a:p>
+        </p:txBody>
+      </p:sp>
+    </p:spTree>
+    <p:extLst>
+      <p:ext uri="{BB962C8B-B14F-4D97-AF65-F5344CB8AC3E}">
+        <p14:creationId xmlns:p14="http://schemas.microsoft.com/office/powerpoint/2010/main" val="2421200628"/>
+      </p:ext>
+    </p:extLst>
+  </p:cSld>
+  <p:clrMapOvr>
+    <a:masterClrMapping/>
+  </p:clrMapOvr>
+</p:sld>
+</file>
+
+<file path=ppt/slides/slide31.xml><?xml version="1.0" encoding="utf-8"?>
+<p:sld xmlns:a="http://schemas.openxmlformats.org/drawingml/2006/main" xmlns:r="http://schemas.openxmlformats.org/officeDocument/2006/relationships" xmlns:p="http://schemas.openxmlformats.org/presentationml/2006/main">
+  <p:cSld>
+    <p:bg>
+      <p:bgPr>
+        <a:solidFill>
+          <a:schemeClr val="bg1"/>
+        </a:solidFill>
+        <a:effectLst/>
+      </p:bgPr>
+    </p:bg>
+    <p:spTree>
+      <p:nvGrpSpPr>
+        <p:cNvPr id="1" name=""/>
+        <p:cNvGrpSpPr/>
+        <p:nvPr/>
+      </p:nvGrpSpPr>
+      <p:grpSpPr>
+        <a:xfrm>
+          <a:off x="0" y="0"/>
+          <a:ext cx="0" cy="0"/>
+          <a:chOff x="0" y="0"/>
+          <a:chExt cx="0" cy="0"/>
+        </a:xfrm>
+      </p:grpSpPr>
+      <p:sp useBgFill="1">
+        <p:nvSpPr>
+          <p:cNvPr id="9" name="Rectangle 8">
+            <a:extLst>
+              <a:ext uri="{FF2B5EF4-FFF2-40B4-BE49-F238E27FC236}">
+                <a16:creationId xmlns:a16="http://schemas.microsoft.com/office/drawing/2014/main" id="{907EF6B7-1338-4443-8C46-6A318D952DFD}"/>
+              </a:ext>
+              <a:ext uri="{C183D7F6-B498-43B3-948B-1728B52AA6E4}">
+                <adec:decorative xmlns:adec="http://schemas.microsoft.com/office/drawing/2017/decorative" val="1"/>
+              </a:ext>
+            </a:extLst>
+          </p:cNvPr>
+          <p:cNvSpPr>
+            <a:spLocks noGrp="1" noRot="1" noChangeAspect="1" noMove="1" noResize="1" noEditPoints="1" noAdjustHandles="1" noChangeArrowheads="1" noChangeShapeType="1" noTextEdit="1"/>
+          </p:cNvSpPr>
+          <p:nvPr>
+            <p:extLst>
+              <p:ext uri="{386F3935-93C4-4BCD-93E2-E3B085C9AB24}">
+                <p16:designElem xmlns:p16="http://schemas.microsoft.com/office/powerpoint/2015/main" val="1"/>
+              </p:ext>
+            </p:extLst>
+          </p:nvPr>
+        </p:nvSpPr>
+        <p:spPr>
+          <a:xfrm>
+            <a:off x="3048" y="0"/>
+            <a:ext cx="12188952" cy="6858000"/>
+          </a:xfrm>
+          <a:prstGeom prst="rect">
+            <a:avLst/>
+          </a:prstGeom>
+          <a:ln>
+            <a:noFill/>
+          </a:ln>
+        </p:spPr>
+        <p:style>
+          <a:lnRef idx="2">
+            <a:schemeClr val="accent1">
+              <a:shade val="50000"/>
+            </a:schemeClr>
+          </a:lnRef>
+          <a:fillRef idx="1">
+            <a:schemeClr val="accent1"/>
+          </a:fillRef>
+          <a:effectRef idx="0">
+            <a:schemeClr val="accent1"/>
+          </a:effectRef>
+          <a:fontRef idx="minor">
+            <a:schemeClr val="lt1"/>
+          </a:fontRef>
+        </p:style>
+        <p:txBody>
+          <a:bodyPr rtlCol="0" anchor="ctr"/>
+          <a:lstStyle/>
+          <a:p>
+            <a:pPr algn="ctr"/>
+            <a:endParaRPr lang="en-US"/>
+          </a:p>
+        </p:txBody>
+      </p:sp>
+      <p:sp>
+        <p:nvSpPr>
+          <p:cNvPr id="11" name="Freeform: Shape 10">
+            <a:extLst>
+              <a:ext uri="{FF2B5EF4-FFF2-40B4-BE49-F238E27FC236}">
+                <a16:creationId xmlns:a16="http://schemas.microsoft.com/office/drawing/2014/main" id="{DAAE4CDD-124C-4DCF-9584-B6033B545DD5}"/>
+              </a:ext>
+              <a:ext uri="{C183D7F6-B498-43B3-948B-1728B52AA6E4}">
+                <adec:decorative xmlns:adec="http://schemas.microsoft.com/office/drawing/2017/decorative" val="1"/>
+              </a:ext>
+            </a:extLst>
+          </p:cNvPr>
+          <p:cNvSpPr>
+            <a:spLocks noGrp="1" noRot="1" noChangeAspect="1" noMove="1" noResize="1" noEditPoints="1" noAdjustHandles="1" noChangeArrowheads="1" noChangeShapeType="1" noTextEdit="1"/>
+          </p:cNvSpPr>
+          <p:nvPr>
+            <p:extLst>
+              <p:ext uri="{386F3935-93C4-4BCD-93E2-E3B085C9AB24}">
+                <p16:designElem xmlns:p16="http://schemas.microsoft.com/office/powerpoint/2015/main" val="1"/>
+              </p:ext>
+            </p:extLst>
+          </p:nvPr>
+        </p:nvSpPr>
+        <p:spPr>
+          <a:xfrm>
+            <a:off x="1" y="0"/>
+            <a:ext cx="4167271" cy="6858000"/>
+          </a:xfrm>
+          <a:custGeom>
+            <a:avLst/>
+            <a:gdLst>
+              <a:gd name="connsiteX0" fmla="*/ 0 w 4167271"/>
+              <a:gd name="connsiteY0" fmla="*/ 0 h 6858000"/>
+              <a:gd name="connsiteX1" fmla="*/ 2259550 w 4167271"/>
+              <a:gd name="connsiteY1" fmla="*/ 0 h 6858000"/>
+              <a:gd name="connsiteX2" fmla="*/ 2387803 w 4167271"/>
+              <a:gd name="connsiteY2" fmla="*/ 82222 h 6858000"/>
+              <a:gd name="connsiteX3" fmla="*/ 4167271 w 4167271"/>
+              <a:gd name="connsiteY3" fmla="*/ 3429000 h 6858000"/>
+              <a:gd name="connsiteX4" fmla="*/ 2387803 w 4167271"/>
+              <a:gd name="connsiteY4" fmla="*/ 6775779 h 6858000"/>
+              <a:gd name="connsiteX5" fmla="*/ 2259550 w 4167271"/>
+              <a:gd name="connsiteY5" fmla="*/ 6858000 h 6858000"/>
+              <a:gd name="connsiteX6" fmla="*/ 0 w 4167271"/>
+              <a:gd name="connsiteY6" fmla="*/ 6858000 h 6858000"/>
+            </a:gdLst>
+            <a:ahLst/>
+            <a:cxnLst>
+              <a:cxn ang="0">
+                <a:pos x="connsiteX0" y="connsiteY0"/>
+              </a:cxn>
+              <a:cxn ang="0">
+                <a:pos x="connsiteX1" y="connsiteY1"/>
+              </a:cxn>
+              <a:cxn ang="0">
+                <a:pos x="connsiteX2" y="connsiteY2"/>
+              </a:cxn>
+              <a:cxn ang="0">
+                <a:pos x="connsiteX3" y="connsiteY3"/>
+              </a:cxn>
+              <a:cxn ang="0">
+                <a:pos x="connsiteX4" y="connsiteY4"/>
+              </a:cxn>
+              <a:cxn ang="0">
+                <a:pos x="connsiteX5" y="connsiteY5"/>
+              </a:cxn>
+              <a:cxn ang="0">
+                <a:pos x="connsiteX6" y="connsiteY6"/>
+              </a:cxn>
+            </a:cxnLst>
+            <a:rect l="l" t="t" r="r" b="b"/>
+            <a:pathLst>
+              <a:path w="4167271" h="6858000">
+                <a:moveTo>
+                  <a:pt x="0" y="0"/>
+                </a:moveTo>
+                <a:lnTo>
+                  <a:pt x="2259550" y="0"/>
+                </a:lnTo>
+                <a:lnTo>
+                  <a:pt x="2387803" y="82222"/>
+                </a:lnTo>
+                <a:cubicBezTo>
+                  <a:pt x="3461407" y="807534"/>
+                  <a:pt x="4167271" y="2035835"/>
+                  <a:pt x="4167271" y="3429000"/>
+                </a:cubicBezTo>
+                <a:cubicBezTo>
+                  <a:pt x="4167271" y="4822165"/>
+                  <a:pt x="3461407" y="6050467"/>
+                  <a:pt x="2387803" y="6775779"/>
+                </a:cubicBezTo>
+                <a:lnTo>
+                  <a:pt x="2259550" y="6858000"/>
+                </a:lnTo>
+                <a:lnTo>
+                  <a:pt x="0" y="6858000"/>
+                </a:lnTo>
+                <a:close/>
+              </a:path>
+            </a:pathLst>
+          </a:custGeom>
+          <a:solidFill>
+            <a:schemeClr val="accent2"/>
+          </a:solidFill>
+          <a:ln>
+            <a:noFill/>
+          </a:ln>
+        </p:spPr>
+        <p:style>
+          <a:lnRef idx="2">
+            <a:schemeClr val="accent1">
+              <a:shade val="50000"/>
+            </a:schemeClr>
+          </a:lnRef>
+          <a:fillRef idx="1">
+            <a:schemeClr val="accent1"/>
+          </a:fillRef>
+          <a:effectRef idx="0">
+            <a:schemeClr val="accent1"/>
+          </a:effectRef>
+          <a:fontRef idx="minor">
+            <a:schemeClr val="lt1"/>
+          </a:fontRef>
+        </p:style>
+        <p:txBody>
+          <a:bodyPr rtlCol="0" anchor="ctr"/>
+          <a:lstStyle/>
+          <a:p>
+            <a:pPr algn="ctr"/>
+            <a:endParaRPr lang="en-US"/>
+          </a:p>
+        </p:txBody>
+      </p:sp>
+      <p:sp>
+        <p:nvSpPr>
+          <p:cNvPr id="2" name="Title 1"/>
+          <p:cNvSpPr>
+            <a:spLocks noGrp="1"/>
+          </p:cNvSpPr>
+          <p:nvPr>
+            <p:ph type="title"/>
+          </p:nvPr>
+        </p:nvSpPr>
+        <p:spPr>
+          <a:xfrm>
+            <a:off x="686834" y="1153572"/>
+            <a:ext cx="3200400" cy="4461163"/>
+          </a:xfrm>
+        </p:spPr>
+        <p:txBody>
+          <a:bodyPr>
+            <a:normAutofit/>
+          </a:bodyPr>
+          <a:lstStyle/>
+          <a:p>
+            <a:r>
+              <a:rPr lang="sr-Latn-RS" dirty="0">
+                <a:solidFill>
+                  <a:srgbClr val="FFFFFF"/>
+                </a:solidFill>
+              </a:rPr>
+              <a:t>Dalja unapređenja</a:t>
+            </a:r>
+            <a:endParaRPr lang="en-US" dirty="0">
+              <a:solidFill>
+                <a:srgbClr val="FFFFFF"/>
+              </a:solidFill>
+            </a:endParaRPr>
+          </a:p>
+        </p:txBody>
+      </p:sp>
+      <p:sp>
+        <p:nvSpPr>
+          <p:cNvPr id="13" name="Arc 12">
+            <a:extLst>
+              <a:ext uri="{FF2B5EF4-FFF2-40B4-BE49-F238E27FC236}">
+                <a16:creationId xmlns:a16="http://schemas.microsoft.com/office/drawing/2014/main" id="{081E4A58-353D-44AE-B2FC-2A74E2E400F7}"/>
+              </a:ext>
+              <a:ext uri="{C183D7F6-B498-43B3-948B-1728B52AA6E4}">
+                <adec:decorative xmlns:adec="http://schemas.microsoft.com/office/drawing/2017/decorative" val="1"/>
+              </a:ext>
+            </a:extLst>
+          </p:cNvPr>
+          <p:cNvSpPr>
+            <a:spLocks noGrp="1" noRot="1" noChangeAspect="1" noMove="1" noResize="1" noEditPoints="1" noAdjustHandles="1" noChangeArrowheads="1" noChangeShapeType="1" noTextEdit="1"/>
+          </p:cNvSpPr>
+          <p:nvPr>
+            <p:extLst>
+              <p:ext uri="{386F3935-93C4-4BCD-93E2-E3B085C9AB24}">
+                <p16:designElem xmlns:p16="http://schemas.microsoft.com/office/powerpoint/2015/main" val="1"/>
+              </p:ext>
+            </p:extLst>
+          </p:nvPr>
+        </p:nvSpPr>
+        <p:spPr>
+          <a:xfrm flipV="1">
+            <a:off x="7550402" y="2455479"/>
+            <a:ext cx="4083433" cy="4083433"/>
+          </a:xfrm>
+          <a:prstGeom prst="arc">
+            <a:avLst/>
+          </a:prstGeom>
+          <a:ln w="127000" cap="rnd">
+            <a:solidFill>
+              <a:schemeClr val="accent4"/>
+            </a:solidFill>
+            <a:prstDash val="dash"/>
+          </a:ln>
+        </p:spPr>
+        <p:style>
+          <a:lnRef idx="1">
+            <a:schemeClr val="accent1"/>
+          </a:lnRef>
+          <a:fillRef idx="0">
+            <a:schemeClr val="accent1"/>
+          </a:fillRef>
+          <a:effectRef idx="0">
+            <a:schemeClr val="accent1"/>
+          </a:effectRef>
+          <a:fontRef idx="minor">
+            <a:schemeClr val="tx1"/>
+          </a:fontRef>
+        </p:style>
+        <p:txBody>
+          <a:bodyPr rtlCol="0" anchor="ctr"/>
+          <a:lstStyle/>
+          <a:p>
+            <a:pPr algn="ctr"/>
+            <a:endParaRPr lang="en-US" dirty="0"/>
+          </a:p>
+        </p:txBody>
+      </p:sp>
+      <p:sp>
+        <p:nvSpPr>
+          <p:cNvPr id="3" name="Content Placeholder 2"/>
+          <p:cNvSpPr>
+            <a:spLocks noGrp="1"/>
+          </p:cNvSpPr>
+          <p:nvPr>
+            <p:ph type="body" idx="1"/>
+          </p:nvPr>
+        </p:nvSpPr>
+        <p:spPr>
+          <a:xfrm>
+            <a:off x="4447308" y="591344"/>
+            <a:ext cx="6906491" cy="6033743"/>
+          </a:xfrm>
+        </p:spPr>
+        <p:txBody>
+          <a:bodyPr anchor="ctr">
+            <a:normAutofit lnSpcReduction="10000"/>
+          </a:bodyPr>
+          <a:lstStyle/>
+          <a:p>
+            <a:pPr marL="0" indent="0">
+              <a:buNone/>
+            </a:pPr>
+            <a:r>
+              <a:rPr lang="sr-Latn-RS" b="0" i="0" dirty="0">
+                <a:solidFill>
+                  <a:srgbClr val="374151"/>
+                </a:solidFill>
+                <a:effectLst/>
+                <a:latin typeface="Söhne"/>
+              </a:rPr>
+              <a:t>Nekoliko primera za dalja unapređenja rada:</a:t>
+            </a:r>
+          </a:p>
+          <a:p>
+            <a:endParaRPr lang="sr-Latn-RS" dirty="0">
+              <a:solidFill>
+                <a:srgbClr val="374151"/>
+              </a:solidFill>
+              <a:latin typeface="Söhne"/>
+            </a:endParaRPr>
+          </a:p>
+          <a:p>
+            <a:r>
+              <a:rPr lang="en-US" b="0" i="0" dirty="0" err="1">
+                <a:solidFill>
+                  <a:srgbClr val="374151"/>
+                </a:solidFill>
+                <a:effectLst/>
+                <a:latin typeface="Söhne"/>
+              </a:rPr>
+              <a:t>Korišćenje</a:t>
+            </a:r>
+            <a:r>
+              <a:rPr lang="en-US" b="0" i="0" dirty="0">
+                <a:solidFill>
+                  <a:srgbClr val="374151"/>
+                </a:solidFill>
+                <a:effectLst/>
+                <a:latin typeface="Söhne"/>
+              </a:rPr>
+              <a:t> </a:t>
+            </a:r>
+            <a:r>
+              <a:rPr lang="en-US" b="0" i="0" dirty="0" err="1">
+                <a:solidFill>
+                  <a:srgbClr val="374151"/>
+                </a:solidFill>
+                <a:effectLst/>
+                <a:latin typeface="Söhne"/>
+              </a:rPr>
+              <a:t>veštačke</a:t>
+            </a:r>
+            <a:r>
+              <a:rPr lang="en-US" b="0" i="0" dirty="0">
+                <a:solidFill>
+                  <a:srgbClr val="374151"/>
+                </a:solidFill>
+                <a:effectLst/>
+                <a:latin typeface="Söhne"/>
+              </a:rPr>
+              <a:t> </a:t>
+            </a:r>
+            <a:r>
+              <a:rPr lang="en-US" b="0" i="0" dirty="0" err="1">
+                <a:solidFill>
+                  <a:srgbClr val="374151"/>
+                </a:solidFill>
+                <a:effectLst/>
+                <a:latin typeface="Söhne"/>
+              </a:rPr>
+              <a:t>inteligencije</a:t>
+            </a:r>
+            <a:r>
+              <a:rPr lang="en-US" b="0" i="0" dirty="0">
+                <a:solidFill>
+                  <a:srgbClr val="374151"/>
+                </a:solidFill>
+                <a:effectLst/>
+                <a:latin typeface="Söhne"/>
+              </a:rPr>
+              <a:t> u </a:t>
+            </a:r>
+            <a:r>
+              <a:rPr lang="en-US" b="0" i="0" dirty="0" err="1">
+                <a:solidFill>
+                  <a:srgbClr val="374151"/>
+                </a:solidFill>
+                <a:effectLst/>
+                <a:latin typeface="Söhne"/>
+              </a:rPr>
+              <a:t>pravnoj</a:t>
+            </a:r>
+            <a:r>
+              <a:rPr lang="en-US" b="0" i="0" dirty="0">
+                <a:solidFill>
+                  <a:srgbClr val="374151"/>
+                </a:solidFill>
+                <a:effectLst/>
+                <a:latin typeface="Söhne"/>
+              </a:rPr>
+              <a:t> </a:t>
+            </a:r>
+            <a:r>
+              <a:rPr lang="en-US" b="0" i="0" dirty="0" err="1">
+                <a:solidFill>
+                  <a:srgbClr val="374151"/>
+                </a:solidFill>
+                <a:effectLst/>
+                <a:latin typeface="Söhne"/>
+              </a:rPr>
+              <a:t>analizi</a:t>
+            </a:r>
+            <a:r>
+              <a:rPr lang="sr-Latn-RS" b="0" i="0" dirty="0">
+                <a:solidFill>
+                  <a:srgbClr val="374151"/>
+                </a:solidFill>
+                <a:effectLst/>
+                <a:latin typeface="Söhne"/>
+              </a:rPr>
+              <a:t> – razvoj VI na srpskom će u budućnosti dosta olakšati proces prikupljanja podataka</a:t>
+            </a:r>
+          </a:p>
+          <a:p>
+            <a:r>
+              <a:rPr lang="en-US" b="0" i="0" dirty="0" err="1">
+                <a:solidFill>
+                  <a:srgbClr val="374151"/>
+                </a:solidFill>
+                <a:effectLst/>
+                <a:latin typeface="Söhne"/>
+              </a:rPr>
+              <a:t>Upotreba</a:t>
+            </a:r>
+            <a:r>
+              <a:rPr lang="en-US" b="0" i="0" dirty="0">
+                <a:solidFill>
+                  <a:srgbClr val="374151"/>
+                </a:solidFill>
+                <a:effectLst/>
+                <a:latin typeface="Söhne"/>
+              </a:rPr>
+              <a:t> blockchain </a:t>
+            </a:r>
+            <a:r>
+              <a:rPr lang="en-US" b="0" i="0" dirty="0" err="1">
+                <a:solidFill>
+                  <a:srgbClr val="374151"/>
+                </a:solidFill>
+                <a:effectLst/>
+                <a:latin typeface="Söhne"/>
+              </a:rPr>
+              <a:t>tehnologije</a:t>
+            </a:r>
+            <a:r>
+              <a:rPr lang="en-US" b="0" i="0" dirty="0">
+                <a:solidFill>
+                  <a:srgbClr val="374151"/>
+                </a:solidFill>
+                <a:effectLst/>
+                <a:latin typeface="Söhne"/>
+              </a:rPr>
+              <a:t> u </a:t>
+            </a:r>
+            <a:r>
+              <a:rPr lang="en-US" b="0" i="0" dirty="0" err="1">
+                <a:solidFill>
+                  <a:srgbClr val="374151"/>
+                </a:solidFill>
+                <a:effectLst/>
+                <a:latin typeface="Söhne"/>
+              </a:rPr>
+              <a:t>pravnoj</a:t>
+            </a:r>
+            <a:r>
+              <a:rPr lang="en-US" b="0" i="0" dirty="0">
+                <a:solidFill>
+                  <a:srgbClr val="374151"/>
+                </a:solidFill>
+                <a:effectLst/>
+                <a:latin typeface="Söhne"/>
+              </a:rPr>
+              <a:t> </a:t>
+            </a:r>
+            <a:r>
+              <a:rPr lang="en-US" b="0" i="0" dirty="0" err="1">
+                <a:solidFill>
+                  <a:srgbClr val="374151"/>
+                </a:solidFill>
+                <a:effectLst/>
+                <a:latin typeface="Söhne"/>
+              </a:rPr>
+              <a:t>dokumentaciji</a:t>
+            </a:r>
+            <a:r>
+              <a:rPr lang="sr-Latn-RS" b="0" i="0" dirty="0">
+                <a:solidFill>
+                  <a:srgbClr val="374151"/>
+                </a:solidFill>
+                <a:effectLst/>
+                <a:latin typeface="Söhne"/>
+              </a:rPr>
+              <a:t> – dalje </a:t>
+            </a:r>
+            <a:r>
+              <a:rPr lang="sr-Latn-RS" b="0" i="0" dirty="0" err="1">
+                <a:solidFill>
+                  <a:srgbClr val="374151"/>
+                </a:solidFill>
+                <a:effectLst/>
+                <a:latin typeface="Söhne"/>
+              </a:rPr>
+              <a:t>unapredjenje</a:t>
+            </a:r>
+            <a:r>
+              <a:rPr lang="sr-Latn-RS" b="0" i="0" dirty="0">
+                <a:solidFill>
+                  <a:srgbClr val="374151"/>
+                </a:solidFill>
+                <a:effectLst/>
+                <a:latin typeface="Söhne"/>
+              </a:rPr>
+              <a:t> </a:t>
+            </a:r>
+            <a:r>
+              <a:rPr lang="sr-Latn-RS" b="0" i="0" dirty="0" err="1">
+                <a:solidFill>
+                  <a:srgbClr val="374151"/>
+                </a:solidFill>
+                <a:effectLst/>
+                <a:latin typeface="Söhne"/>
+              </a:rPr>
+              <a:t>blockchain</a:t>
+            </a:r>
+            <a:r>
+              <a:rPr lang="sr-Latn-RS" b="0" i="0" dirty="0">
+                <a:solidFill>
+                  <a:srgbClr val="374151"/>
+                </a:solidFill>
+                <a:effectLst/>
+                <a:latin typeface="Söhne"/>
+              </a:rPr>
+              <a:t> tehnologija dovešće do veće sigurnosti, transparentnosti i efikasnosti u razmeni pravne dokumentacije</a:t>
+            </a:r>
+            <a:endParaRPr lang="sr-Latn-RS" dirty="0">
+              <a:solidFill>
+                <a:srgbClr val="374151"/>
+              </a:solidFill>
+              <a:latin typeface="Söhne"/>
+            </a:endParaRPr>
+          </a:p>
+          <a:p>
+            <a:r>
+              <a:rPr lang="en-US" b="0" i="0" dirty="0" err="1">
+                <a:solidFill>
+                  <a:srgbClr val="374151"/>
+                </a:solidFill>
+                <a:effectLst/>
+                <a:latin typeface="Söhne"/>
+              </a:rPr>
+              <a:t>Unapređenje</a:t>
+            </a:r>
+            <a:r>
+              <a:rPr lang="en-US" b="0" i="0" dirty="0">
+                <a:solidFill>
+                  <a:srgbClr val="374151"/>
+                </a:solidFill>
+                <a:effectLst/>
+                <a:latin typeface="Söhne"/>
+              </a:rPr>
+              <a:t> </a:t>
+            </a:r>
+            <a:r>
+              <a:rPr lang="en-US" b="0" i="0" dirty="0" err="1">
+                <a:solidFill>
+                  <a:srgbClr val="374151"/>
+                </a:solidFill>
+                <a:effectLst/>
+                <a:latin typeface="Söhne"/>
+              </a:rPr>
+              <a:t>procesa</a:t>
+            </a:r>
+            <a:r>
+              <a:rPr lang="en-US" b="0" i="0" dirty="0">
+                <a:solidFill>
+                  <a:srgbClr val="374151"/>
+                </a:solidFill>
+                <a:effectLst/>
+                <a:latin typeface="Söhne"/>
+              </a:rPr>
+              <a:t> </a:t>
+            </a:r>
+            <a:r>
+              <a:rPr lang="en-US" b="0" i="0" dirty="0" err="1">
+                <a:solidFill>
+                  <a:srgbClr val="374151"/>
+                </a:solidFill>
+                <a:effectLst/>
+                <a:latin typeface="Söhne"/>
+              </a:rPr>
+              <a:t>automatizacije</a:t>
+            </a:r>
+            <a:r>
+              <a:rPr lang="en-US" b="0" i="0" dirty="0">
+                <a:solidFill>
+                  <a:srgbClr val="374151"/>
+                </a:solidFill>
+                <a:effectLst/>
+                <a:latin typeface="Söhne"/>
+              </a:rPr>
+              <a:t> </a:t>
+            </a:r>
+            <a:r>
+              <a:rPr lang="en-US" b="0" i="0" dirty="0" err="1">
+                <a:solidFill>
+                  <a:srgbClr val="374151"/>
+                </a:solidFill>
+                <a:effectLst/>
+                <a:latin typeface="Söhne"/>
+              </a:rPr>
+              <a:t>pravnog</a:t>
+            </a:r>
+            <a:r>
+              <a:rPr lang="en-US" b="0" i="0" dirty="0">
+                <a:solidFill>
+                  <a:srgbClr val="374151"/>
+                </a:solidFill>
+                <a:effectLst/>
+                <a:latin typeface="Söhne"/>
+              </a:rPr>
+              <a:t> </a:t>
+            </a:r>
+            <a:r>
+              <a:rPr lang="en-US" b="0" i="0" dirty="0" err="1">
+                <a:solidFill>
+                  <a:srgbClr val="374151"/>
+                </a:solidFill>
+                <a:effectLst/>
+                <a:latin typeface="Söhne"/>
+              </a:rPr>
+              <a:t>sistema</a:t>
+            </a:r>
+            <a:r>
+              <a:rPr lang="sr-Latn-RS" b="0" i="0" dirty="0">
+                <a:solidFill>
+                  <a:srgbClr val="374151"/>
+                </a:solidFill>
+                <a:effectLst/>
+                <a:latin typeface="Söhne"/>
+              </a:rPr>
+              <a:t> – novi algoritmi za automatizaciju procesa i nove tehnologije za praćenje pravnih procesa</a:t>
+            </a:r>
+            <a:endParaRPr dirty="0"/>
+          </a:p>
+        </p:txBody>
+      </p:sp>
+    </p:spTree>
+    <p:extLst>
+      <p:ext uri="{BB962C8B-B14F-4D97-AF65-F5344CB8AC3E}">
+        <p14:creationId xmlns:p14="http://schemas.microsoft.com/office/powerpoint/2010/main" val="1034119320"/>
+      </p:ext>
+    </p:extLst>
+  </p:cSld>
+  <p:clrMapOvr>
+    <a:masterClrMapping/>
+  </p:clrMapOvr>
+</p:sld>
+</file>
+
+<file path=ppt/slides/slide32.xml><?xml version="1.0" encoding="utf-8"?>
+<p:sld xmlns:a="http://schemas.openxmlformats.org/drawingml/2006/main" xmlns:r="http://schemas.openxmlformats.org/officeDocument/2006/relationships" xmlns:p="http://schemas.openxmlformats.org/presentationml/2006/main">
+  <p:cSld>
+    <p:bg>
+      <p:bgPr>
+        <a:solidFill>
+          <a:schemeClr val="bg1"/>
+        </a:solidFill>
+        <a:effectLst/>
+      </p:bgPr>
+    </p:bg>
+    <p:spTree>
+      <p:nvGrpSpPr>
+        <p:cNvPr id="1" name=""/>
+        <p:cNvGrpSpPr/>
+        <p:nvPr/>
+      </p:nvGrpSpPr>
+      <p:grpSpPr>
+        <a:xfrm>
+          <a:off x="0" y="0"/>
+          <a:ext cx="0" cy="0"/>
+          <a:chOff x="0" y="0"/>
+          <a:chExt cx="0" cy="0"/>
+        </a:xfrm>
+      </p:grpSpPr>
+      <p:sp useBgFill="1">
+        <p:nvSpPr>
+          <p:cNvPr id="9" name="Rectangle 8">
+            <a:extLst>
+              <a:ext uri="{FF2B5EF4-FFF2-40B4-BE49-F238E27FC236}">
+                <a16:creationId xmlns:a16="http://schemas.microsoft.com/office/drawing/2014/main" id="{907EF6B7-1338-4443-8C46-6A318D952DFD}"/>
+              </a:ext>
+              <a:ext uri="{C183D7F6-B498-43B3-948B-1728B52AA6E4}">
+                <adec:decorative xmlns:adec="http://schemas.microsoft.com/office/drawing/2017/decorative" val="1"/>
+              </a:ext>
+            </a:extLst>
+          </p:cNvPr>
+          <p:cNvSpPr>
+            <a:spLocks noGrp="1" noRot="1" noChangeAspect="1" noMove="1" noResize="1" noEditPoints="1" noAdjustHandles="1" noChangeArrowheads="1" noChangeShapeType="1" noTextEdit="1"/>
+          </p:cNvSpPr>
+          <p:nvPr>
+            <p:extLst>
+              <p:ext uri="{386F3935-93C4-4BCD-93E2-E3B085C9AB24}">
+                <p16:designElem xmlns:p16="http://schemas.microsoft.com/office/powerpoint/2015/main" val="1"/>
+              </p:ext>
+            </p:extLst>
+          </p:nvPr>
+        </p:nvSpPr>
+        <p:spPr>
+          <a:xfrm>
+            <a:off x="3048" y="0"/>
+            <a:ext cx="12188952" cy="6858000"/>
+          </a:xfrm>
+          <a:prstGeom prst="rect">
+            <a:avLst/>
+          </a:prstGeom>
+          <a:ln>
+            <a:noFill/>
+          </a:ln>
+        </p:spPr>
+        <p:style>
+          <a:lnRef idx="2">
+            <a:schemeClr val="accent1">
+              <a:shade val="50000"/>
+            </a:schemeClr>
+          </a:lnRef>
+          <a:fillRef idx="1">
+            <a:schemeClr val="accent1"/>
+          </a:fillRef>
+          <a:effectRef idx="0">
+            <a:schemeClr val="accent1"/>
+          </a:effectRef>
+          <a:fontRef idx="minor">
+            <a:schemeClr val="lt1"/>
+          </a:fontRef>
+        </p:style>
+        <p:txBody>
+          <a:bodyPr rtlCol="0" anchor="ctr"/>
+          <a:lstStyle/>
+          <a:p>
+            <a:pPr algn="ctr"/>
+            <a:endParaRPr lang="en-US"/>
+          </a:p>
+        </p:txBody>
+      </p:sp>
+      <p:sp>
+        <p:nvSpPr>
+          <p:cNvPr id="11" name="Freeform: Shape 10">
+            <a:extLst>
+              <a:ext uri="{FF2B5EF4-FFF2-40B4-BE49-F238E27FC236}">
+                <a16:creationId xmlns:a16="http://schemas.microsoft.com/office/drawing/2014/main" id="{DAAE4CDD-124C-4DCF-9584-B6033B545DD5}"/>
+              </a:ext>
+              <a:ext uri="{C183D7F6-B498-43B3-948B-1728B52AA6E4}">
+                <adec:decorative xmlns:adec="http://schemas.microsoft.com/office/drawing/2017/decorative" val="1"/>
+              </a:ext>
+            </a:extLst>
+          </p:cNvPr>
+          <p:cNvSpPr>
+            <a:spLocks noGrp="1" noRot="1" noChangeAspect="1" noMove="1" noResize="1" noEditPoints="1" noAdjustHandles="1" noChangeArrowheads="1" noChangeShapeType="1" noTextEdit="1"/>
+          </p:cNvSpPr>
+          <p:nvPr>
+            <p:extLst>
+              <p:ext uri="{386F3935-93C4-4BCD-93E2-E3B085C9AB24}">
+                <p16:designElem xmlns:p16="http://schemas.microsoft.com/office/powerpoint/2015/main" val="1"/>
+              </p:ext>
+            </p:extLst>
+          </p:nvPr>
+        </p:nvSpPr>
+        <p:spPr>
+          <a:xfrm>
+            <a:off x="1" y="0"/>
+            <a:ext cx="4167271" cy="6858000"/>
+          </a:xfrm>
+          <a:custGeom>
+            <a:avLst/>
+            <a:gdLst>
+              <a:gd name="connsiteX0" fmla="*/ 0 w 4167271"/>
+              <a:gd name="connsiteY0" fmla="*/ 0 h 6858000"/>
+              <a:gd name="connsiteX1" fmla="*/ 2259550 w 4167271"/>
+              <a:gd name="connsiteY1" fmla="*/ 0 h 6858000"/>
+              <a:gd name="connsiteX2" fmla="*/ 2387803 w 4167271"/>
+              <a:gd name="connsiteY2" fmla="*/ 82222 h 6858000"/>
+              <a:gd name="connsiteX3" fmla="*/ 4167271 w 4167271"/>
+              <a:gd name="connsiteY3" fmla="*/ 3429000 h 6858000"/>
+              <a:gd name="connsiteX4" fmla="*/ 2387803 w 4167271"/>
+              <a:gd name="connsiteY4" fmla="*/ 6775779 h 6858000"/>
+              <a:gd name="connsiteX5" fmla="*/ 2259550 w 4167271"/>
+              <a:gd name="connsiteY5" fmla="*/ 6858000 h 6858000"/>
+              <a:gd name="connsiteX6" fmla="*/ 0 w 4167271"/>
+              <a:gd name="connsiteY6" fmla="*/ 6858000 h 6858000"/>
+            </a:gdLst>
+            <a:ahLst/>
+            <a:cxnLst>
+              <a:cxn ang="0">
+                <a:pos x="connsiteX0" y="connsiteY0"/>
+              </a:cxn>
+              <a:cxn ang="0">
+                <a:pos x="connsiteX1" y="connsiteY1"/>
+              </a:cxn>
+              <a:cxn ang="0">
+                <a:pos x="connsiteX2" y="connsiteY2"/>
+              </a:cxn>
+              <a:cxn ang="0">
+                <a:pos x="connsiteX3" y="connsiteY3"/>
+              </a:cxn>
+              <a:cxn ang="0">
+                <a:pos x="connsiteX4" y="connsiteY4"/>
+              </a:cxn>
+              <a:cxn ang="0">
+                <a:pos x="connsiteX5" y="connsiteY5"/>
+              </a:cxn>
+              <a:cxn ang="0">
+                <a:pos x="connsiteX6" y="connsiteY6"/>
+              </a:cxn>
+            </a:cxnLst>
+            <a:rect l="l" t="t" r="r" b="b"/>
+            <a:pathLst>
+              <a:path w="4167271" h="6858000">
+                <a:moveTo>
+                  <a:pt x="0" y="0"/>
+                </a:moveTo>
+                <a:lnTo>
+                  <a:pt x="2259550" y="0"/>
+                </a:lnTo>
+                <a:lnTo>
+                  <a:pt x="2387803" y="82222"/>
+                </a:lnTo>
+                <a:cubicBezTo>
+                  <a:pt x="3461407" y="807534"/>
+                  <a:pt x="4167271" y="2035835"/>
+                  <a:pt x="4167271" y="3429000"/>
+                </a:cubicBezTo>
+                <a:cubicBezTo>
+                  <a:pt x="4167271" y="4822165"/>
+                  <a:pt x="3461407" y="6050467"/>
+                  <a:pt x="2387803" y="6775779"/>
+                </a:cubicBezTo>
+                <a:lnTo>
+                  <a:pt x="2259550" y="6858000"/>
+                </a:lnTo>
+                <a:lnTo>
+                  <a:pt x="0" y="6858000"/>
+                </a:lnTo>
+                <a:close/>
+              </a:path>
+            </a:pathLst>
+          </a:custGeom>
+          <a:solidFill>
+            <a:schemeClr val="accent2"/>
+          </a:solidFill>
+          <a:ln>
+            <a:noFill/>
+          </a:ln>
+        </p:spPr>
+        <p:style>
+          <a:lnRef idx="2">
+            <a:schemeClr val="accent1">
+              <a:shade val="50000"/>
+            </a:schemeClr>
+          </a:lnRef>
+          <a:fillRef idx="1">
+            <a:schemeClr val="accent1"/>
+          </a:fillRef>
+          <a:effectRef idx="0">
+            <a:schemeClr val="accent1"/>
+          </a:effectRef>
+          <a:fontRef idx="minor">
+            <a:schemeClr val="lt1"/>
+          </a:fontRef>
+        </p:style>
+        <p:txBody>
+          <a:bodyPr rtlCol="0" anchor="ctr"/>
+          <a:lstStyle/>
+          <a:p>
+            <a:pPr algn="ctr"/>
+            <a:endParaRPr lang="en-US"/>
+          </a:p>
+        </p:txBody>
+      </p:sp>
+      <p:sp>
+        <p:nvSpPr>
+          <p:cNvPr id="13" name="Arc 12">
+            <a:extLst>
+              <a:ext uri="{FF2B5EF4-FFF2-40B4-BE49-F238E27FC236}">
+                <a16:creationId xmlns:a16="http://schemas.microsoft.com/office/drawing/2014/main" id="{081E4A58-353D-44AE-B2FC-2A74E2E400F7}"/>
+              </a:ext>
+              <a:ext uri="{C183D7F6-B498-43B3-948B-1728B52AA6E4}">
+                <adec:decorative xmlns:adec="http://schemas.microsoft.com/office/drawing/2017/decorative" val="1"/>
+              </a:ext>
+            </a:extLst>
+          </p:cNvPr>
+          <p:cNvSpPr>
+            <a:spLocks noGrp="1" noRot="1" noChangeAspect="1" noMove="1" noResize="1" noEditPoints="1" noAdjustHandles="1" noChangeArrowheads="1" noChangeShapeType="1" noTextEdit="1"/>
+          </p:cNvSpPr>
+          <p:nvPr>
+            <p:extLst>
+              <p:ext uri="{386F3935-93C4-4BCD-93E2-E3B085C9AB24}">
+                <p16:designElem xmlns:p16="http://schemas.microsoft.com/office/powerpoint/2015/main" val="1"/>
+              </p:ext>
+            </p:extLst>
+          </p:nvPr>
+        </p:nvSpPr>
+        <p:spPr>
+          <a:xfrm flipV="1">
+            <a:off x="7550402" y="2455479"/>
+            <a:ext cx="4083433" cy="4083433"/>
+          </a:xfrm>
+          <a:prstGeom prst="arc">
+            <a:avLst/>
+          </a:prstGeom>
+          <a:ln w="127000" cap="rnd">
+            <a:solidFill>
+              <a:schemeClr val="accent4"/>
+            </a:solidFill>
+            <a:prstDash val="dash"/>
+          </a:ln>
+        </p:spPr>
+        <p:style>
+          <a:lnRef idx="1">
+            <a:schemeClr val="accent1"/>
+          </a:lnRef>
+          <a:fillRef idx="0">
+            <a:schemeClr val="accent1"/>
+          </a:fillRef>
+          <a:effectRef idx="0">
+            <a:schemeClr val="accent1"/>
+          </a:effectRef>
+          <a:fontRef idx="minor">
+            <a:schemeClr val="tx1"/>
+          </a:fontRef>
+        </p:style>
+        <p:txBody>
+          <a:bodyPr rtlCol="0" anchor="ctr"/>
+          <a:lstStyle/>
+          <a:p>
+            <a:pPr algn="ctr"/>
+            <a:endParaRPr lang="en-US" dirty="0"/>
+          </a:p>
+        </p:txBody>
+      </p:sp>
+      <p:sp>
+        <p:nvSpPr>
+          <p:cNvPr id="3" name="Content Placeholder 2"/>
+          <p:cNvSpPr>
+            <a:spLocks noGrp="1"/>
+          </p:cNvSpPr>
+          <p:nvPr>
+            <p:ph type="body" idx="1"/>
+          </p:nvPr>
+        </p:nvSpPr>
+        <p:spPr>
+          <a:xfrm>
+            <a:off x="4447308" y="591344"/>
+            <a:ext cx="6906491" cy="6033743"/>
+          </a:xfrm>
+        </p:spPr>
+        <p:txBody>
+          <a:bodyPr anchor="ctr">
+            <a:normAutofit/>
+          </a:bodyPr>
+          <a:lstStyle/>
+          <a:p>
+            <a:pPr marL="0" indent="0">
+              <a:buNone/>
+            </a:pPr>
+            <a:r>
+              <a:rPr lang="sr-Latn-RS" dirty="0">
+                <a:solidFill>
+                  <a:srgbClr val="374151"/>
+                </a:solidFill>
+                <a:latin typeface="Söhne"/>
+              </a:rPr>
+              <a:t>		Hvala na pažnji</a:t>
+            </a:r>
+          </a:p>
+        </p:txBody>
+      </p:sp>
+    </p:spTree>
+    <p:extLst>
+      <p:ext uri="{BB962C8B-B14F-4D97-AF65-F5344CB8AC3E}">
+        <p14:creationId xmlns:p14="http://schemas.microsoft.com/office/powerpoint/2010/main" val="1535785995"/>
       </p:ext>
     </p:extLst>
   </p:cSld>

--- a/prezentacija.pptx
+++ b/prezentacija.pptx
@@ -5,7 +5,7 @@
     <p:sldMasterId id="2147483648" r:id="rId1"/>
   </p:sldMasterIdLst>
   <p:notesMasterIdLst>
-    <p:notesMasterId r:id="rId34"/>
+    <p:notesMasterId r:id="rId35"/>
   </p:notesMasterIdLst>
   <p:sldIdLst>
     <p:sldId id="258" r:id="rId2"/>
@@ -29,17 +29,18 @@
     <p:sldId id="278" r:id="rId20"/>
     <p:sldId id="287" r:id="rId21"/>
     <p:sldId id="288" r:id="rId22"/>
-    <p:sldId id="289" r:id="rId23"/>
-    <p:sldId id="264" r:id="rId24"/>
-    <p:sldId id="279" r:id="rId25"/>
-    <p:sldId id="280" r:id="rId26"/>
-    <p:sldId id="281" r:id="rId27"/>
-    <p:sldId id="282" r:id="rId28"/>
-    <p:sldId id="265" r:id="rId29"/>
-    <p:sldId id="283" r:id="rId30"/>
-    <p:sldId id="284" r:id="rId31"/>
-    <p:sldId id="285" r:id="rId32"/>
-    <p:sldId id="286" r:id="rId33"/>
+    <p:sldId id="290" r:id="rId23"/>
+    <p:sldId id="289" r:id="rId24"/>
+    <p:sldId id="264" r:id="rId25"/>
+    <p:sldId id="279" r:id="rId26"/>
+    <p:sldId id="280" r:id="rId27"/>
+    <p:sldId id="281" r:id="rId28"/>
+    <p:sldId id="282" r:id="rId29"/>
+    <p:sldId id="265" r:id="rId30"/>
+    <p:sldId id="283" r:id="rId31"/>
+    <p:sldId id="284" r:id="rId32"/>
+    <p:sldId id="285" r:id="rId33"/>
+    <p:sldId id="286" r:id="rId34"/>
   </p:sldIdLst>
   <p:sldSz cx="12192000" cy="6858000"/>
   <p:notesSz cx="6858000" cy="9144000"/>
@@ -1367,7 +1368,7 @@
     </p:spTree>
     <p:extLst>
       <p:ext uri="{BB962C8B-B14F-4D97-AF65-F5344CB8AC3E}">
-        <p14:creationId xmlns:p14="http://schemas.microsoft.com/office/powerpoint/2010/main" val="1682054207"/>
+        <p14:creationId xmlns:p14="http://schemas.microsoft.com/office/powerpoint/2010/main" val="1975030591"/>
       </p:ext>
     </p:extLst>
   </p:cSld>
@@ -1433,7 +1434,7 @@
             </a:pPr>
             <a:r>
               <a:rPr lang="en-US" dirty="0"/>
-              <a:t>Economics</a:t>
+              <a:t>Judiciary</a:t>
             </a:r>
           </a:p>
           <a:p>
@@ -1443,7 +1444,57 @@
             </a:pPr>
             <a:r>
               <a:rPr lang="en-US" dirty="0"/>
-              <a:t>Sociology</a:t>
+              <a:t>Legislature</a:t>
+            </a:r>
+          </a:p>
+          <a:p>
+            <a:pPr marL="171450" indent="-171450">
+              <a:buFont typeface="Arial" panose="020B0604020202020204" pitchFamily="34" charset="0"/>
+              <a:buChar char="•"/>
+            </a:pPr>
+            <a:r>
+              <a:rPr lang="en-US" dirty="0"/>
+              <a:t>Executive</a:t>
+            </a:r>
+          </a:p>
+          <a:p>
+            <a:pPr marL="171450" indent="-171450">
+              <a:buFont typeface="Arial" panose="020B0604020202020204" pitchFamily="34" charset="0"/>
+              <a:buChar char="•"/>
+            </a:pPr>
+            <a:r>
+              <a:rPr lang="en-US" dirty="0"/>
+              <a:t>Military and police</a:t>
+            </a:r>
+          </a:p>
+          <a:p>
+            <a:pPr marL="171450" indent="-171450">
+              <a:buFont typeface="Arial" panose="020B0604020202020204" pitchFamily="34" charset="0"/>
+              <a:buChar char="•"/>
+            </a:pPr>
+            <a:r>
+              <a:rPr lang="en-US" dirty="0"/>
+              <a:t>Bureaucracy</a:t>
+            </a:r>
+          </a:p>
+          <a:p>
+            <a:pPr marL="171450" indent="-171450">
+              <a:buFont typeface="Arial" panose="020B0604020202020204" pitchFamily="34" charset="0"/>
+              <a:buChar char="•"/>
+            </a:pPr>
+            <a:r>
+              <a:rPr lang="en-US" dirty="0"/>
+              <a:t>Legal profession</a:t>
+            </a:r>
+          </a:p>
+          <a:p>
+            <a:pPr marL="171450" indent="-171450">
+              <a:buFont typeface="Arial" panose="020B0604020202020204" pitchFamily="34" charset="0"/>
+              <a:buChar char="•"/>
+            </a:pPr>
+            <a:r>
+              <a:rPr lang="en-US" dirty="0"/>
+              <a:t>Civil society</a:t>
             </a:r>
           </a:p>
         </p:txBody>
@@ -1474,7 +1525,7 @@
     </p:spTree>
     <p:extLst>
       <p:ext uri="{BB962C8B-B14F-4D97-AF65-F5344CB8AC3E}">
-        <p14:creationId xmlns:p14="http://schemas.microsoft.com/office/powerpoint/2010/main" val="1444438337"/>
+        <p14:creationId xmlns:p14="http://schemas.microsoft.com/office/powerpoint/2010/main" val="1682054207"/>
       </p:ext>
     </p:extLst>
   </p:cSld>
@@ -1581,7 +1632,7 @@
     </p:spTree>
     <p:extLst>
       <p:ext uri="{BB962C8B-B14F-4D97-AF65-F5344CB8AC3E}">
-        <p14:creationId xmlns:p14="http://schemas.microsoft.com/office/powerpoint/2010/main" val="1498289573"/>
+        <p14:creationId xmlns:p14="http://schemas.microsoft.com/office/powerpoint/2010/main" val="1444438337"/>
       </p:ext>
     </p:extLst>
   </p:cSld>
@@ -1688,7 +1739,7 @@
     </p:spTree>
     <p:extLst>
       <p:ext uri="{BB962C8B-B14F-4D97-AF65-F5344CB8AC3E}">
-        <p14:creationId xmlns:p14="http://schemas.microsoft.com/office/powerpoint/2010/main" val="149251095"/>
+        <p14:creationId xmlns:p14="http://schemas.microsoft.com/office/powerpoint/2010/main" val="1498289573"/>
       </p:ext>
     </p:extLst>
   </p:cSld>
@@ -1795,7 +1846,7 @@
     </p:spTree>
     <p:extLst>
       <p:ext uri="{BB962C8B-B14F-4D97-AF65-F5344CB8AC3E}">
-        <p14:creationId xmlns:p14="http://schemas.microsoft.com/office/powerpoint/2010/main" val="853270972"/>
+        <p14:creationId xmlns:p14="http://schemas.microsoft.com/office/powerpoint/2010/main" val="149251095"/>
       </p:ext>
     </p:extLst>
   </p:cSld>
@@ -1902,7 +1953,7 @@
     </p:spTree>
     <p:extLst>
       <p:ext uri="{BB962C8B-B14F-4D97-AF65-F5344CB8AC3E}">
-        <p14:creationId xmlns:p14="http://schemas.microsoft.com/office/powerpoint/2010/main" val="3512717821"/>
+        <p14:creationId xmlns:p14="http://schemas.microsoft.com/office/powerpoint/2010/main" val="853270972"/>
       </p:ext>
     </p:extLst>
   </p:cSld>
@@ -2000,6 +2051,113 @@
     <p:extLst>
       <p:ext uri="{BB962C8B-B14F-4D97-AF65-F5344CB8AC3E}">
         <p14:creationId xmlns:p14="http://schemas.microsoft.com/office/powerpoint/2010/main" val="2224188888"/>
+      </p:ext>
+    </p:extLst>
+  </p:cSld>
+  <p:clrMapOvr>
+    <a:masterClrMapping/>
+  </p:clrMapOvr>
+</p:notes>
+</file>
+
+<file path=ppt/notesSlides/notesSlide20.xml><?xml version="1.0" encoding="utf-8"?>
+<p:notes xmlns:a="http://schemas.openxmlformats.org/drawingml/2006/main" xmlns:r="http://schemas.openxmlformats.org/officeDocument/2006/relationships" xmlns:p="http://schemas.openxmlformats.org/presentationml/2006/main">
+  <p:cSld>
+    <p:spTree>
+      <p:nvGrpSpPr>
+        <p:cNvPr id="1" name=""/>
+        <p:cNvGrpSpPr/>
+        <p:nvPr/>
+      </p:nvGrpSpPr>
+      <p:grpSpPr>
+        <a:xfrm>
+          <a:off x="0" y="0"/>
+          <a:ext cx="0" cy="0"/>
+          <a:chOff x="0" y="0"/>
+          <a:chExt cx="0" cy="0"/>
+        </a:xfrm>
+      </p:grpSpPr>
+      <p:sp>
+        <p:nvSpPr>
+          <p:cNvPr id="2" name="Slide Image Placeholder 1"/>
+          <p:cNvSpPr>
+            <a:spLocks noGrp="1" noRot="1" noChangeAspect="1"/>
+          </p:cNvSpPr>
+          <p:nvPr>
+            <p:ph type="sldImg"/>
+          </p:nvPr>
+        </p:nvSpPr>
+        <p:spPr/>
+      </p:sp>
+      <p:sp>
+        <p:nvSpPr>
+          <p:cNvPr id="3" name="Notes Placeholder 2"/>
+          <p:cNvSpPr>
+            <a:spLocks noGrp="1"/>
+          </p:cNvSpPr>
+          <p:nvPr>
+            <p:ph type="body" idx="1"/>
+          </p:nvPr>
+        </p:nvSpPr>
+        <p:spPr/>
+        <p:txBody>
+          <a:bodyPr/>
+          <a:lstStyle/>
+          <a:p>
+            <a:r>
+              <a:rPr lang="en-US" dirty="0"/>
+              <a:t>Consider talking about:</a:t>
+            </a:r>
+          </a:p>
+          <a:p>
+            <a:pPr marL="171450" indent="-171450">
+              <a:buFont typeface="Arial" panose="020B0604020202020204" pitchFamily="34" charset="0"/>
+              <a:buChar char="•"/>
+            </a:pPr>
+            <a:r>
+              <a:rPr lang="en-US" dirty="0"/>
+              <a:t>Economics</a:t>
+            </a:r>
+          </a:p>
+          <a:p>
+            <a:pPr marL="171450" indent="-171450">
+              <a:buFont typeface="Arial" panose="020B0604020202020204" pitchFamily="34" charset="0"/>
+              <a:buChar char="•"/>
+            </a:pPr>
+            <a:r>
+              <a:rPr lang="en-US" dirty="0"/>
+              <a:t>Sociology</a:t>
+            </a:r>
+          </a:p>
+        </p:txBody>
+      </p:sp>
+      <p:sp>
+        <p:nvSpPr>
+          <p:cNvPr id="4" name="Slide Number Placeholder 3"/>
+          <p:cNvSpPr>
+            <a:spLocks noGrp="1"/>
+          </p:cNvSpPr>
+          <p:nvPr>
+            <p:ph type="sldNum" sz="quarter" idx="10"/>
+          </p:nvPr>
+        </p:nvSpPr>
+        <p:spPr/>
+        <p:txBody>
+          <a:bodyPr/>
+          <a:lstStyle/>
+          <a:p>
+            <a:fld id="{E0746DE6-3336-457D-A091-FA20AC1C536E}" type="slidenum">
+              <a:rPr lang="en-US" smtClean="0"/>
+              <a:t>28</a:t>
+            </a:fld>
+            <a:endParaRPr lang="en-US"/>
+          </a:p>
+        </p:txBody>
+      </p:sp>
+    </p:spTree>
+    <p:extLst>
+      <p:ext uri="{BB962C8B-B14F-4D97-AF65-F5344CB8AC3E}">
+        <p14:creationId xmlns:p14="http://schemas.microsoft.com/office/powerpoint/2010/main" val="3512717821"/>
       </p:ext>
     </p:extLst>
   </p:cSld>
@@ -15052,7 +15210,7 @@
           <p:cNvPr id="6" name="Picture 5">
             <a:extLst>
               <a:ext uri="{FF2B5EF4-FFF2-40B4-BE49-F238E27FC236}">
-                <a16:creationId xmlns:a16="http://schemas.microsoft.com/office/drawing/2014/main" id="{C32C8CCE-75C9-5FAA-39FD-87377CDC83A1}"/>
+                <a16:creationId xmlns:a16="http://schemas.microsoft.com/office/drawing/2014/main" id="{39A97541-9BB4-466E-C5CF-6D7EB2348364}"/>
               </a:ext>
             </a:extLst>
           </p:cNvPr>
@@ -15069,8 +15227,8 @@
         </p:blipFill>
         <p:spPr>
           <a:xfrm>
-            <a:off x="3007150" y="1097010"/>
-            <a:ext cx="9166667" cy="5704428"/>
+            <a:off x="2837362" y="813732"/>
+            <a:ext cx="8804040" cy="6044267"/>
           </a:xfrm>
           <a:prstGeom prst="rect">
             <a:avLst/>
@@ -15080,7 +15238,7 @@
     </p:spTree>
     <p:extLst>
       <p:ext uri="{BB962C8B-B14F-4D97-AF65-F5344CB8AC3E}">
-        <p14:creationId xmlns:p14="http://schemas.microsoft.com/office/powerpoint/2010/main" val="3172048641"/>
+        <p14:creationId xmlns:p14="http://schemas.microsoft.com/office/powerpoint/2010/main" val="4108075209"/>
       </p:ext>
     </p:extLst>
   </p:cSld>
@@ -15337,15 +15495,7 @@
                   <a:srgbClr val="FFFFFF"/>
                 </a:solidFill>
               </a:rPr>
-              <a:t>Meta podaci i hiper-</a:t>
-            </a:r>
-            <a:r>
-              <a:rPr lang="sr-Latn-RS" dirty="0" err="1">
-                <a:solidFill>
-                  <a:srgbClr val="FFFFFF"/>
-                </a:solidFill>
-              </a:rPr>
-              <a:t>linkovanje</a:t>
+              <a:t>Predlog kazne po slučaju</a:t>
             </a:r>
             <a:endParaRPr lang="en-US" dirty="0">
               <a:solidFill>
@@ -15428,8 +15578,8 @@
         </p:nvSpPr>
         <p:spPr>
           <a:xfrm>
-            <a:off x="4447308" y="591344"/>
-            <a:ext cx="6906491" cy="5585619"/>
+            <a:off x="4447308" y="298060"/>
+            <a:ext cx="6906491" cy="676739"/>
           </a:xfrm>
         </p:spPr>
         <p:txBody>
@@ -15439,952 +15589,52 @@
           <a:lstStyle/>
           <a:p>
             <a:r>
-              <a:rPr lang="en-US" b="0" i="0" dirty="0">
-                <a:solidFill>
-                  <a:srgbClr val="374151"/>
-                </a:solidFill>
-                <a:effectLst/>
-                <a:latin typeface="Söhne"/>
-              </a:rPr>
-              <a:t>Meta </a:t>
-            </a:r>
-            <a:r>
-              <a:rPr lang="en-US" b="0" i="0" dirty="0" err="1">
-                <a:solidFill>
-                  <a:srgbClr val="374151"/>
-                </a:solidFill>
-                <a:effectLst/>
-                <a:latin typeface="Söhne"/>
-              </a:rPr>
-              <a:t>podaci</a:t>
-            </a:r>
-            <a:r>
-              <a:rPr lang="en-US" b="0" i="0" dirty="0">
-                <a:solidFill>
-                  <a:srgbClr val="374151"/>
-                </a:solidFill>
-                <a:effectLst/>
-                <a:latin typeface="Söhne"/>
-              </a:rPr>
-              <a:t> </a:t>
-            </a:r>
-            <a:r>
-              <a:rPr lang="en-US" b="0" i="0" dirty="0" err="1">
-                <a:solidFill>
-                  <a:srgbClr val="374151"/>
-                </a:solidFill>
-                <a:effectLst/>
-                <a:latin typeface="Söhne"/>
-              </a:rPr>
-              <a:t>predstavljaju</a:t>
-            </a:r>
-            <a:r>
-              <a:rPr lang="en-US" b="0" i="0" dirty="0">
-                <a:solidFill>
-                  <a:srgbClr val="374151"/>
-                </a:solidFill>
-                <a:effectLst/>
-                <a:latin typeface="Söhne"/>
-              </a:rPr>
-              <a:t> </a:t>
-            </a:r>
-            <a:r>
-              <a:rPr lang="en-US" b="0" i="0" dirty="0" err="1">
-                <a:solidFill>
-                  <a:srgbClr val="374151"/>
-                </a:solidFill>
-                <a:effectLst/>
-                <a:latin typeface="Söhne"/>
-              </a:rPr>
-              <a:t>informacije</a:t>
-            </a:r>
-            <a:r>
-              <a:rPr lang="en-US" b="0" i="0" dirty="0">
-                <a:solidFill>
-                  <a:srgbClr val="374151"/>
-                </a:solidFill>
-                <a:effectLst/>
-                <a:latin typeface="Söhne"/>
-              </a:rPr>
-              <a:t> o </a:t>
-            </a:r>
-            <a:r>
-              <a:rPr lang="en-US" b="0" i="0" dirty="0" err="1">
-                <a:solidFill>
-                  <a:srgbClr val="374151"/>
-                </a:solidFill>
-                <a:effectLst/>
-                <a:latin typeface="Söhne"/>
-              </a:rPr>
-              <a:t>drugim</a:t>
-            </a:r>
-            <a:r>
-              <a:rPr lang="en-US" b="0" i="0" dirty="0">
-                <a:solidFill>
-                  <a:srgbClr val="374151"/>
-                </a:solidFill>
-                <a:effectLst/>
-                <a:latin typeface="Söhne"/>
-              </a:rPr>
-              <a:t> </a:t>
-            </a:r>
-            <a:r>
-              <a:rPr lang="en-US" b="0" i="0" dirty="0" err="1">
-                <a:solidFill>
-                  <a:srgbClr val="374151"/>
-                </a:solidFill>
-                <a:effectLst/>
-                <a:latin typeface="Söhne"/>
-              </a:rPr>
-              <a:t>podacima</a:t>
-            </a:r>
-            <a:r>
-              <a:rPr lang="en-US" b="0" i="0" dirty="0">
-                <a:solidFill>
-                  <a:srgbClr val="374151"/>
-                </a:solidFill>
-                <a:effectLst/>
-                <a:latin typeface="Söhne"/>
-              </a:rPr>
-              <a:t> </a:t>
-            </a:r>
-            <a:r>
-              <a:rPr lang="en-US" b="0" i="0" dirty="0" err="1">
-                <a:solidFill>
-                  <a:srgbClr val="374151"/>
-                </a:solidFill>
-                <a:effectLst/>
-                <a:latin typeface="Söhne"/>
-              </a:rPr>
-              <a:t>i</a:t>
-            </a:r>
-            <a:r>
-              <a:rPr lang="en-US" b="0" i="0" dirty="0">
-                <a:solidFill>
-                  <a:srgbClr val="374151"/>
-                </a:solidFill>
-                <a:effectLst/>
-                <a:latin typeface="Söhne"/>
-              </a:rPr>
-              <a:t> </a:t>
-            </a:r>
-            <a:r>
-              <a:rPr lang="en-US" b="0" i="0" dirty="0" err="1">
-                <a:solidFill>
-                  <a:srgbClr val="374151"/>
-                </a:solidFill>
-                <a:effectLst/>
-                <a:latin typeface="Söhne"/>
-              </a:rPr>
-              <a:t>opisuju</a:t>
-            </a:r>
-            <a:r>
-              <a:rPr lang="en-US" b="0" i="0" dirty="0">
-                <a:solidFill>
-                  <a:srgbClr val="374151"/>
-                </a:solidFill>
-                <a:effectLst/>
-                <a:latin typeface="Söhne"/>
-              </a:rPr>
-              <a:t> </a:t>
-            </a:r>
-            <a:r>
-              <a:rPr lang="en-US" b="0" i="0" dirty="0" err="1">
-                <a:solidFill>
-                  <a:srgbClr val="374151"/>
-                </a:solidFill>
-                <a:effectLst/>
-                <a:latin typeface="Söhne"/>
-              </a:rPr>
-              <a:t>njihov</a:t>
-            </a:r>
-            <a:r>
-              <a:rPr lang="en-US" b="0" i="0" dirty="0">
-                <a:solidFill>
-                  <a:srgbClr val="374151"/>
-                </a:solidFill>
-                <a:effectLst/>
-                <a:latin typeface="Söhne"/>
-              </a:rPr>
-              <a:t> </a:t>
-            </a:r>
-            <a:r>
-              <a:rPr lang="en-US" b="0" i="0" dirty="0" err="1">
-                <a:solidFill>
-                  <a:srgbClr val="374151"/>
-                </a:solidFill>
-                <a:effectLst/>
-                <a:latin typeface="Söhne"/>
-              </a:rPr>
-              <a:t>sadržaj</a:t>
-            </a:r>
-            <a:r>
-              <a:rPr lang="en-US" b="0" i="0" dirty="0">
-                <a:solidFill>
-                  <a:srgbClr val="374151"/>
-                </a:solidFill>
-                <a:effectLst/>
-                <a:latin typeface="Söhne"/>
-              </a:rPr>
-              <a:t> </a:t>
-            </a:r>
-            <a:r>
-              <a:rPr lang="en-US" b="0" i="0" dirty="0" err="1">
-                <a:solidFill>
-                  <a:srgbClr val="374151"/>
-                </a:solidFill>
-                <a:effectLst/>
-                <a:latin typeface="Söhne"/>
-              </a:rPr>
-              <a:t>i</a:t>
-            </a:r>
-            <a:r>
-              <a:rPr lang="en-US" b="0" i="0" dirty="0">
-                <a:solidFill>
-                  <a:srgbClr val="374151"/>
-                </a:solidFill>
-                <a:effectLst/>
-                <a:latin typeface="Söhne"/>
-              </a:rPr>
-              <a:t> </a:t>
-            </a:r>
-            <a:r>
-              <a:rPr lang="en-US" b="0" i="0" dirty="0" err="1">
-                <a:solidFill>
-                  <a:srgbClr val="374151"/>
-                </a:solidFill>
-                <a:effectLst/>
-                <a:latin typeface="Söhne"/>
-              </a:rPr>
-              <a:t>formu</a:t>
-            </a:r>
-            <a:r>
-              <a:rPr lang="en-US" b="0" i="0" dirty="0">
-                <a:solidFill>
-                  <a:srgbClr val="374151"/>
-                </a:solidFill>
-                <a:effectLst/>
-                <a:latin typeface="Söhne"/>
-              </a:rPr>
-              <a:t>, </a:t>
-            </a:r>
-            <a:r>
-              <a:rPr lang="en-US" b="0" i="0" dirty="0" err="1">
-                <a:solidFill>
-                  <a:srgbClr val="374151"/>
-                </a:solidFill>
-                <a:effectLst/>
-                <a:latin typeface="Söhne"/>
-              </a:rPr>
-              <a:t>dok</a:t>
-            </a:r>
-            <a:r>
-              <a:rPr lang="en-US" b="0" i="0" dirty="0">
-                <a:solidFill>
-                  <a:srgbClr val="374151"/>
-                </a:solidFill>
-                <a:effectLst/>
-                <a:latin typeface="Söhne"/>
-              </a:rPr>
-              <a:t> </a:t>
-            </a:r>
-            <a:r>
-              <a:rPr lang="en-US" b="0" i="0" dirty="0" err="1">
-                <a:solidFill>
-                  <a:srgbClr val="374151"/>
-                </a:solidFill>
-                <a:effectLst/>
-                <a:latin typeface="Söhne"/>
-              </a:rPr>
-              <a:t>hiper-linkovanje</a:t>
-            </a:r>
-            <a:r>
-              <a:rPr lang="en-US" b="0" i="0" dirty="0">
-                <a:solidFill>
-                  <a:srgbClr val="374151"/>
-                </a:solidFill>
-                <a:effectLst/>
-                <a:latin typeface="Söhne"/>
-              </a:rPr>
-              <a:t> </a:t>
-            </a:r>
-            <a:r>
-              <a:rPr lang="en-US" b="0" i="0" dirty="0" err="1">
-                <a:solidFill>
-                  <a:srgbClr val="374151"/>
-                </a:solidFill>
-                <a:effectLst/>
-                <a:latin typeface="Söhne"/>
-              </a:rPr>
-              <a:t>predstavlja</a:t>
-            </a:r>
-            <a:r>
-              <a:rPr lang="en-US" b="0" i="0" dirty="0">
-                <a:solidFill>
-                  <a:srgbClr val="374151"/>
-                </a:solidFill>
-                <a:effectLst/>
-                <a:latin typeface="Söhne"/>
-              </a:rPr>
-              <a:t> </a:t>
-            </a:r>
-            <a:r>
-              <a:rPr lang="en-US" b="0" i="0" dirty="0" err="1">
-                <a:solidFill>
-                  <a:srgbClr val="374151"/>
-                </a:solidFill>
-                <a:effectLst/>
-                <a:latin typeface="Söhne"/>
-              </a:rPr>
-              <a:t>tehniku</a:t>
-            </a:r>
-            <a:r>
-              <a:rPr lang="en-US" b="0" i="0" dirty="0">
-                <a:solidFill>
-                  <a:srgbClr val="374151"/>
-                </a:solidFill>
-                <a:effectLst/>
-                <a:latin typeface="Söhne"/>
-              </a:rPr>
-              <a:t> </a:t>
-            </a:r>
-            <a:r>
-              <a:rPr lang="en-US" b="0" i="0" dirty="0" err="1">
-                <a:solidFill>
-                  <a:srgbClr val="374151"/>
-                </a:solidFill>
-                <a:effectLst/>
-                <a:latin typeface="Söhne"/>
-              </a:rPr>
-              <a:t>koja</a:t>
-            </a:r>
-            <a:r>
-              <a:rPr lang="en-US" b="0" i="0" dirty="0">
-                <a:solidFill>
-                  <a:srgbClr val="374151"/>
-                </a:solidFill>
-                <a:effectLst/>
-                <a:latin typeface="Söhne"/>
-              </a:rPr>
-              <a:t> </a:t>
-            </a:r>
-            <a:r>
-              <a:rPr lang="en-US" b="0" i="0" dirty="0" err="1">
-                <a:solidFill>
-                  <a:srgbClr val="374151"/>
-                </a:solidFill>
-                <a:effectLst/>
-                <a:latin typeface="Söhne"/>
-              </a:rPr>
-              <a:t>omogućava</a:t>
-            </a:r>
-            <a:r>
-              <a:rPr lang="en-US" b="0" i="0" dirty="0">
-                <a:solidFill>
-                  <a:srgbClr val="374151"/>
-                </a:solidFill>
-                <a:effectLst/>
-                <a:latin typeface="Söhne"/>
-              </a:rPr>
-              <a:t> </a:t>
-            </a:r>
-            <a:r>
-              <a:rPr lang="en-US" b="0" i="0" dirty="0" err="1">
-                <a:solidFill>
-                  <a:srgbClr val="374151"/>
-                </a:solidFill>
-                <a:effectLst/>
-                <a:latin typeface="Söhne"/>
-              </a:rPr>
-              <a:t>povezivanje</a:t>
-            </a:r>
-            <a:r>
-              <a:rPr lang="en-US" b="0" i="0" dirty="0">
-                <a:solidFill>
-                  <a:srgbClr val="374151"/>
-                </a:solidFill>
-                <a:effectLst/>
-                <a:latin typeface="Söhne"/>
-              </a:rPr>
-              <a:t> </a:t>
-            </a:r>
-            <a:r>
-              <a:rPr lang="en-US" b="0" i="0" dirty="0" err="1">
-                <a:solidFill>
-                  <a:srgbClr val="374151"/>
-                </a:solidFill>
-                <a:effectLst/>
-                <a:latin typeface="Söhne"/>
-              </a:rPr>
-              <a:t>različitih</a:t>
-            </a:r>
-            <a:r>
-              <a:rPr lang="en-US" b="0" i="0" dirty="0">
-                <a:solidFill>
-                  <a:srgbClr val="374151"/>
-                </a:solidFill>
-                <a:effectLst/>
-                <a:latin typeface="Söhne"/>
-              </a:rPr>
-              <a:t> </a:t>
-            </a:r>
-            <a:r>
-              <a:rPr lang="en-US" b="0" i="0" dirty="0" err="1">
-                <a:solidFill>
-                  <a:srgbClr val="374151"/>
-                </a:solidFill>
-                <a:effectLst/>
-                <a:latin typeface="Söhne"/>
-              </a:rPr>
-              <a:t>informacija</a:t>
-            </a:r>
-            <a:r>
-              <a:rPr lang="en-US" b="0" i="0" dirty="0">
-                <a:solidFill>
-                  <a:srgbClr val="374151"/>
-                </a:solidFill>
-                <a:effectLst/>
-                <a:latin typeface="Söhne"/>
-              </a:rPr>
-              <a:t> </a:t>
-            </a:r>
-            <a:r>
-              <a:rPr lang="en-US" b="0" i="0" dirty="0" err="1">
-                <a:solidFill>
-                  <a:srgbClr val="374151"/>
-                </a:solidFill>
-                <a:effectLst/>
-                <a:latin typeface="Söhne"/>
-              </a:rPr>
-              <a:t>i</a:t>
-            </a:r>
-            <a:r>
-              <a:rPr lang="en-US" b="0" i="0" dirty="0">
-                <a:solidFill>
-                  <a:srgbClr val="374151"/>
-                </a:solidFill>
-                <a:effectLst/>
-                <a:latin typeface="Söhne"/>
-              </a:rPr>
-              <a:t> </a:t>
-            </a:r>
-            <a:r>
-              <a:rPr lang="en-US" b="0" i="0" dirty="0" err="1">
-                <a:solidFill>
-                  <a:srgbClr val="374151"/>
-                </a:solidFill>
-                <a:effectLst/>
-                <a:latin typeface="Söhne"/>
-              </a:rPr>
-              <a:t>resursa</a:t>
-            </a:r>
-            <a:r>
-              <a:rPr lang="en-US" b="0" i="0" dirty="0">
-                <a:solidFill>
-                  <a:srgbClr val="374151"/>
-                </a:solidFill>
-                <a:effectLst/>
-                <a:latin typeface="Söhne"/>
-              </a:rPr>
-              <a:t> </a:t>
-            </a:r>
-            <a:r>
-              <a:rPr lang="en-US" b="0" i="0" dirty="0" err="1">
-                <a:solidFill>
-                  <a:srgbClr val="374151"/>
-                </a:solidFill>
-                <a:effectLst/>
-                <a:latin typeface="Söhne"/>
-              </a:rPr>
-              <a:t>putem</a:t>
-            </a:r>
-            <a:r>
-              <a:rPr lang="en-US" b="0" i="0" dirty="0">
-                <a:solidFill>
-                  <a:srgbClr val="374151"/>
-                </a:solidFill>
-                <a:effectLst/>
-                <a:latin typeface="Söhne"/>
-              </a:rPr>
-              <a:t> </a:t>
-            </a:r>
-            <a:r>
-              <a:rPr lang="en-US" b="0" i="0" dirty="0" err="1">
-                <a:solidFill>
-                  <a:srgbClr val="374151"/>
-                </a:solidFill>
-                <a:effectLst/>
-                <a:latin typeface="Söhne"/>
-              </a:rPr>
-              <a:t>hiperlinkova</a:t>
-            </a:r>
-            <a:r>
-              <a:rPr lang="en-US" b="0" i="0" dirty="0">
-                <a:solidFill>
-                  <a:srgbClr val="374151"/>
-                </a:solidFill>
-                <a:effectLst/>
-                <a:latin typeface="Söhne"/>
-              </a:rPr>
-              <a:t>.</a:t>
-            </a:r>
-            <a:endParaRPr lang="sr-Latn-RS" b="0" i="0" dirty="0">
-              <a:solidFill>
-                <a:srgbClr val="374151"/>
-              </a:solidFill>
-              <a:effectLst/>
-              <a:latin typeface="Söhne"/>
-            </a:endParaRPr>
-          </a:p>
-          <a:p>
-            <a:r>
-              <a:rPr lang="en-US" b="0" i="0" dirty="0" err="1">
-                <a:solidFill>
-                  <a:srgbClr val="374151"/>
-                </a:solidFill>
-                <a:effectLst/>
-                <a:latin typeface="Söhne"/>
-              </a:rPr>
-              <a:t>Obe</a:t>
-            </a:r>
-            <a:r>
-              <a:rPr lang="en-US" b="0" i="0" dirty="0">
-                <a:solidFill>
-                  <a:srgbClr val="374151"/>
-                </a:solidFill>
-                <a:effectLst/>
-                <a:latin typeface="Söhne"/>
-              </a:rPr>
-              <a:t> </a:t>
-            </a:r>
-            <a:r>
-              <a:rPr lang="en-US" b="0" i="0" dirty="0" err="1">
-                <a:solidFill>
-                  <a:srgbClr val="374151"/>
-                </a:solidFill>
-                <a:effectLst/>
-                <a:latin typeface="Söhne"/>
-              </a:rPr>
-              <a:t>ove</a:t>
-            </a:r>
-            <a:r>
-              <a:rPr lang="en-US" b="0" i="0" dirty="0">
-                <a:solidFill>
-                  <a:srgbClr val="374151"/>
-                </a:solidFill>
-                <a:effectLst/>
-                <a:latin typeface="Söhne"/>
-              </a:rPr>
-              <a:t> </a:t>
-            </a:r>
-            <a:r>
-              <a:rPr lang="en-US" b="0" i="0" dirty="0" err="1">
-                <a:solidFill>
-                  <a:srgbClr val="374151"/>
-                </a:solidFill>
-                <a:effectLst/>
-                <a:latin typeface="Söhne"/>
-              </a:rPr>
-              <a:t>teme</a:t>
-            </a:r>
-            <a:r>
-              <a:rPr lang="en-US" b="0" i="0" dirty="0">
-                <a:solidFill>
-                  <a:srgbClr val="374151"/>
-                </a:solidFill>
-                <a:effectLst/>
-                <a:latin typeface="Söhne"/>
-              </a:rPr>
-              <a:t> </a:t>
-            </a:r>
-            <a:r>
-              <a:rPr lang="en-US" b="0" i="0" dirty="0" err="1">
-                <a:solidFill>
-                  <a:srgbClr val="374151"/>
-                </a:solidFill>
-                <a:effectLst/>
-                <a:latin typeface="Söhne"/>
-              </a:rPr>
-              <a:t>su</a:t>
-            </a:r>
-            <a:r>
-              <a:rPr lang="en-US" b="0" i="0" dirty="0">
-                <a:solidFill>
-                  <a:srgbClr val="374151"/>
-                </a:solidFill>
-                <a:effectLst/>
-                <a:latin typeface="Söhne"/>
-              </a:rPr>
-              <a:t> od </a:t>
-            </a:r>
-            <a:r>
-              <a:rPr lang="en-US" b="0" i="0" dirty="0" err="1">
-                <a:solidFill>
-                  <a:srgbClr val="374151"/>
-                </a:solidFill>
-                <a:effectLst/>
-                <a:latin typeface="Söhne"/>
-              </a:rPr>
-              <a:t>izuzetne</a:t>
-            </a:r>
-            <a:r>
-              <a:rPr lang="en-US" b="0" i="0" dirty="0">
-                <a:solidFill>
-                  <a:srgbClr val="374151"/>
-                </a:solidFill>
-                <a:effectLst/>
-                <a:latin typeface="Söhne"/>
-              </a:rPr>
-              <a:t> </a:t>
-            </a:r>
-            <a:r>
-              <a:rPr lang="en-US" b="0" i="0" dirty="0" err="1">
-                <a:solidFill>
-                  <a:srgbClr val="374151"/>
-                </a:solidFill>
-                <a:effectLst/>
-                <a:latin typeface="Söhne"/>
-              </a:rPr>
-              <a:t>važnosti</a:t>
-            </a:r>
-            <a:r>
-              <a:rPr lang="en-US" b="0" i="0" dirty="0">
-                <a:solidFill>
-                  <a:srgbClr val="374151"/>
-                </a:solidFill>
-                <a:effectLst/>
-                <a:latin typeface="Söhne"/>
-              </a:rPr>
-              <a:t> u </a:t>
-            </a:r>
-            <a:r>
-              <a:rPr lang="en-US" b="0" i="0" dirty="0" err="1">
-                <a:solidFill>
-                  <a:srgbClr val="374151"/>
-                </a:solidFill>
-                <a:effectLst/>
-                <a:latin typeface="Söhne"/>
-              </a:rPr>
-              <a:t>oblasti</a:t>
-            </a:r>
-            <a:r>
-              <a:rPr lang="en-US" b="0" i="0" dirty="0">
-                <a:solidFill>
-                  <a:srgbClr val="374151"/>
-                </a:solidFill>
-                <a:effectLst/>
-                <a:latin typeface="Söhne"/>
-              </a:rPr>
-              <a:t> </a:t>
-            </a:r>
-            <a:r>
-              <a:rPr lang="en-US" b="0" i="0" dirty="0" err="1">
-                <a:solidFill>
-                  <a:srgbClr val="374151"/>
-                </a:solidFill>
-                <a:effectLst/>
-                <a:latin typeface="Söhne"/>
-              </a:rPr>
-              <a:t>prava</a:t>
-            </a:r>
-            <a:r>
-              <a:rPr lang="en-US" b="0" i="0" dirty="0">
-                <a:solidFill>
-                  <a:srgbClr val="374151"/>
-                </a:solidFill>
-                <a:effectLst/>
-                <a:latin typeface="Söhne"/>
-              </a:rPr>
-              <a:t>, </a:t>
-            </a:r>
-            <a:r>
-              <a:rPr lang="en-US" b="0" i="0" dirty="0" err="1">
-                <a:solidFill>
-                  <a:srgbClr val="374151"/>
-                </a:solidFill>
-                <a:effectLst/>
-                <a:latin typeface="Söhne"/>
-              </a:rPr>
-              <a:t>jer</a:t>
-            </a:r>
-            <a:r>
-              <a:rPr lang="en-US" b="0" i="0" dirty="0">
-                <a:solidFill>
-                  <a:srgbClr val="374151"/>
-                </a:solidFill>
-                <a:effectLst/>
-                <a:latin typeface="Söhne"/>
-              </a:rPr>
-              <a:t> </a:t>
-            </a:r>
-            <a:r>
-              <a:rPr lang="en-US" b="0" i="0" dirty="0" err="1">
-                <a:solidFill>
-                  <a:srgbClr val="374151"/>
-                </a:solidFill>
-                <a:effectLst/>
-                <a:latin typeface="Söhne"/>
-              </a:rPr>
-              <a:t>omogućavaju</a:t>
-            </a:r>
-            <a:r>
-              <a:rPr lang="en-US" b="0" i="0" dirty="0">
-                <a:solidFill>
-                  <a:srgbClr val="374151"/>
-                </a:solidFill>
-                <a:effectLst/>
-                <a:latin typeface="Söhne"/>
-              </a:rPr>
-              <a:t> </a:t>
-            </a:r>
-            <a:r>
-              <a:rPr lang="en-US" b="0" i="0" dirty="0" err="1">
-                <a:solidFill>
-                  <a:srgbClr val="374151"/>
-                </a:solidFill>
-                <a:effectLst/>
-                <a:latin typeface="Söhne"/>
-              </a:rPr>
-              <a:t>efikasno</a:t>
-            </a:r>
-            <a:r>
-              <a:rPr lang="en-US" b="0" i="0" dirty="0">
-                <a:solidFill>
-                  <a:srgbClr val="374151"/>
-                </a:solidFill>
-                <a:effectLst/>
-                <a:latin typeface="Söhne"/>
-              </a:rPr>
-              <a:t> </a:t>
-            </a:r>
-            <a:r>
-              <a:rPr lang="en-US" b="0" i="0" dirty="0" err="1">
-                <a:solidFill>
-                  <a:srgbClr val="374151"/>
-                </a:solidFill>
-                <a:effectLst/>
-                <a:latin typeface="Söhne"/>
-              </a:rPr>
-              <a:t>pretraživanje</a:t>
-            </a:r>
-            <a:r>
-              <a:rPr lang="en-US" b="0" i="0" dirty="0">
-                <a:solidFill>
-                  <a:srgbClr val="374151"/>
-                </a:solidFill>
-                <a:effectLst/>
-                <a:latin typeface="Söhne"/>
-              </a:rPr>
-              <a:t> </a:t>
-            </a:r>
-            <a:r>
-              <a:rPr lang="en-US" b="0" i="0" dirty="0" err="1">
-                <a:solidFill>
-                  <a:srgbClr val="374151"/>
-                </a:solidFill>
-                <a:effectLst/>
-                <a:latin typeface="Söhne"/>
-              </a:rPr>
-              <a:t>i</a:t>
-            </a:r>
-            <a:r>
-              <a:rPr lang="en-US" b="0" i="0" dirty="0">
-                <a:solidFill>
-                  <a:srgbClr val="374151"/>
-                </a:solidFill>
-                <a:effectLst/>
-                <a:latin typeface="Söhne"/>
-              </a:rPr>
-              <a:t> </a:t>
-            </a:r>
-            <a:r>
-              <a:rPr lang="en-US" b="0" i="0" dirty="0" err="1">
-                <a:solidFill>
-                  <a:srgbClr val="374151"/>
-                </a:solidFill>
-                <a:effectLst/>
-                <a:latin typeface="Söhne"/>
-              </a:rPr>
-              <a:t>analizu</a:t>
-            </a:r>
-            <a:r>
-              <a:rPr lang="en-US" b="0" i="0" dirty="0">
-                <a:solidFill>
-                  <a:srgbClr val="374151"/>
-                </a:solidFill>
-                <a:effectLst/>
-                <a:latin typeface="Söhne"/>
-              </a:rPr>
-              <a:t> </a:t>
-            </a:r>
-            <a:r>
-              <a:rPr lang="en-US" b="0" i="0" dirty="0" err="1">
-                <a:solidFill>
-                  <a:srgbClr val="374151"/>
-                </a:solidFill>
-                <a:effectLst/>
-                <a:latin typeface="Söhne"/>
-              </a:rPr>
-              <a:t>pravnih</a:t>
-            </a:r>
-            <a:r>
-              <a:rPr lang="en-US" b="0" i="0" dirty="0">
-                <a:solidFill>
-                  <a:srgbClr val="374151"/>
-                </a:solidFill>
-                <a:effectLst/>
-                <a:latin typeface="Söhne"/>
-              </a:rPr>
-              <a:t> </a:t>
-            </a:r>
-            <a:r>
-              <a:rPr lang="en-US" b="0" i="0" dirty="0" err="1">
-                <a:solidFill>
-                  <a:srgbClr val="374151"/>
-                </a:solidFill>
-                <a:effectLst/>
-                <a:latin typeface="Söhne"/>
-              </a:rPr>
-              <a:t>dokumenata</a:t>
-            </a:r>
-            <a:r>
-              <a:rPr lang="en-US" b="0" i="0" dirty="0">
-                <a:solidFill>
-                  <a:srgbClr val="374151"/>
-                </a:solidFill>
-                <a:effectLst/>
-                <a:latin typeface="Söhne"/>
-              </a:rPr>
-              <a:t>, </a:t>
-            </a:r>
-            <a:r>
-              <a:rPr lang="en-US" b="0" i="0" dirty="0" err="1">
-                <a:solidFill>
-                  <a:srgbClr val="374151"/>
-                </a:solidFill>
-                <a:effectLst/>
-                <a:latin typeface="Söhne"/>
-              </a:rPr>
-              <a:t>kao</a:t>
-            </a:r>
-            <a:r>
-              <a:rPr lang="en-US" b="0" i="0" dirty="0">
-                <a:solidFill>
-                  <a:srgbClr val="374151"/>
-                </a:solidFill>
-                <a:effectLst/>
-                <a:latin typeface="Söhne"/>
-              </a:rPr>
-              <a:t> </a:t>
-            </a:r>
-            <a:r>
-              <a:rPr lang="en-US" b="0" i="0" dirty="0" err="1">
-                <a:solidFill>
-                  <a:srgbClr val="374151"/>
-                </a:solidFill>
-                <a:effectLst/>
-                <a:latin typeface="Söhne"/>
-              </a:rPr>
-              <a:t>i</a:t>
-            </a:r>
-            <a:r>
-              <a:rPr lang="en-US" b="0" i="0" dirty="0">
-                <a:solidFill>
-                  <a:srgbClr val="374151"/>
-                </a:solidFill>
-                <a:effectLst/>
-                <a:latin typeface="Söhne"/>
-              </a:rPr>
-              <a:t> </a:t>
-            </a:r>
-            <a:r>
-              <a:rPr lang="en-US" b="0" i="0" dirty="0" err="1">
-                <a:solidFill>
-                  <a:srgbClr val="374151"/>
-                </a:solidFill>
-                <a:effectLst/>
-                <a:latin typeface="Söhne"/>
-              </a:rPr>
-              <a:t>povezivanje</a:t>
-            </a:r>
-            <a:r>
-              <a:rPr lang="en-US" b="0" i="0" dirty="0">
-                <a:solidFill>
-                  <a:srgbClr val="374151"/>
-                </a:solidFill>
-                <a:effectLst/>
-                <a:latin typeface="Söhne"/>
-              </a:rPr>
-              <a:t> </a:t>
-            </a:r>
-            <a:r>
-              <a:rPr lang="en-US" b="0" i="0" dirty="0" err="1">
-                <a:solidFill>
-                  <a:srgbClr val="374151"/>
-                </a:solidFill>
-                <a:effectLst/>
-                <a:latin typeface="Söhne"/>
-              </a:rPr>
-              <a:t>različitih</a:t>
-            </a:r>
-            <a:r>
-              <a:rPr lang="en-US" b="0" i="0" dirty="0">
-                <a:solidFill>
-                  <a:srgbClr val="374151"/>
-                </a:solidFill>
-                <a:effectLst/>
-                <a:latin typeface="Söhne"/>
-              </a:rPr>
-              <a:t> </a:t>
-            </a:r>
-            <a:r>
-              <a:rPr lang="en-US" b="0" i="0" dirty="0" err="1">
-                <a:solidFill>
-                  <a:srgbClr val="374151"/>
-                </a:solidFill>
-                <a:effectLst/>
-                <a:latin typeface="Söhne"/>
-              </a:rPr>
-              <a:t>pravnih</a:t>
-            </a:r>
-            <a:r>
-              <a:rPr lang="en-US" b="0" i="0" dirty="0">
-                <a:solidFill>
-                  <a:srgbClr val="374151"/>
-                </a:solidFill>
-                <a:effectLst/>
-                <a:latin typeface="Söhne"/>
-              </a:rPr>
-              <a:t> </a:t>
-            </a:r>
-            <a:r>
-              <a:rPr lang="en-US" b="0" i="0" dirty="0" err="1">
-                <a:solidFill>
-                  <a:srgbClr val="374151"/>
-                </a:solidFill>
-                <a:effectLst/>
-                <a:latin typeface="Söhne"/>
-              </a:rPr>
-              <a:t>izvora</a:t>
-            </a:r>
-            <a:r>
-              <a:rPr lang="en-US" b="0" i="0" dirty="0">
-                <a:solidFill>
-                  <a:srgbClr val="374151"/>
-                </a:solidFill>
-                <a:effectLst/>
-                <a:latin typeface="Söhne"/>
-              </a:rPr>
-              <a:t>.</a:t>
+              <a:rPr lang="sr-Latn-RS" dirty="0">
+                <a:solidFill>
+                  <a:srgbClr val="374151"/>
+                </a:solidFill>
+                <a:latin typeface="Söhne"/>
+              </a:rPr>
+              <a:t>Primer predloga kazne po slučaju</a:t>
             </a:r>
             <a:endParaRPr lang="en-US" dirty="0"/>
           </a:p>
         </p:txBody>
       </p:sp>
+      <p:pic>
+        <p:nvPicPr>
+          <p:cNvPr id="6" name="Picture 5">
+            <a:extLst>
+              <a:ext uri="{FF2B5EF4-FFF2-40B4-BE49-F238E27FC236}">
+                <a16:creationId xmlns:a16="http://schemas.microsoft.com/office/drawing/2014/main" id="{C32C8CCE-75C9-5FAA-39FD-87377CDC83A1}"/>
+              </a:ext>
+            </a:extLst>
+          </p:cNvPr>
+          <p:cNvPicPr>
+            <a:picLocks noChangeAspect="1"/>
+          </p:cNvPicPr>
+          <p:nvPr/>
+        </p:nvPicPr>
+        <p:blipFill>
+          <a:blip r:embed="rId3"/>
+          <a:stretch>
+            <a:fillRect/>
+          </a:stretch>
+        </p:blipFill>
+        <p:spPr>
+          <a:xfrm>
+            <a:off x="3007150" y="1097010"/>
+            <a:ext cx="9166667" cy="5704428"/>
+          </a:xfrm>
+          <a:prstGeom prst="rect">
+            <a:avLst/>
+          </a:prstGeom>
+        </p:spPr>
+      </p:pic>
     </p:spTree>
     <p:extLst>
       <p:ext uri="{BB962C8B-B14F-4D97-AF65-F5344CB8AC3E}">
-        <p14:creationId xmlns:p14="http://schemas.microsoft.com/office/powerpoint/2010/main" val="593464938"/>
+        <p14:creationId xmlns:p14="http://schemas.microsoft.com/office/powerpoint/2010/main" val="3172048641"/>
       </p:ext>
     </p:extLst>
   </p:cSld>
@@ -16732,8 +15982,8 @@
         </p:nvSpPr>
         <p:spPr>
           <a:xfrm>
-            <a:off x="4447308" y="298061"/>
-            <a:ext cx="6906491" cy="562228"/>
+            <a:off x="4447308" y="591344"/>
+            <a:ext cx="6906491" cy="5585619"/>
           </a:xfrm>
         </p:spPr>
         <p:txBody>
@@ -16743,24 +15993,943 @@
           <a:lstStyle/>
           <a:p>
             <a:r>
-              <a:rPr lang="sr-Latn-RS" b="0" i="0" dirty="0">
-                <a:solidFill>
-                  <a:srgbClr val="374151"/>
-                </a:solidFill>
-                <a:effectLst/>
-                <a:latin typeface="Söhne"/>
-              </a:rPr>
-              <a:t>Primer meta podataka i hiper-</a:t>
-            </a:r>
-            <a:r>
-              <a:rPr lang="sr-Latn-RS" b="0" i="0" dirty="0" err="1">
-                <a:solidFill>
-                  <a:srgbClr val="374151"/>
-                </a:solidFill>
-                <a:effectLst/>
-                <a:latin typeface="Söhne"/>
-              </a:rPr>
-              <a:t>linkovanja</a:t>
+              <a:rPr lang="en-US" b="0" i="0" dirty="0">
+                <a:solidFill>
+                  <a:srgbClr val="374151"/>
+                </a:solidFill>
+                <a:effectLst/>
+                <a:latin typeface="Söhne"/>
+              </a:rPr>
+              <a:t>Meta </a:t>
+            </a:r>
+            <a:r>
+              <a:rPr lang="en-US" b="0" i="0" dirty="0" err="1">
+                <a:solidFill>
+                  <a:srgbClr val="374151"/>
+                </a:solidFill>
+                <a:effectLst/>
+                <a:latin typeface="Söhne"/>
+              </a:rPr>
+              <a:t>podaci</a:t>
+            </a:r>
+            <a:r>
+              <a:rPr lang="en-US" b="0" i="0" dirty="0">
+                <a:solidFill>
+                  <a:srgbClr val="374151"/>
+                </a:solidFill>
+                <a:effectLst/>
+                <a:latin typeface="Söhne"/>
+              </a:rPr>
+              <a:t> </a:t>
+            </a:r>
+            <a:r>
+              <a:rPr lang="en-US" b="0" i="0" dirty="0" err="1">
+                <a:solidFill>
+                  <a:srgbClr val="374151"/>
+                </a:solidFill>
+                <a:effectLst/>
+                <a:latin typeface="Söhne"/>
+              </a:rPr>
+              <a:t>predstavljaju</a:t>
+            </a:r>
+            <a:r>
+              <a:rPr lang="en-US" b="0" i="0" dirty="0">
+                <a:solidFill>
+                  <a:srgbClr val="374151"/>
+                </a:solidFill>
+                <a:effectLst/>
+                <a:latin typeface="Söhne"/>
+              </a:rPr>
+              <a:t> </a:t>
+            </a:r>
+            <a:r>
+              <a:rPr lang="en-US" b="0" i="0" dirty="0" err="1">
+                <a:solidFill>
+                  <a:srgbClr val="374151"/>
+                </a:solidFill>
+                <a:effectLst/>
+                <a:latin typeface="Söhne"/>
+              </a:rPr>
+              <a:t>informacije</a:t>
+            </a:r>
+            <a:r>
+              <a:rPr lang="en-US" b="0" i="0" dirty="0">
+                <a:solidFill>
+                  <a:srgbClr val="374151"/>
+                </a:solidFill>
+                <a:effectLst/>
+                <a:latin typeface="Söhne"/>
+              </a:rPr>
+              <a:t> o </a:t>
+            </a:r>
+            <a:r>
+              <a:rPr lang="en-US" b="0" i="0" dirty="0" err="1">
+                <a:solidFill>
+                  <a:srgbClr val="374151"/>
+                </a:solidFill>
+                <a:effectLst/>
+                <a:latin typeface="Söhne"/>
+              </a:rPr>
+              <a:t>drugim</a:t>
+            </a:r>
+            <a:r>
+              <a:rPr lang="en-US" b="0" i="0" dirty="0">
+                <a:solidFill>
+                  <a:srgbClr val="374151"/>
+                </a:solidFill>
+                <a:effectLst/>
+                <a:latin typeface="Söhne"/>
+              </a:rPr>
+              <a:t> </a:t>
+            </a:r>
+            <a:r>
+              <a:rPr lang="en-US" b="0" i="0" dirty="0" err="1">
+                <a:solidFill>
+                  <a:srgbClr val="374151"/>
+                </a:solidFill>
+                <a:effectLst/>
+                <a:latin typeface="Söhne"/>
+              </a:rPr>
+              <a:t>podacima</a:t>
+            </a:r>
+            <a:r>
+              <a:rPr lang="en-US" b="0" i="0" dirty="0">
+                <a:solidFill>
+                  <a:srgbClr val="374151"/>
+                </a:solidFill>
+                <a:effectLst/>
+                <a:latin typeface="Söhne"/>
+              </a:rPr>
+              <a:t> </a:t>
+            </a:r>
+            <a:r>
+              <a:rPr lang="en-US" b="0" i="0" dirty="0" err="1">
+                <a:solidFill>
+                  <a:srgbClr val="374151"/>
+                </a:solidFill>
+                <a:effectLst/>
+                <a:latin typeface="Söhne"/>
+              </a:rPr>
+              <a:t>i</a:t>
+            </a:r>
+            <a:r>
+              <a:rPr lang="en-US" b="0" i="0" dirty="0">
+                <a:solidFill>
+                  <a:srgbClr val="374151"/>
+                </a:solidFill>
+                <a:effectLst/>
+                <a:latin typeface="Söhne"/>
+              </a:rPr>
+              <a:t> </a:t>
+            </a:r>
+            <a:r>
+              <a:rPr lang="en-US" b="0" i="0" dirty="0" err="1">
+                <a:solidFill>
+                  <a:srgbClr val="374151"/>
+                </a:solidFill>
+                <a:effectLst/>
+                <a:latin typeface="Söhne"/>
+              </a:rPr>
+              <a:t>opisuju</a:t>
+            </a:r>
+            <a:r>
+              <a:rPr lang="en-US" b="0" i="0" dirty="0">
+                <a:solidFill>
+                  <a:srgbClr val="374151"/>
+                </a:solidFill>
+                <a:effectLst/>
+                <a:latin typeface="Söhne"/>
+              </a:rPr>
+              <a:t> </a:t>
+            </a:r>
+            <a:r>
+              <a:rPr lang="en-US" b="0" i="0" dirty="0" err="1">
+                <a:solidFill>
+                  <a:srgbClr val="374151"/>
+                </a:solidFill>
+                <a:effectLst/>
+                <a:latin typeface="Söhne"/>
+              </a:rPr>
+              <a:t>njihov</a:t>
+            </a:r>
+            <a:r>
+              <a:rPr lang="en-US" b="0" i="0" dirty="0">
+                <a:solidFill>
+                  <a:srgbClr val="374151"/>
+                </a:solidFill>
+                <a:effectLst/>
+                <a:latin typeface="Söhne"/>
+              </a:rPr>
+              <a:t> </a:t>
+            </a:r>
+            <a:r>
+              <a:rPr lang="en-US" b="0" i="0" dirty="0" err="1">
+                <a:solidFill>
+                  <a:srgbClr val="374151"/>
+                </a:solidFill>
+                <a:effectLst/>
+                <a:latin typeface="Söhne"/>
+              </a:rPr>
+              <a:t>sadržaj</a:t>
+            </a:r>
+            <a:r>
+              <a:rPr lang="en-US" b="0" i="0" dirty="0">
+                <a:solidFill>
+                  <a:srgbClr val="374151"/>
+                </a:solidFill>
+                <a:effectLst/>
+                <a:latin typeface="Söhne"/>
+              </a:rPr>
+              <a:t> </a:t>
+            </a:r>
+            <a:r>
+              <a:rPr lang="en-US" b="0" i="0" dirty="0" err="1">
+                <a:solidFill>
+                  <a:srgbClr val="374151"/>
+                </a:solidFill>
+                <a:effectLst/>
+                <a:latin typeface="Söhne"/>
+              </a:rPr>
+              <a:t>i</a:t>
+            </a:r>
+            <a:r>
+              <a:rPr lang="en-US" b="0" i="0" dirty="0">
+                <a:solidFill>
+                  <a:srgbClr val="374151"/>
+                </a:solidFill>
+                <a:effectLst/>
+                <a:latin typeface="Söhne"/>
+              </a:rPr>
+              <a:t> </a:t>
+            </a:r>
+            <a:r>
+              <a:rPr lang="en-US" b="0" i="0" dirty="0" err="1">
+                <a:solidFill>
+                  <a:srgbClr val="374151"/>
+                </a:solidFill>
+                <a:effectLst/>
+                <a:latin typeface="Söhne"/>
+              </a:rPr>
+              <a:t>formu</a:t>
+            </a:r>
+            <a:r>
+              <a:rPr lang="en-US" b="0" i="0" dirty="0">
+                <a:solidFill>
+                  <a:srgbClr val="374151"/>
+                </a:solidFill>
+                <a:effectLst/>
+                <a:latin typeface="Söhne"/>
+              </a:rPr>
+              <a:t>, </a:t>
+            </a:r>
+            <a:r>
+              <a:rPr lang="en-US" b="0" i="0" dirty="0" err="1">
+                <a:solidFill>
+                  <a:srgbClr val="374151"/>
+                </a:solidFill>
+                <a:effectLst/>
+                <a:latin typeface="Söhne"/>
+              </a:rPr>
+              <a:t>dok</a:t>
+            </a:r>
+            <a:r>
+              <a:rPr lang="en-US" b="0" i="0" dirty="0">
+                <a:solidFill>
+                  <a:srgbClr val="374151"/>
+                </a:solidFill>
+                <a:effectLst/>
+                <a:latin typeface="Söhne"/>
+              </a:rPr>
+              <a:t> </a:t>
+            </a:r>
+            <a:r>
+              <a:rPr lang="en-US" b="0" i="0" dirty="0" err="1">
+                <a:solidFill>
+                  <a:srgbClr val="374151"/>
+                </a:solidFill>
+                <a:effectLst/>
+                <a:latin typeface="Söhne"/>
+              </a:rPr>
+              <a:t>hiper-linkovanje</a:t>
+            </a:r>
+            <a:r>
+              <a:rPr lang="en-US" b="0" i="0" dirty="0">
+                <a:solidFill>
+                  <a:srgbClr val="374151"/>
+                </a:solidFill>
+                <a:effectLst/>
+                <a:latin typeface="Söhne"/>
+              </a:rPr>
+              <a:t> </a:t>
+            </a:r>
+            <a:r>
+              <a:rPr lang="en-US" b="0" i="0" dirty="0" err="1">
+                <a:solidFill>
+                  <a:srgbClr val="374151"/>
+                </a:solidFill>
+                <a:effectLst/>
+                <a:latin typeface="Söhne"/>
+              </a:rPr>
+              <a:t>predstavlja</a:t>
+            </a:r>
+            <a:r>
+              <a:rPr lang="en-US" b="0" i="0" dirty="0">
+                <a:solidFill>
+                  <a:srgbClr val="374151"/>
+                </a:solidFill>
+                <a:effectLst/>
+                <a:latin typeface="Söhne"/>
+              </a:rPr>
+              <a:t> </a:t>
+            </a:r>
+            <a:r>
+              <a:rPr lang="en-US" b="0" i="0" dirty="0" err="1">
+                <a:solidFill>
+                  <a:srgbClr val="374151"/>
+                </a:solidFill>
+                <a:effectLst/>
+                <a:latin typeface="Söhne"/>
+              </a:rPr>
+              <a:t>tehniku</a:t>
+            </a:r>
+            <a:r>
+              <a:rPr lang="en-US" b="0" i="0" dirty="0">
+                <a:solidFill>
+                  <a:srgbClr val="374151"/>
+                </a:solidFill>
+                <a:effectLst/>
+                <a:latin typeface="Söhne"/>
+              </a:rPr>
+              <a:t> </a:t>
+            </a:r>
+            <a:r>
+              <a:rPr lang="en-US" b="0" i="0" dirty="0" err="1">
+                <a:solidFill>
+                  <a:srgbClr val="374151"/>
+                </a:solidFill>
+                <a:effectLst/>
+                <a:latin typeface="Söhne"/>
+              </a:rPr>
+              <a:t>koja</a:t>
+            </a:r>
+            <a:r>
+              <a:rPr lang="en-US" b="0" i="0" dirty="0">
+                <a:solidFill>
+                  <a:srgbClr val="374151"/>
+                </a:solidFill>
+                <a:effectLst/>
+                <a:latin typeface="Söhne"/>
+              </a:rPr>
+              <a:t> </a:t>
+            </a:r>
+            <a:r>
+              <a:rPr lang="en-US" b="0" i="0" dirty="0" err="1">
+                <a:solidFill>
+                  <a:srgbClr val="374151"/>
+                </a:solidFill>
+                <a:effectLst/>
+                <a:latin typeface="Söhne"/>
+              </a:rPr>
+              <a:t>omogućava</a:t>
+            </a:r>
+            <a:r>
+              <a:rPr lang="en-US" b="0" i="0" dirty="0">
+                <a:solidFill>
+                  <a:srgbClr val="374151"/>
+                </a:solidFill>
+                <a:effectLst/>
+                <a:latin typeface="Söhne"/>
+              </a:rPr>
+              <a:t> </a:t>
+            </a:r>
+            <a:r>
+              <a:rPr lang="en-US" b="0" i="0" dirty="0" err="1">
+                <a:solidFill>
+                  <a:srgbClr val="374151"/>
+                </a:solidFill>
+                <a:effectLst/>
+                <a:latin typeface="Söhne"/>
+              </a:rPr>
+              <a:t>povezivanje</a:t>
+            </a:r>
+            <a:r>
+              <a:rPr lang="en-US" b="0" i="0" dirty="0">
+                <a:solidFill>
+                  <a:srgbClr val="374151"/>
+                </a:solidFill>
+                <a:effectLst/>
+                <a:latin typeface="Söhne"/>
+              </a:rPr>
+              <a:t> </a:t>
+            </a:r>
+            <a:r>
+              <a:rPr lang="en-US" b="0" i="0" dirty="0" err="1">
+                <a:solidFill>
+                  <a:srgbClr val="374151"/>
+                </a:solidFill>
+                <a:effectLst/>
+                <a:latin typeface="Söhne"/>
+              </a:rPr>
+              <a:t>različitih</a:t>
+            </a:r>
+            <a:r>
+              <a:rPr lang="en-US" b="0" i="0" dirty="0">
+                <a:solidFill>
+                  <a:srgbClr val="374151"/>
+                </a:solidFill>
+                <a:effectLst/>
+                <a:latin typeface="Söhne"/>
+              </a:rPr>
+              <a:t> </a:t>
+            </a:r>
+            <a:r>
+              <a:rPr lang="en-US" b="0" i="0" dirty="0" err="1">
+                <a:solidFill>
+                  <a:srgbClr val="374151"/>
+                </a:solidFill>
+                <a:effectLst/>
+                <a:latin typeface="Söhne"/>
+              </a:rPr>
+              <a:t>informacija</a:t>
+            </a:r>
+            <a:r>
+              <a:rPr lang="en-US" b="0" i="0" dirty="0">
+                <a:solidFill>
+                  <a:srgbClr val="374151"/>
+                </a:solidFill>
+                <a:effectLst/>
+                <a:latin typeface="Söhne"/>
+              </a:rPr>
+              <a:t> </a:t>
+            </a:r>
+            <a:r>
+              <a:rPr lang="en-US" b="0" i="0" dirty="0" err="1">
+                <a:solidFill>
+                  <a:srgbClr val="374151"/>
+                </a:solidFill>
+                <a:effectLst/>
+                <a:latin typeface="Söhne"/>
+              </a:rPr>
+              <a:t>i</a:t>
+            </a:r>
+            <a:r>
+              <a:rPr lang="en-US" b="0" i="0" dirty="0">
+                <a:solidFill>
+                  <a:srgbClr val="374151"/>
+                </a:solidFill>
+                <a:effectLst/>
+                <a:latin typeface="Söhne"/>
+              </a:rPr>
+              <a:t> </a:t>
+            </a:r>
+            <a:r>
+              <a:rPr lang="en-US" b="0" i="0" dirty="0" err="1">
+                <a:solidFill>
+                  <a:srgbClr val="374151"/>
+                </a:solidFill>
+                <a:effectLst/>
+                <a:latin typeface="Söhne"/>
+              </a:rPr>
+              <a:t>resursa</a:t>
+            </a:r>
+            <a:r>
+              <a:rPr lang="en-US" b="0" i="0" dirty="0">
+                <a:solidFill>
+                  <a:srgbClr val="374151"/>
+                </a:solidFill>
+                <a:effectLst/>
+                <a:latin typeface="Söhne"/>
+              </a:rPr>
+              <a:t> </a:t>
+            </a:r>
+            <a:r>
+              <a:rPr lang="en-US" b="0" i="0" dirty="0" err="1">
+                <a:solidFill>
+                  <a:srgbClr val="374151"/>
+                </a:solidFill>
+                <a:effectLst/>
+                <a:latin typeface="Söhne"/>
+              </a:rPr>
+              <a:t>putem</a:t>
+            </a:r>
+            <a:r>
+              <a:rPr lang="en-US" b="0" i="0" dirty="0">
+                <a:solidFill>
+                  <a:srgbClr val="374151"/>
+                </a:solidFill>
+                <a:effectLst/>
+                <a:latin typeface="Söhne"/>
+              </a:rPr>
+              <a:t> </a:t>
+            </a:r>
+            <a:r>
+              <a:rPr lang="en-US" b="0" i="0" dirty="0" err="1">
+                <a:solidFill>
+                  <a:srgbClr val="374151"/>
+                </a:solidFill>
+                <a:effectLst/>
+                <a:latin typeface="Söhne"/>
+              </a:rPr>
+              <a:t>hiperlinkova</a:t>
+            </a:r>
+            <a:r>
+              <a:rPr lang="en-US" b="0" i="0" dirty="0">
+                <a:solidFill>
+                  <a:srgbClr val="374151"/>
+                </a:solidFill>
+                <a:effectLst/>
+                <a:latin typeface="Söhne"/>
+              </a:rPr>
+              <a:t>.</a:t>
+            </a:r>
+            <a:endParaRPr lang="sr-Latn-RS" b="0" i="0" dirty="0">
+              <a:solidFill>
+                <a:srgbClr val="374151"/>
+              </a:solidFill>
+              <a:effectLst/>
+              <a:latin typeface="Söhne"/>
+            </a:endParaRPr>
+          </a:p>
+          <a:p>
+            <a:r>
+              <a:rPr lang="en-US" b="0" i="0" dirty="0" err="1">
+                <a:solidFill>
+                  <a:srgbClr val="374151"/>
+                </a:solidFill>
+                <a:effectLst/>
+                <a:latin typeface="Söhne"/>
+              </a:rPr>
+              <a:t>Obe</a:t>
+            </a:r>
+            <a:r>
+              <a:rPr lang="en-US" b="0" i="0" dirty="0">
+                <a:solidFill>
+                  <a:srgbClr val="374151"/>
+                </a:solidFill>
+                <a:effectLst/>
+                <a:latin typeface="Söhne"/>
+              </a:rPr>
+              <a:t> </a:t>
+            </a:r>
+            <a:r>
+              <a:rPr lang="en-US" b="0" i="0" dirty="0" err="1">
+                <a:solidFill>
+                  <a:srgbClr val="374151"/>
+                </a:solidFill>
+                <a:effectLst/>
+                <a:latin typeface="Söhne"/>
+              </a:rPr>
+              <a:t>ove</a:t>
+            </a:r>
+            <a:r>
+              <a:rPr lang="en-US" b="0" i="0" dirty="0">
+                <a:solidFill>
+                  <a:srgbClr val="374151"/>
+                </a:solidFill>
+                <a:effectLst/>
+                <a:latin typeface="Söhne"/>
+              </a:rPr>
+              <a:t> </a:t>
+            </a:r>
+            <a:r>
+              <a:rPr lang="en-US" b="0" i="0" dirty="0" err="1">
+                <a:solidFill>
+                  <a:srgbClr val="374151"/>
+                </a:solidFill>
+                <a:effectLst/>
+                <a:latin typeface="Söhne"/>
+              </a:rPr>
+              <a:t>teme</a:t>
+            </a:r>
+            <a:r>
+              <a:rPr lang="en-US" b="0" i="0" dirty="0">
+                <a:solidFill>
+                  <a:srgbClr val="374151"/>
+                </a:solidFill>
+                <a:effectLst/>
+                <a:latin typeface="Söhne"/>
+              </a:rPr>
+              <a:t> </a:t>
+            </a:r>
+            <a:r>
+              <a:rPr lang="en-US" b="0" i="0" dirty="0" err="1">
+                <a:solidFill>
+                  <a:srgbClr val="374151"/>
+                </a:solidFill>
+                <a:effectLst/>
+                <a:latin typeface="Söhne"/>
+              </a:rPr>
+              <a:t>su</a:t>
+            </a:r>
+            <a:r>
+              <a:rPr lang="en-US" b="0" i="0" dirty="0">
+                <a:solidFill>
+                  <a:srgbClr val="374151"/>
+                </a:solidFill>
+                <a:effectLst/>
+                <a:latin typeface="Söhne"/>
+              </a:rPr>
+              <a:t> od </a:t>
+            </a:r>
+            <a:r>
+              <a:rPr lang="en-US" b="0" i="0" dirty="0" err="1">
+                <a:solidFill>
+                  <a:srgbClr val="374151"/>
+                </a:solidFill>
+                <a:effectLst/>
+                <a:latin typeface="Söhne"/>
+              </a:rPr>
+              <a:t>izuzetne</a:t>
+            </a:r>
+            <a:r>
+              <a:rPr lang="en-US" b="0" i="0" dirty="0">
+                <a:solidFill>
+                  <a:srgbClr val="374151"/>
+                </a:solidFill>
+                <a:effectLst/>
+                <a:latin typeface="Söhne"/>
+              </a:rPr>
+              <a:t> </a:t>
+            </a:r>
+            <a:r>
+              <a:rPr lang="en-US" b="0" i="0" dirty="0" err="1">
+                <a:solidFill>
+                  <a:srgbClr val="374151"/>
+                </a:solidFill>
+                <a:effectLst/>
+                <a:latin typeface="Söhne"/>
+              </a:rPr>
+              <a:t>važnosti</a:t>
+            </a:r>
+            <a:r>
+              <a:rPr lang="en-US" b="0" i="0" dirty="0">
+                <a:solidFill>
+                  <a:srgbClr val="374151"/>
+                </a:solidFill>
+                <a:effectLst/>
+                <a:latin typeface="Söhne"/>
+              </a:rPr>
+              <a:t> u </a:t>
+            </a:r>
+            <a:r>
+              <a:rPr lang="en-US" b="0" i="0" dirty="0" err="1">
+                <a:solidFill>
+                  <a:srgbClr val="374151"/>
+                </a:solidFill>
+                <a:effectLst/>
+                <a:latin typeface="Söhne"/>
+              </a:rPr>
+              <a:t>oblasti</a:t>
+            </a:r>
+            <a:r>
+              <a:rPr lang="en-US" b="0" i="0" dirty="0">
+                <a:solidFill>
+                  <a:srgbClr val="374151"/>
+                </a:solidFill>
+                <a:effectLst/>
+                <a:latin typeface="Söhne"/>
+              </a:rPr>
+              <a:t> </a:t>
+            </a:r>
+            <a:r>
+              <a:rPr lang="en-US" b="0" i="0" dirty="0" err="1">
+                <a:solidFill>
+                  <a:srgbClr val="374151"/>
+                </a:solidFill>
+                <a:effectLst/>
+                <a:latin typeface="Söhne"/>
+              </a:rPr>
+              <a:t>prava</a:t>
+            </a:r>
+            <a:r>
+              <a:rPr lang="en-US" b="0" i="0" dirty="0">
+                <a:solidFill>
+                  <a:srgbClr val="374151"/>
+                </a:solidFill>
+                <a:effectLst/>
+                <a:latin typeface="Söhne"/>
+              </a:rPr>
+              <a:t>, </a:t>
+            </a:r>
+            <a:r>
+              <a:rPr lang="en-US" b="0" i="0" dirty="0" err="1">
+                <a:solidFill>
+                  <a:srgbClr val="374151"/>
+                </a:solidFill>
+                <a:effectLst/>
+                <a:latin typeface="Söhne"/>
+              </a:rPr>
+              <a:t>jer</a:t>
+            </a:r>
+            <a:r>
+              <a:rPr lang="en-US" b="0" i="0" dirty="0">
+                <a:solidFill>
+                  <a:srgbClr val="374151"/>
+                </a:solidFill>
+                <a:effectLst/>
+                <a:latin typeface="Söhne"/>
+              </a:rPr>
+              <a:t> </a:t>
+            </a:r>
+            <a:r>
+              <a:rPr lang="en-US" b="0" i="0" dirty="0" err="1">
+                <a:solidFill>
+                  <a:srgbClr val="374151"/>
+                </a:solidFill>
+                <a:effectLst/>
+                <a:latin typeface="Söhne"/>
+              </a:rPr>
+              <a:t>omogućavaju</a:t>
+            </a:r>
+            <a:r>
+              <a:rPr lang="en-US" b="0" i="0" dirty="0">
+                <a:solidFill>
+                  <a:srgbClr val="374151"/>
+                </a:solidFill>
+                <a:effectLst/>
+                <a:latin typeface="Söhne"/>
+              </a:rPr>
+              <a:t> </a:t>
+            </a:r>
+            <a:r>
+              <a:rPr lang="en-US" b="0" i="0" dirty="0" err="1">
+                <a:solidFill>
+                  <a:srgbClr val="374151"/>
+                </a:solidFill>
+                <a:effectLst/>
+                <a:latin typeface="Söhne"/>
+              </a:rPr>
+              <a:t>efikasno</a:t>
+            </a:r>
+            <a:r>
+              <a:rPr lang="en-US" b="0" i="0" dirty="0">
+                <a:solidFill>
+                  <a:srgbClr val="374151"/>
+                </a:solidFill>
+                <a:effectLst/>
+                <a:latin typeface="Söhne"/>
+              </a:rPr>
+              <a:t> </a:t>
+            </a:r>
+            <a:r>
+              <a:rPr lang="en-US" b="0" i="0" dirty="0" err="1">
+                <a:solidFill>
+                  <a:srgbClr val="374151"/>
+                </a:solidFill>
+                <a:effectLst/>
+                <a:latin typeface="Söhne"/>
+              </a:rPr>
+              <a:t>pretraživanje</a:t>
+            </a:r>
+            <a:r>
+              <a:rPr lang="en-US" b="0" i="0" dirty="0">
+                <a:solidFill>
+                  <a:srgbClr val="374151"/>
+                </a:solidFill>
+                <a:effectLst/>
+                <a:latin typeface="Söhne"/>
+              </a:rPr>
+              <a:t> </a:t>
+            </a:r>
+            <a:r>
+              <a:rPr lang="en-US" b="0" i="0" dirty="0" err="1">
+                <a:solidFill>
+                  <a:srgbClr val="374151"/>
+                </a:solidFill>
+                <a:effectLst/>
+                <a:latin typeface="Söhne"/>
+              </a:rPr>
+              <a:t>i</a:t>
+            </a:r>
+            <a:r>
+              <a:rPr lang="en-US" b="0" i="0" dirty="0">
+                <a:solidFill>
+                  <a:srgbClr val="374151"/>
+                </a:solidFill>
+                <a:effectLst/>
+                <a:latin typeface="Söhne"/>
+              </a:rPr>
+              <a:t> </a:t>
+            </a:r>
+            <a:r>
+              <a:rPr lang="en-US" b="0" i="0" dirty="0" err="1">
+                <a:solidFill>
+                  <a:srgbClr val="374151"/>
+                </a:solidFill>
+                <a:effectLst/>
+                <a:latin typeface="Söhne"/>
+              </a:rPr>
+              <a:t>analizu</a:t>
+            </a:r>
+            <a:r>
+              <a:rPr lang="en-US" b="0" i="0" dirty="0">
+                <a:solidFill>
+                  <a:srgbClr val="374151"/>
+                </a:solidFill>
+                <a:effectLst/>
+                <a:latin typeface="Söhne"/>
+              </a:rPr>
+              <a:t> </a:t>
+            </a:r>
+            <a:r>
+              <a:rPr lang="en-US" b="0" i="0" dirty="0" err="1">
+                <a:solidFill>
+                  <a:srgbClr val="374151"/>
+                </a:solidFill>
+                <a:effectLst/>
+                <a:latin typeface="Söhne"/>
+              </a:rPr>
+              <a:t>pravnih</a:t>
+            </a:r>
+            <a:r>
+              <a:rPr lang="en-US" b="0" i="0" dirty="0">
+                <a:solidFill>
+                  <a:srgbClr val="374151"/>
+                </a:solidFill>
+                <a:effectLst/>
+                <a:latin typeface="Söhne"/>
+              </a:rPr>
+              <a:t> </a:t>
+            </a:r>
+            <a:r>
+              <a:rPr lang="en-US" b="0" i="0" dirty="0" err="1">
+                <a:solidFill>
+                  <a:srgbClr val="374151"/>
+                </a:solidFill>
+                <a:effectLst/>
+                <a:latin typeface="Söhne"/>
+              </a:rPr>
+              <a:t>dokumenata</a:t>
+            </a:r>
+            <a:r>
+              <a:rPr lang="en-US" b="0" i="0" dirty="0">
+                <a:solidFill>
+                  <a:srgbClr val="374151"/>
+                </a:solidFill>
+                <a:effectLst/>
+                <a:latin typeface="Söhne"/>
+              </a:rPr>
+              <a:t>, </a:t>
+            </a:r>
+            <a:r>
+              <a:rPr lang="en-US" b="0" i="0" dirty="0" err="1">
+                <a:solidFill>
+                  <a:srgbClr val="374151"/>
+                </a:solidFill>
+                <a:effectLst/>
+                <a:latin typeface="Söhne"/>
+              </a:rPr>
+              <a:t>kao</a:t>
+            </a:r>
+            <a:r>
+              <a:rPr lang="en-US" b="0" i="0" dirty="0">
+                <a:solidFill>
+                  <a:srgbClr val="374151"/>
+                </a:solidFill>
+                <a:effectLst/>
+                <a:latin typeface="Söhne"/>
+              </a:rPr>
+              <a:t> </a:t>
+            </a:r>
+            <a:r>
+              <a:rPr lang="en-US" b="0" i="0" dirty="0" err="1">
+                <a:solidFill>
+                  <a:srgbClr val="374151"/>
+                </a:solidFill>
+                <a:effectLst/>
+                <a:latin typeface="Söhne"/>
+              </a:rPr>
+              <a:t>i</a:t>
+            </a:r>
+            <a:r>
+              <a:rPr lang="en-US" b="0" i="0" dirty="0">
+                <a:solidFill>
+                  <a:srgbClr val="374151"/>
+                </a:solidFill>
+                <a:effectLst/>
+                <a:latin typeface="Söhne"/>
+              </a:rPr>
+              <a:t> </a:t>
+            </a:r>
+            <a:r>
+              <a:rPr lang="en-US" b="0" i="0" dirty="0" err="1">
+                <a:solidFill>
+                  <a:srgbClr val="374151"/>
+                </a:solidFill>
+                <a:effectLst/>
+                <a:latin typeface="Söhne"/>
+              </a:rPr>
+              <a:t>povezivanje</a:t>
+            </a:r>
+            <a:r>
+              <a:rPr lang="en-US" b="0" i="0" dirty="0">
+                <a:solidFill>
+                  <a:srgbClr val="374151"/>
+                </a:solidFill>
+                <a:effectLst/>
+                <a:latin typeface="Söhne"/>
+              </a:rPr>
+              <a:t> </a:t>
+            </a:r>
+            <a:r>
+              <a:rPr lang="en-US" b="0" i="0" dirty="0" err="1">
+                <a:solidFill>
+                  <a:srgbClr val="374151"/>
+                </a:solidFill>
+                <a:effectLst/>
+                <a:latin typeface="Söhne"/>
+              </a:rPr>
+              <a:t>različitih</a:t>
+            </a:r>
+            <a:r>
+              <a:rPr lang="en-US" b="0" i="0" dirty="0">
+                <a:solidFill>
+                  <a:srgbClr val="374151"/>
+                </a:solidFill>
+                <a:effectLst/>
+                <a:latin typeface="Söhne"/>
+              </a:rPr>
+              <a:t> </a:t>
+            </a:r>
+            <a:r>
+              <a:rPr lang="en-US" b="0" i="0" dirty="0" err="1">
+                <a:solidFill>
+                  <a:srgbClr val="374151"/>
+                </a:solidFill>
+                <a:effectLst/>
+                <a:latin typeface="Söhne"/>
+              </a:rPr>
+              <a:t>pravnih</a:t>
+            </a:r>
+            <a:r>
+              <a:rPr lang="en-US" b="0" i="0" dirty="0">
+                <a:solidFill>
+                  <a:srgbClr val="374151"/>
+                </a:solidFill>
+                <a:effectLst/>
+                <a:latin typeface="Söhne"/>
+              </a:rPr>
+              <a:t> </a:t>
+            </a:r>
+            <a:r>
+              <a:rPr lang="en-US" b="0" i="0" dirty="0" err="1">
+                <a:solidFill>
+                  <a:srgbClr val="374151"/>
+                </a:solidFill>
+                <a:effectLst/>
+                <a:latin typeface="Söhne"/>
+              </a:rPr>
+              <a:t>izvora</a:t>
+            </a:r>
+            <a:r>
+              <a:rPr lang="en-US" b="0" i="0" dirty="0">
+                <a:solidFill>
+                  <a:srgbClr val="374151"/>
+                </a:solidFill>
+                <a:effectLst/>
+                <a:latin typeface="Söhne"/>
+              </a:rPr>
+              <a:t>.</a:t>
             </a:r>
             <a:endParaRPr lang="en-US" dirty="0"/>
           </a:p>
@@ -16769,7 +16938,7 @@
     </p:spTree>
     <p:extLst>
       <p:ext uri="{BB962C8B-B14F-4D97-AF65-F5344CB8AC3E}">
-        <p14:creationId xmlns:p14="http://schemas.microsoft.com/office/powerpoint/2010/main" val="3009236944"/>
+        <p14:creationId xmlns:p14="http://schemas.microsoft.com/office/powerpoint/2010/main" val="593464938"/>
       </p:ext>
     </p:extLst>
   </p:cSld>
@@ -17151,40 +17320,10 @@
           </a:p>
         </p:txBody>
       </p:sp>
-      <p:pic>
-        <p:nvPicPr>
-          <p:cNvPr id="5" name="Picture 4">
-            <a:extLst>
-              <a:ext uri="{FF2B5EF4-FFF2-40B4-BE49-F238E27FC236}">
-                <a16:creationId xmlns:a16="http://schemas.microsoft.com/office/drawing/2014/main" id="{1ED62814-5E0B-A6B2-7CFB-523392172436}"/>
-              </a:ext>
-            </a:extLst>
-          </p:cNvPr>
-          <p:cNvPicPr>
-            <a:picLocks noChangeAspect="1"/>
-          </p:cNvPicPr>
-          <p:nvPr/>
-        </p:nvPicPr>
-        <p:blipFill>
-          <a:blip r:embed="rId3"/>
-          <a:stretch>
-            <a:fillRect/>
-          </a:stretch>
-        </p:blipFill>
-        <p:spPr>
-          <a:xfrm>
-            <a:off x="3887234" y="860288"/>
-            <a:ext cx="8282161" cy="5997711"/>
-          </a:xfrm>
-          <a:prstGeom prst="rect">
-            <a:avLst/>
-          </a:prstGeom>
-        </p:spPr>
-      </p:pic>
     </p:spTree>
     <p:extLst>
       <p:ext uri="{BB962C8B-B14F-4D97-AF65-F5344CB8AC3E}">
-        <p14:creationId xmlns:p14="http://schemas.microsoft.com/office/powerpoint/2010/main" val="1828387559"/>
+        <p14:creationId xmlns:p14="http://schemas.microsoft.com/office/powerpoint/2010/main" val="3009236944"/>
       </p:ext>
     </p:extLst>
   </p:cSld>
@@ -17568,10 +17707,10 @@
       </p:sp>
       <p:pic>
         <p:nvPicPr>
-          <p:cNvPr id="6" name="Picture 5">
+          <p:cNvPr id="5" name="Picture 4">
             <a:extLst>
               <a:ext uri="{FF2B5EF4-FFF2-40B4-BE49-F238E27FC236}">
-                <a16:creationId xmlns:a16="http://schemas.microsoft.com/office/drawing/2014/main" id="{86E8D01A-B35E-1D1A-CDBC-9067EE7F7820}"/>
+                <a16:creationId xmlns:a16="http://schemas.microsoft.com/office/drawing/2014/main" id="{1ED62814-5E0B-A6B2-7CFB-523392172436}"/>
               </a:ext>
             </a:extLst>
           </p:cNvPr>
@@ -17588,8 +17727,8 @@
         </p:blipFill>
         <p:spPr>
           <a:xfrm>
-            <a:off x="4221361" y="1856767"/>
-            <a:ext cx="7606738" cy="2413309"/>
+            <a:off x="3887234" y="860288"/>
+            <a:ext cx="8282161" cy="5997711"/>
           </a:xfrm>
           <a:prstGeom prst="rect">
             <a:avLst/>
@@ -17599,7 +17738,7 @@
     </p:spTree>
     <p:extLst>
       <p:ext uri="{BB962C8B-B14F-4D97-AF65-F5344CB8AC3E}">
-        <p14:creationId xmlns:p14="http://schemas.microsoft.com/office/powerpoint/2010/main" val="2669945393"/>
+        <p14:creationId xmlns:p14="http://schemas.microsoft.com/office/powerpoint/2010/main" val="1828387559"/>
       </p:ext>
     </p:extLst>
   </p:cSld>
@@ -17983,10 +18122,10 @@
       </p:sp>
       <p:pic>
         <p:nvPicPr>
-          <p:cNvPr id="5" name="Picture 4">
+          <p:cNvPr id="6" name="Picture 5">
             <a:extLst>
               <a:ext uri="{FF2B5EF4-FFF2-40B4-BE49-F238E27FC236}">
-                <a16:creationId xmlns:a16="http://schemas.microsoft.com/office/drawing/2014/main" id="{0B60BC2F-520F-855F-D64D-0BB39A235244}"/>
+                <a16:creationId xmlns:a16="http://schemas.microsoft.com/office/drawing/2014/main" id="{86E8D01A-B35E-1D1A-CDBC-9067EE7F7820}"/>
               </a:ext>
             </a:extLst>
           </p:cNvPr>
@@ -18003,8 +18142,8 @@
         </p:blipFill>
         <p:spPr>
           <a:xfrm>
-            <a:off x="3674852" y="1844379"/>
-            <a:ext cx="8462445" cy="4601217"/>
+            <a:off x="4221361" y="1856767"/>
+            <a:ext cx="7606738" cy="2413309"/>
           </a:xfrm>
           <a:prstGeom prst="rect">
             <a:avLst/>
@@ -18014,7 +18153,7 @@
     </p:spTree>
     <p:extLst>
       <p:ext uri="{BB962C8B-B14F-4D97-AF65-F5344CB8AC3E}">
-        <p14:creationId xmlns:p14="http://schemas.microsoft.com/office/powerpoint/2010/main" val="4048915896"/>
+        <p14:creationId xmlns:p14="http://schemas.microsoft.com/office/powerpoint/2010/main" val="2669945393"/>
       </p:ext>
     </p:extLst>
   </p:cSld>
@@ -18271,7 +18410,15 @@
                   <a:srgbClr val="FFFFFF"/>
                 </a:solidFill>
               </a:rPr>
-              <a:t>Zaključak</a:t>
+              <a:t>Meta podaci i hiper-</a:t>
+            </a:r>
+            <a:r>
+              <a:rPr lang="sr-Latn-RS" dirty="0" err="1">
+                <a:solidFill>
+                  <a:srgbClr val="FFFFFF"/>
+                </a:solidFill>
+              </a:rPr>
+              <a:t>linkovanje</a:t>
             </a:r>
             <a:endParaRPr lang="en-US" dirty="0">
               <a:solidFill>
@@ -18349,13 +18496,13 @@
             <a:spLocks noGrp="1"/>
           </p:cNvSpPr>
           <p:nvPr>
-            <p:ph type="body" idx="1"/>
+            <p:ph idx="1"/>
           </p:nvPr>
         </p:nvSpPr>
         <p:spPr>
           <a:xfrm>
-            <a:off x="4447308" y="591344"/>
-            <a:ext cx="6906491" cy="5585619"/>
+            <a:off x="4447308" y="298061"/>
+            <a:ext cx="6906491" cy="562228"/>
           </a:xfrm>
         </p:spPr>
         <p:txBody>
@@ -18365,35 +18512,6 @@
           <a:lstStyle/>
           <a:p>
             <a:r>
-              <a:rPr lang="sr-Latn-RS" dirty="0">
-                <a:solidFill>
-                  <a:srgbClr val="374151"/>
-                </a:solidFill>
-                <a:latin typeface="Söhne"/>
-              </a:rPr>
-              <a:t>O</a:t>
-            </a:r>
-            <a:r>
-              <a:rPr lang="en-US" b="0" i="0" dirty="0" err="1">
-                <a:solidFill>
-                  <a:srgbClr val="374151"/>
-                </a:solidFill>
-                <a:effectLst/>
-                <a:latin typeface="Söhne"/>
-              </a:rPr>
-              <a:t>va</a:t>
-            </a:r>
-            <a:r>
-              <a:rPr lang="en-US" b="0" i="0" dirty="0">
-                <a:solidFill>
-                  <a:srgbClr val="374151"/>
-                </a:solidFill>
-                <a:effectLst/>
-                <a:latin typeface="Söhne"/>
-              </a:rPr>
-              <a:t> oblast</a:t>
-            </a:r>
-            <a:r>
               <a:rPr lang="sr-Latn-RS" b="0" i="0" dirty="0">
                 <a:solidFill>
                   <a:srgbClr val="374151"/>
@@ -18401,835 +18519,56 @@
                 <a:effectLst/>
                 <a:latin typeface="Söhne"/>
               </a:rPr>
-              <a:t> je</a:t>
-            </a:r>
-            <a:r>
-              <a:rPr lang="en-US" b="0" i="0" dirty="0">
-                <a:solidFill>
-                  <a:srgbClr val="374151"/>
-                </a:solidFill>
-                <a:effectLst/>
-                <a:latin typeface="Söhne"/>
-              </a:rPr>
-              <a:t> </a:t>
-            </a:r>
-            <a:r>
-              <a:rPr lang="en-US" b="0" i="0" dirty="0" err="1">
-                <a:solidFill>
-                  <a:srgbClr val="374151"/>
-                </a:solidFill>
-                <a:effectLst/>
-                <a:latin typeface="Söhne"/>
-              </a:rPr>
-              <a:t>postala</a:t>
-            </a:r>
-            <a:r>
-              <a:rPr lang="en-US" b="0" i="0" dirty="0">
-                <a:solidFill>
-                  <a:srgbClr val="374151"/>
-                </a:solidFill>
-                <a:effectLst/>
-                <a:latin typeface="Söhne"/>
-              </a:rPr>
-              <a:t> </a:t>
-            </a:r>
-            <a:r>
-              <a:rPr lang="en-US" b="0" i="0" dirty="0" err="1">
-                <a:solidFill>
-                  <a:srgbClr val="374151"/>
-                </a:solidFill>
-                <a:effectLst/>
-                <a:latin typeface="Söhne"/>
-              </a:rPr>
-              <a:t>neizostavni</a:t>
-            </a:r>
-            <a:r>
-              <a:rPr lang="en-US" b="0" i="0" dirty="0">
-                <a:solidFill>
-                  <a:srgbClr val="374151"/>
-                </a:solidFill>
-                <a:effectLst/>
-                <a:latin typeface="Söhne"/>
-              </a:rPr>
-              <a:t> deo </a:t>
-            </a:r>
-            <a:r>
-              <a:rPr lang="en-US" b="0" i="0" dirty="0" err="1">
-                <a:solidFill>
-                  <a:srgbClr val="374151"/>
-                </a:solidFill>
-                <a:effectLst/>
-                <a:latin typeface="Söhne"/>
-              </a:rPr>
-              <a:t>savremenog</a:t>
-            </a:r>
-            <a:r>
-              <a:rPr lang="en-US" b="0" i="0" dirty="0">
-                <a:solidFill>
-                  <a:srgbClr val="374151"/>
-                </a:solidFill>
-                <a:effectLst/>
-                <a:latin typeface="Söhne"/>
-              </a:rPr>
-              <a:t> </a:t>
-            </a:r>
-            <a:r>
-              <a:rPr lang="en-US" b="0" i="0" dirty="0" err="1">
-                <a:solidFill>
-                  <a:srgbClr val="374151"/>
-                </a:solidFill>
-                <a:effectLst/>
-                <a:latin typeface="Söhne"/>
-              </a:rPr>
-              <a:t>pravnog</a:t>
-            </a:r>
-            <a:r>
-              <a:rPr lang="en-US" b="0" i="0" dirty="0">
-                <a:solidFill>
-                  <a:srgbClr val="374151"/>
-                </a:solidFill>
-                <a:effectLst/>
-                <a:latin typeface="Söhne"/>
-              </a:rPr>
-              <a:t> </a:t>
-            </a:r>
-            <a:r>
-              <a:rPr lang="en-US" b="0" i="0" dirty="0" err="1">
-                <a:solidFill>
-                  <a:srgbClr val="374151"/>
-                </a:solidFill>
-                <a:effectLst/>
-                <a:latin typeface="Söhne"/>
-              </a:rPr>
-              <a:t>sistema</a:t>
-            </a:r>
-            <a:r>
-              <a:rPr lang="en-US" b="0" i="0" dirty="0">
-                <a:solidFill>
-                  <a:srgbClr val="374151"/>
-                </a:solidFill>
-                <a:effectLst/>
-                <a:latin typeface="Söhne"/>
-              </a:rPr>
-              <a:t>.</a:t>
-            </a:r>
-            <a:endParaRPr lang="sr-Latn-RS" b="0" i="0" dirty="0">
-              <a:solidFill>
-                <a:srgbClr val="374151"/>
-              </a:solidFill>
-              <a:effectLst/>
-              <a:latin typeface="Söhne"/>
-            </a:endParaRPr>
-          </a:p>
-          <a:p>
-            <a:r>
-              <a:rPr lang="en-US" b="0" i="0" dirty="0" err="1">
-                <a:solidFill>
-                  <a:srgbClr val="374151"/>
-                </a:solidFill>
-                <a:effectLst/>
-                <a:latin typeface="Söhne"/>
-              </a:rPr>
-              <a:t>Korišćenje</a:t>
-            </a:r>
-            <a:r>
-              <a:rPr lang="en-US" b="0" i="0" dirty="0">
-                <a:solidFill>
-                  <a:srgbClr val="374151"/>
-                </a:solidFill>
-                <a:effectLst/>
-                <a:latin typeface="Söhne"/>
-              </a:rPr>
-              <a:t> </a:t>
-            </a:r>
-            <a:r>
-              <a:rPr lang="en-US" b="0" i="0" dirty="0" err="1">
-                <a:solidFill>
-                  <a:srgbClr val="374151"/>
-                </a:solidFill>
-                <a:effectLst/>
-                <a:latin typeface="Söhne"/>
-              </a:rPr>
-              <a:t>informacionih</a:t>
-            </a:r>
-            <a:r>
-              <a:rPr lang="en-US" b="0" i="0" dirty="0">
-                <a:solidFill>
-                  <a:srgbClr val="374151"/>
-                </a:solidFill>
-                <a:effectLst/>
-                <a:latin typeface="Söhne"/>
-              </a:rPr>
-              <a:t> </a:t>
-            </a:r>
-            <a:r>
-              <a:rPr lang="en-US" b="0" i="0" dirty="0" err="1">
-                <a:solidFill>
-                  <a:srgbClr val="374151"/>
-                </a:solidFill>
-                <a:effectLst/>
-                <a:latin typeface="Söhne"/>
-              </a:rPr>
-              <a:t>tehnologija</a:t>
-            </a:r>
-            <a:r>
-              <a:rPr lang="en-US" b="0" i="0" dirty="0">
-                <a:solidFill>
-                  <a:srgbClr val="374151"/>
-                </a:solidFill>
-                <a:effectLst/>
-                <a:latin typeface="Söhne"/>
-              </a:rPr>
-              <a:t> u </a:t>
-            </a:r>
-            <a:r>
-              <a:rPr lang="en-US" b="0" i="0" dirty="0" err="1">
-                <a:solidFill>
-                  <a:srgbClr val="374151"/>
-                </a:solidFill>
-                <a:effectLst/>
-                <a:latin typeface="Söhne"/>
-              </a:rPr>
-              <a:t>pravosuđu</a:t>
-            </a:r>
-            <a:r>
-              <a:rPr lang="en-US" b="0" i="0" dirty="0">
-                <a:solidFill>
-                  <a:srgbClr val="374151"/>
-                </a:solidFill>
-                <a:effectLst/>
-                <a:latin typeface="Söhne"/>
-              </a:rPr>
-              <a:t> </a:t>
-            </a:r>
-            <a:r>
-              <a:rPr lang="en-US" b="0" i="0" dirty="0" err="1">
-                <a:solidFill>
-                  <a:srgbClr val="374151"/>
-                </a:solidFill>
-                <a:effectLst/>
-                <a:latin typeface="Söhne"/>
-              </a:rPr>
-              <a:t>i</a:t>
-            </a:r>
-            <a:r>
-              <a:rPr lang="en-US" b="0" i="0" dirty="0">
-                <a:solidFill>
-                  <a:srgbClr val="374151"/>
-                </a:solidFill>
-                <a:effectLst/>
-                <a:latin typeface="Söhne"/>
-              </a:rPr>
-              <a:t> </a:t>
-            </a:r>
-            <a:r>
-              <a:rPr lang="en-US" b="0" i="0" dirty="0" err="1">
-                <a:solidFill>
-                  <a:srgbClr val="374151"/>
-                </a:solidFill>
-                <a:effectLst/>
-                <a:latin typeface="Söhne"/>
-              </a:rPr>
-              <a:t>pravnoj</a:t>
-            </a:r>
-            <a:r>
-              <a:rPr lang="en-US" b="0" i="0" dirty="0">
-                <a:solidFill>
-                  <a:srgbClr val="374151"/>
-                </a:solidFill>
-                <a:effectLst/>
-                <a:latin typeface="Söhne"/>
-              </a:rPr>
-              <a:t> </a:t>
-            </a:r>
-            <a:r>
-              <a:rPr lang="en-US" b="0" i="0" dirty="0" err="1">
-                <a:solidFill>
-                  <a:srgbClr val="374151"/>
-                </a:solidFill>
-                <a:effectLst/>
-                <a:latin typeface="Söhne"/>
-              </a:rPr>
-              <a:t>teoriji</a:t>
-            </a:r>
-            <a:r>
-              <a:rPr lang="en-US" b="0" i="0" dirty="0">
-                <a:solidFill>
-                  <a:srgbClr val="374151"/>
-                </a:solidFill>
-                <a:effectLst/>
-                <a:latin typeface="Söhne"/>
-              </a:rPr>
-              <a:t> </a:t>
-            </a:r>
-            <a:r>
-              <a:rPr lang="en-US" b="0" i="0" dirty="0" err="1">
-                <a:solidFill>
-                  <a:srgbClr val="374151"/>
-                </a:solidFill>
-                <a:effectLst/>
-                <a:latin typeface="Söhne"/>
-              </a:rPr>
-              <a:t>ima</a:t>
-            </a:r>
-            <a:r>
-              <a:rPr lang="en-US" b="0" i="0" dirty="0">
-                <a:solidFill>
-                  <a:srgbClr val="374151"/>
-                </a:solidFill>
-                <a:effectLst/>
-                <a:latin typeface="Söhne"/>
-              </a:rPr>
-              <a:t> </a:t>
-            </a:r>
-            <a:r>
-              <a:rPr lang="en-US" b="0" i="0" dirty="0" err="1">
-                <a:solidFill>
-                  <a:srgbClr val="374151"/>
-                </a:solidFill>
-                <a:effectLst/>
-                <a:latin typeface="Söhne"/>
-              </a:rPr>
-              <a:t>mnoge</a:t>
-            </a:r>
-            <a:r>
-              <a:rPr lang="en-US" b="0" i="0" dirty="0">
-                <a:solidFill>
-                  <a:srgbClr val="374151"/>
-                </a:solidFill>
-                <a:effectLst/>
-                <a:latin typeface="Söhne"/>
-              </a:rPr>
-              <a:t> </a:t>
-            </a:r>
-            <a:r>
-              <a:rPr lang="en-US" b="0" i="0" dirty="0" err="1">
-                <a:solidFill>
-                  <a:srgbClr val="374151"/>
-                </a:solidFill>
-                <a:effectLst/>
-                <a:latin typeface="Söhne"/>
-              </a:rPr>
-              <a:t>prednosti</a:t>
-            </a:r>
-            <a:r>
-              <a:rPr lang="en-US" b="0" i="0" dirty="0">
-                <a:solidFill>
-                  <a:srgbClr val="374151"/>
-                </a:solidFill>
-                <a:effectLst/>
-                <a:latin typeface="Söhne"/>
-              </a:rPr>
-              <a:t>, </a:t>
-            </a:r>
-            <a:r>
-              <a:rPr lang="en-US" b="0" i="0" dirty="0" err="1">
-                <a:solidFill>
-                  <a:srgbClr val="374151"/>
-                </a:solidFill>
-                <a:effectLst/>
-                <a:latin typeface="Söhne"/>
-              </a:rPr>
-              <a:t>kao</a:t>
-            </a:r>
-            <a:r>
-              <a:rPr lang="en-US" b="0" i="0" dirty="0">
-                <a:solidFill>
-                  <a:srgbClr val="374151"/>
-                </a:solidFill>
-                <a:effectLst/>
-                <a:latin typeface="Söhne"/>
-              </a:rPr>
-              <a:t> </a:t>
-            </a:r>
-            <a:r>
-              <a:rPr lang="en-US" b="0" i="0" dirty="0" err="1">
-                <a:solidFill>
-                  <a:srgbClr val="374151"/>
-                </a:solidFill>
-                <a:effectLst/>
-                <a:latin typeface="Söhne"/>
-              </a:rPr>
-              <a:t>što</a:t>
-            </a:r>
-            <a:r>
-              <a:rPr lang="en-US" b="0" i="0" dirty="0">
-                <a:solidFill>
-                  <a:srgbClr val="374151"/>
-                </a:solidFill>
-                <a:effectLst/>
-                <a:latin typeface="Söhne"/>
-              </a:rPr>
-              <a:t> </a:t>
-            </a:r>
-            <a:r>
-              <a:rPr lang="en-US" b="0" i="0" dirty="0" err="1">
-                <a:solidFill>
-                  <a:srgbClr val="374151"/>
-                </a:solidFill>
-                <a:effectLst/>
-                <a:latin typeface="Söhne"/>
-              </a:rPr>
-              <a:t>su</a:t>
-            </a:r>
-            <a:r>
-              <a:rPr lang="en-US" b="0" i="0" dirty="0">
-                <a:solidFill>
-                  <a:srgbClr val="374151"/>
-                </a:solidFill>
-                <a:effectLst/>
-                <a:latin typeface="Söhne"/>
-              </a:rPr>
-              <a:t> </a:t>
-            </a:r>
-            <a:r>
-              <a:rPr lang="en-US" b="0" i="0" dirty="0" err="1">
-                <a:solidFill>
-                  <a:srgbClr val="374151"/>
-                </a:solidFill>
-                <a:effectLst/>
-                <a:latin typeface="Söhne"/>
-              </a:rPr>
-              <a:t>brže</a:t>
-            </a:r>
-            <a:r>
-              <a:rPr lang="en-US" b="0" i="0" dirty="0">
-                <a:solidFill>
-                  <a:srgbClr val="374151"/>
-                </a:solidFill>
-                <a:effectLst/>
-                <a:latin typeface="Söhne"/>
-              </a:rPr>
-              <a:t> </a:t>
-            </a:r>
-            <a:r>
-              <a:rPr lang="en-US" b="0" i="0" dirty="0" err="1">
-                <a:solidFill>
-                  <a:srgbClr val="374151"/>
-                </a:solidFill>
-                <a:effectLst/>
-                <a:latin typeface="Söhne"/>
-              </a:rPr>
-              <a:t>i</a:t>
-            </a:r>
-            <a:r>
-              <a:rPr lang="en-US" b="0" i="0" dirty="0">
-                <a:solidFill>
-                  <a:srgbClr val="374151"/>
-                </a:solidFill>
-                <a:effectLst/>
-                <a:latin typeface="Söhne"/>
-              </a:rPr>
-              <a:t> </a:t>
-            </a:r>
-            <a:r>
-              <a:rPr lang="en-US" b="0" i="0" dirty="0" err="1">
-                <a:solidFill>
-                  <a:srgbClr val="374151"/>
-                </a:solidFill>
-                <a:effectLst/>
-                <a:latin typeface="Söhne"/>
-              </a:rPr>
-              <a:t>efikasnije</a:t>
-            </a:r>
-            <a:r>
-              <a:rPr lang="en-US" b="0" i="0" dirty="0">
-                <a:solidFill>
-                  <a:srgbClr val="374151"/>
-                </a:solidFill>
-                <a:effectLst/>
-                <a:latin typeface="Söhne"/>
-              </a:rPr>
-              <a:t> </a:t>
-            </a:r>
-            <a:r>
-              <a:rPr lang="en-US" b="0" i="0" dirty="0" err="1">
-                <a:solidFill>
-                  <a:srgbClr val="374151"/>
-                </a:solidFill>
-                <a:effectLst/>
-                <a:latin typeface="Söhne"/>
-              </a:rPr>
-              <a:t>donošenje</a:t>
-            </a:r>
-            <a:r>
-              <a:rPr lang="en-US" b="0" i="0" dirty="0">
-                <a:solidFill>
-                  <a:srgbClr val="374151"/>
-                </a:solidFill>
-                <a:effectLst/>
-                <a:latin typeface="Söhne"/>
-              </a:rPr>
-              <a:t> </a:t>
-            </a:r>
-            <a:r>
-              <a:rPr lang="en-US" b="0" i="0" dirty="0" err="1">
-                <a:solidFill>
-                  <a:srgbClr val="374151"/>
-                </a:solidFill>
-                <a:effectLst/>
-                <a:latin typeface="Söhne"/>
-              </a:rPr>
-              <a:t>odluka</a:t>
-            </a:r>
-            <a:r>
-              <a:rPr lang="en-US" b="0" i="0" dirty="0">
-                <a:solidFill>
-                  <a:srgbClr val="374151"/>
-                </a:solidFill>
-                <a:effectLst/>
-                <a:latin typeface="Söhne"/>
-              </a:rPr>
-              <a:t>, </a:t>
-            </a:r>
-            <a:r>
-              <a:rPr lang="en-US" b="0" i="0" dirty="0" err="1">
-                <a:solidFill>
-                  <a:srgbClr val="374151"/>
-                </a:solidFill>
-                <a:effectLst/>
-                <a:latin typeface="Söhne"/>
-              </a:rPr>
-              <a:t>olakšavanje</a:t>
-            </a:r>
-            <a:r>
-              <a:rPr lang="en-US" b="0" i="0" dirty="0">
-                <a:solidFill>
-                  <a:srgbClr val="374151"/>
-                </a:solidFill>
-                <a:effectLst/>
-                <a:latin typeface="Söhne"/>
-              </a:rPr>
-              <a:t> </a:t>
-            </a:r>
-            <a:r>
-              <a:rPr lang="en-US" b="0" i="0" dirty="0" err="1">
-                <a:solidFill>
-                  <a:srgbClr val="374151"/>
-                </a:solidFill>
-                <a:effectLst/>
-                <a:latin typeface="Söhne"/>
-              </a:rPr>
-              <a:t>pristupa</a:t>
-            </a:r>
-            <a:r>
-              <a:rPr lang="en-US" b="0" i="0" dirty="0">
-                <a:solidFill>
-                  <a:srgbClr val="374151"/>
-                </a:solidFill>
-                <a:effectLst/>
-                <a:latin typeface="Söhne"/>
-              </a:rPr>
-              <a:t> </a:t>
-            </a:r>
-            <a:r>
-              <a:rPr lang="en-US" b="0" i="0" dirty="0" err="1">
-                <a:solidFill>
-                  <a:srgbClr val="374151"/>
-                </a:solidFill>
-                <a:effectLst/>
-                <a:latin typeface="Söhne"/>
-              </a:rPr>
-              <a:t>pravnim</a:t>
-            </a:r>
-            <a:r>
-              <a:rPr lang="en-US" b="0" i="0" dirty="0">
-                <a:solidFill>
-                  <a:srgbClr val="374151"/>
-                </a:solidFill>
-                <a:effectLst/>
-                <a:latin typeface="Söhne"/>
-              </a:rPr>
-              <a:t> </a:t>
-            </a:r>
-            <a:r>
-              <a:rPr lang="en-US" b="0" i="0" dirty="0" err="1">
-                <a:solidFill>
-                  <a:srgbClr val="374151"/>
-                </a:solidFill>
-                <a:effectLst/>
-                <a:latin typeface="Söhne"/>
-              </a:rPr>
-              <a:t>informacijama</a:t>
-            </a:r>
-            <a:r>
-              <a:rPr lang="en-US" b="0" i="0" dirty="0">
-                <a:solidFill>
-                  <a:srgbClr val="374151"/>
-                </a:solidFill>
-                <a:effectLst/>
-                <a:latin typeface="Söhne"/>
-              </a:rPr>
-              <a:t>, </a:t>
-            </a:r>
-            <a:r>
-              <a:rPr lang="en-US" b="0" i="0" dirty="0" err="1">
-                <a:solidFill>
-                  <a:srgbClr val="374151"/>
-                </a:solidFill>
-                <a:effectLst/>
-                <a:latin typeface="Söhne"/>
-              </a:rPr>
-              <a:t>bolja</a:t>
-            </a:r>
-            <a:r>
-              <a:rPr lang="en-US" b="0" i="0" dirty="0">
-                <a:solidFill>
-                  <a:srgbClr val="374151"/>
-                </a:solidFill>
-                <a:effectLst/>
-                <a:latin typeface="Söhne"/>
-              </a:rPr>
-              <a:t> </a:t>
-            </a:r>
-            <a:r>
-              <a:rPr lang="en-US" b="0" i="0" dirty="0" err="1">
-                <a:solidFill>
-                  <a:srgbClr val="374151"/>
-                </a:solidFill>
-                <a:effectLst/>
-                <a:latin typeface="Söhne"/>
-              </a:rPr>
-              <a:t>organizacija</a:t>
-            </a:r>
-            <a:r>
-              <a:rPr lang="en-US" b="0" i="0" dirty="0">
-                <a:solidFill>
-                  <a:srgbClr val="374151"/>
-                </a:solidFill>
-                <a:effectLst/>
-                <a:latin typeface="Söhne"/>
-              </a:rPr>
-              <a:t> </a:t>
-            </a:r>
-            <a:r>
-              <a:rPr lang="en-US" b="0" i="0" dirty="0" err="1">
-                <a:solidFill>
-                  <a:srgbClr val="374151"/>
-                </a:solidFill>
-                <a:effectLst/>
-                <a:latin typeface="Söhne"/>
-              </a:rPr>
-              <a:t>i</a:t>
-            </a:r>
-            <a:r>
-              <a:rPr lang="en-US" b="0" i="0" dirty="0">
-                <a:solidFill>
-                  <a:srgbClr val="374151"/>
-                </a:solidFill>
-                <a:effectLst/>
-                <a:latin typeface="Söhne"/>
-              </a:rPr>
-              <a:t> </a:t>
-            </a:r>
-            <a:r>
-              <a:rPr lang="en-US" b="0" i="0" dirty="0" err="1">
-                <a:solidFill>
-                  <a:srgbClr val="374151"/>
-                </a:solidFill>
-                <a:effectLst/>
-                <a:latin typeface="Söhne"/>
-              </a:rPr>
-              <a:t>prezentacija</a:t>
-            </a:r>
-            <a:r>
-              <a:rPr lang="en-US" b="0" i="0" dirty="0">
-                <a:solidFill>
-                  <a:srgbClr val="374151"/>
-                </a:solidFill>
-                <a:effectLst/>
-                <a:latin typeface="Söhne"/>
-              </a:rPr>
-              <a:t> </a:t>
-            </a:r>
-            <a:r>
-              <a:rPr lang="en-US" b="0" i="0" dirty="0" err="1">
-                <a:solidFill>
-                  <a:srgbClr val="374151"/>
-                </a:solidFill>
-                <a:effectLst/>
-                <a:latin typeface="Söhne"/>
-              </a:rPr>
-              <a:t>pravnih</a:t>
-            </a:r>
-            <a:r>
-              <a:rPr lang="en-US" b="0" i="0" dirty="0">
-                <a:solidFill>
-                  <a:srgbClr val="374151"/>
-                </a:solidFill>
-                <a:effectLst/>
-                <a:latin typeface="Söhne"/>
-              </a:rPr>
-              <a:t> </a:t>
-            </a:r>
-            <a:r>
-              <a:rPr lang="en-US" b="0" i="0" dirty="0" err="1">
-                <a:solidFill>
-                  <a:srgbClr val="374151"/>
-                </a:solidFill>
-                <a:effectLst/>
-                <a:latin typeface="Söhne"/>
-              </a:rPr>
-              <a:t>dokumenata</a:t>
-            </a:r>
-            <a:r>
-              <a:rPr lang="en-US" b="0" i="0" dirty="0">
-                <a:solidFill>
-                  <a:srgbClr val="374151"/>
-                </a:solidFill>
-                <a:effectLst/>
-                <a:latin typeface="Söhne"/>
-              </a:rPr>
-              <a:t>, </a:t>
-            </a:r>
-            <a:r>
-              <a:rPr lang="en-US" b="0" i="0" dirty="0" err="1">
-                <a:solidFill>
-                  <a:srgbClr val="374151"/>
-                </a:solidFill>
-                <a:effectLst/>
-                <a:latin typeface="Söhne"/>
-              </a:rPr>
-              <a:t>kao</a:t>
-            </a:r>
-            <a:r>
-              <a:rPr lang="en-US" b="0" i="0" dirty="0">
-                <a:solidFill>
-                  <a:srgbClr val="374151"/>
-                </a:solidFill>
-                <a:effectLst/>
-                <a:latin typeface="Söhne"/>
-              </a:rPr>
-              <a:t> </a:t>
-            </a:r>
-            <a:r>
-              <a:rPr lang="en-US" b="0" i="0" dirty="0" err="1">
-                <a:solidFill>
-                  <a:srgbClr val="374151"/>
-                </a:solidFill>
-                <a:effectLst/>
-                <a:latin typeface="Söhne"/>
-              </a:rPr>
-              <a:t>i</a:t>
-            </a:r>
-            <a:r>
-              <a:rPr lang="en-US" b="0" i="0" dirty="0">
-                <a:solidFill>
-                  <a:srgbClr val="374151"/>
-                </a:solidFill>
-                <a:effectLst/>
-                <a:latin typeface="Söhne"/>
-              </a:rPr>
-              <a:t> </a:t>
-            </a:r>
-            <a:r>
-              <a:rPr lang="en-US" b="0" i="0" dirty="0" err="1">
-                <a:solidFill>
-                  <a:srgbClr val="374151"/>
-                </a:solidFill>
-                <a:effectLst/>
-                <a:latin typeface="Söhne"/>
-              </a:rPr>
-              <a:t>mogućnost</a:t>
-            </a:r>
-            <a:r>
-              <a:rPr lang="en-US" b="0" i="0" dirty="0">
-                <a:solidFill>
-                  <a:srgbClr val="374151"/>
-                </a:solidFill>
-                <a:effectLst/>
-                <a:latin typeface="Söhne"/>
-              </a:rPr>
-              <a:t> </a:t>
-            </a:r>
-            <a:r>
-              <a:rPr lang="en-US" b="0" i="0" dirty="0" err="1">
-                <a:solidFill>
-                  <a:srgbClr val="374151"/>
-                </a:solidFill>
-                <a:effectLst/>
-                <a:latin typeface="Söhne"/>
-              </a:rPr>
-              <a:t>automatizacije</a:t>
-            </a:r>
-            <a:r>
-              <a:rPr lang="en-US" b="0" i="0" dirty="0">
-                <a:solidFill>
-                  <a:srgbClr val="374151"/>
-                </a:solidFill>
-                <a:effectLst/>
-                <a:latin typeface="Söhne"/>
-              </a:rPr>
-              <a:t> </a:t>
-            </a:r>
-            <a:r>
-              <a:rPr lang="en-US" b="0" i="0" dirty="0" err="1">
-                <a:solidFill>
-                  <a:srgbClr val="374151"/>
-                </a:solidFill>
-                <a:effectLst/>
-                <a:latin typeface="Söhne"/>
-              </a:rPr>
-              <a:t>pojedinih</a:t>
-            </a:r>
-            <a:r>
-              <a:rPr lang="en-US" b="0" i="0" dirty="0">
-                <a:solidFill>
-                  <a:srgbClr val="374151"/>
-                </a:solidFill>
-                <a:effectLst/>
-                <a:latin typeface="Söhne"/>
-              </a:rPr>
-              <a:t> </a:t>
-            </a:r>
-            <a:r>
-              <a:rPr lang="en-US" b="0" i="0" dirty="0" err="1">
-                <a:solidFill>
-                  <a:srgbClr val="374151"/>
-                </a:solidFill>
-                <a:effectLst/>
-                <a:latin typeface="Söhne"/>
-              </a:rPr>
-              <a:t>pravnih</a:t>
-            </a:r>
-            <a:r>
-              <a:rPr lang="en-US" b="0" i="0" dirty="0">
-                <a:solidFill>
-                  <a:srgbClr val="374151"/>
-                </a:solidFill>
-                <a:effectLst/>
-                <a:latin typeface="Söhne"/>
-              </a:rPr>
-              <a:t> </a:t>
-            </a:r>
-            <a:r>
-              <a:rPr lang="en-US" b="0" i="0" dirty="0" err="1">
-                <a:solidFill>
-                  <a:srgbClr val="374151"/>
-                </a:solidFill>
-                <a:effectLst/>
-                <a:latin typeface="Söhne"/>
-              </a:rPr>
-              <a:t>procesa</a:t>
-            </a:r>
-            <a:r>
-              <a:rPr lang="en-US" b="0" i="0" dirty="0">
-                <a:solidFill>
-                  <a:srgbClr val="374151"/>
-                </a:solidFill>
-                <a:effectLst/>
-                <a:latin typeface="Söhne"/>
-              </a:rPr>
-              <a:t>.</a:t>
-            </a:r>
-            <a:endParaRPr dirty="0"/>
+              <a:t>Primer meta podataka i hiper-</a:t>
+            </a:r>
+            <a:r>
+              <a:rPr lang="sr-Latn-RS" b="0" i="0" dirty="0" err="1">
+                <a:solidFill>
+                  <a:srgbClr val="374151"/>
+                </a:solidFill>
+                <a:effectLst/>
+                <a:latin typeface="Söhne"/>
+              </a:rPr>
+              <a:t>linkovanja</a:t>
+            </a:r>
+            <a:endParaRPr lang="en-US" dirty="0"/>
           </a:p>
         </p:txBody>
       </p:sp>
+      <p:pic>
+        <p:nvPicPr>
+          <p:cNvPr id="5" name="Picture 4">
+            <a:extLst>
+              <a:ext uri="{FF2B5EF4-FFF2-40B4-BE49-F238E27FC236}">
+                <a16:creationId xmlns:a16="http://schemas.microsoft.com/office/drawing/2014/main" id="{0B60BC2F-520F-855F-D64D-0BB39A235244}"/>
+              </a:ext>
+            </a:extLst>
+          </p:cNvPr>
+          <p:cNvPicPr>
+            <a:picLocks noChangeAspect="1"/>
+          </p:cNvPicPr>
+          <p:nvPr/>
+        </p:nvPicPr>
+        <p:blipFill>
+          <a:blip r:embed="rId3"/>
+          <a:stretch>
+            <a:fillRect/>
+          </a:stretch>
+        </p:blipFill>
+        <p:spPr>
+          <a:xfrm>
+            <a:off x="3674852" y="1844379"/>
+            <a:ext cx="8462445" cy="4601217"/>
+          </a:xfrm>
+          <a:prstGeom prst="rect">
+            <a:avLst/>
+          </a:prstGeom>
+        </p:spPr>
+      </p:pic>
     </p:spTree>
     <p:extLst>
       <p:ext uri="{BB962C8B-B14F-4D97-AF65-F5344CB8AC3E}">
-        <p14:creationId xmlns:p14="http://schemas.microsoft.com/office/powerpoint/2010/main" val="2482808566"/>
+        <p14:creationId xmlns:p14="http://schemas.microsoft.com/office/powerpoint/2010/main" val="4048915896"/>
       </p:ext>
     </p:extLst>
   </p:cSld>
@@ -19580,6 +18919,35 @@
           <a:lstStyle/>
           <a:p>
             <a:r>
+              <a:rPr lang="sr-Latn-RS" dirty="0">
+                <a:solidFill>
+                  <a:srgbClr val="374151"/>
+                </a:solidFill>
+                <a:latin typeface="Söhne"/>
+              </a:rPr>
+              <a:t>O</a:t>
+            </a:r>
+            <a:r>
+              <a:rPr lang="en-US" b="0" i="0" dirty="0" err="1">
+                <a:solidFill>
+                  <a:srgbClr val="374151"/>
+                </a:solidFill>
+                <a:effectLst/>
+                <a:latin typeface="Söhne"/>
+              </a:rPr>
+              <a:t>va</a:t>
+            </a:r>
+            <a:r>
+              <a:rPr lang="en-US" b="0" i="0" dirty="0">
+                <a:solidFill>
+                  <a:srgbClr val="374151"/>
+                </a:solidFill>
+                <a:effectLst/>
+                <a:latin typeface="Söhne"/>
+              </a:rPr>
+              <a:t> oblast</a:t>
+            </a:r>
+            <a:r>
               <a:rPr lang="sr-Latn-RS" b="0" i="0" dirty="0">
                 <a:solidFill>
                   <a:srgbClr val="374151"/>
@@ -19587,57 +18955,7 @@
                 <a:effectLst/>
                 <a:latin typeface="Söhne"/>
               </a:rPr>
-              <a:t>V</a:t>
-            </a:r>
-            <a:r>
-              <a:rPr lang="en-US" b="0" i="0" dirty="0" err="1">
-                <a:solidFill>
-                  <a:srgbClr val="374151"/>
-                </a:solidFill>
-                <a:effectLst/>
-                <a:latin typeface="Söhne"/>
-              </a:rPr>
-              <a:t>ažno</a:t>
-            </a:r>
-            <a:r>
-              <a:rPr lang="en-US" b="0" i="0" dirty="0">
-                <a:solidFill>
-                  <a:srgbClr val="374151"/>
-                </a:solidFill>
-                <a:effectLst/>
-                <a:latin typeface="Söhne"/>
-              </a:rPr>
-              <a:t> je </a:t>
-            </a:r>
-            <a:r>
-              <a:rPr lang="en-US" b="0" i="0" dirty="0" err="1">
-                <a:solidFill>
-                  <a:srgbClr val="374151"/>
-                </a:solidFill>
-                <a:effectLst/>
-                <a:latin typeface="Söhne"/>
-              </a:rPr>
-              <a:t>istaći</a:t>
-            </a:r>
-            <a:r>
-              <a:rPr lang="en-US" b="0" i="0" dirty="0">
-                <a:solidFill>
-                  <a:srgbClr val="374151"/>
-                </a:solidFill>
-                <a:effectLst/>
-                <a:latin typeface="Söhne"/>
-              </a:rPr>
-              <a:t> da </a:t>
-            </a:r>
-            <a:r>
-              <a:rPr lang="en-US" b="0" i="0" dirty="0" err="1">
-                <a:solidFill>
-                  <a:srgbClr val="374151"/>
-                </a:solidFill>
-                <a:effectLst/>
-                <a:latin typeface="Söhne"/>
-              </a:rPr>
-              <a:t>postoje</a:t>
+              <a:t> je</a:t>
             </a:r>
             <a:r>
               <a:rPr lang="en-US" b="0" i="0" dirty="0">
@@ -19657,7 +18975,7 @@
                 <a:effectLst/>
                 <a:latin typeface="Söhne"/>
               </a:rPr>
-              <a:t>i</a:t>
+              <a:t>postala</a:t>
             </a:r>
             <a:r>
               <a:rPr lang="en-US" b="0" i="0" dirty="0">
@@ -19677,7 +18995,27 @@
                 <a:effectLst/>
                 <a:latin typeface="Söhne"/>
               </a:rPr>
-              <a:t>neki</a:t>
+              <a:t>neizostavni</a:t>
+            </a:r>
+            <a:r>
+              <a:rPr lang="en-US" b="0" i="0" dirty="0">
+                <a:solidFill>
+                  <a:srgbClr val="374151"/>
+                </a:solidFill>
+                <a:effectLst/>
+                <a:latin typeface="Söhne"/>
+              </a:rPr>
+              <a:t> deo </a:t>
+            </a:r>
+            <a:r>
+              <a:rPr lang="en-US" b="0" i="0" dirty="0" err="1">
+                <a:solidFill>
+                  <a:srgbClr val="374151"/>
+                </a:solidFill>
+                <a:effectLst/>
+                <a:latin typeface="Söhne"/>
+              </a:rPr>
+              <a:t>savremenog</a:t>
             </a:r>
             <a:r>
               <a:rPr lang="en-US" b="0" i="0" dirty="0">
@@ -19697,7 +19035,7 @@
                 <a:effectLst/>
                 <a:latin typeface="Söhne"/>
               </a:rPr>
-              <a:t>izazovi</a:t>
+              <a:t>pravnog</a:t>
             </a:r>
             <a:r>
               <a:rPr lang="en-US" b="0" i="0" dirty="0">
@@ -19717,447 +19055,7 @@
                 <a:effectLst/>
                 <a:latin typeface="Söhne"/>
               </a:rPr>
-              <a:t>i</a:t>
-            </a:r>
-            <a:r>
-              <a:rPr lang="en-US" b="0" i="0" dirty="0">
-                <a:solidFill>
-                  <a:srgbClr val="374151"/>
-                </a:solidFill>
-                <a:effectLst/>
-                <a:latin typeface="Söhne"/>
-              </a:rPr>
-              <a:t> </a:t>
-            </a:r>
-            <a:r>
-              <a:rPr lang="en-US" b="0" i="0" dirty="0" err="1">
-                <a:solidFill>
-                  <a:srgbClr val="374151"/>
-                </a:solidFill>
-                <a:effectLst/>
-                <a:latin typeface="Söhne"/>
-              </a:rPr>
-              <a:t>nedostaci</a:t>
-            </a:r>
-            <a:r>
-              <a:rPr lang="en-US" b="0" i="0" dirty="0">
-                <a:solidFill>
-                  <a:srgbClr val="374151"/>
-                </a:solidFill>
-                <a:effectLst/>
-                <a:latin typeface="Söhne"/>
-              </a:rPr>
-              <a:t> u </a:t>
-            </a:r>
-            <a:r>
-              <a:rPr lang="en-US" b="0" i="0" dirty="0" err="1">
-                <a:solidFill>
-                  <a:srgbClr val="374151"/>
-                </a:solidFill>
-                <a:effectLst/>
-                <a:latin typeface="Söhne"/>
-              </a:rPr>
-              <a:t>primeni</a:t>
-            </a:r>
-            <a:r>
-              <a:rPr lang="en-US" b="0" i="0" dirty="0">
-                <a:solidFill>
-                  <a:srgbClr val="374151"/>
-                </a:solidFill>
-                <a:effectLst/>
-                <a:latin typeface="Söhne"/>
-              </a:rPr>
-              <a:t> </a:t>
-            </a:r>
-            <a:r>
-              <a:rPr lang="en-US" b="0" i="0" dirty="0" err="1">
-                <a:solidFill>
-                  <a:srgbClr val="374151"/>
-                </a:solidFill>
-                <a:effectLst/>
-                <a:latin typeface="Söhne"/>
-              </a:rPr>
-              <a:t>informacionih</a:t>
-            </a:r>
-            <a:r>
-              <a:rPr lang="en-US" b="0" i="0" dirty="0">
-                <a:solidFill>
-                  <a:srgbClr val="374151"/>
-                </a:solidFill>
-                <a:effectLst/>
-                <a:latin typeface="Söhne"/>
-              </a:rPr>
-              <a:t> </a:t>
-            </a:r>
-            <a:r>
-              <a:rPr lang="en-US" b="0" i="0" dirty="0" err="1">
-                <a:solidFill>
-                  <a:srgbClr val="374151"/>
-                </a:solidFill>
-                <a:effectLst/>
-                <a:latin typeface="Söhne"/>
-              </a:rPr>
-              <a:t>tehnologija</a:t>
-            </a:r>
-            <a:r>
-              <a:rPr lang="en-US" b="0" i="0" dirty="0">
-                <a:solidFill>
-                  <a:srgbClr val="374151"/>
-                </a:solidFill>
-                <a:effectLst/>
-                <a:latin typeface="Söhne"/>
-              </a:rPr>
-              <a:t> u </a:t>
-            </a:r>
-            <a:r>
-              <a:rPr lang="en-US" b="0" i="0" dirty="0" err="1">
-                <a:solidFill>
-                  <a:srgbClr val="374151"/>
-                </a:solidFill>
-                <a:effectLst/>
-                <a:latin typeface="Söhne"/>
-              </a:rPr>
-              <a:t>pravosuđu</a:t>
-            </a:r>
-            <a:r>
-              <a:rPr lang="en-US" b="0" i="0" dirty="0">
-                <a:solidFill>
-                  <a:srgbClr val="374151"/>
-                </a:solidFill>
-                <a:effectLst/>
-                <a:latin typeface="Söhne"/>
-              </a:rPr>
-              <a:t>. </a:t>
-            </a:r>
-            <a:r>
-              <a:rPr lang="en-US" b="0" i="0" dirty="0" err="1">
-                <a:solidFill>
-                  <a:srgbClr val="374151"/>
-                </a:solidFill>
-                <a:effectLst/>
-                <a:latin typeface="Söhne"/>
-              </a:rPr>
-              <a:t>Jedan</a:t>
-            </a:r>
-            <a:r>
-              <a:rPr lang="en-US" b="0" i="0" dirty="0">
-                <a:solidFill>
-                  <a:srgbClr val="374151"/>
-                </a:solidFill>
-                <a:effectLst/>
-                <a:latin typeface="Söhne"/>
-              </a:rPr>
-              <a:t> od </a:t>
-            </a:r>
-            <a:r>
-              <a:rPr lang="en-US" b="0" i="0" dirty="0" err="1">
-                <a:solidFill>
-                  <a:srgbClr val="374151"/>
-                </a:solidFill>
-                <a:effectLst/>
-                <a:latin typeface="Söhne"/>
-              </a:rPr>
-              <a:t>najvećih</a:t>
-            </a:r>
-            <a:r>
-              <a:rPr lang="en-US" b="0" i="0" dirty="0">
-                <a:solidFill>
-                  <a:srgbClr val="374151"/>
-                </a:solidFill>
-                <a:effectLst/>
-                <a:latin typeface="Söhne"/>
-              </a:rPr>
-              <a:t> </a:t>
-            </a:r>
-            <a:r>
-              <a:rPr lang="en-US" b="0" i="0" dirty="0" err="1">
-                <a:solidFill>
-                  <a:srgbClr val="374151"/>
-                </a:solidFill>
-                <a:effectLst/>
-                <a:latin typeface="Söhne"/>
-              </a:rPr>
-              <a:t>izazova</a:t>
-            </a:r>
-            <a:r>
-              <a:rPr lang="en-US" b="0" i="0" dirty="0">
-                <a:solidFill>
-                  <a:srgbClr val="374151"/>
-                </a:solidFill>
-                <a:effectLst/>
-                <a:latin typeface="Söhne"/>
-              </a:rPr>
-              <a:t> je </a:t>
-            </a:r>
-            <a:r>
-              <a:rPr lang="en-US" b="0" i="0" dirty="0" err="1">
-                <a:solidFill>
-                  <a:srgbClr val="374151"/>
-                </a:solidFill>
-                <a:effectLst/>
-                <a:latin typeface="Söhne"/>
-              </a:rPr>
-              <a:t>bezbednost</a:t>
-            </a:r>
-            <a:r>
-              <a:rPr lang="en-US" b="0" i="0" dirty="0">
-                <a:solidFill>
-                  <a:srgbClr val="374151"/>
-                </a:solidFill>
-                <a:effectLst/>
-                <a:latin typeface="Söhne"/>
-              </a:rPr>
-              <a:t> </a:t>
-            </a:r>
-            <a:r>
-              <a:rPr lang="en-US" b="0" i="0" dirty="0" err="1">
-                <a:solidFill>
-                  <a:srgbClr val="374151"/>
-                </a:solidFill>
-                <a:effectLst/>
-                <a:latin typeface="Söhne"/>
-              </a:rPr>
-              <a:t>podataka</a:t>
-            </a:r>
-            <a:r>
-              <a:rPr lang="en-US" b="0" i="0" dirty="0">
-                <a:solidFill>
-                  <a:srgbClr val="374151"/>
-                </a:solidFill>
-                <a:effectLst/>
-                <a:latin typeface="Söhne"/>
-              </a:rPr>
-              <a:t>, a </a:t>
-            </a:r>
-            <a:r>
-              <a:rPr lang="en-US" b="0" i="0" dirty="0" err="1">
-                <a:solidFill>
-                  <a:srgbClr val="374151"/>
-                </a:solidFill>
-                <a:effectLst/>
-                <a:latin typeface="Söhne"/>
-              </a:rPr>
-              <a:t>takođe</a:t>
-            </a:r>
-            <a:r>
-              <a:rPr lang="en-US" b="0" i="0" dirty="0">
-                <a:solidFill>
-                  <a:srgbClr val="374151"/>
-                </a:solidFill>
-                <a:effectLst/>
-                <a:latin typeface="Söhne"/>
-              </a:rPr>
-              <a:t> je </a:t>
-            </a:r>
-            <a:r>
-              <a:rPr lang="en-US" b="0" i="0" dirty="0" err="1">
-                <a:solidFill>
-                  <a:srgbClr val="374151"/>
-                </a:solidFill>
-                <a:effectLst/>
-                <a:latin typeface="Söhne"/>
-              </a:rPr>
-              <a:t>važno</a:t>
-            </a:r>
-            <a:r>
-              <a:rPr lang="en-US" b="0" i="0" dirty="0">
-                <a:solidFill>
-                  <a:srgbClr val="374151"/>
-                </a:solidFill>
-                <a:effectLst/>
-                <a:latin typeface="Söhne"/>
-              </a:rPr>
-              <a:t> </a:t>
-            </a:r>
-            <a:r>
-              <a:rPr lang="en-US" b="0" i="0" dirty="0" err="1">
-                <a:solidFill>
-                  <a:srgbClr val="374151"/>
-                </a:solidFill>
-                <a:effectLst/>
-                <a:latin typeface="Söhne"/>
-              </a:rPr>
-              <a:t>razmotriti</a:t>
-            </a:r>
-            <a:r>
-              <a:rPr lang="en-US" b="0" i="0" dirty="0">
-                <a:solidFill>
-                  <a:srgbClr val="374151"/>
-                </a:solidFill>
-                <a:effectLst/>
-                <a:latin typeface="Söhne"/>
-              </a:rPr>
-              <a:t> </a:t>
-            </a:r>
-            <a:r>
-              <a:rPr lang="en-US" b="0" i="0" dirty="0" err="1">
-                <a:solidFill>
-                  <a:srgbClr val="374151"/>
-                </a:solidFill>
-                <a:effectLst/>
-                <a:latin typeface="Söhne"/>
-              </a:rPr>
-              <a:t>i</a:t>
-            </a:r>
-            <a:r>
-              <a:rPr lang="en-US" b="0" i="0" dirty="0">
-                <a:solidFill>
-                  <a:srgbClr val="374151"/>
-                </a:solidFill>
-                <a:effectLst/>
-                <a:latin typeface="Söhne"/>
-              </a:rPr>
-              <a:t> </a:t>
-            </a:r>
-            <a:r>
-              <a:rPr lang="en-US" b="0" i="0" dirty="0" err="1">
-                <a:solidFill>
-                  <a:srgbClr val="374151"/>
-                </a:solidFill>
-                <a:effectLst/>
-                <a:latin typeface="Söhne"/>
-              </a:rPr>
-              <a:t>problematiku</a:t>
-            </a:r>
-            <a:r>
-              <a:rPr lang="en-US" b="0" i="0" dirty="0">
-                <a:solidFill>
-                  <a:srgbClr val="374151"/>
-                </a:solidFill>
-                <a:effectLst/>
-                <a:latin typeface="Söhne"/>
-              </a:rPr>
-              <a:t> </a:t>
-            </a:r>
-            <a:r>
-              <a:rPr lang="en-US" b="0" i="0" dirty="0" err="1">
-                <a:solidFill>
-                  <a:srgbClr val="374151"/>
-                </a:solidFill>
-                <a:effectLst/>
-                <a:latin typeface="Söhne"/>
-              </a:rPr>
-              <a:t>autorskog</a:t>
-            </a:r>
-            <a:r>
-              <a:rPr lang="en-US" b="0" i="0" dirty="0">
-                <a:solidFill>
-                  <a:srgbClr val="374151"/>
-                </a:solidFill>
-                <a:effectLst/>
-                <a:latin typeface="Söhne"/>
-              </a:rPr>
-              <a:t> </a:t>
-            </a:r>
-            <a:r>
-              <a:rPr lang="en-US" b="0" i="0" dirty="0" err="1">
-                <a:solidFill>
-                  <a:srgbClr val="374151"/>
-                </a:solidFill>
-                <a:effectLst/>
-                <a:latin typeface="Söhne"/>
-              </a:rPr>
-              <a:t>prava</a:t>
-            </a:r>
-            <a:r>
-              <a:rPr lang="en-US" b="0" i="0" dirty="0">
-                <a:solidFill>
-                  <a:srgbClr val="374151"/>
-                </a:solidFill>
-                <a:effectLst/>
-                <a:latin typeface="Söhne"/>
-              </a:rPr>
-              <a:t> </a:t>
-            </a:r>
-            <a:r>
-              <a:rPr lang="en-US" b="0" i="0" dirty="0" err="1">
-                <a:solidFill>
-                  <a:srgbClr val="374151"/>
-                </a:solidFill>
-                <a:effectLst/>
-                <a:latin typeface="Söhne"/>
-              </a:rPr>
-              <a:t>i</a:t>
-            </a:r>
-            <a:r>
-              <a:rPr lang="en-US" b="0" i="0" dirty="0">
-                <a:solidFill>
-                  <a:srgbClr val="374151"/>
-                </a:solidFill>
-                <a:effectLst/>
-                <a:latin typeface="Söhne"/>
-              </a:rPr>
-              <a:t> </a:t>
-            </a:r>
-            <a:r>
-              <a:rPr lang="en-US" b="0" i="0" dirty="0" err="1">
-                <a:solidFill>
-                  <a:srgbClr val="374151"/>
-                </a:solidFill>
-                <a:effectLst/>
-                <a:latin typeface="Söhne"/>
-              </a:rPr>
-              <a:t>zaštite</a:t>
-            </a:r>
-            <a:r>
-              <a:rPr lang="en-US" b="0" i="0" dirty="0">
-                <a:solidFill>
-                  <a:srgbClr val="374151"/>
-                </a:solidFill>
-                <a:effectLst/>
-                <a:latin typeface="Söhne"/>
-              </a:rPr>
-              <a:t> </a:t>
-            </a:r>
-            <a:r>
-              <a:rPr lang="en-US" b="0" i="0" dirty="0" err="1">
-                <a:solidFill>
-                  <a:srgbClr val="374151"/>
-                </a:solidFill>
-                <a:effectLst/>
-                <a:latin typeface="Söhne"/>
-              </a:rPr>
-              <a:t>privatnosti</a:t>
-            </a:r>
-            <a:r>
-              <a:rPr lang="en-US" b="0" i="0" dirty="0">
-                <a:solidFill>
-                  <a:srgbClr val="374151"/>
-                </a:solidFill>
-                <a:effectLst/>
-                <a:latin typeface="Söhne"/>
-              </a:rPr>
-              <a:t> u </a:t>
-            </a:r>
-            <a:r>
-              <a:rPr lang="en-US" b="0" i="0" dirty="0" err="1">
-                <a:solidFill>
-                  <a:srgbClr val="374151"/>
-                </a:solidFill>
-                <a:effectLst/>
-                <a:latin typeface="Söhne"/>
-              </a:rPr>
-              <a:t>digitalnom</a:t>
-            </a:r>
-            <a:r>
-              <a:rPr lang="en-US" b="0" i="0" dirty="0">
-                <a:solidFill>
-                  <a:srgbClr val="374151"/>
-                </a:solidFill>
-                <a:effectLst/>
-                <a:latin typeface="Söhne"/>
-              </a:rPr>
-              <a:t> </a:t>
-            </a:r>
-            <a:r>
-              <a:rPr lang="en-US" b="0" i="0" dirty="0" err="1">
-                <a:solidFill>
-                  <a:srgbClr val="374151"/>
-                </a:solidFill>
-                <a:effectLst/>
-                <a:latin typeface="Söhne"/>
-              </a:rPr>
-              <a:t>okruženju</a:t>
+              <a:t>sistema</a:t>
             </a:r>
             <a:r>
               <a:rPr lang="en-US" b="0" i="0" dirty="0">
@@ -20179,23 +19077,14 @@
           </a:p>
           <a:p>
             <a:r>
-              <a:rPr lang="sr-Latn-RS" dirty="0">
-                <a:solidFill>
-                  <a:srgbClr val="374151"/>
-                </a:solidFill>
-                <a:latin typeface="Söhne"/>
-              </a:rPr>
-              <a:t>P</a:t>
-            </a:r>
-            <a:r>
-              <a:rPr lang="en-US" b="0" i="0" dirty="0" err="1">
-                <a:solidFill>
-                  <a:srgbClr val="374151"/>
-                </a:solidFill>
-                <a:effectLst/>
-                <a:latin typeface="Söhne"/>
-              </a:rPr>
-              <a:t>ravna</a:t>
+              <a:rPr lang="en-US" b="0" i="0" dirty="0" err="1">
+                <a:solidFill>
+                  <a:srgbClr val="374151"/>
+                </a:solidFill>
+                <a:effectLst/>
+                <a:latin typeface="Söhne"/>
+              </a:rPr>
+              <a:t>Korišćenje</a:t>
             </a:r>
             <a:r>
               <a:rPr lang="en-US" b="0" i="0" dirty="0">
@@ -20215,7 +19104,7 @@
                 <a:effectLst/>
                 <a:latin typeface="Söhne"/>
               </a:rPr>
-              <a:t>informatika</a:t>
+              <a:t>informacionih</a:t>
             </a:r>
             <a:r>
               <a:rPr lang="en-US" b="0" i="0" dirty="0">
@@ -20235,7 +19124,27 @@
                 <a:effectLst/>
                 <a:latin typeface="Söhne"/>
               </a:rPr>
-              <a:t>predstavlja</a:t>
+              <a:t>tehnologija</a:t>
+            </a:r>
+            <a:r>
+              <a:rPr lang="en-US" b="0" i="0" dirty="0">
+                <a:solidFill>
+                  <a:srgbClr val="374151"/>
+                </a:solidFill>
+                <a:effectLst/>
+                <a:latin typeface="Söhne"/>
+              </a:rPr>
+              <a:t> u </a:t>
+            </a:r>
+            <a:r>
+              <a:rPr lang="en-US" b="0" i="0" dirty="0" err="1">
+                <a:solidFill>
+                  <a:srgbClr val="374151"/>
+                </a:solidFill>
+                <a:effectLst/>
+                <a:latin typeface="Söhne"/>
+              </a:rPr>
+              <a:t>pravosuđu</a:t>
             </a:r>
             <a:r>
               <a:rPr lang="en-US" b="0" i="0" dirty="0">
@@ -20255,7 +19164,7 @@
                 <a:effectLst/>
                 <a:latin typeface="Söhne"/>
               </a:rPr>
-              <a:t>važan</a:t>
+              <a:t>i</a:t>
             </a:r>
             <a:r>
               <a:rPr lang="en-US" b="0" i="0" dirty="0">
@@ -20275,27 +19184,7 @@
                 <a:effectLst/>
                 <a:latin typeface="Söhne"/>
               </a:rPr>
-              <a:t>alat</a:t>
-            </a:r>
-            <a:r>
-              <a:rPr lang="en-US" b="0" i="0" dirty="0">
-                <a:solidFill>
-                  <a:srgbClr val="374151"/>
-                </a:solidFill>
-                <a:effectLst/>
-                <a:latin typeface="Söhne"/>
-              </a:rPr>
-              <a:t> u </a:t>
-            </a:r>
-            <a:r>
-              <a:rPr lang="en-US" b="0" i="0" dirty="0" err="1">
-                <a:solidFill>
-                  <a:srgbClr val="374151"/>
-                </a:solidFill>
-                <a:effectLst/>
-                <a:latin typeface="Söhne"/>
-              </a:rPr>
-              <a:t>savremenom</a:t>
+              <a:t>pravnoj</a:t>
             </a:r>
             <a:r>
               <a:rPr lang="en-US" b="0" i="0" dirty="0">
@@ -20315,27 +19204,7 @@
                 <a:effectLst/>
                 <a:latin typeface="Söhne"/>
               </a:rPr>
-              <a:t>pravosuđu</a:t>
-            </a:r>
-            <a:r>
-              <a:rPr lang="en-US" b="0" i="0" dirty="0">
-                <a:solidFill>
-                  <a:srgbClr val="374151"/>
-                </a:solidFill>
-                <a:effectLst/>
-                <a:latin typeface="Söhne"/>
-              </a:rPr>
-              <a:t>, koji </a:t>
-            </a:r>
-            <a:r>
-              <a:rPr lang="en-US" b="0" i="0" dirty="0" err="1">
-                <a:solidFill>
-                  <a:srgbClr val="374151"/>
-                </a:solidFill>
-                <a:effectLst/>
-                <a:latin typeface="Söhne"/>
-              </a:rPr>
-              <a:t>može</a:t>
+              <a:t>teoriji</a:t>
             </a:r>
             <a:r>
               <a:rPr lang="en-US" b="0" i="0" dirty="0">
@@ -20355,27 +19224,7 @@
                 <a:effectLst/>
                 <a:latin typeface="Söhne"/>
               </a:rPr>
-              <a:t>pomoći</a:t>
-            </a:r>
-            <a:r>
-              <a:rPr lang="en-US" b="0" i="0" dirty="0">
-                <a:solidFill>
-                  <a:srgbClr val="374151"/>
-                </a:solidFill>
-                <a:effectLst/>
-                <a:latin typeface="Söhne"/>
-              </a:rPr>
-              <a:t> u </a:t>
-            </a:r>
-            <a:r>
-              <a:rPr lang="en-US" b="0" i="0" dirty="0" err="1">
-                <a:solidFill>
-                  <a:srgbClr val="374151"/>
-                </a:solidFill>
-                <a:effectLst/>
-                <a:latin typeface="Söhne"/>
-              </a:rPr>
-              <a:t>efikasnom</a:t>
+              <a:t>ima</a:t>
             </a:r>
             <a:r>
               <a:rPr lang="en-US" b="0" i="0" dirty="0">
@@ -20395,7 +19244,7 @@
                 <a:effectLst/>
                 <a:latin typeface="Söhne"/>
               </a:rPr>
-              <a:t>rešavanju</a:t>
+              <a:t>mnoge</a:t>
             </a:r>
             <a:r>
               <a:rPr lang="en-US" b="0" i="0" dirty="0">
@@ -20415,6 +19264,346 @@
                 <a:effectLst/>
                 <a:latin typeface="Söhne"/>
               </a:rPr>
+              <a:t>prednosti</a:t>
+            </a:r>
+            <a:r>
+              <a:rPr lang="en-US" b="0" i="0" dirty="0">
+                <a:solidFill>
+                  <a:srgbClr val="374151"/>
+                </a:solidFill>
+                <a:effectLst/>
+                <a:latin typeface="Söhne"/>
+              </a:rPr>
+              <a:t>, </a:t>
+            </a:r>
+            <a:r>
+              <a:rPr lang="en-US" b="0" i="0" dirty="0" err="1">
+                <a:solidFill>
+                  <a:srgbClr val="374151"/>
+                </a:solidFill>
+                <a:effectLst/>
+                <a:latin typeface="Söhne"/>
+              </a:rPr>
+              <a:t>kao</a:t>
+            </a:r>
+            <a:r>
+              <a:rPr lang="en-US" b="0" i="0" dirty="0">
+                <a:solidFill>
+                  <a:srgbClr val="374151"/>
+                </a:solidFill>
+                <a:effectLst/>
+                <a:latin typeface="Söhne"/>
+              </a:rPr>
+              <a:t> </a:t>
+            </a:r>
+            <a:r>
+              <a:rPr lang="en-US" b="0" i="0" dirty="0" err="1">
+                <a:solidFill>
+                  <a:srgbClr val="374151"/>
+                </a:solidFill>
+                <a:effectLst/>
+                <a:latin typeface="Söhne"/>
+              </a:rPr>
+              <a:t>što</a:t>
+            </a:r>
+            <a:r>
+              <a:rPr lang="en-US" b="0" i="0" dirty="0">
+                <a:solidFill>
+                  <a:srgbClr val="374151"/>
+                </a:solidFill>
+                <a:effectLst/>
+                <a:latin typeface="Söhne"/>
+              </a:rPr>
+              <a:t> </a:t>
+            </a:r>
+            <a:r>
+              <a:rPr lang="en-US" b="0" i="0" dirty="0" err="1">
+                <a:solidFill>
+                  <a:srgbClr val="374151"/>
+                </a:solidFill>
+                <a:effectLst/>
+                <a:latin typeface="Söhne"/>
+              </a:rPr>
+              <a:t>su</a:t>
+            </a:r>
+            <a:r>
+              <a:rPr lang="en-US" b="0" i="0" dirty="0">
+                <a:solidFill>
+                  <a:srgbClr val="374151"/>
+                </a:solidFill>
+                <a:effectLst/>
+                <a:latin typeface="Söhne"/>
+              </a:rPr>
+              <a:t> </a:t>
+            </a:r>
+            <a:r>
+              <a:rPr lang="en-US" b="0" i="0" dirty="0" err="1">
+                <a:solidFill>
+                  <a:srgbClr val="374151"/>
+                </a:solidFill>
+                <a:effectLst/>
+                <a:latin typeface="Söhne"/>
+              </a:rPr>
+              <a:t>brže</a:t>
+            </a:r>
+            <a:r>
+              <a:rPr lang="en-US" b="0" i="0" dirty="0">
+                <a:solidFill>
+                  <a:srgbClr val="374151"/>
+                </a:solidFill>
+                <a:effectLst/>
+                <a:latin typeface="Söhne"/>
+              </a:rPr>
+              <a:t> </a:t>
+            </a:r>
+            <a:r>
+              <a:rPr lang="en-US" b="0" i="0" dirty="0" err="1">
+                <a:solidFill>
+                  <a:srgbClr val="374151"/>
+                </a:solidFill>
+                <a:effectLst/>
+                <a:latin typeface="Söhne"/>
+              </a:rPr>
+              <a:t>i</a:t>
+            </a:r>
+            <a:r>
+              <a:rPr lang="en-US" b="0" i="0" dirty="0">
+                <a:solidFill>
+                  <a:srgbClr val="374151"/>
+                </a:solidFill>
+                <a:effectLst/>
+                <a:latin typeface="Söhne"/>
+              </a:rPr>
+              <a:t> </a:t>
+            </a:r>
+            <a:r>
+              <a:rPr lang="en-US" b="0" i="0" dirty="0" err="1">
+                <a:solidFill>
+                  <a:srgbClr val="374151"/>
+                </a:solidFill>
+                <a:effectLst/>
+                <a:latin typeface="Söhne"/>
+              </a:rPr>
+              <a:t>efikasnije</a:t>
+            </a:r>
+            <a:r>
+              <a:rPr lang="en-US" b="0" i="0" dirty="0">
+                <a:solidFill>
+                  <a:srgbClr val="374151"/>
+                </a:solidFill>
+                <a:effectLst/>
+                <a:latin typeface="Söhne"/>
+              </a:rPr>
+              <a:t> </a:t>
+            </a:r>
+            <a:r>
+              <a:rPr lang="en-US" b="0" i="0" dirty="0" err="1">
+                <a:solidFill>
+                  <a:srgbClr val="374151"/>
+                </a:solidFill>
+                <a:effectLst/>
+                <a:latin typeface="Söhne"/>
+              </a:rPr>
+              <a:t>donošenje</a:t>
+            </a:r>
+            <a:r>
+              <a:rPr lang="en-US" b="0" i="0" dirty="0">
+                <a:solidFill>
+                  <a:srgbClr val="374151"/>
+                </a:solidFill>
+                <a:effectLst/>
+                <a:latin typeface="Söhne"/>
+              </a:rPr>
+              <a:t> </a:t>
+            </a:r>
+            <a:r>
+              <a:rPr lang="en-US" b="0" i="0" dirty="0" err="1">
+                <a:solidFill>
+                  <a:srgbClr val="374151"/>
+                </a:solidFill>
+                <a:effectLst/>
+                <a:latin typeface="Söhne"/>
+              </a:rPr>
+              <a:t>odluka</a:t>
+            </a:r>
+            <a:r>
+              <a:rPr lang="en-US" b="0" i="0" dirty="0">
+                <a:solidFill>
+                  <a:srgbClr val="374151"/>
+                </a:solidFill>
+                <a:effectLst/>
+                <a:latin typeface="Söhne"/>
+              </a:rPr>
+              <a:t>, </a:t>
+            </a:r>
+            <a:r>
+              <a:rPr lang="en-US" b="0" i="0" dirty="0" err="1">
+                <a:solidFill>
+                  <a:srgbClr val="374151"/>
+                </a:solidFill>
+                <a:effectLst/>
+                <a:latin typeface="Söhne"/>
+              </a:rPr>
+              <a:t>olakšavanje</a:t>
+            </a:r>
+            <a:r>
+              <a:rPr lang="en-US" b="0" i="0" dirty="0">
+                <a:solidFill>
+                  <a:srgbClr val="374151"/>
+                </a:solidFill>
+                <a:effectLst/>
+                <a:latin typeface="Söhne"/>
+              </a:rPr>
+              <a:t> </a:t>
+            </a:r>
+            <a:r>
+              <a:rPr lang="en-US" b="0" i="0" dirty="0" err="1">
+                <a:solidFill>
+                  <a:srgbClr val="374151"/>
+                </a:solidFill>
+                <a:effectLst/>
+                <a:latin typeface="Söhne"/>
+              </a:rPr>
+              <a:t>pristupa</a:t>
+            </a:r>
+            <a:r>
+              <a:rPr lang="en-US" b="0" i="0" dirty="0">
+                <a:solidFill>
+                  <a:srgbClr val="374151"/>
+                </a:solidFill>
+                <a:effectLst/>
+                <a:latin typeface="Söhne"/>
+              </a:rPr>
+              <a:t> </a:t>
+            </a:r>
+            <a:r>
+              <a:rPr lang="en-US" b="0" i="0" dirty="0" err="1">
+                <a:solidFill>
+                  <a:srgbClr val="374151"/>
+                </a:solidFill>
+                <a:effectLst/>
+                <a:latin typeface="Söhne"/>
+              </a:rPr>
+              <a:t>pravnim</a:t>
+            </a:r>
+            <a:r>
+              <a:rPr lang="en-US" b="0" i="0" dirty="0">
+                <a:solidFill>
+                  <a:srgbClr val="374151"/>
+                </a:solidFill>
+                <a:effectLst/>
+                <a:latin typeface="Söhne"/>
+              </a:rPr>
+              <a:t> </a:t>
+            </a:r>
+            <a:r>
+              <a:rPr lang="en-US" b="0" i="0" dirty="0" err="1">
+                <a:solidFill>
+                  <a:srgbClr val="374151"/>
+                </a:solidFill>
+                <a:effectLst/>
+                <a:latin typeface="Söhne"/>
+              </a:rPr>
+              <a:t>informacijama</a:t>
+            </a:r>
+            <a:r>
+              <a:rPr lang="en-US" b="0" i="0" dirty="0">
+                <a:solidFill>
+                  <a:srgbClr val="374151"/>
+                </a:solidFill>
+                <a:effectLst/>
+                <a:latin typeface="Söhne"/>
+              </a:rPr>
+              <a:t>, </a:t>
+            </a:r>
+            <a:r>
+              <a:rPr lang="en-US" b="0" i="0" dirty="0" err="1">
+                <a:solidFill>
+                  <a:srgbClr val="374151"/>
+                </a:solidFill>
+                <a:effectLst/>
+                <a:latin typeface="Söhne"/>
+              </a:rPr>
+              <a:t>bolja</a:t>
+            </a:r>
+            <a:r>
+              <a:rPr lang="en-US" b="0" i="0" dirty="0">
+                <a:solidFill>
+                  <a:srgbClr val="374151"/>
+                </a:solidFill>
+                <a:effectLst/>
+                <a:latin typeface="Söhne"/>
+              </a:rPr>
+              <a:t> </a:t>
+            </a:r>
+            <a:r>
+              <a:rPr lang="en-US" b="0" i="0" dirty="0" err="1">
+                <a:solidFill>
+                  <a:srgbClr val="374151"/>
+                </a:solidFill>
+                <a:effectLst/>
+                <a:latin typeface="Söhne"/>
+              </a:rPr>
+              <a:t>organizacija</a:t>
+            </a:r>
+            <a:r>
+              <a:rPr lang="en-US" b="0" i="0" dirty="0">
+                <a:solidFill>
+                  <a:srgbClr val="374151"/>
+                </a:solidFill>
+                <a:effectLst/>
+                <a:latin typeface="Söhne"/>
+              </a:rPr>
+              <a:t> </a:t>
+            </a:r>
+            <a:r>
+              <a:rPr lang="en-US" b="0" i="0" dirty="0" err="1">
+                <a:solidFill>
+                  <a:srgbClr val="374151"/>
+                </a:solidFill>
+                <a:effectLst/>
+                <a:latin typeface="Söhne"/>
+              </a:rPr>
+              <a:t>i</a:t>
+            </a:r>
+            <a:r>
+              <a:rPr lang="en-US" b="0" i="0" dirty="0">
+                <a:solidFill>
+                  <a:srgbClr val="374151"/>
+                </a:solidFill>
+                <a:effectLst/>
+                <a:latin typeface="Söhne"/>
+              </a:rPr>
+              <a:t> </a:t>
+            </a:r>
+            <a:r>
+              <a:rPr lang="en-US" b="0" i="0" dirty="0" err="1">
+                <a:solidFill>
+                  <a:srgbClr val="374151"/>
+                </a:solidFill>
+                <a:effectLst/>
+                <a:latin typeface="Söhne"/>
+              </a:rPr>
+              <a:t>prezentacija</a:t>
+            </a:r>
+            <a:r>
+              <a:rPr lang="en-US" b="0" i="0" dirty="0">
+                <a:solidFill>
+                  <a:srgbClr val="374151"/>
+                </a:solidFill>
+                <a:effectLst/>
+                <a:latin typeface="Söhne"/>
+              </a:rPr>
+              <a:t> </a:t>
+            </a:r>
+            <a:r>
+              <a:rPr lang="en-US" b="0" i="0" dirty="0" err="1">
+                <a:solidFill>
+                  <a:srgbClr val="374151"/>
+                </a:solidFill>
+                <a:effectLst/>
+                <a:latin typeface="Söhne"/>
+              </a:rPr>
               <a:t>pravnih</a:t>
             </a:r>
             <a:r>
@@ -20435,7 +19624,27 @@
                 <a:effectLst/>
                 <a:latin typeface="Söhne"/>
               </a:rPr>
-              <a:t>pitanja</a:t>
+              <a:t>dokumenata</a:t>
+            </a:r>
+            <a:r>
+              <a:rPr lang="en-US" b="0" i="0" dirty="0">
+                <a:solidFill>
+                  <a:srgbClr val="374151"/>
+                </a:solidFill>
+                <a:effectLst/>
+                <a:latin typeface="Söhne"/>
+              </a:rPr>
+              <a:t>, </a:t>
+            </a:r>
+            <a:r>
+              <a:rPr lang="en-US" b="0" i="0" dirty="0" err="1">
+                <a:solidFill>
+                  <a:srgbClr val="374151"/>
+                </a:solidFill>
+                <a:effectLst/>
+                <a:latin typeface="Söhne"/>
+              </a:rPr>
+              <a:t>kao</a:t>
             </a:r>
             <a:r>
               <a:rPr lang="en-US" b="0" i="0" dirty="0">
@@ -20475,7 +19684,7 @@
                 <a:effectLst/>
                 <a:latin typeface="Söhne"/>
               </a:rPr>
-              <a:t>donošenju</a:t>
+              <a:t>mogućnost</a:t>
             </a:r>
             <a:r>
               <a:rPr lang="en-US" b="0" i="0" dirty="0">
@@ -20495,7 +19704,7 @@
                 <a:effectLst/>
                 <a:latin typeface="Söhne"/>
               </a:rPr>
-              <a:t>kvalitetnih</a:t>
+              <a:t>automatizacije</a:t>
             </a:r>
             <a:r>
               <a:rPr lang="en-US" b="0" i="0" dirty="0">
@@ -20515,7 +19724,47 @@
                 <a:effectLst/>
                 <a:latin typeface="Söhne"/>
               </a:rPr>
-              <a:t>odluka</a:t>
+              <a:t>pojedinih</a:t>
+            </a:r>
+            <a:r>
+              <a:rPr lang="en-US" b="0" i="0" dirty="0">
+                <a:solidFill>
+                  <a:srgbClr val="374151"/>
+                </a:solidFill>
+                <a:effectLst/>
+                <a:latin typeface="Söhne"/>
+              </a:rPr>
+              <a:t> </a:t>
+            </a:r>
+            <a:r>
+              <a:rPr lang="en-US" b="0" i="0" dirty="0" err="1">
+                <a:solidFill>
+                  <a:srgbClr val="374151"/>
+                </a:solidFill>
+                <a:effectLst/>
+                <a:latin typeface="Söhne"/>
+              </a:rPr>
+              <a:t>pravnih</a:t>
+            </a:r>
+            <a:r>
+              <a:rPr lang="en-US" b="0" i="0" dirty="0">
+                <a:solidFill>
+                  <a:srgbClr val="374151"/>
+                </a:solidFill>
+                <a:effectLst/>
+                <a:latin typeface="Söhne"/>
+              </a:rPr>
+              <a:t> </a:t>
+            </a:r>
+            <a:r>
+              <a:rPr lang="en-US" b="0" i="0" dirty="0" err="1">
+                <a:solidFill>
+                  <a:srgbClr val="374151"/>
+                </a:solidFill>
+                <a:effectLst/>
+                <a:latin typeface="Söhne"/>
+              </a:rPr>
+              <a:t>procesa</a:t>
             </a:r>
             <a:r>
               <a:rPr lang="en-US" b="0" i="0" dirty="0">
@@ -20534,7 +19783,7 @@
     </p:spTree>
     <p:extLst>
       <p:ext uri="{BB962C8B-B14F-4D97-AF65-F5344CB8AC3E}">
-        <p14:creationId xmlns:p14="http://schemas.microsoft.com/office/powerpoint/2010/main" val="4290222120"/>
+        <p14:creationId xmlns:p14="http://schemas.microsoft.com/office/powerpoint/2010/main" val="2482808566"/>
       </p:ext>
     </p:extLst>
   </p:cSld>
@@ -21680,7 +20929,7 @@
                   <a:srgbClr val="FFFFFF"/>
                 </a:solidFill>
               </a:rPr>
-              <a:t>Dalja unapređenja</a:t>
+              <a:t>Zaključak</a:t>
             </a:r>
             <a:endParaRPr lang="en-US" dirty="0">
               <a:solidFill>
@@ -21774,44 +21023,64 @@
           <a:lstStyle/>
           <a:p>
             <a:r>
-              <a:rPr lang="en-US" b="0" i="0" dirty="0">
-                <a:solidFill>
-                  <a:srgbClr val="374151"/>
-                </a:solidFill>
-                <a:effectLst/>
-                <a:latin typeface="Söhne"/>
-              </a:rPr>
-              <a:t>Kao </a:t>
-            </a:r>
-            <a:r>
-              <a:rPr lang="en-US" b="0" i="0" dirty="0" err="1">
-                <a:solidFill>
-                  <a:srgbClr val="374151"/>
-                </a:solidFill>
-                <a:effectLst/>
-                <a:latin typeface="Söhne"/>
-              </a:rPr>
-              <a:t>što</a:t>
-            </a:r>
-            <a:r>
-              <a:rPr lang="en-US" b="0" i="0" dirty="0">
-                <a:solidFill>
-                  <a:srgbClr val="374151"/>
-                </a:solidFill>
-                <a:effectLst/>
-                <a:latin typeface="Söhne"/>
-              </a:rPr>
-              <a:t> se </a:t>
-            </a:r>
-            <a:r>
-              <a:rPr lang="en-US" b="0" i="0" dirty="0" err="1">
-                <a:solidFill>
-                  <a:srgbClr val="374151"/>
-                </a:solidFill>
-                <a:effectLst/>
-                <a:latin typeface="Söhne"/>
-              </a:rPr>
-              <a:t>razvijaju</a:t>
+              <a:rPr lang="sr-Latn-RS" b="0" i="0" dirty="0">
+                <a:solidFill>
+                  <a:srgbClr val="374151"/>
+                </a:solidFill>
+                <a:effectLst/>
+                <a:latin typeface="Söhne"/>
+              </a:rPr>
+              <a:t>V</a:t>
+            </a:r>
+            <a:r>
+              <a:rPr lang="en-US" b="0" i="0" dirty="0" err="1">
+                <a:solidFill>
+                  <a:srgbClr val="374151"/>
+                </a:solidFill>
+                <a:effectLst/>
+                <a:latin typeface="Söhne"/>
+              </a:rPr>
+              <a:t>ažno</a:t>
+            </a:r>
+            <a:r>
+              <a:rPr lang="en-US" b="0" i="0" dirty="0">
+                <a:solidFill>
+                  <a:srgbClr val="374151"/>
+                </a:solidFill>
+                <a:effectLst/>
+                <a:latin typeface="Söhne"/>
+              </a:rPr>
+              <a:t> je </a:t>
+            </a:r>
+            <a:r>
+              <a:rPr lang="en-US" b="0" i="0" dirty="0" err="1">
+                <a:solidFill>
+                  <a:srgbClr val="374151"/>
+                </a:solidFill>
+                <a:effectLst/>
+                <a:latin typeface="Söhne"/>
+              </a:rPr>
+              <a:t>istaći</a:t>
+            </a:r>
+            <a:r>
+              <a:rPr lang="en-US" b="0" i="0" dirty="0">
+                <a:solidFill>
+                  <a:srgbClr val="374151"/>
+                </a:solidFill>
+                <a:effectLst/>
+                <a:latin typeface="Söhne"/>
+              </a:rPr>
+              <a:t> da </a:t>
+            </a:r>
+            <a:r>
+              <a:rPr lang="en-US" b="0" i="0" dirty="0" err="1">
+                <a:solidFill>
+                  <a:srgbClr val="374151"/>
+                </a:solidFill>
+                <a:effectLst/>
+                <a:latin typeface="Söhne"/>
+              </a:rPr>
+              <a:t>postoje</a:t>
             </a:r>
             <a:r>
               <a:rPr lang="en-US" b="0" i="0" dirty="0">
@@ -21851,7 +21120,7 @@
                 <a:effectLst/>
                 <a:latin typeface="Söhne"/>
               </a:rPr>
-              <a:t>napreduju</a:t>
+              <a:t>neki</a:t>
             </a:r>
             <a:r>
               <a:rPr lang="en-US" b="0" i="0" dirty="0">
@@ -21871,7 +21140,7 @@
                 <a:effectLst/>
                 <a:latin typeface="Söhne"/>
               </a:rPr>
-              <a:t>tehnološke</a:t>
+              <a:t>izazovi</a:t>
             </a:r>
             <a:r>
               <a:rPr lang="en-US" b="0" i="0" dirty="0">
@@ -21891,46 +21160,6 @@
                 <a:effectLst/>
                 <a:latin typeface="Söhne"/>
               </a:rPr>
-              <a:t>mogućnosti</a:t>
-            </a:r>
-            <a:r>
-              <a:rPr lang="en-US" b="0" i="0" dirty="0">
-                <a:solidFill>
-                  <a:srgbClr val="374151"/>
-                </a:solidFill>
-                <a:effectLst/>
-                <a:latin typeface="Söhne"/>
-              </a:rPr>
-              <a:t>, </a:t>
-            </a:r>
-            <a:r>
-              <a:rPr lang="en-US" b="0" i="0" dirty="0" err="1">
-                <a:solidFill>
-                  <a:srgbClr val="374151"/>
-                </a:solidFill>
-                <a:effectLst/>
-                <a:latin typeface="Söhne"/>
-              </a:rPr>
-              <a:t>tako</a:t>
-            </a:r>
-            <a:r>
-              <a:rPr lang="en-US" b="0" i="0" dirty="0">
-                <a:solidFill>
-                  <a:srgbClr val="374151"/>
-                </a:solidFill>
-                <a:effectLst/>
-                <a:latin typeface="Söhne"/>
-              </a:rPr>
-              <a:t> se </a:t>
-            </a:r>
-            <a:r>
-              <a:rPr lang="en-US" b="0" i="0" dirty="0" err="1">
-                <a:solidFill>
-                  <a:srgbClr val="374151"/>
-                </a:solidFill>
-                <a:effectLst/>
-                <a:latin typeface="Söhne"/>
-              </a:rPr>
               <a:t>i</a:t>
             </a:r>
             <a:r>
@@ -21941,26 +21170,6 @@
                 <a:effectLst/>
                 <a:latin typeface="Söhne"/>
               </a:rPr>
-              <a:t> oblast </a:t>
-            </a:r>
-            <a:r>
-              <a:rPr lang="en-US" b="0" i="0" dirty="0" err="1">
-                <a:solidFill>
-                  <a:srgbClr val="374151"/>
-                </a:solidFill>
-                <a:effectLst/>
-                <a:latin typeface="Söhne"/>
-              </a:rPr>
-              <a:t>pravne</a:t>
-            </a:r>
-            <a:r>
-              <a:rPr lang="en-US" b="0" i="0" dirty="0">
-                <a:solidFill>
-                  <a:srgbClr val="374151"/>
-                </a:solidFill>
-                <a:effectLst/>
-                <a:latin typeface="Söhne"/>
-              </a:rPr>
               <a:t> </a:t>
             </a:r>
             <a:r>
@@ -21971,7 +21180,27 @@
                 <a:effectLst/>
                 <a:latin typeface="Söhne"/>
               </a:rPr>
-              <a:t>informatike</a:t>
+              <a:t>nedostaci</a:t>
+            </a:r>
+            <a:r>
+              <a:rPr lang="en-US" b="0" i="0" dirty="0">
+                <a:solidFill>
+                  <a:srgbClr val="374151"/>
+                </a:solidFill>
+                <a:effectLst/>
+                <a:latin typeface="Söhne"/>
+              </a:rPr>
+              <a:t> u </a:t>
+            </a:r>
+            <a:r>
+              <a:rPr lang="en-US" b="0" i="0" dirty="0" err="1">
+                <a:solidFill>
+                  <a:srgbClr val="374151"/>
+                </a:solidFill>
+                <a:effectLst/>
+                <a:latin typeface="Söhne"/>
+              </a:rPr>
+              <a:t>primeni</a:t>
             </a:r>
             <a:r>
               <a:rPr lang="en-US" b="0" i="0" dirty="0">
@@ -21991,7 +21220,7 @@
                 <a:effectLst/>
                 <a:latin typeface="Söhne"/>
               </a:rPr>
-              <a:t>neprestano</a:t>
+              <a:t>informacionih</a:t>
             </a:r>
             <a:r>
               <a:rPr lang="en-US" b="0" i="0" dirty="0">
@@ -22011,7 +21240,67 @@
                 <a:effectLst/>
                 <a:latin typeface="Söhne"/>
               </a:rPr>
-              <a:t>razvija</a:t>
+              <a:t>tehnologija</a:t>
+            </a:r>
+            <a:r>
+              <a:rPr lang="en-US" b="0" i="0" dirty="0">
+                <a:solidFill>
+                  <a:srgbClr val="374151"/>
+                </a:solidFill>
+                <a:effectLst/>
+                <a:latin typeface="Söhne"/>
+              </a:rPr>
+              <a:t> u </a:t>
+            </a:r>
+            <a:r>
+              <a:rPr lang="en-US" b="0" i="0" dirty="0" err="1">
+                <a:solidFill>
+                  <a:srgbClr val="374151"/>
+                </a:solidFill>
+                <a:effectLst/>
+                <a:latin typeface="Söhne"/>
+              </a:rPr>
+              <a:t>pravosuđu</a:t>
+            </a:r>
+            <a:r>
+              <a:rPr lang="en-US" b="0" i="0" dirty="0">
+                <a:solidFill>
+                  <a:srgbClr val="374151"/>
+                </a:solidFill>
+                <a:effectLst/>
+                <a:latin typeface="Söhne"/>
+              </a:rPr>
+              <a:t>. </a:t>
+            </a:r>
+            <a:r>
+              <a:rPr lang="en-US" b="0" i="0" dirty="0" err="1">
+                <a:solidFill>
+                  <a:srgbClr val="374151"/>
+                </a:solidFill>
+                <a:effectLst/>
+                <a:latin typeface="Söhne"/>
+              </a:rPr>
+              <a:t>Jedan</a:t>
+            </a:r>
+            <a:r>
+              <a:rPr lang="en-US" b="0" i="0" dirty="0">
+                <a:solidFill>
+                  <a:srgbClr val="374151"/>
+                </a:solidFill>
+                <a:effectLst/>
+                <a:latin typeface="Söhne"/>
+              </a:rPr>
+              <a:t> od </a:t>
+            </a:r>
+            <a:r>
+              <a:rPr lang="en-US" b="0" i="0" dirty="0" err="1">
+                <a:solidFill>
+                  <a:srgbClr val="374151"/>
+                </a:solidFill>
+                <a:effectLst/>
+                <a:latin typeface="Söhne"/>
+              </a:rPr>
+              <a:t>najvećih</a:t>
             </a:r>
             <a:r>
               <a:rPr lang="en-US" b="0" i="0" dirty="0">
@@ -22031,6 +21320,126 @@
                 <a:effectLst/>
                 <a:latin typeface="Söhne"/>
               </a:rPr>
+              <a:t>izazova</a:t>
+            </a:r>
+            <a:r>
+              <a:rPr lang="en-US" b="0" i="0" dirty="0">
+                <a:solidFill>
+                  <a:srgbClr val="374151"/>
+                </a:solidFill>
+                <a:effectLst/>
+                <a:latin typeface="Söhne"/>
+              </a:rPr>
+              <a:t> je </a:t>
+            </a:r>
+            <a:r>
+              <a:rPr lang="en-US" b="0" i="0" dirty="0" err="1">
+                <a:solidFill>
+                  <a:srgbClr val="374151"/>
+                </a:solidFill>
+                <a:effectLst/>
+                <a:latin typeface="Söhne"/>
+              </a:rPr>
+              <a:t>bezbednost</a:t>
+            </a:r>
+            <a:r>
+              <a:rPr lang="en-US" b="0" i="0" dirty="0">
+                <a:solidFill>
+                  <a:srgbClr val="374151"/>
+                </a:solidFill>
+                <a:effectLst/>
+                <a:latin typeface="Söhne"/>
+              </a:rPr>
+              <a:t> </a:t>
+            </a:r>
+            <a:r>
+              <a:rPr lang="en-US" b="0" i="0" dirty="0" err="1">
+                <a:solidFill>
+                  <a:srgbClr val="374151"/>
+                </a:solidFill>
+                <a:effectLst/>
+                <a:latin typeface="Söhne"/>
+              </a:rPr>
+              <a:t>podataka</a:t>
+            </a:r>
+            <a:r>
+              <a:rPr lang="en-US" b="0" i="0" dirty="0">
+                <a:solidFill>
+                  <a:srgbClr val="374151"/>
+                </a:solidFill>
+                <a:effectLst/>
+                <a:latin typeface="Söhne"/>
+              </a:rPr>
+              <a:t>, a </a:t>
+            </a:r>
+            <a:r>
+              <a:rPr lang="en-US" b="0" i="0" dirty="0" err="1">
+                <a:solidFill>
+                  <a:srgbClr val="374151"/>
+                </a:solidFill>
+                <a:effectLst/>
+                <a:latin typeface="Söhne"/>
+              </a:rPr>
+              <a:t>takođe</a:t>
+            </a:r>
+            <a:r>
+              <a:rPr lang="en-US" b="0" i="0" dirty="0">
+                <a:solidFill>
+                  <a:srgbClr val="374151"/>
+                </a:solidFill>
+                <a:effectLst/>
+                <a:latin typeface="Söhne"/>
+              </a:rPr>
+              <a:t> je </a:t>
+            </a:r>
+            <a:r>
+              <a:rPr lang="en-US" b="0" i="0" dirty="0" err="1">
+                <a:solidFill>
+                  <a:srgbClr val="374151"/>
+                </a:solidFill>
+                <a:effectLst/>
+                <a:latin typeface="Söhne"/>
+              </a:rPr>
+              <a:t>važno</a:t>
+            </a:r>
+            <a:r>
+              <a:rPr lang="en-US" b="0" i="0" dirty="0">
+                <a:solidFill>
+                  <a:srgbClr val="374151"/>
+                </a:solidFill>
+                <a:effectLst/>
+                <a:latin typeface="Söhne"/>
+              </a:rPr>
+              <a:t> </a:t>
+            </a:r>
+            <a:r>
+              <a:rPr lang="en-US" b="0" i="0" dirty="0" err="1">
+                <a:solidFill>
+                  <a:srgbClr val="374151"/>
+                </a:solidFill>
+                <a:effectLst/>
+                <a:latin typeface="Söhne"/>
+              </a:rPr>
+              <a:t>razmotriti</a:t>
+            </a:r>
+            <a:r>
+              <a:rPr lang="en-US" b="0" i="0" dirty="0">
+                <a:solidFill>
+                  <a:srgbClr val="374151"/>
+                </a:solidFill>
+                <a:effectLst/>
+                <a:latin typeface="Söhne"/>
+              </a:rPr>
+              <a:t> </a:t>
+            </a:r>
+            <a:r>
+              <a:rPr lang="en-US" b="0" i="0" dirty="0" err="1">
+                <a:solidFill>
+                  <a:srgbClr val="374151"/>
+                </a:solidFill>
+                <a:effectLst/>
+                <a:latin typeface="Söhne"/>
+              </a:rPr>
               <a:t>i</a:t>
             </a:r>
             <a:r>
@@ -22051,10 +21460,508 @@
                 <a:effectLst/>
                 <a:latin typeface="Söhne"/>
               </a:rPr>
-              <a:t>unapređuje</a:t>
-            </a:r>
-            <a:r>
-              <a:rPr lang="sr-Latn-RS" b="0" i="0" dirty="0">
+              <a:t>problematiku</a:t>
+            </a:r>
+            <a:r>
+              <a:rPr lang="en-US" b="0" i="0" dirty="0">
+                <a:solidFill>
+                  <a:srgbClr val="374151"/>
+                </a:solidFill>
+                <a:effectLst/>
+                <a:latin typeface="Söhne"/>
+              </a:rPr>
+              <a:t> </a:t>
+            </a:r>
+            <a:r>
+              <a:rPr lang="en-US" b="0" i="0" dirty="0" err="1">
+                <a:solidFill>
+                  <a:srgbClr val="374151"/>
+                </a:solidFill>
+                <a:effectLst/>
+                <a:latin typeface="Söhne"/>
+              </a:rPr>
+              <a:t>autorskog</a:t>
+            </a:r>
+            <a:r>
+              <a:rPr lang="en-US" b="0" i="0" dirty="0">
+                <a:solidFill>
+                  <a:srgbClr val="374151"/>
+                </a:solidFill>
+                <a:effectLst/>
+                <a:latin typeface="Söhne"/>
+              </a:rPr>
+              <a:t> </a:t>
+            </a:r>
+            <a:r>
+              <a:rPr lang="en-US" b="0" i="0" dirty="0" err="1">
+                <a:solidFill>
+                  <a:srgbClr val="374151"/>
+                </a:solidFill>
+                <a:effectLst/>
+                <a:latin typeface="Söhne"/>
+              </a:rPr>
+              <a:t>prava</a:t>
+            </a:r>
+            <a:r>
+              <a:rPr lang="en-US" b="0" i="0" dirty="0">
+                <a:solidFill>
+                  <a:srgbClr val="374151"/>
+                </a:solidFill>
+                <a:effectLst/>
+                <a:latin typeface="Söhne"/>
+              </a:rPr>
+              <a:t> </a:t>
+            </a:r>
+            <a:r>
+              <a:rPr lang="en-US" b="0" i="0" dirty="0" err="1">
+                <a:solidFill>
+                  <a:srgbClr val="374151"/>
+                </a:solidFill>
+                <a:effectLst/>
+                <a:latin typeface="Söhne"/>
+              </a:rPr>
+              <a:t>i</a:t>
+            </a:r>
+            <a:r>
+              <a:rPr lang="en-US" b="0" i="0" dirty="0">
+                <a:solidFill>
+                  <a:srgbClr val="374151"/>
+                </a:solidFill>
+                <a:effectLst/>
+                <a:latin typeface="Söhne"/>
+              </a:rPr>
+              <a:t> </a:t>
+            </a:r>
+            <a:r>
+              <a:rPr lang="en-US" b="0" i="0" dirty="0" err="1">
+                <a:solidFill>
+                  <a:srgbClr val="374151"/>
+                </a:solidFill>
+                <a:effectLst/>
+                <a:latin typeface="Söhne"/>
+              </a:rPr>
+              <a:t>zaštite</a:t>
+            </a:r>
+            <a:r>
+              <a:rPr lang="en-US" b="0" i="0" dirty="0">
+                <a:solidFill>
+                  <a:srgbClr val="374151"/>
+                </a:solidFill>
+                <a:effectLst/>
+                <a:latin typeface="Söhne"/>
+              </a:rPr>
+              <a:t> </a:t>
+            </a:r>
+            <a:r>
+              <a:rPr lang="en-US" b="0" i="0" dirty="0" err="1">
+                <a:solidFill>
+                  <a:srgbClr val="374151"/>
+                </a:solidFill>
+                <a:effectLst/>
+                <a:latin typeface="Söhne"/>
+              </a:rPr>
+              <a:t>privatnosti</a:t>
+            </a:r>
+            <a:r>
+              <a:rPr lang="en-US" b="0" i="0" dirty="0">
+                <a:solidFill>
+                  <a:srgbClr val="374151"/>
+                </a:solidFill>
+                <a:effectLst/>
+                <a:latin typeface="Söhne"/>
+              </a:rPr>
+              <a:t> u </a:t>
+            </a:r>
+            <a:r>
+              <a:rPr lang="en-US" b="0" i="0" dirty="0" err="1">
+                <a:solidFill>
+                  <a:srgbClr val="374151"/>
+                </a:solidFill>
+                <a:effectLst/>
+                <a:latin typeface="Söhne"/>
+              </a:rPr>
+              <a:t>digitalnom</a:t>
+            </a:r>
+            <a:r>
+              <a:rPr lang="en-US" b="0" i="0" dirty="0">
+                <a:solidFill>
+                  <a:srgbClr val="374151"/>
+                </a:solidFill>
+                <a:effectLst/>
+                <a:latin typeface="Söhne"/>
+              </a:rPr>
+              <a:t> </a:t>
+            </a:r>
+            <a:r>
+              <a:rPr lang="en-US" b="0" i="0" dirty="0" err="1">
+                <a:solidFill>
+                  <a:srgbClr val="374151"/>
+                </a:solidFill>
+                <a:effectLst/>
+                <a:latin typeface="Söhne"/>
+              </a:rPr>
+              <a:t>okruženju</a:t>
+            </a:r>
+            <a:r>
+              <a:rPr lang="en-US" b="0" i="0" dirty="0">
+                <a:solidFill>
+                  <a:srgbClr val="374151"/>
+                </a:solidFill>
+                <a:effectLst/>
+                <a:latin typeface="Söhne"/>
+              </a:rPr>
+              <a:t>.</a:t>
+            </a:r>
+            <a:endParaRPr lang="sr-Latn-RS" b="0" i="0" dirty="0">
+              <a:solidFill>
+                <a:srgbClr val="374151"/>
+              </a:solidFill>
+              <a:effectLst/>
+              <a:latin typeface="Söhne"/>
+            </a:endParaRPr>
+          </a:p>
+          <a:p>
+            <a:r>
+              <a:rPr lang="sr-Latn-RS" dirty="0">
+                <a:solidFill>
+                  <a:srgbClr val="374151"/>
+                </a:solidFill>
+                <a:latin typeface="Söhne"/>
+              </a:rPr>
+              <a:t>P</a:t>
+            </a:r>
+            <a:r>
+              <a:rPr lang="en-US" b="0" i="0" dirty="0" err="1">
+                <a:solidFill>
+                  <a:srgbClr val="374151"/>
+                </a:solidFill>
+                <a:effectLst/>
+                <a:latin typeface="Söhne"/>
+              </a:rPr>
+              <a:t>ravna</a:t>
+            </a:r>
+            <a:r>
+              <a:rPr lang="en-US" b="0" i="0" dirty="0">
+                <a:solidFill>
+                  <a:srgbClr val="374151"/>
+                </a:solidFill>
+                <a:effectLst/>
+                <a:latin typeface="Söhne"/>
+              </a:rPr>
+              <a:t> </a:t>
+            </a:r>
+            <a:r>
+              <a:rPr lang="en-US" b="0" i="0" dirty="0" err="1">
+                <a:solidFill>
+                  <a:srgbClr val="374151"/>
+                </a:solidFill>
+                <a:effectLst/>
+                <a:latin typeface="Söhne"/>
+              </a:rPr>
+              <a:t>informatika</a:t>
+            </a:r>
+            <a:r>
+              <a:rPr lang="en-US" b="0" i="0" dirty="0">
+                <a:solidFill>
+                  <a:srgbClr val="374151"/>
+                </a:solidFill>
+                <a:effectLst/>
+                <a:latin typeface="Söhne"/>
+              </a:rPr>
+              <a:t> </a:t>
+            </a:r>
+            <a:r>
+              <a:rPr lang="en-US" b="0" i="0" dirty="0" err="1">
+                <a:solidFill>
+                  <a:srgbClr val="374151"/>
+                </a:solidFill>
+                <a:effectLst/>
+                <a:latin typeface="Söhne"/>
+              </a:rPr>
+              <a:t>predstavlja</a:t>
+            </a:r>
+            <a:r>
+              <a:rPr lang="en-US" b="0" i="0" dirty="0">
+                <a:solidFill>
+                  <a:srgbClr val="374151"/>
+                </a:solidFill>
+                <a:effectLst/>
+                <a:latin typeface="Söhne"/>
+              </a:rPr>
+              <a:t> </a:t>
+            </a:r>
+            <a:r>
+              <a:rPr lang="en-US" b="0" i="0" dirty="0" err="1">
+                <a:solidFill>
+                  <a:srgbClr val="374151"/>
+                </a:solidFill>
+                <a:effectLst/>
+                <a:latin typeface="Söhne"/>
+              </a:rPr>
+              <a:t>važan</a:t>
+            </a:r>
+            <a:r>
+              <a:rPr lang="en-US" b="0" i="0" dirty="0">
+                <a:solidFill>
+                  <a:srgbClr val="374151"/>
+                </a:solidFill>
+                <a:effectLst/>
+                <a:latin typeface="Söhne"/>
+              </a:rPr>
+              <a:t> </a:t>
+            </a:r>
+            <a:r>
+              <a:rPr lang="en-US" b="0" i="0" dirty="0" err="1">
+                <a:solidFill>
+                  <a:srgbClr val="374151"/>
+                </a:solidFill>
+                <a:effectLst/>
+                <a:latin typeface="Söhne"/>
+              </a:rPr>
+              <a:t>alat</a:t>
+            </a:r>
+            <a:r>
+              <a:rPr lang="en-US" b="0" i="0" dirty="0">
+                <a:solidFill>
+                  <a:srgbClr val="374151"/>
+                </a:solidFill>
+                <a:effectLst/>
+                <a:latin typeface="Söhne"/>
+              </a:rPr>
+              <a:t> u </a:t>
+            </a:r>
+            <a:r>
+              <a:rPr lang="en-US" b="0" i="0" dirty="0" err="1">
+                <a:solidFill>
+                  <a:srgbClr val="374151"/>
+                </a:solidFill>
+                <a:effectLst/>
+                <a:latin typeface="Söhne"/>
+              </a:rPr>
+              <a:t>savremenom</a:t>
+            </a:r>
+            <a:r>
+              <a:rPr lang="en-US" b="0" i="0" dirty="0">
+                <a:solidFill>
+                  <a:srgbClr val="374151"/>
+                </a:solidFill>
+                <a:effectLst/>
+                <a:latin typeface="Söhne"/>
+              </a:rPr>
+              <a:t> </a:t>
+            </a:r>
+            <a:r>
+              <a:rPr lang="en-US" b="0" i="0" dirty="0" err="1">
+                <a:solidFill>
+                  <a:srgbClr val="374151"/>
+                </a:solidFill>
+                <a:effectLst/>
+                <a:latin typeface="Söhne"/>
+              </a:rPr>
+              <a:t>pravosuđu</a:t>
+            </a:r>
+            <a:r>
+              <a:rPr lang="en-US" b="0" i="0" dirty="0">
+                <a:solidFill>
+                  <a:srgbClr val="374151"/>
+                </a:solidFill>
+                <a:effectLst/>
+                <a:latin typeface="Söhne"/>
+              </a:rPr>
+              <a:t>, koji </a:t>
+            </a:r>
+            <a:r>
+              <a:rPr lang="en-US" b="0" i="0" dirty="0" err="1">
+                <a:solidFill>
+                  <a:srgbClr val="374151"/>
+                </a:solidFill>
+                <a:effectLst/>
+                <a:latin typeface="Söhne"/>
+              </a:rPr>
+              <a:t>može</a:t>
+            </a:r>
+            <a:r>
+              <a:rPr lang="en-US" b="0" i="0" dirty="0">
+                <a:solidFill>
+                  <a:srgbClr val="374151"/>
+                </a:solidFill>
+                <a:effectLst/>
+                <a:latin typeface="Söhne"/>
+              </a:rPr>
+              <a:t> </a:t>
+            </a:r>
+            <a:r>
+              <a:rPr lang="en-US" b="0" i="0" dirty="0" err="1">
+                <a:solidFill>
+                  <a:srgbClr val="374151"/>
+                </a:solidFill>
+                <a:effectLst/>
+                <a:latin typeface="Söhne"/>
+              </a:rPr>
+              <a:t>pomoći</a:t>
+            </a:r>
+            <a:r>
+              <a:rPr lang="en-US" b="0" i="0" dirty="0">
+                <a:solidFill>
+                  <a:srgbClr val="374151"/>
+                </a:solidFill>
+                <a:effectLst/>
+                <a:latin typeface="Söhne"/>
+              </a:rPr>
+              <a:t> u </a:t>
+            </a:r>
+            <a:r>
+              <a:rPr lang="en-US" b="0" i="0" dirty="0" err="1">
+                <a:solidFill>
+                  <a:srgbClr val="374151"/>
+                </a:solidFill>
+                <a:effectLst/>
+                <a:latin typeface="Söhne"/>
+              </a:rPr>
+              <a:t>efikasnom</a:t>
+            </a:r>
+            <a:r>
+              <a:rPr lang="en-US" b="0" i="0" dirty="0">
+                <a:solidFill>
+                  <a:srgbClr val="374151"/>
+                </a:solidFill>
+                <a:effectLst/>
+                <a:latin typeface="Söhne"/>
+              </a:rPr>
+              <a:t> </a:t>
+            </a:r>
+            <a:r>
+              <a:rPr lang="en-US" b="0" i="0" dirty="0" err="1">
+                <a:solidFill>
+                  <a:srgbClr val="374151"/>
+                </a:solidFill>
+                <a:effectLst/>
+                <a:latin typeface="Söhne"/>
+              </a:rPr>
+              <a:t>rešavanju</a:t>
+            </a:r>
+            <a:r>
+              <a:rPr lang="en-US" b="0" i="0" dirty="0">
+                <a:solidFill>
+                  <a:srgbClr val="374151"/>
+                </a:solidFill>
+                <a:effectLst/>
+                <a:latin typeface="Söhne"/>
+              </a:rPr>
+              <a:t> </a:t>
+            </a:r>
+            <a:r>
+              <a:rPr lang="en-US" b="0" i="0" dirty="0" err="1">
+                <a:solidFill>
+                  <a:srgbClr val="374151"/>
+                </a:solidFill>
+                <a:effectLst/>
+                <a:latin typeface="Söhne"/>
+              </a:rPr>
+              <a:t>pravnih</a:t>
+            </a:r>
+            <a:r>
+              <a:rPr lang="en-US" b="0" i="0" dirty="0">
+                <a:solidFill>
+                  <a:srgbClr val="374151"/>
+                </a:solidFill>
+                <a:effectLst/>
+                <a:latin typeface="Söhne"/>
+              </a:rPr>
+              <a:t> </a:t>
+            </a:r>
+            <a:r>
+              <a:rPr lang="en-US" b="0" i="0" dirty="0" err="1">
+                <a:solidFill>
+                  <a:srgbClr val="374151"/>
+                </a:solidFill>
+                <a:effectLst/>
+                <a:latin typeface="Söhne"/>
+              </a:rPr>
+              <a:t>pitanja</a:t>
+            </a:r>
+            <a:r>
+              <a:rPr lang="en-US" b="0" i="0" dirty="0">
+                <a:solidFill>
+                  <a:srgbClr val="374151"/>
+                </a:solidFill>
+                <a:effectLst/>
+                <a:latin typeface="Söhne"/>
+              </a:rPr>
+              <a:t> </a:t>
+            </a:r>
+            <a:r>
+              <a:rPr lang="en-US" b="0" i="0" dirty="0" err="1">
+                <a:solidFill>
+                  <a:srgbClr val="374151"/>
+                </a:solidFill>
+                <a:effectLst/>
+                <a:latin typeface="Söhne"/>
+              </a:rPr>
+              <a:t>i</a:t>
+            </a:r>
+            <a:r>
+              <a:rPr lang="en-US" b="0" i="0" dirty="0">
+                <a:solidFill>
+                  <a:srgbClr val="374151"/>
+                </a:solidFill>
+                <a:effectLst/>
+                <a:latin typeface="Söhne"/>
+              </a:rPr>
+              <a:t> </a:t>
+            </a:r>
+            <a:r>
+              <a:rPr lang="en-US" b="0" i="0" dirty="0" err="1">
+                <a:solidFill>
+                  <a:srgbClr val="374151"/>
+                </a:solidFill>
+                <a:effectLst/>
+                <a:latin typeface="Söhne"/>
+              </a:rPr>
+              <a:t>donošenju</a:t>
+            </a:r>
+            <a:r>
+              <a:rPr lang="en-US" b="0" i="0" dirty="0">
+                <a:solidFill>
+                  <a:srgbClr val="374151"/>
+                </a:solidFill>
+                <a:effectLst/>
+                <a:latin typeface="Söhne"/>
+              </a:rPr>
+              <a:t> </a:t>
+            </a:r>
+            <a:r>
+              <a:rPr lang="en-US" b="0" i="0" dirty="0" err="1">
+                <a:solidFill>
+                  <a:srgbClr val="374151"/>
+                </a:solidFill>
+                <a:effectLst/>
+                <a:latin typeface="Söhne"/>
+              </a:rPr>
+              <a:t>kvalitetnih</a:t>
+            </a:r>
+            <a:r>
+              <a:rPr lang="en-US" b="0" i="0" dirty="0">
+                <a:solidFill>
+                  <a:srgbClr val="374151"/>
+                </a:solidFill>
+                <a:effectLst/>
+                <a:latin typeface="Söhne"/>
+              </a:rPr>
+              <a:t> </a:t>
+            </a:r>
+            <a:r>
+              <a:rPr lang="en-US" b="0" i="0" dirty="0" err="1">
+                <a:solidFill>
+                  <a:srgbClr val="374151"/>
+                </a:solidFill>
+                <a:effectLst/>
+                <a:latin typeface="Söhne"/>
+              </a:rPr>
+              <a:t>odluka</a:t>
+            </a:r>
+            <a:r>
+              <a:rPr lang="en-US" b="0" i="0" dirty="0">
                 <a:solidFill>
                   <a:srgbClr val="374151"/>
                 </a:solidFill>
@@ -22070,7 +21977,7 @@
     </p:spTree>
     <p:extLst>
       <p:ext uri="{BB962C8B-B14F-4D97-AF65-F5344CB8AC3E}">
-        <p14:creationId xmlns:p14="http://schemas.microsoft.com/office/powerpoint/2010/main" val="2421200628"/>
+        <p14:creationId xmlns:p14="http://schemas.microsoft.com/office/powerpoint/2010/main" val="4290222120"/>
       </p:ext>
     </p:extLst>
   </p:cSld>
@@ -22411,6 +22318,653 @@
         <p:spPr>
           <a:xfrm>
             <a:off x="4447308" y="591344"/>
+            <a:ext cx="6906491" cy="5585619"/>
+          </a:xfrm>
+        </p:spPr>
+        <p:txBody>
+          <a:bodyPr anchor="ctr">
+            <a:normAutofit/>
+          </a:bodyPr>
+          <a:lstStyle/>
+          <a:p>
+            <a:r>
+              <a:rPr lang="en-US" b="0" i="0" dirty="0">
+                <a:solidFill>
+                  <a:srgbClr val="374151"/>
+                </a:solidFill>
+                <a:effectLst/>
+                <a:latin typeface="Söhne"/>
+              </a:rPr>
+              <a:t>Kao </a:t>
+            </a:r>
+            <a:r>
+              <a:rPr lang="en-US" b="0" i="0" dirty="0" err="1">
+                <a:solidFill>
+                  <a:srgbClr val="374151"/>
+                </a:solidFill>
+                <a:effectLst/>
+                <a:latin typeface="Söhne"/>
+              </a:rPr>
+              <a:t>što</a:t>
+            </a:r>
+            <a:r>
+              <a:rPr lang="en-US" b="0" i="0" dirty="0">
+                <a:solidFill>
+                  <a:srgbClr val="374151"/>
+                </a:solidFill>
+                <a:effectLst/>
+                <a:latin typeface="Söhne"/>
+              </a:rPr>
+              <a:t> se </a:t>
+            </a:r>
+            <a:r>
+              <a:rPr lang="en-US" b="0" i="0" dirty="0" err="1">
+                <a:solidFill>
+                  <a:srgbClr val="374151"/>
+                </a:solidFill>
+                <a:effectLst/>
+                <a:latin typeface="Söhne"/>
+              </a:rPr>
+              <a:t>razvijaju</a:t>
+            </a:r>
+            <a:r>
+              <a:rPr lang="en-US" b="0" i="0" dirty="0">
+                <a:solidFill>
+                  <a:srgbClr val="374151"/>
+                </a:solidFill>
+                <a:effectLst/>
+                <a:latin typeface="Söhne"/>
+              </a:rPr>
+              <a:t> </a:t>
+            </a:r>
+            <a:r>
+              <a:rPr lang="en-US" b="0" i="0" dirty="0" err="1">
+                <a:solidFill>
+                  <a:srgbClr val="374151"/>
+                </a:solidFill>
+                <a:effectLst/>
+                <a:latin typeface="Söhne"/>
+              </a:rPr>
+              <a:t>i</a:t>
+            </a:r>
+            <a:r>
+              <a:rPr lang="en-US" b="0" i="0" dirty="0">
+                <a:solidFill>
+                  <a:srgbClr val="374151"/>
+                </a:solidFill>
+                <a:effectLst/>
+                <a:latin typeface="Söhne"/>
+              </a:rPr>
+              <a:t> </a:t>
+            </a:r>
+            <a:r>
+              <a:rPr lang="en-US" b="0" i="0" dirty="0" err="1">
+                <a:solidFill>
+                  <a:srgbClr val="374151"/>
+                </a:solidFill>
+                <a:effectLst/>
+                <a:latin typeface="Söhne"/>
+              </a:rPr>
+              <a:t>napreduju</a:t>
+            </a:r>
+            <a:r>
+              <a:rPr lang="en-US" b="0" i="0" dirty="0">
+                <a:solidFill>
+                  <a:srgbClr val="374151"/>
+                </a:solidFill>
+                <a:effectLst/>
+                <a:latin typeface="Söhne"/>
+              </a:rPr>
+              <a:t> </a:t>
+            </a:r>
+            <a:r>
+              <a:rPr lang="en-US" b="0" i="0" dirty="0" err="1">
+                <a:solidFill>
+                  <a:srgbClr val="374151"/>
+                </a:solidFill>
+                <a:effectLst/>
+                <a:latin typeface="Söhne"/>
+              </a:rPr>
+              <a:t>tehnološke</a:t>
+            </a:r>
+            <a:r>
+              <a:rPr lang="en-US" b="0" i="0" dirty="0">
+                <a:solidFill>
+                  <a:srgbClr val="374151"/>
+                </a:solidFill>
+                <a:effectLst/>
+                <a:latin typeface="Söhne"/>
+              </a:rPr>
+              <a:t> </a:t>
+            </a:r>
+            <a:r>
+              <a:rPr lang="en-US" b="0" i="0" dirty="0" err="1">
+                <a:solidFill>
+                  <a:srgbClr val="374151"/>
+                </a:solidFill>
+                <a:effectLst/>
+                <a:latin typeface="Söhne"/>
+              </a:rPr>
+              <a:t>mogućnosti</a:t>
+            </a:r>
+            <a:r>
+              <a:rPr lang="en-US" b="0" i="0" dirty="0">
+                <a:solidFill>
+                  <a:srgbClr val="374151"/>
+                </a:solidFill>
+                <a:effectLst/>
+                <a:latin typeface="Söhne"/>
+              </a:rPr>
+              <a:t>, </a:t>
+            </a:r>
+            <a:r>
+              <a:rPr lang="en-US" b="0" i="0" dirty="0" err="1">
+                <a:solidFill>
+                  <a:srgbClr val="374151"/>
+                </a:solidFill>
+                <a:effectLst/>
+                <a:latin typeface="Söhne"/>
+              </a:rPr>
+              <a:t>tako</a:t>
+            </a:r>
+            <a:r>
+              <a:rPr lang="en-US" b="0" i="0" dirty="0">
+                <a:solidFill>
+                  <a:srgbClr val="374151"/>
+                </a:solidFill>
+                <a:effectLst/>
+                <a:latin typeface="Söhne"/>
+              </a:rPr>
+              <a:t> se </a:t>
+            </a:r>
+            <a:r>
+              <a:rPr lang="en-US" b="0" i="0" dirty="0" err="1">
+                <a:solidFill>
+                  <a:srgbClr val="374151"/>
+                </a:solidFill>
+                <a:effectLst/>
+                <a:latin typeface="Söhne"/>
+              </a:rPr>
+              <a:t>i</a:t>
+            </a:r>
+            <a:r>
+              <a:rPr lang="en-US" b="0" i="0" dirty="0">
+                <a:solidFill>
+                  <a:srgbClr val="374151"/>
+                </a:solidFill>
+                <a:effectLst/>
+                <a:latin typeface="Söhne"/>
+              </a:rPr>
+              <a:t> oblast </a:t>
+            </a:r>
+            <a:r>
+              <a:rPr lang="en-US" b="0" i="0" dirty="0" err="1">
+                <a:solidFill>
+                  <a:srgbClr val="374151"/>
+                </a:solidFill>
+                <a:effectLst/>
+                <a:latin typeface="Söhne"/>
+              </a:rPr>
+              <a:t>pravne</a:t>
+            </a:r>
+            <a:r>
+              <a:rPr lang="en-US" b="0" i="0" dirty="0">
+                <a:solidFill>
+                  <a:srgbClr val="374151"/>
+                </a:solidFill>
+                <a:effectLst/>
+                <a:latin typeface="Söhne"/>
+              </a:rPr>
+              <a:t> </a:t>
+            </a:r>
+            <a:r>
+              <a:rPr lang="en-US" b="0" i="0" dirty="0" err="1">
+                <a:solidFill>
+                  <a:srgbClr val="374151"/>
+                </a:solidFill>
+                <a:effectLst/>
+                <a:latin typeface="Söhne"/>
+              </a:rPr>
+              <a:t>informatike</a:t>
+            </a:r>
+            <a:r>
+              <a:rPr lang="en-US" b="0" i="0" dirty="0">
+                <a:solidFill>
+                  <a:srgbClr val="374151"/>
+                </a:solidFill>
+                <a:effectLst/>
+                <a:latin typeface="Söhne"/>
+              </a:rPr>
+              <a:t> </a:t>
+            </a:r>
+            <a:r>
+              <a:rPr lang="en-US" b="0" i="0" dirty="0" err="1">
+                <a:solidFill>
+                  <a:srgbClr val="374151"/>
+                </a:solidFill>
+                <a:effectLst/>
+                <a:latin typeface="Söhne"/>
+              </a:rPr>
+              <a:t>neprestano</a:t>
+            </a:r>
+            <a:r>
+              <a:rPr lang="en-US" b="0" i="0" dirty="0">
+                <a:solidFill>
+                  <a:srgbClr val="374151"/>
+                </a:solidFill>
+                <a:effectLst/>
+                <a:latin typeface="Söhne"/>
+              </a:rPr>
+              <a:t> </a:t>
+            </a:r>
+            <a:r>
+              <a:rPr lang="en-US" b="0" i="0" dirty="0" err="1">
+                <a:solidFill>
+                  <a:srgbClr val="374151"/>
+                </a:solidFill>
+                <a:effectLst/>
+                <a:latin typeface="Söhne"/>
+              </a:rPr>
+              <a:t>razvija</a:t>
+            </a:r>
+            <a:r>
+              <a:rPr lang="en-US" b="0" i="0" dirty="0">
+                <a:solidFill>
+                  <a:srgbClr val="374151"/>
+                </a:solidFill>
+                <a:effectLst/>
+                <a:latin typeface="Söhne"/>
+              </a:rPr>
+              <a:t> </a:t>
+            </a:r>
+            <a:r>
+              <a:rPr lang="en-US" b="0" i="0" dirty="0" err="1">
+                <a:solidFill>
+                  <a:srgbClr val="374151"/>
+                </a:solidFill>
+                <a:effectLst/>
+                <a:latin typeface="Söhne"/>
+              </a:rPr>
+              <a:t>i</a:t>
+            </a:r>
+            <a:r>
+              <a:rPr lang="en-US" b="0" i="0" dirty="0">
+                <a:solidFill>
+                  <a:srgbClr val="374151"/>
+                </a:solidFill>
+                <a:effectLst/>
+                <a:latin typeface="Söhne"/>
+              </a:rPr>
+              <a:t> </a:t>
+            </a:r>
+            <a:r>
+              <a:rPr lang="en-US" b="0" i="0" dirty="0" err="1">
+                <a:solidFill>
+                  <a:srgbClr val="374151"/>
+                </a:solidFill>
+                <a:effectLst/>
+                <a:latin typeface="Söhne"/>
+              </a:rPr>
+              <a:t>unapređuje</a:t>
+            </a:r>
+            <a:r>
+              <a:rPr lang="sr-Latn-RS" b="0" i="0" dirty="0">
+                <a:solidFill>
+                  <a:srgbClr val="374151"/>
+                </a:solidFill>
+                <a:effectLst/>
+                <a:latin typeface="Söhne"/>
+              </a:rPr>
+              <a:t>.</a:t>
+            </a:r>
+            <a:endParaRPr dirty="0"/>
+          </a:p>
+        </p:txBody>
+      </p:sp>
+    </p:spTree>
+    <p:extLst>
+      <p:ext uri="{BB962C8B-B14F-4D97-AF65-F5344CB8AC3E}">
+        <p14:creationId xmlns:p14="http://schemas.microsoft.com/office/powerpoint/2010/main" val="2421200628"/>
+      </p:ext>
+    </p:extLst>
+  </p:cSld>
+  <p:clrMapOvr>
+    <a:masterClrMapping/>
+  </p:clrMapOvr>
+</p:sld>
+</file>
+
+<file path=ppt/slides/slide32.xml><?xml version="1.0" encoding="utf-8"?>
+<p:sld xmlns:a="http://schemas.openxmlformats.org/drawingml/2006/main" xmlns:r="http://schemas.openxmlformats.org/officeDocument/2006/relationships" xmlns:p="http://schemas.openxmlformats.org/presentationml/2006/main">
+  <p:cSld>
+    <p:bg>
+      <p:bgPr>
+        <a:solidFill>
+          <a:schemeClr val="bg1"/>
+        </a:solidFill>
+        <a:effectLst/>
+      </p:bgPr>
+    </p:bg>
+    <p:spTree>
+      <p:nvGrpSpPr>
+        <p:cNvPr id="1" name=""/>
+        <p:cNvGrpSpPr/>
+        <p:nvPr/>
+      </p:nvGrpSpPr>
+      <p:grpSpPr>
+        <a:xfrm>
+          <a:off x="0" y="0"/>
+          <a:ext cx="0" cy="0"/>
+          <a:chOff x="0" y="0"/>
+          <a:chExt cx="0" cy="0"/>
+        </a:xfrm>
+      </p:grpSpPr>
+      <p:sp useBgFill="1">
+        <p:nvSpPr>
+          <p:cNvPr id="9" name="Rectangle 8">
+            <a:extLst>
+              <a:ext uri="{FF2B5EF4-FFF2-40B4-BE49-F238E27FC236}">
+                <a16:creationId xmlns:a16="http://schemas.microsoft.com/office/drawing/2014/main" id="{907EF6B7-1338-4443-8C46-6A318D952DFD}"/>
+              </a:ext>
+              <a:ext uri="{C183D7F6-B498-43B3-948B-1728B52AA6E4}">
+                <adec:decorative xmlns:adec="http://schemas.microsoft.com/office/drawing/2017/decorative" val="1"/>
+              </a:ext>
+            </a:extLst>
+          </p:cNvPr>
+          <p:cNvSpPr>
+            <a:spLocks noGrp="1" noRot="1" noChangeAspect="1" noMove="1" noResize="1" noEditPoints="1" noAdjustHandles="1" noChangeArrowheads="1" noChangeShapeType="1" noTextEdit="1"/>
+          </p:cNvSpPr>
+          <p:nvPr>
+            <p:extLst>
+              <p:ext uri="{386F3935-93C4-4BCD-93E2-E3B085C9AB24}">
+                <p16:designElem xmlns:p16="http://schemas.microsoft.com/office/powerpoint/2015/main" val="1"/>
+              </p:ext>
+            </p:extLst>
+          </p:nvPr>
+        </p:nvSpPr>
+        <p:spPr>
+          <a:xfrm>
+            <a:off x="3048" y="0"/>
+            <a:ext cx="12188952" cy="6858000"/>
+          </a:xfrm>
+          <a:prstGeom prst="rect">
+            <a:avLst/>
+          </a:prstGeom>
+          <a:ln>
+            <a:noFill/>
+          </a:ln>
+        </p:spPr>
+        <p:style>
+          <a:lnRef idx="2">
+            <a:schemeClr val="accent1">
+              <a:shade val="50000"/>
+            </a:schemeClr>
+          </a:lnRef>
+          <a:fillRef idx="1">
+            <a:schemeClr val="accent1"/>
+          </a:fillRef>
+          <a:effectRef idx="0">
+            <a:schemeClr val="accent1"/>
+          </a:effectRef>
+          <a:fontRef idx="minor">
+            <a:schemeClr val="lt1"/>
+          </a:fontRef>
+        </p:style>
+        <p:txBody>
+          <a:bodyPr rtlCol="0" anchor="ctr"/>
+          <a:lstStyle/>
+          <a:p>
+            <a:pPr algn="ctr"/>
+            <a:endParaRPr lang="en-US"/>
+          </a:p>
+        </p:txBody>
+      </p:sp>
+      <p:sp>
+        <p:nvSpPr>
+          <p:cNvPr id="11" name="Freeform: Shape 10">
+            <a:extLst>
+              <a:ext uri="{FF2B5EF4-FFF2-40B4-BE49-F238E27FC236}">
+                <a16:creationId xmlns:a16="http://schemas.microsoft.com/office/drawing/2014/main" id="{DAAE4CDD-124C-4DCF-9584-B6033B545DD5}"/>
+              </a:ext>
+              <a:ext uri="{C183D7F6-B498-43B3-948B-1728B52AA6E4}">
+                <adec:decorative xmlns:adec="http://schemas.microsoft.com/office/drawing/2017/decorative" val="1"/>
+              </a:ext>
+            </a:extLst>
+          </p:cNvPr>
+          <p:cNvSpPr>
+            <a:spLocks noGrp="1" noRot="1" noChangeAspect="1" noMove="1" noResize="1" noEditPoints="1" noAdjustHandles="1" noChangeArrowheads="1" noChangeShapeType="1" noTextEdit="1"/>
+          </p:cNvSpPr>
+          <p:nvPr>
+            <p:extLst>
+              <p:ext uri="{386F3935-93C4-4BCD-93E2-E3B085C9AB24}">
+                <p16:designElem xmlns:p16="http://schemas.microsoft.com/office/powerpoint/2015/main" val="1"/>
+              </p:ext>
+            </p:extLst>
+          </p:nvPr>
+        </p:nvSpPr>
+        <p:spPr>
+          <a:xfrm>
+            <a:off x="1" y="0"/>
+            <a:ext cx="4167271" cy="6858000"/>
+          </a:xfrm>
+          <a:custGeom>
+            <a:avLst/>
+            <a:gdLst>
+              <a:gd name="connsiteX0" fmla="*/ 0 w 4167271"/>
+              <a:gd name="connsiteY0" fmla="*/ 0 h 6858000"/>
+              <a:gd name="connsiteX1" fmla="*/ 2259550 w 4167271"/>
+              <a:gd name="connsiteY1" fmla="*/ 0 h 6858000"/>
+              <a:gd name="connsiteX2" fmla="*/ 2387803 w 4167271"/>
+              <a:gd name="connsiteY2" fmla="*/ 82222 h 6858000"/>
+              <a:gd name="connsiteX3" fmla="*/ 4167271 w 4167271"/>
+              <a:gd name="connsiteY3" fmla="*/ 3429000 h 6858000"/>
+              <a:gd name="connsiteX4" fmla="*/ 2387803 w 4167271"/>
+              <a:gd name="connsiteY4" fmla="*/ 6775779 h 6858000"/>
+              <a:gd name="connsiteX5" fmla="*/ 2259550 w 4167271"/>
+              <a:gd name="connsiteY5" fmla="*/ 6858000 h 6858000"/>
+              <a:gd name="connsiteX6" fmla="*/ 0 w 4167271"/>
+              <a:gd name="connsiteY6" fmla="*/ 6858000 h 6858000"/>
+            </a:gdLst>
+            <a:ahLst/>
+            <a:cxnLst>
+              <a:cxn ang="0">
+                <a:pos x="connsiteX0" y="connsiteY0"/>
+              </a:cxn>
+              <a:cxn ang="0">
+                <a:pos x="connsiteX1" y="connsiteY1"/>
+              </a:cxn>
+              <a:cxn ang="0">
+                <a:pos x="connsiteX2" y="connsiteY2"/>
+              </a:cxn>
+              <a:cxn ang="0">
+                <a:pos x="connsiteX3" y="connsiteY3"/>
+              </a:cxn>
+              <a:cxn ang="0">
+                <a:pos x="connsiteX4" y="connsiteY4"/>
+              </a:cxn>
+              <a:cxn ang="0">
+                <a:pos x="connsiteX5" y="connsiteY5"/>
+              </a:cxn>
+              <a:cxn ang="0">
+                <a:pos x="connsiteX6" y="connsiteY6"/>
+              </a:cxn>
+            </a:cxnLst>
+            <a:rect l="l" t="t" r="r" b="b"/>
+            <a:pathLst>
+              <a:path w="4167271" h="6858000">
+                <a:moveTo>
+                  <a:pt x="0" y="0"/>
+                </a:moveTo>
+                <a:lnTo>
+                  <a:pt x="2259550" y="0"/>
+                </a:lnTo>
+                <a:lnTo>
+                  <a:pt x="2387803" y="82222"/>
+                </a:lnTo>
+                <a:cubicBezTo>
+                  <a:pt x="3461407" y="807534"/>
+                  <a:pt x="4167271" y="2035835"/>
+                  <a:pt x="4167271" y="3429000"/>
+                </a:cubicBezTo>
+                <a:cubicBezTo>
+                  <a:pt x="4167271" y="4822165"/>
+                  <a:pt x="3461407" y="6050467"/>
+                  <a:pt x="2387803" y="6775779"/>
+                </a:cubicBezTo>
+                <a:lnTo>
+                  <a:pt x="2259550" y="6858000"/>
+                </a:lnTo>
+                <a:lnTo>
+                  <a:pt x="0" y="6858000"/>
+                </a:lnTo>
+                <a:close/>
+              </a:path>
+            </a:pathLst>
+          </a:custGeom>
+          <a:solidFill>
+            <a:schemeClr val="accent2"/>
+          </a:solidFill>
+          <a:ln>
+            <a:noFill/>
+          </a:ln>
+        </p:spPr>
+        <p:style>
+          <a:lnRef idx="2">
+            <a:schemeClr val="accent1">
+              <a:shade val="50000"/>
+            </a:schemeClr>
+          </a:lnRef>
+          <a:fillRef idx="1">
+            <a:schemeClr val="accent1"/>
+          </a:fillRef>
+          <a:effectRef idx="0">
+            <a:schemeClr val="accent1"/>
+          </a:effectRef>
+          <a:fontRef idx="minor">
+            <a:schemeClr val="lt1"/>
+          </a:fontRef>
+        </p:style>
+        <p:txBody>
+          <a:bodyPr rtlCol="0" anchor="ctr"/>
+          <a:lstStyle/>
+          <a:p>
+            <a:pPr algn="ctr"/>
+            <a:endParaRPr lang="en-US"/>
+          </a:p>
+        </p:txBody>
+      </p:sp>
+      <p:sp>
+        <p:nvSpPr>
+          <p:cNvPr id="2" name="Title 1"/>
+          <p:cNvSpPr>
+            <a:spLocks noGrp="1"/>
+          </p:cNvSpPr>
+          <p:nvPr>
+            <p:ph type="title"/>
+          </p:nvPr>
+        </p:nvSpPr>
+        <p:spPr>
+          <a:xfrm>
+            <a:off x="686834" y="1153572"/>
+            <a:ext cx="3200400" cy="4461163"/>
+          </a:xfrm>
+        </p:spPr>
+        <p:txBody>
+          <a:bodyPr>
+            <a:normAutofit/>
+          </a:bodyPr>
+          <a:lstStyle/>
+          <a:p>
+            <a:r>
+              <a:rPr lang="sr-Latn-RS" dirty="0">
+                <a:solidFill>
+                  <a:srgbClr val="FFFFFF"/>
+                </a:solidFill>
+              </a:rPr>
+              <a:t>Dalja unapređenja</a:t>
+            </a:r>
+            <a:endParaRPr lang="en-US" dirty="0">
+              <a:solidFill>
+                <a:srgbClr val="FFFFFF"/>
+              </a:solidFill>
+            </a:endParaRPr>
+          </a:p>
+        </p:txBody>
+      </p:sp>
+      <p:sp>
+        <p:nvSpPr>
+          <p:cNvPr id="13" name="Arc 12">
+            <a:extLst>
+              <a:ext uri="{FF2B5EF4-FFF2-40B4-BE49-F238E27FC236}">
+                <a16:creationId xmlns:a16="http://schemas.microsoft.com/office/drawing/2014/main" id="{081E4A58-353D-44AE-B2FC-2A74E2E400F7}"/>
+              </a:ext>
+              <a:ext uri="{C183D7F6-B498-43B3-948B-1728B52AA6E4}">
+                <adec:decorative xmlns:adec="http://schemas.microsoft.com/office/drawing/2017/decorative" val="1"/>
+              </a:ext>
+            </a:extLst>
+          </p:cNvPr>
+          <p:cNvSpPr>
+            <a:spLocks noGrp="1" noRot="1" noChangeAspect="1" noMove="1" noResize="1" noEditPoints="1" noAdjustHandles="1" noChangeArrowheads="1" noChangeShapeType="1" noTextEdit="1"/>
+          </p:cNvSpPr>
+          <p:nvPr>
+            <p:extLst>
+              <p:ext uri="{386F3935-93C4-4BCD-93E2-E3B085C9AB24}">
+                <p16:designElem xmlns:p16="http://schemas.microsoft.com/office/powerpoint/2015/main" val="1"/>
+              </p:ext>
+            </p:extLst>
+          </p:nvPr>
+        </p:nvSpPr>
+        <p:spPr>
+          <a:xfrm flipV="1">
+            <a:off x="7550402" y="2455479"/>
+            <a:ext cx="4083433" cy="4083433"/>
+          </a:xfrm>
+          <a:prstGeom prst="arc">
+            <a:avLst/>
+          </a:prstGeom>
+          <a:ln w="127000" cap="rnd">
+            <a:solidFill>
+              <a:schemeClr val="accent4"/>
+            </a:solidFill>
+            <a:prstDash val="dash"/>
+          </a:ln>
+        </p:spPr>
+        <p:style>
+          <a:lnRef idx="1">
+            <a:schemeClr val="accent1"/>
+          </a:lnRef>
+          <a:fillRef idx="0">
+            <a:schemeClr val="accent1"/>
+          </a:fillRef>
+          <a:effectRef idx="0">
+            <a:schemeClr val="accent1"/>
+          </a:effectRef>
+          <a:fontRef idx="minor">
+            <a:schemeClr val="tx1"/>
+          </a:fontRef>
+        </p:style>
+        <p:txBody>
+          <a:bodyPr rtlCol="0" anchor="ctr"/>
+          <a:lstStyle/>
+          <a:p>
+            <a:pPr algn="ctr"/>
+            <a:endParaRPr lang="en-US" dirty="0"/>
+          </a:p>
+        </p:txBody>
+      </p:sp>
+      <p:sp>
+        <p:nvSpPr>
+          <p:cNvPr id="3" name="Content Placeholder 2"/>
+          <p:cNvSpPr>
+            <a:spLocks noGrp="1"/>
+          </p:cNvSpPr>
+          <p:nvPr>
+            <p:ph type="body" idx="1"/>
+          </p:nvPr>
+        </p:nvSpPr>
+        <p:spPr>
+          <a:xfrm>
+            <a:off x="4447308" y="591344"/>
             <a:ext cx="6906491" cy="6033743"/>
           </a:xfrm>
         </p:spPr>
@@ -22790,7 +23344,7 @@
 </p:sld>
 </file>
 
-<file path=ppt/slides/slide32.xml><?xml version="1.0" encoding="utf-8"?>
+<file path=ppt/slides/slide33.xml><?xml version="1.0" encoding="utf-8"?>
 <p:sld xmlns:a="http://schemas.openxmlformats.org/drawingml/2006/main" xmlns:r="http://schemas.openxmlformats.org/officeDocument/2006/relationships" xmlns:p="http://schemas.openxmlformats.org/presentationml/2006/main">
   <p:cSld>
     <p:bg>

--- a/prezentacija.pptx
+++ b/prezentacija.pptx
@@ -5,7 +5,7 @@
     <p:sldMasterId id="2147483648" r:id="rId1"/>
   </p:sldMasterIdLst>
   <p:notesMasterIdLst>
-    <p:notesMasterId r:id="rId35"/>
+    <p:notesMasterId r:id="rId36"/>
   </p:notesMasterIdLst>
   <p:sldIdLst>
     <p:sldId id="258" r:id="rId2"/>
@@ -33,14 +33,15 @@
     <p:sldId id="289" r:id="rId24"/>
     <p:sldId id="264" r:id="rId25"/>
     <p:sldId id="279" r:id="rId26"/>
-    <p:sldId id="280" r:id="rId27"/>
-    <p:sldId id="281" r:id="rId28"/>
-    <p:sldId id="282" r:id="rId29"/>
-    <p:sldId id="265" r:id="rId30"/>
-    <p:sldId id="283" r:id="rId31"/>
-    <p:sldId id="284" r:id="rId32"/>
-    <p:sldId id="285" r:id="rId33"/>
-    <p:sldId id="286" r:id="rId34"/>
+    <p:sldId id="291" r:id="rId27"/>
+    <p:sldId id="280" r:id="rId28"/>
+    <p:sldId id="281" r:id="rId29"/>
+    <p:sldId id="282" r:id="rId30"/>
+    <p:sldId id="265" r:id="rId31"/>
+    <p:sldId id="283" r:id="rId32"/>
+    <p:sldId id="284" r:id="rId33"/>
+    <p:sldId id="285" r:id="rId34"/>
+    <p:sldId id="286" r:id="rId35"/>
   </p:sldIdLst>
   <p:sldSz cx="12192000" cy="6858000"/>
   <p:notesSz cx="6858000" cy="9144000"/>
@@ -1846,7 +1847,7 @@
     </p:spTree>
     <p:extLst>
       <p:ext uri="{BB962C8B-B14F-4D97-AF65-F5344CB8AC3E}">
-        <p14:creationId xmlns:p14="http://schemas.microsoft.com/office/powerpoint/2010/main" val="149251095"/>
+        <p14:creationId xmlns:p14="http://schemas.microsoft.com/office/powerpoint/2010/main" val="1433034899"/>
       </p:ext>
     </p:extLst>
   </p:cSld>
@@ -1953,7 +1954,7 @@
     </p:spTree>
     <p:extLst>
       <p:ext uri="{BB962C8B-B14F-4D97-AF65-F5344CB8AC3E}">
-        <p14:creationId xmlns:p14="http://schemas.microsoft.com/office/powerpoint/2010/main" val="853270972"/>
+        <p14:creationId xmlns:p14="http://schemas.microsoft.com/office/powerpoint/2010/main" val="149251095"/>
       </p:ext>
     </p:extLst>
   </p:cSld>
@@ -2149,6 +2150,113 @@
             <a:fld id="{E0746DE6-3336-457D-A091-FA20AC1C536E}" type="slidenum">
               <a:rPr lang="en-US" smtClean="0"/>
               <a:t>28</a:t>
+            </a:fld>
+            <a:endParaRPr lang="en-US"/>
+          </a:p>
+        </p:txBody>
+      </p:sp>
+    </p:spTree>
+    <p:extLst>
+      <p:ext uri="{BB962C8B-B14F-4D97-AF65-F5344CB8AC3E}">
+        <p14:creationId xmlns:p14="http://schemas.microsoft.com/office/powerpoint/2010/main" val="853270972"/>
+      </p:ext>
+    </p:extLst>
+  </p:cSld>
+  <p:clrMapOvr>
+    <a:masterClrMapping/>
+  </p:clrMapOvr>
+</p:notes>
+</file>
+
+<file path=ppt/notesSlides/notesSlide21.xml><?xml version="1.0" encoding="utf-8"?>
+<p:notes xmlns:a="http://schemas.openxmlformats.org/drawingml/2006/main" xmlns:r="http://schemas.openxmlformats.org/officeDocument/2006/relationships" xmlns:p="http://schemas.openxmlformats.org/presentationml/2006/main">
+  <p:cSld>
+    <p:spTree>
+      <p:nvGrpSpPr>
+        <p:cNvPr id="1" name=""/>
+        <p:cNvGrpSpPr/>
+        <p:nvPr/>
+      </p:nvGrpSpPr>
+      <p:grpSpPr>
+        <a:xfrm>
+          <a:off x="0" y="0"/>
+          <a:ext cx="0" cy="0"/>
+          <a:chOff x="0" y="0"/>
+          <a:chExt cx="0" cy="0"/>
+        </a:xfrm>
+      </p:grpSpPr>
+      <p:sp>
+        <p:nvSpPr>
+          <p:cNvPr id="2" name="Slide Image Placeholder 1"/>
+          <p:cNvSpPr>
+            <a:spLocks noGrp="1" noRot="1" noChangeAspect="1"/>
+          </p:cNvSpPr>
+          <p:nvPr>
+            <p:ph type="sldImg"/>
+          </p:nvPr>
+        </p:nvSpPr>
+        <p:spPr/>
+      </p:sp>
+      <p:sp>
+        <p:nvSpPr>
+          <p:cNvPr id="3" name="Notes Placeholder 2"/>
+          <p:cNvSpPr>
+            <a:spLocks noGrp="1"/>
+          </p:cNvSpPr>
+          <p:nvPr>
+            <p:ph type="body" idx="1"/>
+          </p:nvPr>
+        </p:nvSpPr>
+        <p:spPr/>
+        <p:txBody>
+          <a:bodyPr/>
+          <a:lstStyle/>
+          <a:p>
+            <a:r>
+              <a:rPr lang="en-US" dirty="0"/>
+              <a:t>Consider talking about:</a:t>
+            </a:r>
+          </a:p>
+          <a:p>
+            <a:pPr marL="171450" indent="-171450">
+              <a:buFont typeface="Arial" panose="020B0604020202020204" pitchFamily="34" charset="0"/>
+              <a:buChar char="•"/>
+            </a:pPr>
+            <a:r>
+              <a:rPr lang="en-US" dirty="0"/>
+              <a:t>Economics</a:t>
+            </a:r>
+          </a:p>
+          <a:p>
+            <a:pPr marL="171450" indent="-171450">
+              <a:buFont typeface="Arial" panose="020B0604020202020204" pitchFamily="34" charset="0"/>
+              <a:buChar char="•"/>
+            </a:pPr>
+            <a:r>
+              <a:rPr lang="en-US" dirty="0"/>
+              <a:t>Sociology</a:t>
+            </a:r>
+          </a:p>
+        </p:txBody>
+      </p:sp>
+      <p:sp>
+        <p:nvSpPr>
+          <p:cNvPr id="4" name="Slide Number Placeholder 3"/>
+          <p:cNvSpPr>
+            <a:spLocks noGrp="1"/>
+          </p:cNvSpPr>
+          <p:nvPr>
+            <p:ph type="sldNum" sz="quarter" idx="10"/>
+          </p:nvPr>
+        </p:nvSpPr>
+        <p:spPr/>
+        <p:txBody>
+          <a:bodyPr/>
+          <a:lstStyle/>
+          <a:p>
+            <a:fld id="{E0746DE6-3336-457D-A091-FA20AC1C536E}" type="slidenum">
+              <a:rPr lang="en-US" smtClean="0"/>
+              <a:t>29</a:t>
             </a:fld>
             <a:endParaRPr lang="en-US"/>
           </a:p>
@@ -8690,7 +8798,7 @@
         </p:spPr>
         <p:txBody>
           <a:bodyPr vert="horz" lIns="91440" tIns="45720" rIns="91440" bIns="45720" numCol="1" rtlCol="0" anchor="t">
-            <a:normAutofit/>
+            <a:normAutofit fontScale="77500" lnSpcReduction="20000"/>
           </a:bodyPr>
           <a:lstStyle/>
           <a:p>
@@ -8791,8 +8899,29 @@
                 </a:schemeClr>
               </a:solidFill>
               <a:latin typeface="Segoe UI Semilight" panose="020B0402040204020203" pitchFamily="34" charset="0"/>
+              <a:ea typeface="Segoe UI" panose="020B0502040204020203" pitchFamily="34" charset="0"/>
               <a:cs typeface="Segoe UI Semilight" panose="020B0402040204020203" pitchFamily="34" charset="0"/>
             </a:endParaRPr>
+          </a:p>
+          <a:p>
+            <a:pPr>
+              <a:lnSpc>
+                <a:spcPct val="150000"/>
+              </a:lnSpc>
+            </a:pPr>
+            <a:r>
+              <a:rPr lang="en-US" sz="1600" b="1" dirty="0">
+                <a:solidFill>
+                  <a:schemeClr val="tx1">
+                    <a:lumMod val="65000"/>
+                    <a:lumOff val="35000"/>
+                  </a:schemeClr>
+                </a:solidFill>
+                <a:latin typeface="Segoe UI Semilight" panose="020B0402040204020203" pitchFamily="34" charset="0"/>
+                <a:cs typeface="Segoe UI Semilight" panose="020B0402040204020203" pitchFamily="34" charset="0"/>
+              </a:rPr>
+              <a:t>E2-50/2021</a:t>
+            </a:r>
           </a:p>
         </p:txBody>
       </p:sp>
@@ -9183,6 +9312,19 @@
               </a:rPr>
               <a:t>četrnaest</a:t>
             </a:r>
+            <a:r>
+              <a:rPr lang="en-US" dirty="0">
+                <a:latin typeface="Segoe UI Light" panose="020B0702040204020203" pitchFamily="34" charset="0"/>
+                <a:ea typeface="Segoe UI Light" panose="020B0702040204020203" pitchFamily="34" charset="0"/>
+                <a:cs typeface="Segoe UI" panose="020B0502040204020203" pitchFamily="34" charset="0"/>
+              </a:rPr>
+              <a:t>a</a:t>
+            </a:r>
+            <a:endParaRPr lang="sr-Latn-RS" dirty="0">
+              <a:latin typeface="Segoe UI Light" panose="020B0702040204020203" pitchFamily="34" charset="0"/>
+              <a:ea typeface="Segoe UI Light" panose="020B0702040204020203" pitchFamily="34" charset="0"/>
+              <a:cs typeface="Segoe UI" panose="020B0502040204020203" pitchFamily="34" charset="0"/>
+            </a:endParaRPr>
           </a:p>
           <a:p>
             <a:pPr algn="l"/>
@@ -17286,13 +17428,13 @@
         </p:nvSpPr>
         <p:spPr>
           <a:xfrm>
-            <a:off x="4447308" y="298061"/>
-            <a:ext cx="6906491" cy="562228"/>
+            <a:off x="4500649" y="561156"/>
+            <a:ext cx="6083531" cy="5397684"/>
           </a:xfrm>
         </p:spPr>
         <p:txBody>
           <a:bodyPr anchor="ctr">
-            <a:normAutofit/>
+            <a:normAutofit fontScale="92500" lnSpcReduction="20000"/>
           </a:bodyPr>
           <a:lstStyle/>
           <a:p>
@@ -17304,18 +17446,152 @@
                 <a:effectLst/>
                 <a:latin typeface="Söhne"/>
               </a:rPr>
-              <a:t>Primer meta podataka i hiper-</a:t>
-            </a:r>
-            <a:r>
-              <a:rPr lang="sr-Latn-RS" b="0" i="0" dirty="0" err="1">
-                <a:solidFill>
-                  <a:srgbClr val="374151"/>
-                </a:solidFill>
-                <a:effectLst/>
-                <a:latin typeface="Söhne"/>
-              </a:rPr>
-              <a:t>linkovanja</a:t>
-            </a:r>
+              <a:t>Primer meta podataka i hiper-linkovanja</a:t>
+            </a:r>
+          </a:p>
+          <a:p>
+            <a:r>
+              <a:rPr lang="en-US" dirty="0"/>
+              <a:t>Za </a:t>
+            </a:r>
+            <a:r>
+              <a:rPr lang="en-US" dirty="0" err="1"/>
+              <a:t>metapodatke</a:t>
+            </a:r>
+            <a:r>
+              <a:rPr lang="en-US" dirty="0"/>
+              <a:t> je </a:t>
+            </a:r>
+            <a:r>
+              <a:rPr lang="en-US" dirty="0" err="1"/>
+              <a:t>kori</a:t>
+            </a:r>
+            <a:r>
+              <a:rPr lang="sr-Latn-RS" dirty="0"/>
+              <a:t>šć</a:t>
+            </a:r>
+            <a:r>
+              <a:rPr lang="en-US" dirty="0" err="1"/>
+              <a:t>en</a:t>
+            </a:r>
+            <a:r>
+              <a:rPr lang="en-US" dirty="0"/>
+              <a:t> Bert</a:t>
+            </a:r>
+            <a:r>
+              <a:rPr lang="sr-Latn-RS" dirty="0"/>
+              <a:t>ić</a:t>
+            </a:r>
+            <a:r>
+              <a:rPr lang="en-US" dirty="0"/>
+              <a:t> NLP model, </a:t>
+            </a:r>
+            <a:r>
+              <a:rPr lang="en-US" dirty="0" err="1"/>
+              <a:t>putem</a:t>
+            </a:r>
+            <a:r>
+              <a:rPr lang="en-US" dirty="0"/>
+              <a:t> </a:t>
+            </a:r>
+            <a:r>
+              <a:rPr lang="sr-Latn-RS" dirty="0"/>
+              <a:t>kojeg</a:t>
+            </a:r>
+            <a:r>
+              <a:rPr lang="en-US" dirty="0"/>
+              <a:t> </a:t>
+            </a:r>
+            <a:r>
+              <a:rPr lang="en-US" dirty="0" err="1"/>
+              <a:t>smo</a:t>
+            </a:r>
+            <a:r>
+              <a:rPr lang="en-US" dirty="0"/>
+              <a:t> u </a:t>
+            </a:r>
+            <a:r>
+              <a:rPr lang="en-US" dirty="0" err="1"/>
+              <a:t>stanju</a:t>
+            </a:r>
+            <a:r>
+              <a:rPr lang="en-US" dirty="0"/>
+              <a:t> da </a:t>
+            </a:r>
+            <a:r>
+              <a:rPr lang="en-US" dirty="0" err="1"/>
+              <a:t>izvla</a:t>
+            </a:r>
+            <a:r>
+              <a:rPr lang="sr-Latn-RS" dirty="0"/>
+              <a:t>č</a:t>
+            </a:r>
+            <a:r>
+              <a:rPr lang="en-US" dirty="0" err="1"/>
+              <a:t>imo</a:t>
+            </a:r>
+            <a:r>
+              <a:rPr lang="en-US" dirty="0"/>
+              <a:t> </a:t>
+            </a:r>
+            <a:r>
+              <a:rPr lang="en-US" dirty="0" err="1"/>
+              <a:t>entitete</a:t>
+            </a:r>
+            <a:r>
+              <a:rPr lang="en-US" dirty="0"/>
+              <a:t> </a:t>
+            </a:r>
+            <a:r>
+              <a:rPr lang="en-US" dirty="0" err="1"/>
+              <a:t>poput</a:t>
+            </a:r>
+            <a:r>
+              <a:rPr lang="en-US" dirty="0"/>
+              <a:t>:</a:t>
+            </a:r>
+            <a:r>
+              <a:rPr lang="sr-Latn-RS" dirty="0"/>
+              <a:t> Lokacije na kojoj se zločin desio, imena i prezimena učesnika/sudija/zapisničara</a:t>
+            </a:r>
+          </a:p>
+          <a:p>
+            <a:r>
+              <a:rPr lang="sr-Latn-RS" dirty="0"/>
+              <a:t>Takođe za ekstrakciju i pribavljanje metapodataka se koristi i pristup sa RegEx-om gde se uspeva izvući koji su sve članovi zakona obuhvaćeni sa presudom kao i datum iz presude, ime suda i sve sudije koje se spominju u samoj presudi</a:t>
+            </a:r>
+            <a:endParaRPr lang="en-US" dirty="0"/>
+          </a:p>
+          <a:p>
+            <a:r>
+              <a:rPr lang="en-US" dirty="0">
+                <a:solidFill>
+                  <a:srgbClr val="374151"/>
+                </a:solidFill>
+                <a:latin typeface="Söhne"/>
+              </a:rPr>
+              <a:t>U 65% </a:t>
+            </a:r>
+            <a:r>
+              <a:rPr lang="en-US" dirty="0" err="1">
+                <a:solidFill>
+                  <a:srgbClr val="374151"/>
+                </a:solidFill>
+                <a:latin typeface="Söhne"/>
+              </a:rPr>
+              <a:t>slu</a:t>
+            </a:r>
+            <a:r>
+              <a:rPr lang="sr-Latn-RS" dirty="0">
+                <a:solidFill>
+                  <a:srgbClr val="374151"/>
+                </a:solidFill>
+                <a:latin typeface="Söhne"/>
+              </a:rPr>
+              <a:t>čajeva uspevamo da izvučemo potrebne meta podatke pošto je nestruktuiran tekst u pitanju i predstavlja izazov u oblasti NLP-a</a:t>
+            </a:r>
+          </a:p>
+          <a:p>
             <a:endParaRPr lang="en-US" dirty="0"/>
           </a:p>
         </p:txBody>
@@ -17659,58 +17935,12 @@
           </a:p>
         </p:txBody>
       </p:sp>
-      <p:sp>
-        <p:nvSpPr>
-          <p:cNvPr id="3" name="Content Placeholder 2"/>
-          <p:cNvSpPr>
-            <a:spLocks noGrp="1"/>
-          </p:cNvSpPr>
-          <p:nvPr>
-            <p:ph idx="1"/>
-          </p:nvPr>
-        </p:nvSpPr>
-        <p:spPr>
-          <a:xfrm>
-            <a:off x="4447308" y="298061"/>
-            <a:ext cx="6906491" cy="562228"/>
-          </a:xfrm>
-        </p:spPr>
-        <p:txBody>
-          <a:bodyPr anchor="ctr">
-            <a:normAutofit/>
-          </a:bodyPr>
-          <a:lstStyle/>
-          <a:p>
-            <a:r>
-              <a:rPr lang="sr-Latn-RS" b="0" i="0" dirty="0">
-                <a:solidFill>
-                  <a:srgbClr val="374151"/>
-                </a:solidFill>
-                <a:effectLst/>
-                <a:latin typeface="Söhne"/>
-              </a:rPr>
-              <a:t>Primer meta podataka i hiper-</a:t>
-            </a:r>
-            <a:r>
-              <a:rPr lang="sr-Latn-RS" b="0" i="0" dirty="0" err="1">
-                <a:solidFill>
-                  <a:srgbClr val="374151"/>
-                </a:solidFill>
-                <a:effectLst/>
-                <a:latin typeface="Söhne"/>
-              </a:rPr>
-              <a:t>linkovanja</a:t>
-            </a:r>
-            <a:endParaRPr lang="en-US" dirty="0"/>
-          </a:p>
-        </p:txBody>
-      </p:sp>
       <p:pic>
         <p:nvPicPr>
-          <p:cNvPr id="5" name="Picture 4">
+          <p:cNvPr id="6" name="Picture 5">
             <a:extLst>
               <a:ext uri="{FF2B5EF4-FFF2-40B4-BE49-F238E27FC236}">
-                <a16:creationId xmlns:a16="http://schemas.microsoft.com/office/drawing/2014/main" id="{1ED62814-5E0B-A6B2-7CFB-523392172436}"/>
+                <a16:creationId xmlns:a16="http://schemas.microsoft.com/office/drawing/2014/main" id="{7C4C171C-7D5D-4A16-9DDC-E32F3EDE99AF}"/>
               </a:ext>
             </a:extLst>
           </p:cNvPr>
@@ -17727,8 +17957,38 @@
         </p:blipFill>
         <p:spPr>
           <a:xfrm>
-            <a:off x="3887234" y="860288"/>
-            <a:ext cx="8282161" cy="5997711"/>
+            <a:off x="4353862" y="537273"/>
+            <a:ext cx="3754096" cy="4826695"/>
+          </a:xfrm>
+          <a:prstGeom prst="rect">
+            <a:avLst/>
+          </a:prstGeom>
+        </p:spPr>
+      </p:pic>
+      <p:pic>
+        <p:nvPicPr>
+          <p:cNvPr id="7" name="Picture 6">
+            <a:extLst>
+              <a:ext uri="{FF2B5EF4-FFF2-40B4-BE49-F238E27FC236}">
+                <a16:creationId xmlns:a16="http://schemas.microsoft.com/office/drawing/2014/main" id="{E43C6EBE-8B16-4CEB-974C-1ED669E77AFF}"/>
+              </a:ext>
+            </a:extLst>
+          </p:cNvPr>
+          <p:cNvPicPr>
+            <a:picLocks noChangeAspect="1"/>
+          </p:cNvPicPr>
+          <p:nvPr/>
+        </p:nvPicPr>
+        <p:blipFill>
+          <a:blip r:embed="rId4"/>
+          <a:stretch>
+            <a:fillRect/>
+          </a:stretch>
+        </p:blipFill>
+        <p:spPr>
+          <a:xfrm>
+            <a:off x="7771381" y="662941"/>
+            <a:ext cx="5840659" cy="4424362"/>
           </a:xfrm>
           <a:prstGeom prst="rect">
             <a:avLst/>
@@ -17738,7 +17998,7 @@
     </p:spTree>
     <p:extLst>
       <p:ext uri="{BB962C8B-B14F-4D97-AF65-F5344CB8AC3E}">
-        <p14:creationId xmlns:p14="http://schemas.microsoft.com/office/powerpoint/2010/main" val="1828387559"/>
+        <p14:creationId xmlns:p14="http://schemas.microsoft.com/office/powerpoint/2010/main" val="4210213842"/>
       </p:ext>
     </p:extLst>
   </p:cSld>
@@ -18122,10 +18382,10 @@
       </p:sp>
       <p:pic>
         <p:nvPicPr>
-          <p:cNvPr id="6" name="Picture 5">
+          <p:cNvPr id="5" name="Picture 4">
             <a:extLst>
               <a:ext uri="{FF2B5EF4-FFF2-40B4-BE49-F238E27FC236}">
-                <a16:creationId xmlns:a16="http://schemas.microsoft.com/office/drawing/2014/main" id="{86E8D01A-B35E-1D1A-CDBC-9067EE7F7820}"/>
+                <a16:creationId xmlns:a16="http://schemas.microsoft.com/office/drawing/2014/main" id="{1ED62814-5E0B-A6B2-7CFB-523392172436}"/>
               </a:ext>
             </a:extLst>
           </p:cNvPr>
@@ -18142,8 +18402,8 @@
         </p:blipFill>
         <p:spPr>
           <a:xfrm>
-            <a:off x="4221361" y="1856767"/>
-            <a:ext cx="7606738" cy="2413309"/>
+            <a:off x="3887234" y="860288"/>
+            <a:ext cx="8282161" cy="5997711"/>
           </a:xfrm>
           <a:prstGeom prst="rect">
             <a:avLst/>
@@ -18153,7 +18413,7 @@
     </p:spTree>
     <p:extLst>
       <p:ext uri="{BB962C8B-B14F-4D97-AF65-F5344CB8AC3E}">
-        <p14:creationId xmlns:p14="http://schemas.microsoft.com/office/powerpoint/2010/main" val="2669945393"/>
+        <p14:creationId xmlns:p14="http://schemas.microsoft.com/office/powerpoint/2010/main" val="1828387559"/>
       </p:ext>
     </p:extLst>
   </p:cSld>
@@ -18537,10 +18797,10 @@
       </p:sp>
       <p:pic>
         <p:nvPicPr>
-          <p:cNvPr id="5" name="Picture 4">
+          <p:cNvPr id="6" name="Picture 5">
             <a:extLst>
               <a:ext uri="{FF2B5EF4-FFF2-40B4-BE49-F238E27FC236}">
-                <a16:creationId xmlns:a16="http://schemas.microsoft.com/office/drawing/2014/main" id="{0B60BC2F-520F-855F-D64D-0BB39A235244}"/>
+                <a16:creationId xmlns:a16="http://schemas.microsoft.com/office/drawing/2014/main" id="{86E8D01A-B35E-1D1A-CDBC-9067EE7F7820}"/>
               </a:ext>
             </a:extLst>
           </p:cNvPr>
@@ -18557,8 +18817,8 @@
         </p:blipFill>
         <p:spPr>
           <a:xfrm>
-            <a:off x="3674852" y="1844379"/>
-            <a:ext cx="8462445" cy="4601217"/>
+            <a:off x="4221361" y="1856767"/>
+            <a:ext cx="7606738" cy="2413309"/>
           </a:xfrm>
           <a:prstGeom prst="rect">
             <a:avLst/>
@@ -18568,7 +18828,7 @@
     </p:spTree>
     <p:extLst>
       <p:ext uri="{BB962C8B-B14F-4D97-AF65-F5344CB8AC3E}">
-        <p14:creationId xmlns:p14="http://schemas.microsoft.com/office/powerpoint/2010/main" val="4048915896"/>
+        <p14:creationId xmlns:p14="http://schemas.microsoft.com/office/powerpoint/2010/main" val="2669945393"/>
       </p:ext>
     </p:extLst>
   </p:cSld>
@@ -18825,7 +19085,15 @@
                   <a:srgbClr val="FFFFFF"/>
                 </a:solidFill>
               </a:rPr>
-              <a:t>Zaključak</a:t>
+              <a:t>Meta podaci i hiper-</a:t>
+            </a:r>
+            <a:r>
+              <a:rPr lang="sr-Latn-RS" dirty="0" err="1">
+                <a:solidFill>
+                  <a:srgbClr val="FFFFFF"/>
+                </a:solidFill>
+              </a:rPr>
+              <a:t>linkovanje</a:t>
             </a:r>
             <a:endParaRPr lang="en-US" dirty="0">
               <a:solidFill>
@@ -18903,13 +19171,13 @@
             <a:spLocks noGrp="1"/>
           </p:cNvSpPr>
           <p:nvPr>
-            <p:ph type="body" idx="1"/>
+            <p:ph idx="1"/>
           </p:nvPr>
         </p:nvSpPr>
         <p:spPr>
           <a:xfrm>
-            <a:off x="4447308" y="591344"/>
-            <a:ext cx="6906491" cy="5585619"/>
+            <a:off x="4447308" y="298061"/>
+            <a:ext cx="6906491" cy="562228"/>
           </a:xfrm>
         </p:spPr>
         <p:txBody>
@@ -18919,35 +19187,6 @@
           <a:lstStyle/>
           <a:p>
             <a:r>
-              <a:rPr lang="sr-Latn-RS" dirty="0">
-                <a:solidFill>
-                  <a:srgbClr val="374151"/>
-                </a:solidFill>
-                <a:latin typeface="Söhne"/>
-              </a:rPr>
-              <a:t>O</a:t>
-            </a:r>
-            <a:r>
-              <a:rPr lang="en-US" b="0" i="0" dirty="0" err="1">
-                <a:solidFill>
-                  <a:srgbClr val="374151"/>
-                </a:solidFill>
-                <a:effectLst/>
-                <a:latin typeface="Söhne"/>
-              </a:rPr>
-              <a:t>va</a:t>
-            </a:r>
-            <a:r>
-              <a:rPr lang="en-US" b="0" i="0" dirty="0">
-                <a:solidFill>
-                  <a:srgbClr val="374151"/>
-                </a:solidFill>
-                <a:effectLst/>
-                <a:latin typeface="Söhne"/>
-              </a:rPr>
-              <a:t> oblast</a:t>
-            </a:r>
-            <a:r>
               <a:rPr lang="sr-Latn-RS" b="0" i="0" dirty="0">
                 <a:solidFill>
                   <a:srgbClr val="374151"/>
@@ -18955,835 +19194,56 @@
                 <a:effectLst/>
                 <a:latin typeface="Söhne"/>
               </a:rPr>
-              <a:t> je</a:t>
-            </a:r>
-            <a:r>
-              <a:rPr lang="en-US" b="0" i="0" dirty="0">
-                <a:solidFill>
-                  <a:srgbClr val="374151"/>
-                </a:solidFill>
-                <a:effectLst/>
-                <a:latin typeface="Söhne"/>
-              </a:rPr>
-              <a:t> </a:t>
-            </a:r>
-            <a:r>
-              <a:rPr lang="en-US" b="0" i="0" dirty="0" err="1">
-                <a:solidFill>
-                  <a:srgbClr val="374151"/>
-                </a:solidFill>
-                <a:effectLst/>
-                <a:latin typeface="Söhne"/>
-              </a:rPr>
-              <a:t>postala</a:t>
-            </a:r>
-            <a:r>
-              <a:rPr lang="en-US" b="0" i="0" dirty="0">
-                <a:solidFill>
-                  <a:srgbClr val="374151"/>
-                </a:solidFill>
-                <a:effectLst/>
-                <a:latin typeface="Söhne"/>
-              </a:rPr>
-              <a:t> </a:t>
-            </a:r>
-            <a:r>
-              <a:rPr lang="en-US" b="0" i="0" dirty="0" err="1">
-                <a:solidFill>
-                  <a:srgbClr val="374151"/>
-                </a:solidFill>
-                <a:effectLst/>
-                <a:latin typeface="Söhne"/>
-              </a:rPr>
-              <a:t>neizostavni</a:t>
-            </a:r>
-            <a:r>
-              <a:rPr lang="en-US" b="0" i="0" dirty="0">
-                <a:solidFill>
-                  <a:srgbClr val="374151"/>
-                </a:solidFill>
-                <a:effectLst/>
-                <a:latin typeface="Söhne"/>
-              </a:rPr>
-              <a:t> deo </a:t>
-            </a:r>
-            <a:r>
-              <a:rPr lang="en-US" b="0" i="0" dirty="0" err="1">
-                <a:solidFill>
-                  <a:srgbClr val="374151"/>
-                </a:solidFill>
-                <a:effectLst/>
-                <a:latin typeface="Söhne"/>
-              </a:rPr>
-              <a:t>savremenog</a:t>
-            </a:r>
-            <a:r>
-              <a:rPr lang="en-US" b="0" i="0" dirty="0">
-                <a:solidFill>
-                  <a:srgbClr val="374151"/>
-                </a:solidFill>
-                <a:effectLst/>
-                <a:latin typeface="Söhne"/>
-              </a:rPr>
-              <a:t> </a:t>
-            </a:r>
-            <a:r>
-              <a:rPr lang="en-US" b="0" i="0" dirty="0" err="1">
-                <a:solidFill>
-                  <a:srgbClr val="374151"/>
-                </a:solidFill>
-                <a:effectLst/>
-                <a:latin typeface="Söhne"/>
-              </a:rPr>
-              <a:t>pravnog</a:t>
-            </a:r>
-            <a:r>
-              <a:rPr lang="en-US" b="0" i="0" dirty="0">
-                <a:solidFill>
-                  <a:srgbClr val="374151"/>
-                </a:solidFill>
-                <a:effectLst/>
-                <a:latin typeface="Söhne"/>
-              </a:rPr>
-              <a:t> </a:t>
-            </a:r>
-            <a:r>
-              <a:rPr lang="en-US" b="0" i="0" dirty="0" err="1">
-                <a:solidFill>
-                  <a:srgbClr val="374151"/>
-                </a:solidFill>
-                <a:effectLst/>
-                <a:latin typeface="Söhne"/>
-              </a:rPr>
-              <a:t>sistema</a:t>
-            </a:r>
-            <a:r>
-              <a:rPr lang="en-US" b="0" i="0" dirty="0">
-                <a:solidFill>
-                  <a:srgbClr val="374151"/>
-                </a:solidFill>
-                <a:effectLst/>
-                <a:latin typeface="Söhne"/>
-              </a:rPr>
-              <a:t>.</a:t>
-            </a:r>
-            <a:endParaRPr lang="sr-Latn-RS" b="0" i="0" dirty="0">
-              <a:solidFill>
-                <a:srgbClr val="374151"/>
-              </a:solidFill>
-              <a:effectLst/>
-              <a:latin typeface="Söhne"/>
-            </a:endParaRPr>
-          </a:p>
-          <a:p>
-            <a:r>
-              <a:rPr lang="en-US" b="0" i="0" dirty="0" err="1">
-                <a:solidFill>
-                  <a:srgbClr val="374151"/>
-                </a:solidFill>
-                <a:effectLst/>
-                <a:latin typeface="Söhne"/>
-              </a:rPr>
-              <a:t>Korišćenje</a:t>
-            </a:r>
-            <a:r>
-              <a:rPr lang="en-US" b="0" i="0" dirty="0">
-                <a:solidFill>
-                  <a:srgbClr val="374151"/>
-                </a:solidFill>
-                <a:effectLst/>
-                <a:latin typeface="Söhne"/>
-              </a:rPr>
-              <a:t> </a:t>
-            </a:r>
-            <a:r>
-              <a:rPr lang="en-US" b="0" i="0" dirty="0" err="1">
-                <a:solidFill>
-                  <a:srgbClr val="374151"/>
-                </a:solidFill>
-                <a:effectLst/>
-                <a:latin typeface="Söhne"/>
-              </a:rPr>
-              <a:t>informacionih</a:t>
-            </a:r>
-            <a:r>
-              <a:rPr lang="en-US" b="0" i="0" dirty="0">
-                <a:solidFill>
-                  <a:srgbClr val="374151"/>
-                </a:solidFill>
-                <a:effectLst/>
-                <a:latin typeface="Söhne"/>
-              </a:rPr>
-              <a:t> </a:t>
-            </a:r>
-            <a:r>
-              <a:rPr lang="en-US" b="0" i="0" dirty="0" err="1">
-                <a:solidFill>
-                  <a:srgbClr val="374151"/>
-                </a:solidFill>
-                <a:effectLst/>
-                <a:latin typeface="Söhne"/>
-              </a:rPr>
-              <a:t>tehnologija</a:t>
-            </a:r>
-            <a:r>
-              <a:rPr lang="en-US" b="0" i="0" dirty="0">
-                <a:solidFill>
-                  <a:srgbClr val="374151"/>
-                </a:solidFill>
-                <a:effectLst/>
-                <a:latin typeface="Söhne"/>
-              </a:rPr>
-              <a:t> u </a:t>
-            </a:r>
-            <a:r>
-              <a:rPr lang="en-US" b="0" i="0" dirty="0" err="1">
-                <a:solidFill>
-                  <a:srgbClr val="374151"/>
-                </a:solidFill>
-                <a:effectLst/>
-                <a:latin typeface="Söhne"/>
-              </a:rPr>
-              <a:t>pravosuđu</a:t>
-            </a:r>
-            <a:r>
-              <a:rPr lang="en-US" b="0" i="0" dirty="0">
-                <a:solidFill>
-                  <a:srgbClr val="374151"/>
-                </a:solidFill>
-                <a:effectLst/>
-                <a:latin typeface="Söhne"/>
-              </a:rPr>
-              <a:t> </a:t>
-            </a:r>
-            <a:r>
-              <a:rPr lang="en-US" b="0" i="0" dirty="0" err="1">
-                <a:solidFill>
-                  <a:srgbClr val="374151"/>
-                </a:solidFill>
-                <a:effectLst/>
-                <a:latin typeface="Söhne"/>
-              </a:rPr>
-              <a:t>i</a:t>
-            </a:r>
-            <a:r>
-              <a:rPr lang="en-US" b="0" i="0" dirty="0">
-                <a:solidFill>
-                  <a:srgbClr val="374151"/>
-                </a:solidFill>
-                <a:effectLst/>
-                <a:latin typeface="Söhne"/>
-              </a:rPr>
-              <a:t> </a:t>
-            </a:r>
-            <a:r>
-              <a:rPr lang="en-US" b="0" i="0" dirty="0" err="1">
-                <a:solidFill>
-                  <a:srgbClr val="374151"/>
-                </a:solidFill>
-                <a:effectLst/>
-                <a:latin typeface="Söhne"/>
-              </a:rPr>
-              <a:t>pravnoj</a:t>
-            </a:r>
-            <a:r>
-              <a:rPr lang="en-US" b="0" i="0" dirty="0">
-                <a:solidFill>
-                  <a:srgbClr val="374151"/>
-                </a:solidFill>
-                <a:effectLst/>
-                <a:latin typeface="Söhne"/>
-              </a:rPr>
-              <a:t> </a:t>
-            </a:r>
-            <a:r>
-              <a:rPr lang="en-US" b="0" i="0" dirty="0" err="1">
-                <a:solidFill>
-                  <a:srgbClr val="374151"/>
-                </a:solidFill>
-                <a:effectLst/>
-                <a:latin typeface="Söhne"/>
-              </a:rPr>
-              <a:t>teoriji</a:t>
-            </a:r>
-            <a:r>
-              <a:rPr lang="en-US" b="0" i="0" dirty="0">
-                <a:solidFill>
-                  <a:srgbClr val="374151"/>
-                </a:solidFill>
-                <a:effectLst/>
-                <a:latin typeface="Söhne"/>
-              </a:rPr>
-              <a:t> </a:t>
-            </a:r>
-            <a:r>
-              <a:rPr lang="en-US" b="0" i="0" dirty="0" err="1">
-                <a:solidFill>
-                  <a:srgbClr val="374151"/>
-                </a:solidFill>
-                <a:effectLst/>
-                <a:latin typeface="Söhne"/>
-              </a:rPr>
-              <a:t>ima</a:t>
-            </a:r>
-            <a:r>
-              <a:rPr lang="en-US" b="0" i="0" dirty="0">
-                <a:solidFill>
-                  <a:srgbClr val="374151"/>
-                </a:solidFill>
-                <a:effectLst/>
-                <a:latin typeface="Söhne"/>
-              </a:rPr>
-              <a:t> </a:t>
-            </a:r>
-            <a:r>
-              <a:rPr lang="en-US" b="0" i="0" dirty="0" err="1">
-                <a:solidFill>
-                  <a:srgbClr val="374151"/>
-                </a:solidFill>
-                <a:effectLst/>
-                <a:latin typeface="Söhne"/>
-              </a:rPr>
-              <a:t>mnoge</a:t>
-            </a:r>
-            <a:r>
-              <a:rPr lang="en-US" b="0" i="0" dirty="0">
-                <a:solidFill>
-                  <a:srgbClr val="374151"/>
-                </a:solidFill>
-                <a:effectLst/>
-                <a:latin typeface="Söhne"/>
-              </a:rPr>
-              <a:t> </a:t>
-            </a:r>
-            <a:r>
-              <a:rPr lang="en-US" b="0" i="0" dirty="0" err="1">
-                <a:solidFill>
-                  <a:srgbClr val="374151"/>
-                </a:solidFill>
-                <a:effectLst/>
-                <a:latin typeface="Söhne"/>
-              </a:rPr>
-              <a:t>prednosti</a:t>
-            </a:r>
-            <a:r>
-              <a:rPr lang="en-US" b="0" i="0" dirty="0">
-                <a:solidFill>
-                  <a:srgbClr val="374151"/>
-                </a:solidFill>
-                <a:effectLst/>
-                <a:latin typeface="Söhne"/>
-              </a:rPr>
-              <a:t>, </a:t>
-            </a:r>
-            <a:r>
-              <a:rPr lang="en-US" b="0" i="0" dirty="0" err="1">
-                <a:solidFill>
-                  <a:srgbClr val="374151"/>
-                </a:solidFill>
-                <a:effectLst/>
-                <a:latin typeface="Söhne"/>
-              </a:rPr>
-              <a:t>kao</a:t>
-            </a:r>
-            <a:r>
-              <a:rPr lang="en-US" b="0" i="0" dirty="0">
-                <a:solidFill>
-                  <a:srgbClr val="374151"/>
-                </a:solidFill>
-                <a:effectLst/>
-                <a:latin typeface="Söhne"/>
-              </a:rPr>
-              <a:t> </a:t>
-            </a:r>
-            <a:r>
-              <a:rPr lang="en-US" b="0" i="0" dirty="0" err="1">
-                <a:solidFill>
-                  <a:srgbClr val="374151"/>
-                </a:solidFill>
-                <a:effectLst/>
-                <a:latin typeface="Söhne"/>
-              </a:rPr>
-              <a:t>što</a:t>
-            </a:r>
-            <a:r>
-              <a:rPr lang="en-US" b="0" i="0" dirty="0">
-                <a:solidFill>
-                  <a:srgbClr val="374151"/>
-                </a:solidFill>
-                <a:effectLst/>
-                <a:latin typeface="Söhne"/>
-              </a:rPr>
-              <a:t> </a:t>
-            </a:r>
-            <a:r>
-              <a:rPr lang="en-US" b="0" i="0" dirty="0" err="1">
-                <a:solidFill>
-                  <a:srgbClr val="374151"/>
-                </a:solidFill>
-                <a:effectLst/>
-                <a:latin typeface="Söhne"/>
-              </a:rPr>
-              <a:t>su</a:t>
-            </a:r>
-            <a:r>
-              <a:rPr lang="en-US" b="0" i="0" dirty="0">
-                <a:solidFill>
-                  <a:srgbClr val="374151"/>
-                </a:solidFill>
-                <a:effectLst/>
-                <a:latin typeface="Söhne"/>
-              </a:rPr>
-              <a:t> </a:t>
-            </a:r>
-            <a:r>
-              <a:rPr lang="en-US" b="0" i="0" dirty="0" err="1">
-                <a:solidFill>
-                  <a:srgbClr val="374151"/>
-                </a:solidFill>
-                <a:effectLst/>
-                <a:latin typeface="Söhne"/>
-              </a:rPr>
-              <a:t>brže</a:t>
-            </a:r>
-            <a:r>
-              <a:rPr lang="en-US" b="0" i="0" dirty="0">
-                <a:solidFill>
-                  <a:srgbClr val="374151"/>
-                </a:solidFill>
-                <a:effectLst/>
-                <a:latin typeface="Söhne"/>
-              </a:rPr>
-              <a:t> </a:t>
-            </a:r>
-            <a:r>
-              <a:rPr lang="en-US" b="0" i="0" dirty="0" err="1">
-                <a:solidFill>
-                  <a:srgbClr val="374151"/>
-                </a:solidFill>
-                <a:effectLst/>
-                <a:latin typeface="Söhne"/>
-              </a:rPr>
-              <a:t>i</a:t>
-            </a:r>
-            <a:r>
-              <a:rPr lang="en-US" b="0" i="0" dirty="0">
-                <a:solidFill>
-                  <a:srgbClr val="374151"/>
-                </a:solidFill>
-                <a:effectLst/>
-                <a:latin typeface="Söhne"/>
-              </a:rPr>
-              <a:t> </a:t>
-            </a:r>
-            <a:r>
-              <a:rPr lang="en-US" b="0" i="0" dirty="0" err="1">
-                <a:solidFill>
-                  <a:srgbClr val="374151"/>
-                </a:solidFill>
-                <a:effectLst/>
-                <a:latin typeface="Söhne"/>
-              </a:rPr>
-              <a:t>efikasnije</a:t>
-            </a:r>
-            <a:r>
-              <a:rPr lang="en-US" b="0" i="0" dirty="0">
-                <a:solidFill>
-                  <a:srgbClr val="374151"/>
-                </a:solidFill>
-                <a:effectLst/>
-                <a:latin typeface="Söhne"/>
-              </a:rPr>
-              <a:t> </a:t>
-            </a:r>
-            <a:r>
-              <a:rPr lang="en-US" b="0" i="0" dirty="0" err="1">
-                <a:solidFill>
-                  <a:srgbClr val="374151"/>
-                </a:solidFill>
-                <a:effectLst/>
-                <a:latin typeface="Söhne"/>
-              </a:rPr>
-              <a:t>donošenje</a:t>
-            </a:r>
-            <a:r>
-              <a:rPr lang="en-US" b="0" i="0" dirty="0">
-                <a:solidFill>
-                  <a:srgbClr val="374151"/>
-                </a:solidFill>
-                <a:effectLst/>
-                <a:latin typeface="Söhne"/>
-              </a:rPr>
-              <a:t> </a:t>
-            </a:r>
-            <a:r>
-              <a:rPr lang="en-US" b="0" i="0" dirty="0" err="1">
-                <a:solidFill>
-                  <a:srgbClr val="374151"/>
-                </a:solidFill>
-                <a:effectLst/>
-                <a:latin typeface="Söhne"/>
-              </a:rPr>
-              <a:t>odluka</a:t>
-            </a:r>
-            <a:r>
-              <a:rPr lang="en-US" b="0" i="0" dirty="0">
-                <a:solidFill>
-                  <a:srgbClr val="374151"/>
-                </a:solidFill>
-                <a:effectLst/>
-                <a:latin typeface="Söhne"/>
-              </a:rPr>
-              <a:t>, </a:t>
-            </a:r>
-            <a:r>
-              <a:rPr lang="en-US" b="0" i="0" dirty="0" err="1">
-                <a:solidFill>
-                  <a:srgbClr val="374151"/>
-                </a:solidFill>
-                <a:effectLst/>
-                <a:latin typeface="Söhne"/>
-              </a:rPr>
-              <a:t>olakšavanje</a:t>
-            </a:r>
-            <a:r>
-              <a:rPr lang="en-US" b="0" i="0" dirty="0">
-                <a:solidFill>
-                  <a:srgbClr val="374151"/>
-                </a:solidFill>
-                <a:effectLst/>
-                <a:latin typeface="Söhne"/>
-              </a:rPr>
-              <a:t> </a:t>
-            </a:r>
-            <a:r>
-              <a:rPr lang="en-US" b="0" i="0" dirty="0" err="1">
-                <a:solidFill>
-                  <a:srgbClr val="374151"/>
-                </a:solidFill>
-                <a:effectLst/>
-                <a:latin typeface="Söhne"/>
-              </a:rPr>
-              <a:t>pristupa</a:t>
-            </a:r>
-            <a:r>
-              <a:rPr lang="en-US" b="0" i="0" dirty="0">
-                <a:solidFill>
-                  <a:srgbClr val="374151"/>
-                </a:solidFill>
-                <a:effectLst/>
-                <a:latin typeface="Söhne"/>
-              </a:rPr>
-              <a:t> </a:t>
-            </a:r>
-            <a:r>
-              <a:rPr lang="en-US" b="0" i="0" dirty="0" err="1">
-                <a:solidFill>
-                  <a:srgbClr val="374151"/>
-                </a:solidFill>
-                <a:effectLst/>
-                <a:latin typeface="Söhne"/>
-              </a:rPr>
-              <a:t>pravnim</a:t>
-            </a:r>
-            <a:r>
-              <a:rPr lang="en-US" b="0" i="0" dirty="0">
-                <a:solidFill>
-                  <a:srgbClr val="374151"/>
-                </a:solidFill>
-                <a:effectLst/>
-                <a:latin typeface="Söhne"/>
-              </a:rPr>
-              <a:t> </a:t>
-            </a:r>
-            <a:r>
-              <a:rPr lang="en-US" b="0" i="0" dirty="0" err="1">
-                <a:solidFill>
-                  <a:srgbClr val="374151"/>
-                </a:solidFill>
-                <a:effectLst/>
-                <a:latin typeface="Söhne"/>
-              </a:rPr>
-              <a:t>informacijama</a:t>
-            </a:r>
-            <a:r>
-              <a:rPr lang="en-US" b="0" i="0" dirty="0">
-                <a:solidFill>
-                  <a:srgbClr val="374151"/>
-                </a:solidFill>
-                <a:effectLst/>
-                <a:latin typeface="Söhne"/>
-              </a:rPr>
-              <a:t>, </a:t>
-            </a:r>
-            <a:r>
-              <a:rPr lang="en-US" b="0" i="0" dirty="0" err="1">
-                <a:solidFill>
-                  <a:srgbClr val="374151"/>
-                </a:solidFill>
-                <a:effectLst/>
-                <a:latin typeface="Söhne"/>
-              </a:rPr>
-              <a:t>bolja</a:t>
-            </a:r>
-            <a:r>
-              <a:rPr lang="en-US" b="0" i="0" dirty="0">
-                <a:solidFill>
-                  <a:srgbClr val="374151"/>
-                </a:solidFill>
-                <a:effectLst/>
-                <a:latin typeface="Söhne"/>
-              </a:rPr>
-              <a:t> </a:t>
-            </a:r>
-            <a:r>
-              <a:rPr lang="en-US" b="0" i="0" dirty="0" err="1">
-                <a:solidFill>
-                  <a:srgbClr val="374151"/>
-                </a:solidFill>
-                <a:effectLst/>
-                <a:latin typeface="Söhne"/>
-              </a:rPr>
-              <a:t>organizacija</a:t>
-            </a:r>
-            <a:r>
-              <a:rPr lang="en-US" b="0" i="0" dirty="0">
-                <a:solidFill>
-                  <a:srgbClr val="374151"/>
-                </a:solidFill>
-                <a:effectLst/>
-                <a:latin typeface="Söhne"/>
-              </a:rPr>
-              <a:t> </a:t>
-            </a:r>
-            <a:r>
-              <a:rPr lang="en-US" b="0" i="0" dirty="0" err="1">
-                <a:solidFill>
-                  <a:srgbClr val="374151"/>
-                </a:solidFill>
-                <a:effectLst/>
-                <a:latin typeface="Söhne"/>
-              </a:rPr>
-              <a:t>i</a:t>
-            </a:r>
-            <a:r>
-              <a:rPr lang="en-US" b="0" i="0" dirty="0">
-                <a:solidFill>
-                  <a:srgbClr val="374151"/>
-                </a:solidFill>
-                <a:effectLst/>
-                <a:latin typeface="Söhne"/>
-              </a:rPr>
-              <a:t> </a:t>
-            </a:r>
-            <a:r>
-              <a:rPr lang="en-US" b="0" i="0" dirty="0" err="1">
-                <a:solidFill>
-                  <a:srgbClr val="374151"/>
-                </a:solidFill>
-                <a:effectLst/>
-                <a:latin typeface="Söhne"/>
-              </a:rPr>
-              <a:t>prezentacija</a:t>
-            </a:r>
-            <a:r>
-              <a:rPr lang="en-US" b="0" i="0" dirty="0">
-                <a:solidFill>
-                  <a:srgbClr val="374151"/>
-                </a:solidFill>
-                <a:effectLst/>
-                <a:latin typeface="Söhne"/>
-              </a:rPr>
-              <a:t> </a:t>
-            </a:r>
-            <a:r>
-              <a:rPr lang="en-US" b="0" i="0" dirty="0" err="1">
-                <a:solidFill>
-                  <a:srgbClr val="374151"/>
-                </a:solidFill>
-                <a:effectLst/>
-                <a:latin typeface="Söhne"/>
-              </a:rPr>
-              <a:t>pravnih</a:t>
-            </a:r>
-            <a:r>
-              <a:rPr lang="en-US" b="0" i="0" dirty="0">
-                <a:solidFill>
-                  <a:srgbClr val="374151"/>
-                </a:solidFill>
-                <a:effectLst/>
-                <a:latin typeface="Söhne"/>
-              </a:rPr>
-              <a:t> </a:t>
-            </a:r>
-            <a:r>
-              <a:rPr lang="en-US" b="0" i="0" dirty="0" err="1">
-                <a:solidFill>
-                  <a:srgbClr val="374151"/>
-                </a:solidFill>
-                <a:effectLst/>
-                <a:latin typeface="Söhne"/>
-              </a:rPr>
-              <a:t>dokumenata</a:t>
-            </a:r>
-            <a:r>
-              <a:rPr lang="en-US" b="0" i="0" dirty="0">
-                <a:solidFill>
-                  <a:srgbClr val="374151"/>
-                </a:solidFill>
-                <a:effectLst/>
-                <a:latin typeface="Söhne"/>
-              </a:rPr>
-              <a:t>, </a:t>
-            </a:r>
-            <a:r>
-              <a:rPr lang="en-US" b="0" i="0" dirty="0" err="1">
-                <a:solidFill>
-                  <a:srgbClr val="374151"/>
-                </a:solidFill>
-                <a:effectLst/>
-                <a:latin typeface="Söhne"/>
-              </a:rPr>
-              <a:t>kao</a:t>
-            </a:r>
-            <a:r>
-              <a:rPr lang="en-US" b="0" i="0" dirty="0">
-                <a:solidFill>
-                  <a:srgbClr val="374151"/>
-                </a:solidFill>
-                <a:effectLst/>
-                <a:latin typeface="Söhne"/>
-              </a:rPr>
-              <a:t> </a:t>
-            </a:r>
-            <a:r>
-              <a:rPr lang="en-US" b="0" i="0" dirty="0" err="1">
-                <a:solidFill>
-                  <a:srgbClr val="374151"/>
-                </a:solidFill>
-                <a:effectLst/>
-                <a:latin typeface="Söhne"/>
-              </a:rPr>
-              <a:t>i</a:t>
-            </a:r>
-            <a:r>
-              <a:rPr lang="en-US" b="0" i="0" dirty="0">
-                <a:solidFill>
-                  <a:srgbClr val="374151"/>
-                </a:solidFill>
-                <a:effectLst/>
-                <a:latin typeface="Söhne"/>
-              </a:rPr>
-              <a:t> </a:t>
-            </a:r>
-            <a:r>
-              <a:rPr lang="en-US" b="0" i="0" dirty="0" err="1">
-                <a:solidFill>
-                  <a:srgbClr val="374151"/>
-                </a:solidFill>
-                <a:effectLst/>
-                <a:latin typeface="Söhne"/>
-              </a:rPr>
-              <a:t>mogućnost</a:t>
-            </a:r>
-            <a:r>
-              <a:rPr lang="en-US" b="0" i="0" dirty="0">
-                <a:solidFill>
-                  <a:srgbClr val="374151"/>
-                </a:solidFill>
-                <a:effectLst/>
-                <a:latin typeface="Söhne"/>
-              </a:rPr>
-              <a:t> </a:t>
-            </a:r>
-            <a:r>
-              <a:rPr lang="en-US" b="0" i="0" dirty="0" err="1">
-                <a:solidFill>
-                  <a:srgbClr val="374151"/>
-                </a:solidFill>
-                <a:effectLst/>
-                <a:latin typeface="Söhne"/>
-              </a:rPr>
-              <a:t>automatizacije</a:t>
-            </a:r>
-            <a:r>
-              <a:rPr lang="en-US" b="0" i="0" dirty="0">
-                <a:solidFill>
-                  <a:srgbClr val="374151"/>
-                </a:solidFill>
-                <a:effectLst/>
-                <a:latin typeface="Söhne"/>
-              </a:rPr>
-              <a:t> </a:t>
-            </a:r>
-            <a:r>
-              <a:rPr lang="en-US" b="0" i="0" dirty="0" err="1">
-                <a:solidFill>
-                  <a:srgbClr val="374151"/>
-                </a:solidFill>
-                <a:effectLst/>
-                <a:latin typeface="Söhne"/>
-              </a:rPr>
-              <a:t>pojedinih</a:t>
-            </a:r>
-            <a:r>
-              <a:rPr lang="en-US" b="0" i="0" dirty="0">
-                <a:solidFill>
-                  <a:srgbClr val="374151"/>
-                </a:solidFill>
-                <a:effectLst/>
-                <a:latin typeface="Söhne"/>
-              </a:rPr>
-              <a:t> </a:t>
-            </a:r>
-            <a:r>
-              <a:rPr lang="en-US" b="0" i="0" dirty="0" err="1">
-                <a:solidFill>
-                  <a:srgbClr val="374151"/>
-                </a:solidFill>
-                <a:effectLst/>
-                <a:latin typeface="Söhne"/>
-              </a:rPr>
-              <a:t>pravnih</a:t>
-            </a:r>
-            <a:r>
-              <a:rPr lang="en-US" b="0" i="0" dirty="0">
-                <a:solidFill>
-                  <a:srgbClr val="374151"/>
-                </a:solidFill>
-                <a:effectLst/>
-                <a:latin typeface="Söhne"/>
-              </a:rPr>
-              <a:t> </a:t>
-            </a:r>
-            <a:r>
-              <a:rPr lang="en-US" b="0" i="0" dirty="0" err="1">
-                <a:solidFill>
-                  <a:srgbClr val="374151"/>
-                </a:solidFill>
-                <a:effectLst/>
-                <a:latin typeface="Söhne"/>
-              </a:rPr>
-              <a:t>procesa</a:t>
-            </a:r>
-            <a:r>
-              <a:rPr lang="en-US" b="0" i="0" dirty="0">
-                <a:solidFill>
-                  <a:srgbClr val="374151"/>
-                </a:solidFill>
-                <a:effectLst/>
-                <a:latin typeface="Söhne"/>
-              </a:rPr>
-              <a:t>.</a:t>
-            </a:r>
-            <a:endParaRPr dirty="0"/>
+              <a:t>Primer meta podataka i hiper-</a:t>
+            </a:r>
+            <a:r>
+              <a:rPr lang="sr-Latn-RS" b="0" i="0" dirty="0" err="1">
+                <a:solidFill>
+                  <a:srgbClr val="374151"/>
+                </a:solidFill>
+                <a:effectLst/>
+                <a:latin typeface="Söhne"/>
+              </a:rPr>
+              <a:t>linkovanja</a:t>
+            </a:r>
+            <a:endParaRPr lang="en-US" dirty="0"/>
           </a:p>
         </p:txBody>
       </p:sp>
+      <p:pic>
+        <p:nvPicPr>
+          <p:cNvPr id="5" name="Picture 4">
+            <a:extLst>
+              <a:ext uri="{FF2B5EF4-FFF2-40B4-BE49-F238E27FC236}">
+                <a16:creationId xmlns:a16="http://schemas.microsoft.com/office/drawing/2014/main" id="{0B60BC2F-520F-855F-D64D-0BB39A235244}"/>
+              </a:ext>
+            </a:extLst>
+          </p:cNvPr>
+          <p:cNvPicPr>
+            <a:picLocks noChangeAspect="1"/>
+          </p:cNvPicPr>
+          <p:nvPr/>
+        </p:nvPicPr>
+        <p:blipFill>
+          <a:blip r:embed="rId3"/>
+          <a:stretch>
+            <a:fillRect/>
+          </a:stretch>
+        </p:blipFill>
+        <p:spPr>
+          <a:xfrm>
+            <a:off x="3674852" y="1844379"/>
+            <a:ext cx="8462445" cy="4601217"/>
+          </a:xfrm>
+          <a:prstGeom prst="rect">
+            <a:avLst/>
+          </a:prstGeom>
+        </p:spPr>
+      </p:pic>
     </p:spTree>
     <p:extLst>
       <p:ext uri="{BB962C8B-B14F-4D97-AF65-F5344CB8AC3E}">
-        <p14:creationId xmlns:p14="http://schemas.microsoft.com/office/powerpoint/2010/main" val="2482808566"/>
+        <p14:creationId xmlns:p14="http://schemas.microsoft.com/office/powerpoint/2010/main" val="4048915896"/>
       </p:ext>
     </p:extLst>
   </p:cSld>
@@ -21023,6 +20483,35 @@
           <a:lstStyle/>
           <a:p>
             <a:r>
+              <a:rPr lang="sr-Latn-RS" dirty="0">
+                <a:solidFill>
+                  <a:srgbClr val="374151"/>
+                </a:solidFill>
+                <a:latin typeface="Söhne"/>
+              </a:rPr>
+              <a:t>O</a:t>
+            </a:r>
+            <a:r>
+              <a:rPr lang="en-US" b="0" i="0" dirty="0" err="1">
+                <a:solidFill>
+                  <a:srgbClr val="374151"/>
+                </a:solidFill>
+                <a:effectLst/>
+                <a:latin typeface="Söhne"/>
+              </a:rPr>
+              <a:t>va</a:t>
+            </a:r>
+            <a:r>
+              <a:rPr lang="en-US" b="0" i="0" dirty="0">
+                <a:solidFill>
+                  <a:srgbClr val="374151"/>
+                </a:solidFill>
+                <a:effectLst/>
+                <a:latin typeface="Söhne"/>
+              </a:rPr>
+              <a:t> oblast</a:t>
+            </a:r>
+            <a:r>
               <a:rPr lang="sr-Latn-RS" b="0" i="0" dirty="0">
                 <a:solidFill>
                   <a:srgbClr val="374151"/>
@@ -21030,57 +20519,7 @@
                 <a:effectLst/>
                 <a:latin typeface="Söhne"/>
               </a:rPr>
-              <a:t>V</a:t>
-            </a:r>
-            <a:r>
-              <a:rPr lang="en-US" b="0" i="0" dirty="0" err="1">
-                <a:solidFill>
-                  <a:srgbClr val="374151"/>
-                </a:solidFill>
-                <a:effectLst/>
-                <a:latin typeface="Söhne"/>
-              </a:rPr>
-              <a:t>ažno</a:t>
-            </a:r>
-            <a:r>
-              <a:rPr lang="en-US" b="0" i="0" dirty="0">
-                <a:solidFill>
-                  <a:srgbClr val="374151"/>
-                </a:solidFill>
-                <a:effectLst/>
-                <a:latin typeface="Söhne"/>
-              </a:rPr>
-              <a:t> je </a:t>
-            </a:r>
-            <a:r>
-              <a:rPr lang="en-US" b="0" i="0" dirty="0" err="1">
-                <a:solidFill>
-                  <a:srgbClr val="374151"/>
-                </a:solidFill>
-                <a:effectLst/>
-                <a:latin typeface="Söhne"/>
-              </a:rPr>
-              <a:t>istaći</a:t>
-            </a:r>
-            <a:r>
-              <a:rPr lang="en-US" b="0" i="0" dirty="0">
-                <a:solidFill>
-                  <a:srgbClr val="374151"/>
-                </a:solidFill>
-                <a:effectLst/>
-                <a:latin typeface="Söhne"/>
-              </a:rPr>
-              <a:t> da </a:t>
-            </a:r>
-            <a:r>
-              <a:rPr lang="en-US" b="0" i="0" dirty="0" err="1">
-                <a:solidFill>
-                  <a:srgbClr val="374151"/>
-                </a:solidFill>
-                <a:effectLst/>
-                <a:latin typeface="Söhne"/>
-              </a:rPr>
-              <a:t>postoje</a:t>
+              <a:t> je</a:t>
             </a:r>
             <a:r>
               <a:rPr lang="en-US" b="0" i="0" dirty="0">
@@ -21100,7 +20539,7 @@
                 <a:effectLst/>
                 <a:latin typeface="Söhne"/>
               </a:rPr>
-              <a:t>i</a:t>
+              <a:t>postala</a:t>
             </a:r>
             <a:r>
               <a:rPr lang="en-US" b="0" i="0" dirty="0">
@@ -21120,7 +20559,27 @@
                 <a:effectLst/>
                 <a:latin typeface="Söhne"/>
               </a:rPr>
-              <a:t>neki</a:t>
+              <a:t>neizostavni</a:t>
+            </a:r>
+            <a:r>
+              <a:rPr lang="en-US" b="0" i="0" dirty="0">
+                <a:solidFill>
+                  <a:srgbClr val="374151"/>
+                </a:solidFill>
+                <a:effectLst/>
+                <a:latin typeface="Söhne"/>
+              </a:rPr>
+              <a:t> deo </a:t>
+            </a:r>
+            <a:r>
+              <a:rPr lang="en-US" b="0" i="0" dirty="0" err="1">
+                <a:solidFill>
+                  <a:srgbClr val="374151"/>
+                </a:solidFill>
+                <a:effectLst/>
+                <a:latin typeface="Söhne"/>
+              </a:rPr>
+              <a:t>savremenog</a:t>
             </a:r>
             <a:r>
               <a:rPr lang="en-US" b="0" i="0" dirty="0">
@@ -21140,7 +20599,7 @@
                 <a:effectLst/>
                 <a:latin typeface="Söhne"/>
               </a:rPr>
-              <a:t>izazovi</a:t>
+              <a:t>pravnog</a:t>
             </a:r>
             <a:r>
               <a:rPr lang="en-US" b="0" i="0" dirty="0">
@@ -21160,447 +20619,7 @@
                 <a:effectLst/>
                 <a:latin typeface="Söhne"/>
               </a:rPr>
-              <a:t>i</a:t>
-            </a:r>
-            <a:r>
-              <a:rPr lang="en-US" b="0" i="0" dirty="0">
-                <a:solidFill>
-                  <a:srgbClr val="374151"/>
-                </a:solidFill>
-                <a:effectLst/>
-                <a:latin typeface="Söhne"/>
-              </a:rPr>
-              <a:t> </a:t>
-            </a:r>
-            <a:r>
-              <a:rPr lang="en-US" b="0" i="0" dirty="0" err="1">
-                <a:solidFill>
-                  <a:srgbClr val="374151"/>
-                </a:solidFill>
-                <a:effectLst/>
-                <a:latin typeface="Söhne"/>
-              </a:rPr>
-              <a:t>nedostaci</a:t>
-            </a:r>
-            <a:r>
-              <a:rPr lang="en-US" b="0" i="0" dirty="0">
-                <a:solidFill>
-                  <a:srgbClr val="374151"/>
-                </a:solidFill>
-                <a:effectLst/>
-                <a:latin typeface="Söhne"/>
-              </a:rPr>
-              <a:t> u </a:t>
-            </a:r>
-            <a:r>
-              <a:rPr lang="en-US" b="0" i="0" dirty="0" err="1">
-                <a:solidFill>
-                  <a:srgbClr val="374151"/>
-                </a:solidFill>
-                <a:effectLst/>
-                <a:latin typeface="Söhne"/>
-              </a:rPr>
-              <a:t>primeni</a:t>
-            </a:r>
-            <a:r>
-              <a:rPr lang="en-US" b="0" i="0" dirty="0">
-                <a:solidFill>
-                  <a:srgbClr val="374151"/>
-                </a:solidFill>
-                <a:effectLst/>
-                <a:latin typeface="Söhne"/>
-              </a:rPr>
-              <a:t> </a:t>
-            </a:r>
-            <a:r>
-              <a:rPr lang="en-US" b="0" i="0" dirty="0" err="1">
-                <a:solidFill>
-                  <a:srgbClr val="374151"/>
-                </a:solidFill>
-                <a:effectLst/>
-                <a:latin typeface="Söhne"/>
-              </a:rPr>
-              <a:t>informacionih</a:t>
-            </a:r>
-            <a:r>
-              <a:rPr lang="en-US" b="0" i="0" dirty="0">
-                <a:solidFill>
-                  <a:srgbClr val="374151"/>
-                </a:solidFill>
-                <a:effectLst/>
-                <a:latin typeface="Söhne"/>
-              </a:rPr>
-              <a:t> </a:t>
-            </a:r>
-            <a:r>
-              <a:rPr lang="en-US" b="0" i="0" dirty="0" err="1">
-                <a:solidFill>
-                  <a:srgbClr val="374151"/>
-                </a:solidFill>
-                <a:effectLst/>
-                <a:latin typeface="Söhne"/>
-              </a:rPr>
-              <a:t>tehnologija</a:t>
-            </a:r>
-            <a:r>
-              <a:rPr lang="en-US" b="0" i="0" dirty="0">
-                <a:solidFill>
-                  <a:srgbClr val="374151"/>
-                </a:solidFill>
-                <a:effectLst/>
-                <a:latin typeface="Söhne"/>
-              </a:rPr>
-              <a:t> u </a:t>
-            </a:r>
-            <a:r>
-              <a:rPr lang="en-US" b="0" i="0" dirty="0" err="1">
-                <a:solidFill>
-                  <a:srgbClr val="374151"/>
-                </a:solidFill>
-                <a:effectLst/>
-                <a:latin typeface="Söhne"/>
-              </a:rPr>
-              <a:t>pravosuđu</a:t>
-            </a:r>
-            <a:r>
-              <a:rPr lang="en-US" b="0" i="0" dirty="0">
-                <a:solidFill>
-                  <a:srgbClr val="374151"/>
-                </a:solidFill>
-                <a:effectLst/>
-                <a:latin typeface="Söhne"/>
-              </a:rPr>
-              <a:t>. </a:t>
-            </a:r>
-            <a:r>
-              <a:rPr lang="en-US" b="0" i="0" dirty="0" err="1">
-                <a:solidFill>
-                  <a:srgbClr val="374151"/>
-                </a:solidFill>
-                <a:effectLst/>
-                <a:latin typeface="Söhne"/>
-              </a:rPr>
-              <a:t>Jedan</a:t>
-            </a:r>
-            <a:r>
-              <a:rPr lang="en-US" b="0" i="0" dirty="0">
-                <a:solidFill>
-                  <a:srgbClr val="374151"/>
-                </a:solidFill>
-                <a:effectLst/>
-                <a:latin typeface="Söhne"/>
-              </a:rPr>
-              <a:t> od </a:t>
-            </a:r>
-            <a:r>
-              <a:rPr lang="en-US" b="0" i="0" dirty="0" err="1">
-                <a:solidFill>
-                  <a:srgbClr val="374151"/>
-                </a:solidFill>
-                <a:effectLst/>
-                <a:latin typeface="Söhne"/>
-              </a:rPr>
-              <a:t>najvećih</a:t>
-            </a:r>
-            <a:r>
-              <a:rPr lang="en-US" b="0" i="0" dirty="0">
-                <a:solidFill>
-                  <a:srgbClr val="374151"/>
-                </a:solidFill>
-                <a:effectLst/>
-                <a:latin typeface="Söhne"/>
-              </a:rPr>
-              <a:t> </a:t>
-            </a:r>
-            <a:r>
-              <a:rPr lang="en-US" b="0" i="0" dirty="0" err="1">
-                <a:solidFill>
-                  <a:srgbClr val="374151"/>
-                </a:solidFill>
-                <a:effectLst/>
-                <a:latin typeface="Söhne"/>
-              </a:rPr>
-              <a:t>izazova</a:t>
-            </a:r>
-            <a:r>
-              <a:rPr lang="en-US" b="0" i="0" dirty="0">
-                <a:solidFill>
-                  <a:srgbClr val="374151"/>
-                </a:solidFill>
-                <a:effectLst/>
-                <a:latin typeface="Söhne"/>
-              </a:rPr>
-              <a:t> je </a:t>
-            </a:r>
-            <a:r>
-              <a:rPr lang="en-US" b="0" i="0" dirty="0" err="1">
-                <a:solidFill>
-                  <a:srgbClr val="374151"/>
-                </a:solidFill>
-                <a:effectLst/>
-                <a:latin typeface="Söhne"/>
-              </a:rPr>
-              <a:t>bezbednost</a:t>
-            </a:r>
-            <a:r>
-              <a:rPr lang="en-US" b="0" i="0" dirty="0">
-                <a:solidFill>
-                  <a:srgbClr val="374151"/>
-                </a:solidFill>
-                <a:effectLst/>
-                <a:latin typeface="Söhne"/>
-              </a:rPr>
-              <a:t> </a:t>
-            </a:r>
-            <a:r>
-              <a:rPr lang="en-US" b="0" i="0" dirty="0" err="1">
-                <a:solidFill>
-                  <a:srgbClr val="374151"/>
-                </a:solidFill>
-                <a:effectLst/>
-                <a:latin typeface="Söhne"/>
-              </a:rPr>
-              <a:t>podataka</a:t>
-            </a:r>
-            <a:r>
-              <a:rPr lang="en-US" b="0" i="0" dirty="0">
-                <a:solidFill>
-                  <a:srgbClr val="374151"/>
-                </a:solidFill>
-                <a:effectLst/>
-                <a:latin typeface="Söhne"/>
-              </a:rPr>
-              <a:t>, a </a:t>
-            </a:r>
-            <a:r>
-              <a:rPr lang="en-US" b="0" i="0" dirty="0" err="1">
-                <a:solidFill>
-                  <a:srgbClr val="374151"/>
-                </a:solidFill>
-                <a:effectLst/>
-                <a:latin typeface="Söhne"/>
-              </a:rPr>
-              <a:t>takođe</a:t>
-            </a:r>
-            <a:r>
-              <a:rPr lang="en-US" b="0" i="0" dirty="0">
-                <a:solidFill>
-                  <a:srgbClr val="374151"/>
-                </a:solidFill>
-                <a:effectLst/>
-                <a:latin typeface="Söhne"/>
-              </a:rPr>
-              <a:t> je </a:t>
-            </a:r>
-            <a:r>
-              <a:rPr lang="en-US" b="0" i="0" dirty="0" err="1">
-                <a:solidFill>
-                  <a:srgbClr val="374151"/>
-                </a:solidFill>
-                <a:effectLst/>
-                <a:latin typeface="Söhne"/>
-              </a:rPr>
-              <a:t>važno</a:t>
-            </a:r>
-            <a:r>
-              <a:rPr lang="en-US" b="0" i="0" dirty="0">
-                <a:solidFill>
-                  <a:srgbClr val="374151"/>
-                </a:solidFill>
-                <a:effectLst/>
-                <a:latin typeface="Söhne"/>
-              </a:rPr>
-              <a:t> </a:t>
-            </a:r>
-            <a:r>
-              <a:rPr lang="en-US" b="0" i="0" dirty="0" err="1">
-                <a:solidFill>
-                  <a:srgbClr val="374151"/>
-                </a:solidFill>
-                <a:effectLst/>
-                <a:latin typeface="Söhne"/>
-              </a:rPr>
-              <a:t>razmotriti</a:t>
-            </a:r>
-            <a:r>
-              <a:rPr lang="en-US" b="0" i="0" dirty="0">
-                <a:solidFill>
-                  <a:srgbClr val="374151"/>
-                </a:solidFill>
-                <a:effectLst/>
-                <a:latin typeface="Söhne"/>
-              </a:rPr>
-              <a:t> </a:t>
-            </a:r>
-            <a:r>
-              <a:rPr lang="en-US" b="0" i="0" dirty="0" err="1">
-                <a:solidFill>
-                  <a:srgbClr val="374151"/>
-                </a:solidFill>
-                <a:effectLst/>
-                <a:latin typeface="Söhne"/>
-              </a:rPr>
-              <a:t>i</a:t>
-            </a:r>
-            <a:r>
-              <a:rPr lang="en-US" b="0" i="0" dirty="0">
-                <a:solidFill>
-                  <a:srgbClr val="374151"/>
-                </a:solidFill>
-                <a:effectLst/>
-                <a:latin typeface="Söhne"/>
-              </a:rPr>
-              <a:t> </a:t>
-            </a:r>
-            <a:r>
-              <a:rPr lang="en-US" b="0" i="0" dirty="0" err="1">
-                <a:solidFill>
-                  <a:srgbClr val="374151"/>
-                </a:solidFill>
-                <a:effectLst/>
-                <a:latin typeface="Söhne"/>
-              </a:rPr>
-              <a:t>problematiku</a:t>
-            </a:r>
-            <a:r>
-              <a:rPr lang="en-US" b="0" i="0" dirty="0">
-                <a:solidFill>
-                  <a:srgbClr val="374151"/>
-                </a:solidFill>
-                <a:effectLst/>
-                <a:latin typeface="Söhne"/>
-              </a:rPr>
-              <a:t> </a:t>
-            </a:r>
-            <a:r>
-              <a:rPr lang="en-US" b="0" i="0" dirty="0" err="1">
-                <a:solidFill>
-                  <a:srgbClr val="374151"/>
-                </a:solidFill>
-                <a:effectLst/>
-                <a:latin typeface="Söhne"/>
-              </a:rPr>
-              <a:t>autorskog</a:t>
-            </a:r>
-            <a:r>
-              <a:rPr lang="en-US" b="0" i="0" dirty="0">
-                <a:solidFill>
-                  <a:srgbClr val="374151"/>
-                </a:solidFill>
-                <a:effectLst/>
-                <a:latin typeface="Söhne"/>
-              </a:rPr>
-              <a:t> </a:t>
-            </a:r>
-            <a:r>
-              <a:rPr lang="en-US" b="0" i="0" dirty="0" err="1">
-                <a:solidFill>
-                  <a:srgbClr val="374151"/>
-                </a:solidFill>
-                <a:effectLst/>
-                <a:latin typeface="Söhne"/>
-              </a:rPr>
-              <a:t>prava</a:t>
-            </a:r>
-            <a:r>
-              <a:rPr lang="en-US" b="0" i="0" dirty="0">
-                <a:solidFill>
-                  <a:srgbClr val="374151"/>
-                </a:solidFill>
-                <a:effectLst/>
-                <a:latin typeface="Söhne"/>
-              </a:rPr>
-              <a:t> </a:t>
-            </a:r>
-            <a:r>
-              <a:rPr lang="en-US" b="0" i="0" dirty="0" err="1">
-                <a:solidFill>
-                  <a:srgbClr val="374151"/>
-                </a:solidFill>
-                <a:effectLst/>
-                <a:latin typeface="Söhne"/>
-              </a:rPr>
-              <a:t>i</a:t>
-            </a:r>
-            <a:r>
-              <a:rPr lang="en-US" b="0" i="0" dirty="0">
-                <a:solidFill>
-                  <a:srgbClr val="374151"/>
-                </a:solidFill>
-                <a:effectLst/>
-                <a:latin typeface="Söhne"/>
-              </a:rPr>
-              <a:t> </a:t>
-            </a:r>
-            <a:r>
-              <a:rPr lang="en-US" b="0" i="0" dirty="0" err="1">
-                <a:solidFill>
-                  <a:srgbClr val="374151"/>
-                </a:solidFill>
-                <a:effectLst/>
-                <a:latin typeface="Söhne"/>
-              </a:rPr>
-              <a:t>zaštite</a:t>
-            </a:r>
-            <a:r>
-              <a:rPr lang="en-US" b="0" i="0" dirty="0">
-                <a:solidFill>
-                  <a:srgbClr val="374151"/>
-                </a:solidFill>
-                <a:effectLst/>
-                <a:latin typeface="Söhne"/>
-              </a:rPr>
-              <a:t> </a:t>
-            </a:r>
-            <a:r>
-              <a:rPr lang="en-US" b="0" i="0" dirty="0" err="1">
-                <a:solidFill>
-                  <a:srgbClr val="374151"/>
-                </a:solidFill>
-                <a:effectLst/>
-                <a:latin typeface="Söhne"/>
-              </a:rPr>
-              <a:t>privatnosti</a:t>
-            </a:r>
-            <a:r>
-              <a:rPr lang="en-US" b="0" i="0" dirty="0">
-                <a:solidFill>
-                  <a:srgbClr val="374151"/>
-                </a:solidFill>
-                <a:effectLst/>
-                <a:latin typeface="Söhne"/>
-              </a:rPr>
-              <a:t> u </a:t>
-            </a:r>
-            <a:r>
-              <a:rPr lang="en-US" b="0" i="0" dirty="0" err="1">
-                <a:solidFill>
-                  <a:srgbClr val="374151"/>
-                </a:solidFill>
-                <a:effectLst/>
-                <a:latin typeface="Söhne"/>
-              </a:rPr>
-              <a:t>digitalnom</a:t>
-            </a:r>
-            <a:r>
-              <a:rPr lang="en-US" b="0" i="0" dirty="0">
-                <a:solidFill>
-                  <a:srgbClr val="374151"/>
-                </a:solidFill>
-                <a:effectLst/>
-                <a:latin typeface="Söhne"/>
-              </a:rPr>
-              <a:t> </a:t>
-            </a:r>
-            <a:r>
-              <a:rPr lang="en-US" b="0" i="0" dirty="0" err="1">
-                <a:solidFill>
-                  <a:srgbClr val="374151"/>
-                </a:solidFill>
-                <a:effectLst/>
-                <a:latin typeface="Söhne"/>
-              </a:rPr>
-              <a:t>okruženju</a:t>
+              <a:t>sistema</a:t>
             </a:r>
             <a:r>
               <a:rPr lang="en-US" b="0" i="0" dirty="0">
@@ -21622,23 +20641,14 @@
           </a:p>
           <a:p>
             <a:r>
-              <a:rPr lang="sr-Latn-RS" dirty="0">
-                <a:solidFill>
-                  <a:srgbClr val="374151"/>
-                </a:solidFill>
-                <a:latin typeface="Söhne"/>
-              </a:rPr>
-              <a:t>P</a:t>
-            </a:r>
-            <a:r>
-              <a:rPr lang="en-US" b="0" i="0" dirty="0" err="1">
-                <a:solidFill>
-                  <a:srgbClr val="374151"/>
-                </a:solidFill>
-                <a:effectLst/>
-                <a:latin typeface="Söhne"/>
-              </a:rPr>
-              <a:t>ravna</a:t>
+              <a:rPr lang="en-US" b="0" i="0" dirty="0" err="1">
+                <a:solidFill>
+                  <a:srgbClr val="374151"/>
+                </a:solidFill>
+                <a:effectLst/>
+                <a:latin typeface="Söhne"/>
+              </a:rPr>
+              <a:t>Korišćenje</a:t>
             </a:r>
             <a:r>
               <a:rPr lang="en-US" b="0" i="0" dirty="0">
@@ -21658,7 +20668,7 @@
                 <a:effectLst/>
                 <a:latin typeface="Söhne"/>
               </a:rPr>
-              <a:t>informatika</a:t>
+              <a:t>informacionih</a:t>
             </a:r>
             <a:r>
               <a:rPr lang="en-US" b="0" i="0" dirty="0">
@@ -21678,7 +20688,27 @@
                 <a:effectLst/>
                 <a:latin typeface="Söhne"/>
               </a:rPr>
-              <a:t>predstavlja</a:t>
+              <a:t>tehnologija</a:t>
+            </a:r>
+            <a:r>
+              <a:rPr lang="en-US" b="0" i="0" dirty="0">
+                <a:solidFill>
+                  <a:srgbClr val="374151"/>
+                </a:solidFill>
+                <a:effectLst/>
+                <a:latin typeface="Söhne"/>
+              </a:rPr>
+              <a:t> u </a:t>
+            </a:r>
+            <a:r>
+              <a:rPr lang="en-US" b="0" i="0" dirty="0" err="1">
+                <a:solidFill>
+                  <a:srgbClr val="374151"/>
+                </a:solidFill>
+                <a:effectLst/>
+                <a:latin typeface="Söhne"/>
+              </a:rPr>
+              <a:t>pravosuđu</a:t>
             </a:r>
             <a:r>
               <a:rPr lang="en-US" b="0" i="0" dirty="0">
@@ -21698,7 +20728,7 @@
                 <a:effectLst/>
                 <a:latin typeface="Söhne"/>
               </a:rPr>
-              <a:t>važan</a:t>
+              <a:t>i</a:t>
             </a:r>
             <a:r>
               <a:rPr lang="en-US" b="0" i="0" dirty="0">
@@ -21718,27 +20748,7 @@
                 <a:effectLst/>
                 <a:latin typeface="Söhne"/>
               </a:rPr>
-              <a:t>alat</a:t>
-            </a:r>
-            <a:r>
-              <a:rPr lang="en-US" b="0" i="0" dirty="0">
-                <a:solidFill>
-                  <a:srgbClr val="374151"/>
-                </a:solidFill>
-                <a:effectLst/>
-                <a:latin typeface="Söhne"/>
-              </a:rPr>
-              <a:t> u </a:t>
-            </a:r>
-            <a:r>
-              <a:rPr lang="en-US" b="0" i="0" dirty="0" err="1">
-                <a:solidFill>
-                  <a:srgbClr val="374151"/>
-                </a:solidFill>
-                <a:effectLst/>
-                <a:latin typeface="Söhne"/>
-              </a:rPr>
-              <a:t>savremenom</a:t>
+              <a:t>pravnoj</a:t>
             </a:r>
             <a:r>
               <a:rPr lang="en-US" b="0" i="0" dirty="0">
@@ -21758,27 +20768,7 @@
                 <a:effectLst/>
                 <a:latin typeface="Söhne"/>
               </a:rPr>
-              <a:t>pravosuđu</a:t>
-            </a:r>
-            <a:r>
-              <a:rPr lang="en-US" b="0" i="0" dirty="0">
-                <a:solidFill>
-                  <a:srgbClr val="374151"/>
-                </a:solidFill>
-                <a:effectLst/>
-                <a:latin typeface="Söhne"/>
-              </a:rPr>
-              <a:t>, koji </a:t>
-            </a:r>
-            <a:r>
-              <a:rPr lang="en-US" b="0" i="0" dirty="0" err="1">
-                <a:solidFill>
-                  <a:srgbClr val="374151"/>
-                </a:solidFill>
-                <a:effectLst/>
-                <a:latin typeface="Söhne"/>
-              </a:rPr>
-              <a:t>može</a:t>
+              <a:t>teoriji</a:t>
             </a:r>
             <a:r>
               <a:rPr lang="en-US" b="0" i="0" dirty="0">
@@ -21798,27 +20788,7 @@
                 <a:effectLst/>
                 <a:latin typeface="Söhne"/>
               </a:rPr>
-              <a:t>pomoći</a:t>
-            </a:r>
-            <a:r>
-              <a:rPr lang="en-US" b="0" i="0" dirty="0">
-                <a:solidFill>
-                  <a:srgbClr val="374151"/>
-                </a:solidFill>
-                <a:effectLst/>
-                <a:latin typeface="Söhne"/>
-              </a:rPr>
-              <a:t> u </a:t>
-            </a:r>
-            <a:r>
-              <a:rPr lang="en-US" b="0" i="0" dirty="0" err="1">
-                <a:solidFill>
-                  <a:srgbClr val="374151"/>
-                </a:solidFill>
-                <a:effectLst/>
-                <a:latin typeface="Söhne"/>
-              </a:rPr>
-              <a:t>efikasnom</a:t>
+              <a:t>ima</a:t>
             </a:r>
             <a:r>
               <a:rPr lang="en-US" b="0" i="0" dirty="0">
@@ -21838,7 +20808,7 @@
                 <a:effectLst/>
                 <a:latin typeface="Söhne"/>
               </a:rPr>
-              <a:t>rešavanju</a:t>
+              <a:t>mnoge</a:t>
             </a:r>
             <a:r>
               <a:rPr lang="en-US" b="0" i="0" dirty="0">
@@ -21858,6 +20828,346 @@
                 <a:effectLst/>
                 <a:latin typeface="Söhne"/>
               </a:rPr>
+              <a:t>prednosti</a:t>
+            </a:r>
+            <a:r>
+              <a:rPr lang="en-US" b="0" i="0" dirty="0">
+                <a:solidFill>
+                  <a:srgbClr val="374151"/>
+                </a:solidFill>
+                <a:effectLst/>
+                <a:latin typeface="Söhne"/>
+              </a:rPr>
+              <a:t>, </a:t>
+            </a:r>
+            <a:r>
+              <a:rPr lang="en-US" b="0" i="0" dirty="0" err="1">
+                <a:solidFill>
+                  <a:srgbClr val="374151"/>
+                </a:solidFill>
+                <a:effectLst/>
+                <a:latin typeface="Söhne"/>
+              </a:rPr>
+              <a:t>kao</a:t>
+            </a:r>
+            <a:r>
+              <a:rPr lang="en-US" b="0" i="0" dirty="0">
+                <a:solidFill>
+                  <a:srgbClr val="374151"/>
+                </a:solidFill>
+                <a:effectLst/>
+                <a:latin typeface="Söhne"/>
+              </a:rPr>
+              <a:t> </a:t>
+            </a:r>
+            <a:r>
+              <a:rPr lang="en-US" b="0" i="0" dirty="0" err="1">
+                <a:solidFill>
+                  <a:srgbClr val="374151"/>
+                </a:solidFill>
+                <a:effectLst/>
+                <a:latin typeface="Söhne"/>
+              </a:rPr>
+              <a:t>što</a:t>
+            </a:r>
+            <a:r>
+              <a:rPr lang="en-US" b="0" i="0" dirty="0">
+                <a:solidFill>
+                  <a:srgbClr val="374151"/>
+                </a:solidFill>
+                <a:effectLst/>
+                <a:latin typeface="Söhne"/>
+              </a:rPr>
+              <a:t> </a:t>
+            </a:r>
+            <a:r>
+              <a:rPr lang="en-US" b="0" i="0" dirty="0" err="1">
+                <a:solidFill>
+                  <a:srgbClr val="374151"/>
+                </a:solidFill>
+                <a:effectLst/>
+                <a:latin typeface="Söhne"/>
+              </a:rPr>
+              <a:t>su</a:t>
+            </a:r>
+            <a:r>
+              <a:rPr lang="en-US" b="0" i="0" dirty="0">
+                <a:solidFill>
+                  <a:srgbClr val="374151"/>
+                </a:solidFill>
+                <a:effectLst/>
+                <a:latin typeface="Söhne"/>
+              </a:rPr>
+              <a:t> </a:t>
+            </a:r>
+            <a:r>
+              <a:rPr lang="en-US" b="0" i="0" dirty="0" err="1">
+                <a:solidFill>
+                  <a:srgbClr val="374151"/>
+                </a:solidFill>
+                <a:effectLst/>
+                <a:latin typeface="Söhne"/>
+              </a:rPr>
+              <a:t>brže</a:t>
+            </a:r>
+            <a:r>
+              <a:rPr lang="en-US" b="0" i="0" dirty="0">
+                <a:solidFill>
+                  <a:srgbClr val="374151"/>
+                </a:solidFill>
+                <a:effectLst/>
+                <a:latin typeface="Söhne"/>
+              </a:rPr>
+              <a:t> </a:t>
+            </a:r>
+            <a:r>
+              <a:rPr lang="en-US" b="0" i="0" dirty="0" err="1">
+                <a:solidFill>
+                  <a:srgbClr val="374151"/>
+                </a:solidFill>
+                <a:effectLst/>
+                <a:latin typeface="Söhne"/>
+              </a:rPr>
+              <a:t>i</a:t>
+            </a:r>
+            <a:r>
+              <a:rPr lang="en-US" b="0" i="0" dirty="0">
+                <a:solidFill>
+                  <a:srgbClr val="374151"/>
+                </a:solidFill>
+                <a:effectLst/>
+                <a:latin typeface="Söhne"/>
+              </a:rPr>
+              <a:t> </a:t>
+            </a:r>
+            <a:r>
+              <a:rPr lang="en-US" b="0" i="0" dirty="0" err="1">
+                <a:solidFill>
+                  <a:srgbClr val="374151"/>
+                </a:solidFill>
+                <a:effectLst/>
+                <a:latin typeface="Söhne"/>
+              </a:rPr>
+              <a:t>efikasnije</a:t>
+            </a:r>
+            <a:r>
+              <a:rPr lang="en-US" b="0" i="0" dirty="0">
+                <a:solidFill>
+                  <a:srgbClr val="374151"/>
+                </a:solidFill>
+                <a:effectLst/>
+                <a:latin typeface="Söhne"/>
+              </a:rPr>
+              <a:t> </a:t>
+            </a:r>
+            <a:r>
+              <a:rPr lang="en-US" b="0" i="0" dirty="0" err="1">
+                <a:solidFill>
+                  <a:srgbClr val="374151"/>
+                </a:solidFill>
+                <a:effectLst/>
+                <a:latin typeface="Söhne"/>
+              </a:rPr>
+              <a:t>donošenje</a:t>
+            </a:r>
+            <a:r>
+              <a:rPr lang="en-US" b="0" i="0" dirty="0">
+                <a:solidFill>
+                  <a:srgbClr val="374151"/>
+                </a:solidFill>
+                <a:effectLst/>
+                <a:latin typeface="Söhne"/>
+              </a:rPr>
+              <a:t> </a:t>
+            </a:r>
+            <a:r>
+              <a:rPr lang="en-US" b="0" i="0" dirty="0" err="1">
+                <a:solidFill>
+                  <a:srgbClr val="374151"/>
+                </a:solidFill>
+                <a:effectLst/>
+                <a:latin typeface="Söhne"/>
+              </a:rPr>
+              <a:t>odluka</a:t>
+            </a:r>
+            <a:r>
+              <a:rPr lang="en-US" b="0" i="0" dirty="0">
+                <a:solidFill>
+                  <a:srgbClr val="374151"/>
+                </a:solidFill>
+                <a:effectLst/>
+                <a:latin typeface="Söhne"/>
+              </a:rPr>
+              <a:t>, </a:t>
+            </a:r>
+            <a:r>
+              <a:rPr lang="en-US" b="0" i="0" dirty="0" err="1">
+                <a:solidFill>
+                  <a:srgbClr val="374151"/>
+                </a:solidFill>
+                <a:effectLst/>
+                <a:latin typeface="Söhne"/>
+              </a:rPr>
+              <a:t>olakšavanje</a:t>
+            </a:r>
+            <a:r>
+              <a:rPr lang="en-US" b="0" i="0" dirty="0">
+                <a:solidFill>
+                  <a:srgbClr val="374151"/>
+                </a:solidFill>
+                <a:effectLst/>
+                <a:latin typeface="Söhne"/>
+              </a:rPr>
+              <a:t> </a:t>
+            </a:r>
+            <a:r>
+              <a:rPr lang="en-US" b="0" i="0" dirty="0" err="1">
+                <a:solidFill>
+                  <a:srgbClr val="374151"/>
+                </a:solidFill>
+                <a:effectLst/>
+                <a:latin typeface="Söhne"/>
+              </a:rPr>
+              <a:t>pristupa</a:t>
+            </a:r>
+            <a:r>
+              <a:rPr lang="en-US" b="0" i="0" dirty="0">
+                <a:solidFill>
+                  <a:srgbClr val="374151"/>
+                </a:solidFill>
+                <a:effectLst/>
+                <a:latin typeface="Söhne"/>
+              </a:rPr>
+              <a:t> </a:t>
+            </a:r>
+            <a:r>
+              <a:rPr lang="en-US" b="0" i="0" dirty="0" err="1">
+                <a:solidFill>
+                  <a:srgbClr val="374151"/>
+                </a:solidFill>
+                <a:effectLst/>
+                <a:latin typeface="Söhne"/>
+              </a:rPr>
+              <a:t>pravnim</a:t>
+            </a:r>
+            <a:r>
+              <a:rPr lang="en-US" b="0" i="0" dirty="0">
+                <a:solidFill>
+                  <a:srgbClr val="374151"/>
+                </a:solidFill>
+                <a:effectLst/>
+                <a:latin typeface="Söhne"/>
+              </a:rPr>
+              <a:t> </a:t>
+            </a:r>
+            <a:r>
+              <a:rPr lang="en-US" b="0" i="0" dirty="0" err="1">
+                <a:solidFill>
+                  <a:srgbClr val="374151"/>
+                </a:solidFill>
+                <a:effectLst/>
+                <a:latin typeface="Söhne"/>
+              </a:rPr>
+              <a:t>informacijama</a:t>
+            </a:r>
+            <a:r>
+              <a:rPr lang="en-US" b="0" i="0" dirty="0">
+                <a:solidFill>
+                  <a:srgbClr val="374151"/>
+                </a:solidFill>
+                <a:effectLst/>
+                <a:latin typeface="Söhne"/>
+              </a:rPr>
+              <a:t>, </a:t>
+            </a:r>
+            <a:r>
+              <a:rPr lang="en-US" b="0" i="0" dirty="0" err="1">
+                <a:solidFill>
+                  <a:srgbClr val="374151"/>
+                </a:solidFill>
+                <a:effectLst/>
+                <a:latin typeface="Söhne"/>
+              </a:rPr>
+              <a:t>bolja</a:t>
+            </a:r>
+            <a:r>
+              <a:rPr lang="en-US" b="0" i="0" dirty="0">
+                <a:solidFill>
+                  <a:srgbClr val="374151"/>
+                </a:solidFill>
+                <a:effectLst/>
+                <a:latin typeface="Söhne"/>
+              </a:rPr>
+              <a:t> </a:t>
+            </a:r>
+            <a:r>
+              <a:rPr lang="en-US" b="0" i="0" dirty="0" err="1">
+                <a:solidFill>
+                  <a:srgbClr val="374151"/>
+                </a:solidFill>
+                <a:effectLst/>
+                <a:latin typeface="Söhne"/>
+              </a:rPr>
+              <a:t>organizacija</a:t>
+            </a:r>
+            <a:r>
+              <a:rPr lang="en-US" b="0" i="0" dirty="0">
+                <a:solidFill>
+                  <a:srgbClr val="374151"/>
+                </a:solidFill>
+                <a:effectLst/>
+                <a:latin typeface="Söhne"/>
+              </a:rPr>
+              <a:t> </a:t>
+            </a:r>
+            <a:r>
+              <a:rPr lang="en-US" b="0" i="0" dirty="0" err="1">
+                <a:solidFill>
+                  <a:srgbClr val="374151"/>
+                </a:solidFill>
+                <a:effectLst/>
+                <a:latin typeface="Söhne"/>
+              </a:rPr>
+              <a:t>i</a:t>
+            </a:r>
+            <a:r>
+              <a:rPr lang="en-US" b="0" i="0" dirty="0">
+                <a:solidFill>
+                  <a:srgbClr val="374151"/>
+                </a:solidFill>
+                <a:effectLst/>
+                <a:latin typeface="Söhne"/>
+              </a:rPr>
+              <a:t> </a:t>
+            </a:r>
+            <a:r>
+              <a:rPr lang="en-US" b="0" i="0" dirty="0" err="1">
+                <a:solidFill>
+                  <a:srgbClr val="374151"/>
+                </a:solidFill>
+                <a:effectLst/>
+                <a:latin typeface="Söhne"/>
+              </a:rPr>
+              <a:t>prezentacija</a:t>
+            </a:r>
+            <a:r>
+              <a:rPr lang="en-US" b="0" i="0" dirty="0">
+                <a:solidFill>
+                  <a:srgbClr val="374151"/>
+                </a:solidFill>
+                <a:effectLst/>
+                <a:latin typeface="Söhne"/>
+              </a:rPr>
+              <a:t> </a:t>
+            </a:r>
+            <a:r>
+              <a:rPr lang="en-US" b="0" i="0" dirty="0" err="1">
+                <a:solidFill>
+                  <a:srgbClr val="374151"/>
+                </a:solidFill>
+                <a:effectLst/>
+                <a:latin typeface="Söhne"/>
+              </a:rPr>
               <a:t>pravnih</a:t>
             </a:r>
             <a:r>
@@ -21878,7 +21188,27 @@
                 <a:effectLst/>
                 <a:latin typeface="Söhne"/>
               </a:rPr>
-              <a:t>pitanja</a:t>
+              <a:t>dokumenata</a:t>
+            </a:r>
+            <a:r>
+              <a:rPr lang="en-US" b="0" i="0" dirty="0">
+                <a:solidFill>
+                  <a:srgbClr val="374151"/>
+                </a:solidFill>
+                <a:effectLst/>
+                <a:latin typeface="Söhne"/>
+              </a:rPr>
+              <a:t>, </a:t>
+            </a:r>
+            <a:r>
+              <a:rPr lang="en-US" b="0" i="0" dirty="0" err="1">
+                <a:solidFill>
+                  <a:srgbClr val="374151"/>
+                </a:solidFill>
+                <a:effectLst/>
+                <a:latin typeface="Söhne"/>
+              </a:rPr>
+              <a:t>kao</a:t>
             </a:r>
             <a:r>
               <a:rPr lang="en-US" b="0" i="0" dirty="0">
@@ -21918,7 +21248,7 @@
                 <a:effectLst/>
                 <a:latin typeface="Söhne"/>
               </a:rPr>
-              <a:t>donošenju</a:t>
+              <a:t>mogućnost</a:t>
             </a:r>
             <a:r>
               <a:rPr lang="en-US" b="0" i="0" dirty="0">
@@ -21938,7 +21268,7 @@
                 <a:effectLst/>
                 <a:latin typeface="Söhne"/>
               </a:rPr>
-              <a:t>kvalitetnih</a:t>
+              <a:t>automatizacije</a:t>
             </a:r>
             <a:r>
               <a:rPr lang="en-US" b="0" i="0" dirty="0">
@@ -21958,7 +21288,47 @@
                 <a:effectLst/>
                 <a:latin typeface="Söhne"/>
               </a:rPr>
-              <a:t>odluka</a:t>
+              <a:t>pojedinih</a:t>
+            </a:r>
+            <a:r>
+              <a:rPr lang="en-US" b="0" i="0" dirty="0">
+                <a:solidFill>
+                  <a:srgbClr val="374151"/>
+                </a:solidFill>
+                <a:effectLst/>
+                <a:latin typeface="Söhne"/>
+              </a:rPr>
+              <a:t> </a:t>
+            </a:r>
+            <a:r>
+              <a:rPr lang="en-US" b="0" i="0" dirty="0" err="1">
+                <a:solidFill>
+                  <a:srgbClr val="374151"/>
+                </a:solidFill>
+                <a:effectLst/>
+                <a:latin typeface="Söhne"/>
+              </a:rPr>
+              <a:t>pravnih</a:t>
+            </a:r>
+            <a:r>
+              <a:rPr lang="en-US" b="0" i="0" dirty="0">
+                <a:solidFill>
+                  <a:srgbClr val="374151"/>
+                </a:solidFill>
+                <a:effectLst/>
+                <a:latin typeface="Söhne"/>
+              </a:rPr>
+              <a:t> </a:t>
+            </a:r>
+            <a:r>
+              <a:rPr lang="en-US" b="0" i="0" dirty="0" err="1">
+                <a:solidFill>
+                  <a:srgbClr val="374151"/>
+                </a:solidFill>
+                <a:effectLst/>
+                <a:latin typeface="Söhne"/>
+              </a:rPr>
+              <a:t>procesa</a:t>
             </a:r>
             <a:r>
               <a:rPr lang="en-US" b="0" i="0" dirty="0">
@@ -21977,7 +21347,7 @@
     </p:spTree>
     <p:extLst>
       <p:ext uri="{BB962C8B-B14F-4D97-AF65-F5344CB8AC3E}">
-        <p14:creationId xmlns:p14="http://schemas.microsoft.com/office/powerpoint/2010/main" val="4290222120"/>
+        <p14:creationId xmlns:p14="http://schemas.microsoft.com/office/powerpoint/2010/main" val="2482808566"/>
       </p:ext>
     </p:extLst>
   </p:cSld>
@@ -22234,7 +21604,7 @@
                   <a:srgbClr val="FFFFFF"/>
                 </a:solidFill>
               </a:rPr>
-              <a:t>Dalja unapređenja</a:t>
+              <a:t>Zaključak</a:t>
             </a:r>
             <a:endParaRPr lang="en-US" dirty="0">
               <a:solidFill>
@@ -22328,44 +21698,64 @@
           <a:lstStyle/>
           <a:p>
             <a:r>
-              <a:rPr lang="en-US" b="0" i="0" dirty="0">
-                <a:solidFill>
-                  <a:srgbClr val="374151"/>
-                </a:solidFill>
-                <a:effectLst/>
-                <a:latin typeface="Söhne"/>
-              </a:rPr>
-              <a:t>Kao </a:t>
-            </a:r>
-            <a:r>
-              <a:rPr lang="en-US" b="0" i="0" dirty="0" err="1">
-                <a:solidFill>
-                  <a:srgbClr val="374151"/>
-                </a:solidFill>
-                <a:effectLst/>
-                <a:latin typeface="Söhne"/>
-              </a:rPr>
-              <a:t>što</a:t>
-            </a:r>
-            <a:r>
-              <a:rPr lang="en-US" b="0" i="0" dirty="0">
-                <a:solidFill>
-                  <a:srgbClr val="374151"/>
-                </a:solidFill>
-                <a:effectLst/>
-                <a:latin typeface="Söhne"/>
-              </a:rPr>
-              <a:t> se </a:t>
-            </a:r>
-            <a:r>
-              <a:rPr lang="en-US" b="0" i="0" dirty="0" err="1">
-                <a:solidFill>
-                  <a:srgbClr val="374151"/>
-                </a:solidFill>
-                <a:effectLst/>
-                <a:latin typeface="Söhne"/>
-              </a:rPr>
-              <a:t>razvijaju</a:t>
+              <a:rPr lang="sr-Latn-RS" b="0" i="0" dirty="0">
+                <a:solidFill>
+                  <a:srgbClr val="374151"/>
+                </a:solidFill>
+                <a:effectLst/>
+                <a:latin typeface="Söhne"/>
+              </a:rPr>
+              <a:t>V</a:t>
+            </a:r>
+            <a:r>
+              <a:rPr lang="en-US" b="0" i="0" dirty="0" err="1">
+                <a:solidFill>
+                  <a:srgbClr val="374151"/>
+                </a:solidFill>
+                <a:effectLst/>
+                <a:latin typeface="Söhne"/>
+              </a:rPr>
+              <a:t>ažno</a:t>
+            </a:r>
+            <a:r>
+              <a:rPr lang="en-US" b="0" i="0" dirty="0">
+                <a:solidFill>
+                  <a:srgbClr val="374151"/>
+                </a:solidFill>
+                <a:effectLst/>
+                <a:latin typeface="Söhne"/>
+              </a:rPr>
+              <a:t> je </a:t>
+            </a:r>
+            <a:r>
+              <a:rPr lang="en-US" b="0" i="0" dirty="0" err="1">
+                <a:solidFill>
+                  <a:srgbClr val="374151"/>
+                </a:solidFill>
+                <a:effectLst/>
+                <a:latin typeface="Söhne"/>
+              </a:rPr>
+              <a:t>istaći</a:t>
+            </a:r>
+            <a:r>
+              <a:rPr lang="en-US" b="0" i="0" dirty="0">
+                <a:solidFill>
+                  <a:srgbClr val="374151"/>
+                </a:solidFill>
+                <a:effectLst/>
+                <a:latin typeface="Söhne"/>
+              </a:rPr>
+              <a:t> da </a:t>
+            </a:r>
+            <a:r>
+              <a:rPr lang="en-US" b="0" i="0" dirty="0" err="1">
+                <a:solidFill>
+                  <a:srgbClr val="374151"/>
+                </a:solidFill>
+                <a:effectLst/>
+                <a:latin typeface="Söhne"/>
+              </a:rPr>
+              <a:t>postoje</a:t>
             </a:r>
             <a:r>
               <a:rPr lang="en-US" b="0" i="0" dirty="0">
@@ -22405,7 +21795,7 @@
                 <a:effectLst/>
                 <a:latin typeface="Söhne"/>
               </a:rPr>
-              <a:t>napreduju</a:t>
+              <a:t>neki</a:t>
             </a:r>
             <a:r>
               <a:rPr lang="en-US" b="0" i="0" dirty="0">
@@ -22425,7 +21815,7 @@
                 <a:effectLst/>
                 <a:latin typeface="Söhne"/>
               </a:rPr>
-              <a:t>tehnološke</a:t>
+              <a:t>izazovi</a:t>
             </a:r>
             <a:r>
               <a:rPr lang="en-US" b="0" i="0" dirty="0">
@@ -22445,46 +21835,6 @@
                 <a:effectLst/>
                 <a:latin typeface="Söhne"/>
               </a:rPr>
-              <a:t>mogućnosti</a:t>
-            </a:r>
-            <a:r>
-              <a:rPr lang="en-US" b="0" i="0" dirty="0">
-                <a:solidFill>
-                  <a:srgbClr val="374151"/>
-                </a:solidFill>
-                <a:effectLst/>
-                <a:latin typeface="Söhne"/>
-              </a:rPr>
-              <a:t>, </a:t>
-            </a:r>
-            <a:r>
-              <a:rPr lang="en-US" b="0" i="0" dirty="0" err="1">
-                <a:solidFill>
-                  <a:srgbClr val="374151"/>
-                </a:solidFill>
-                <a:effectLst/>
-                <a:latin typeface="Söhne"/>
-              </a:rPr>
-              <a:t>tako</a:t>
-            </a:r>
-            <a:r>
-              <a:rPr lang="en-US" b="0" i="0" dirty="0">
-                <a:solidFill>
-                  <a:srgbClr val="374151"/>
-                </a:solidFill>
-                <a:effectLst/>
-                <a:latin typeface="Söhne"/>
-              </a:rPr>
-              <a:t> se </a:t>
-            </a:r>
-            <a:r>
-              <a:rPr lang="en-US" b="0" i="0" dirty="0" err="1">
-                <a:solidFill>
-                  <a:srgbClr val="374151"/>
-                </a:solidFill>
-                <a:effectLst/>
-                <a:latin typeface="Söhne"/>
-              </a:rPr>
               <a:t>i</a:t>
             </a:r>
             <a:r>
@@ -22495,26 +21845,6 @@
                 <a:effectLst/>
                 <a:latin typeface="Söhne"/>
               </a:rPr>
-              <a:t> oblast </a:t>
-            </a:r>
-            <a:r>
-              <a:rPr lang="en-US" b="0" i="0" dirty="0" err="1">
-                <a:solidFill>
-                  <a:srgbClr val="374151"/>
-                </a:solidFill>
-                <a:effectLst/>
-                <a:latin typeface="Söhne"/>
-              </a:rPr>
-              <a:t>pravne</a:t>
-            </a:r>
-            <a:r>
-              <a:rPr lang="en-US" b="0" i="0" dirty="0">
-                <a:solidFill>
-                  <a:srgbClr val="374151"/>
-                </a:solidFill>
-                <a:effectLst/>
-                <a:latin typeface="Söhne"/>
-              </a:rPr>
               <a:t> </a:t>
             </a:r>
             <a:r>
@@ -22525,7 +21855,27 @@
                 <a:effectLst/>
                 <a:latin typeface="Söhne"/>
               </a:rPr>
-              <a:t>informatike</a:t>
+              <a:t>nedostaci</a:t>
+            </a:r>
+            <a:r>
+              <a:rPr lang="en-US" b="0" i="0" dirty="0">
+                <a:solidFill>
+                  <a:srgbClr val="374151"/>
+                </a:solidFill>
+                <a:effectLst/>
+                <a:latin typeface="Söhne"/>
+              </a:rPr>
+              <a:t> u </a:t>
+            </a:r>
+            <a:r>
+              <a:rPr lang="en-US" b="0" i="0" dirty="0" err="1">
+                <a:solidFill>
+                  <a:srgbClr val="374151"/>
+                </a:solidFill>
+                <a:effectLst/>
+                <a:latin typeface="Söhne"/>
+              </a:rPr>
+              <a:t>primeni</a:t>
             </a:r>
             <a:r>
               <a:rPr lang="en-US" b="0" i="0" dirty="0">
@@ -22545,7 +21895,7 @@
                 <a:effectLst/>
                 <a:latin typeface="Söhne"/>
               </a:rPr>
-              <a:t>neprestano</a:t>
+              <a:t>informacionih</a:t>
             </a:r>
             <a:r>
               <a:rPr lang="en-US" b="0" i="0" dirty="0">
@@ -22565,7 +21915,67 @@
                 <a:effectLst/>
                 <a:latin typeface="Söhne"/>
               </a:rPr>
-              <a:t>razvija</a:t>
+              <a:t>tehnologija</a:t>
+            </a:r>
+            <a:r>
+              <a:rPr lang="en-US" b="0" i="0" dirty="0">
+                <a:solidFill>
+                  <a:srgbClr val="374151"/>
+                </a:solidFill>
+                <a:effectLst/>
+                <a:latin typeface="Söhne"/>
+              </a:rPr>
+              <a:t> u </a:t>
+            </a:r>
+            <a:r>
+              <a:rPr lang="en-US" b="0" i="0" dirty="0" err="1">
+                <a:solidFill>
+                  <a:srgbClr val="374151"/>
+                </a:solidFill>
+                <a:effectLst/>
+                <a:latin typeface="Söhne"/>
+              </a:rPr>
+              <a:t>pravosuđu</a:t>
+            </a:r>
+            <a:r>
+              <a:rPr lang="en-US" b="0" i="0" dirty="0">
+                <a:solidFill>
+                  <a:srgbClr val="374151"/>
+                </a:solidFill>
+                <a:effectLst/>
+                <a:latin typeface="Söhne"/>
+              </a:rPr>
+              <a:t>. </a:t>
+            </a:r>
+            <a:r>
+              <a:rPr lang="en-US" b="0" i="0" dirty="0" err="1">
+                <a:solidFill>
+                  <a:srgbClr val="374151"/>
+                </a:solidFill>
+                <a:effectLst/>
+                <a:latin typeface="Söhne"/>
+              </a:rPr>
+              <a:t>Jedan</a:t>
+            </a:r>
+            <a:r>
+              <a:rPr lang="en-US" b="0" i="0" dirty="0">
+                <a:solidFill>
+                  <a:srgbClr val="374151"/>
+                </a:solidFill>
+                <a:effectLst/>
+                <a:latin typeface="Söhne"/>
+              </a:rPr>
+              <a:t> od </a:t>
+            </a:r>
+            <a:r>
+              <a:rPr lang="en-US" b="0" i="0" dirty="0" err="1">
+                <a:solidFill>
+                  <a:srgbClr val="374151"/>
+                </a:solidFill>
+                <a:effectLst/>
+                <a:latin typeface="Söhne"/>
+              </a:rPr>
+              <a:t>najvećih</a:t>
             </a:r>
             <a:r>
               <a:rPr lang="en-US" b="0" i="0" dirty="0">
@@ -22585,6 +21995,126 @@
                 <a:effectLst/>
                 <a:latin typeface="Söhne"/>
               </a:rPr>
+              <a:t>izazova</a:t>
+            </a:r>
+            <a:r>
+              <a:rPr lang="en-US" b="0" i="0" dirty="0">
+                <a:solidFill>
+                  <a:srgbClr val="374151"/>
+                </a:solidFill>
+                <a:effectLst/>
+                <a:latin typeface="Söhne"/>
+              </a:rPr>
+              <a:t> je </a:t>
+            </a:r>
+            <a:r>
+              <a:rPr lang="en-US" b="0" i="0" dirty="0" err="1">
+                <a:solidFill>
+                  <a:srgbClr val="374151"/>
+                </a:solidFill>
+                <a:effectLst/>
+                <a:latin typeface="Söhne"/>
+              </a:rPr>
+              <a:t>bezbednost</a:t>
+            </a:r>
+            <a:r>
+              <a:rPr lang="en-US" b="0" i="0" dirty="0">
+                <a:solidFill>
+                  <a:srgbClr val="374151"/>
+                </a:solidFill>
+                <a:effectLst/>
+                <a:latin typeface="Söhne"/>
+              </a:rPr>
+              <a:t> </a:t>
+            </a:r>
+            <a:r>
+              <a:rPr lang="en-US" b="0" i="0" dirty="0" err="1">
+                <a:solidFill>
+                  <a:srgbClr val="374151"/>
+                </a:solidFill>
+                <a:effectLst/>
+                <a:latin typeface="Söhne"/>
+              </a:rPr>
+              <a:t>podataka</a:t>
+            </a:r>
+            <a:r>
+              <a:rPr lang="en-US" b="0" i="0" dirty="0">
+                <a:solidFill>
+                  <a:srgbClr val="374151"/>
+                </a:solidFill>
+                <a:effectLst/>
+                <a:latin typeface="Söhne"/>
+              </a:rPr>
+              <a:t>, a </a:t>
+            </a:r>
+            <a:r>
+              <a:rPr lang="en-US" b="0" i="0" dirty="0" err="1">
+                <a:solidFill>
+                  <a:srgbClr val="374151"/>
+                </a:solidFill>
+                <a:effectLst/>
+                <a:latin typeface="Söhne"/>
+              </a:rPr>
+              <a:t>takođe</a:t>
+            </a:r>
+            <a:r>
+              <a:rPr lang="en-US" b="0" i="0" dirty="0">
+                <a:solidFill>
+                  <a:srgbClr val="374151"/>
+                </a:solidFill>
+                <a:effectLst/>
+                <a:latin typeface="Söhne"/>
+              </a:rPr>
+              <a:t> je </a:t>
+            </a:r>
+            <a:r>
+              <a:rPr lang="en-US" b="0" i="0" dirty="0" err="1">
+                <a:solidFill>
+                  <a:srgbClr val="374151"/>
+                </a:solidFill>
+                <a:effectLst/>
+                <a:latin typeface="Söhne"/>
+              </a:rPr>
+              <a:t>važno</a:t>
+            </a:r>
+            <a:r>
+              <a:rPr lang="en-US" b="0" i="0" dirty="0">
+                <a:solidFill>
+                  <a:srgbClr val="374151"/>
+                </a:solidFill>
+                <a:effectLst/>
+                <a:latin typeface="Söhne"/>
+              </a:rPr>
+              <a:t> </a:t>
+            </a:r>
+            <a:r>
+              <a:rPr lang="en-US" b="0" i="0" dirty="0" err="1">
+                <a:solidFill>
+                  <a:srgbClr val="374151"/>
+                </a:solidFill>
+                <a:effectLst/>
+                <a:latin typeface="Söhne"/>
+              </a:rPr>
+              <a:t>razmotriti</a:t>
+            </a:r>
+            <a:r>
+              <a:rPr lang="en-US" b="0" i="0" dirty="0">
+                <a:solidFill>
+                  <a:srgbClr val="374151"/>
+                </a:solidFill>
+                <a:effectLst/>
+                <a:latin typeface="Söhne"/>
+              </a:rPr>
+              <a:t> </a:t>
+            </a:r>
+            <a:r>
+              <a:rPr lang="en-US" b="0" i="0" dirty="0" err="1">
+                <a:solidFill>
+                  <a:srgbClr val="374151"/>
+                </a:solidFill>
+                <a:effectLst/>
+                <a:latin typeface="Söhne"/>
+              </a:rPr>
               <a:t>i</a:t>
             </a:r>
             <a:r>
@@ -22605,10 +22135,508 @@
                 <a:effectLst/>
                 <a:latin typeface="Söhne"/>
               </a:rPr>
-              <a:t>unapređuje</a:t>
-            </a:r>
-            <a:r>
-              <a:rPr lang="sr-Latn-RS" b="0" i="0" dirty="0">
+              <a:t>problematiku</a:t>
+            </a:r>
+            <a:r>
+              <a:rPr lang="en-US" b="0" i="0" dirty="0">
+                <a:solidFill>
+                  <a:srgbClr val="374151"/>
+                </a:solidFill>
+                <a:effectLst/>
+                <a:latin typeface="Söhne"/>
+              </a:rPr>
+              <a:t> </a:t>
+            </a:r>
+            <a:r>
+              <a:rPr lang="en-US" b="0" i="0" dirty="0" err="1">
+                <a:solidFill>
+                  <a:srgbClr val="374151"/>
+                </a:solidFill>
+                <a:effectLst/>
+                <a:latin typeface="Söhne"/>
+              </a:rPr>
+              <a:t>autorskog</a:t>
+            </a:r>
+            <a:r>
+              <a:rPr lang="en-US" b="0" i="0" dirty="0">
+                <a:solidFill>
+                  <a:srgbClr val="374151"/>
+                </a:solidFill>
+                <a:effectLst/>
+                <a:latin typeface="Söhne"/>
+              </a:rPr>
+              <a:t> </a:t>
+            </a:r>
+            <a:r>
+              <a:rPr lang="en-US" b="0" i="0" dirty="0" err="1">
+                <a:solidFill>
+                  <a:srgbClr val="374151"/>
+                </a:solidFill>
+                <a:effectLst/>
+                <a:latin typeface="Söhne"/>
+              </a:rPr>
+              <a:t>prava</a:t>
+            </a:r>
+            <a:r>
+              <a:rPr lang="en-US" b="0" i="0" dirty="0">
+                <a:solidFill>
+                  <a:srgbClr val="374151"/>
+                </a:solidFill>
+                <a:effectLst/>
+                <a:latin typeface="Söhne"/>
+              </a:rPr>
+              <a:t> </a:t>
+            </a:r>
+            <a:r>
+              <a:rPr lang="en-US" b="0" i="0" dirty="0" err="1">
+                <a:solidFill>
+                  <a:srgbClr val="374151"/>
+                </a:solidFill>
+                <a:effectLst/>
+                <a:latin typeface="Söhne"/>
+              </a:rPr>
+              <a:t>i</a:t>
+            </a:r>
+            <a:r>
+              <a:rPr lang="en-US" b="0" i="0" dirty="0">
+                <a:solidFill>
+                  <a:srgbClr val="374151"/>
+                </a:solidFill>
+                <a:effectLst/>
+                <a:latin typeface="Söhne"/>
+              </a:rPr>
+              <a:t> </a:t>
+            </a:r>
+            <a:r>
+              <a:rPr lang="en-US" b="0" i="0" dirty="0" err="1">
+                <a:solidFill>
+                  <a:srgbClr val="374151"/>
+                </a:solidFill>
+                <a:effectLst/>
+                <a:latin typeface="Söhne"/>
+              </a:rPr>
+              <a:t>zaštite</a:t>
+            </a:r>
+            <a:r>
+              <a:rPr lang="en-US" b="0" i="0" dirty="0">
+                <a:solidFill>
+                  <a:srgbClr val="374151"/>
+                </a:solidFill>
+                <a:effectLst/>
+                <a:latin typeface="Söhne"/>
+              </a:rPr>
+              <a:t> </a:t>
+            </a:r>
+            <a:r>
+              <a:rPr lang="en-US" b="0" i="0" dirty="0" err="1">
+                <a:solidFill>
+                  <a:srgbClr val="374151"/>
+                </a:solidFill>
+                <a:effectLst/>
+                <a:latin typeface="Söhne"/>
+              </a:rPr>
+              <a:t>privatnosti</a:t>
+            </a:r>
+            <a:r>
+              <a:rPr lang="en-US" b="0" i="0" dirty="0">
+                <a:solidFill>
+                  <a:srgbClr val="374151"/>
+                </a:solidFill>
+                <a:effectLst/>
+                <a:latin typeface="Söhne"/>
+              </a:rPr>
+              <a:t> u </a:t>
+            </a:r>
+            <a:r>
+              <a:rPr lang="en-US" b="0" i="0" dirty="0" err="1">
+                <a:solidFill>
+                  <a:srgbClr val="374151"/>
+                </a:solidFill>
+                <a:effectLst/>
+                <a:latin typeface="Söhne"/>
+              </a:rPr>
+              <a:t>digitalnom</a:t>
+            </a:r>
+            <a:r>
+              <a:rPr lang="en-US" b="0" i="0" dirty="0">
+                <a:solidFill>
+                  <a:srgbClr val="374151"/>
+                </a:solidFill>
+                <a:effectLst/>
+                <a:latin typeface="Söhne"/>
+              </a:rPr>
+              <a:t> </a:t>
+            </a:r>
+            <a:r>
+              <a:rPr lang="en-US" b="0" i="0" dirty="0" err="1">
+                <a:solidFill>
+                  <a:srgbClr val="374151"/>
+                </a:solidFill>
+                <a:effectLst/>
+                <a:latin typeface="Söhne"/>
+              </a:rPr>
+              <a:t>okruženju</a:t>
+            </a:r>
+            <a:r>
+              <a:rPr lang="en-US" b="0" i="0" dirty="0">
+                <a:solidFill>
+                  <a:srgbClr val="374151"/>
+                </a:solidFill>
+                <a:effectLst/>
+                <a:latin typeface="Söhne"/>
+              </a:rPr>
+              <a:t>.</a:t>
+            </a:r>
+            <a:endParaRPr lang="sr-Latn-RS" b="0" i="0" dirty="0">
+              <a:solidFill>
+                <a:srgbClr val="374151"/>
+              </a:solidFill>
+              <a:effectLst/>
+              <a:latin typeface="Söhne"/>
+            </a:endParaRPr>
+          </a:p>
+          <a:p>
+            <a:r>
+              <a:rPr lang="sr-Latn-RS" dirty="0">
+                <a:solidFill>
+                  <a:srgbClr val="374151"/>
+                </a:solidFill>
+                <a:latin typeface="Söhne"/>
+              </a:rPr>
+              <a:t>P</a:t>
+            </a:r>
+            <a:r>
+              <a:rPr lang="en-US" b="0" i="0" dirty="0" err="1">
+                <a:solidFill>
+                  <a:srgbClr val="374151"/>
+                </a:solidFill>
+                <a:effectLst/>
+                <a:latin typeface="Söhne"/>
+              </a:rPr>
+              <a:t>ravna</a:t>
+            </a:r>
+            <a:r>
+              <a:rPr lang="en-US" b="0" i="0" dirty="0">
+                <a:solidFill>
+                  <a:srgbClr val="374151"/>
+                </a:solidFill>
+                <a:effectLst/>
+                <a:latin typeface="Söhne"/>
+              </a:rPr>
+              <a:t> </a:t>
+            </a:r>
+            <a:r>
+              <a:rPr lang="en-US" b="0" i="0" dirty="0" err="1">
+                <a:solidFill>
+                  <a:srgbClr val="374151"/>
+                </a:solidFill>
+                <a:effectLst/>
+                <a:latin typeface="Söhne"/>
+              </a:rPr>
+              <a:t>informatika</a:t>
+            </a:r>
+            <a:r>
+              <a:rPr lang="en-US" b="0" i="0" dirty="0">
+                <a:solidFill>
+                  <a:srgbClr val="374151"/>
+                </a:solidFill>
+                <a:effectLst/>
+                <a:latin typeface="Söhne"/>
+              </a:rPr>
+              <a:t> </a:t>
+            </a:r>
+            <a:r>
+              <a:rPr lang="en-US" b="0" i="0" dirty="0" err="1">
+                <a:solidFill>
+                  <a:srgbClr val="374151"/>
+                </a:solidFill>
+                <a:effectLst/>
+                <a:latin typeface="Söhne"/>
+              </a:rPr>
+              <a:t>predstavlja</a:t>
+            </a:r>
+            <a:r>
+              <a:rPr lang="en-US" b="0" i="0" dirty="0">
+                <a:solidFill>
+                  <a:srgbClr val="374151"/>
+                </a:solidFill>
+                <a:effectLst/>
+                <a:latin typeface="Söhne"/>
+              </a:rPr>
+              <a:t> </a:t>
+            </a:r>
+            <a:r>
+              <a:rPr lang="en-US" b="0" i="0" dirty="0" err="1">
+                <a:solidFill>
+                  <a:srgbClr val="374151"/>
+                </a:solidFill>
+                <a:effectLst/>
+                <a:latin typeface="Söhne"/>
+              </a:rPr>
+              <a:t>važan</a:t>
+            </a:r>
+            <a:r>
+              <a:rPr lang="en-US" b="0" i="0" dirty="0">
+                <a:solidFill>
+                  <a:srgbClr val="374151"/>
+                </a:solidFill>
+                <a:effectLst/>
+                <a:latin typeface="Söhne"/>
+              </a:rPr>
+              <a:t> </a:t>
+            </a:r>
+            <a:r>
+              <a:rPr lang="en-US" b="0" i="0" dirty="0" err="1">
+                <a:solidFill>
+                  <a:srgbClr val="374151"/>
+                </a:solidFill>
+                <a:effectLst/>
+                <a:latin typeface="Söhne"/>
+              </a:rPr>
+              <a:t>alat</a:t>
+            </a:r>
+            <a:r>
+              <a:rPr lang="en-US" b="0" i="0" dirty="0">
+                <a:solidFill>
+                  <a:srgbClr val="374151"/>
+                </a:solidFill>
+                <a:effectLst/>
+                <a:latin typeface="Söhne"/>
+              </a:rPr>
+              <a:t> u </a:t>
+            </a:r>
+            <a:r>
+              <a:rPr lang="en-US" b="0" i="0" dirty="0" err="1">
+                <a:solidFill>
+                  <a:srgbClr val="374151"/>
+                </a:solidFill>
+                <a:effectLst/>
+                <a:latin typeface="Söhne"/>
+              </a:rPr>
+              <a:t>savremenom</a:t>
+            </a:r>
+            <a:r>
+              <a:rPr lang="en-US" b="0" i="0" dirty="0">
+                <a:solidFill>
+                  <a:srgbClr val="374151"/>
+                </a:solidFill>
+                <a:effectLst/>
+                <a:latin typeface="Söhne"/>
+              </a:rPr>
+              <a:t> </a:t>
+            </a:r>
+            <a:r>
+              <a:rPr lang="en-US" b="0" i="0" dirty="0" err="1">
+                <a:solidFill>
+                  <a:srgbClr val="374151"/>
+                </a:solidFill>
+                <a:effectLst/>
+                <a:latin typeface="Söhne"/>
+              </a:rPr>
+              <a:t>pravosuđu</a:t>
+            </a:r>
+            <a:r>
+              <a:rPr lang="en-US" b="0" i="0" dirty="0">
+                <a:solidFill>
+                  <a:srgbClr val="374151"/>
+                </a:solidFill>
+                <a:effectLst/>
+                <a:latin typeface="Söhne"/>
+              </a:rPr>
+              <a:t>, koji </a:t>
+            </a:r>
+            <a:r>
+              <a:rPr lang="en-US" b="0" i="0" dirty="0" err="1">
+                <a:solidFill>
+                  <a:srgbClr val="374151"/>
+                </a:solidFill>
+                <a:effectLst/>
+                <a:latin typeface="Söhne"/>
+              </a:rPr>
+              <a:t>može</a:t>
+            </a:r>
+            <a:r>
+              <a:rPr lang="en-US" b="0" i="0" dirty="0">
+                <a:solidFill>
+                  <a:srgbClr val="374151"/>
+                </a:solidFill>
+                <a:effectLst/>
+                <a:latin typeface="Söhne"/>
+              </a:rPr>
+              <a:t> </a:t>
+            </a:r>
+            <a:r>
+              <a:rPr lang="en-US" b="0" i="0" dirty="0" err="1">
+                <a:solidFill>
+                  <a:srgbClr val="374151"/>
+                </a:solidFill>
+                <a:effectLst/>
+                <a:latin typeface="Söhne"/>
+              </a:rPr>
+              <a:t>pomoći</a:t>
+            </a:r>
+            <a:r>
+              <a:rPr lang="en-US" b="0" i="0" dirty="0">
+                <a:solidFill>
+                  <a:srgbClr val="374151"/>
+                </a:solidFill>
+                <a:effectLst/>
+                <a:latin typeface="Söhne"/>
+              </a:rPr>
+              <a:t> u </a:t>
+            </a:r>
+            <a:r>
+              <a:rPr lang="en-US" b="0" i="0" dirty="0" err="1">
+                <a:solidFill>
+                  <a:srgbClr val="374151"/>
+                </a:solidFill>
+                <a:effectLst/>
+                <a:latin typeface="Söhne"/>
+              </a:rPr>
+              <a:t>efikasnom</a:t>
+            </a:r>
+            <a:r>
+              <a:rPr lang="en-US" b="0" i="0" dirty="0">
+                <a:solidFill>
+                  <a:srgbClr val="374151"/>
+                </a:solidFill>
+                <a:effectLst/>
+                <a:latin typeface="Söhne"/>
+              </a:rPr>
+              <a:t> </a:t>
+            </a:r>
+            <a:r>
+              <a:rPr lang="en-US" b="0" i="0" dirty="0" err="1">
+                <a:solidFill>
+                  <a:srgbClr val="374151"/>
+                </a:solidFill>
+                <a:effectLst/>
+                <a:latin typeface="Söhne"/>
+              </a:rPr>
+              <a:t>rešavanju</a:t>
+            </a:r>
+            <a:r>
+              <a:rPr lang="en-US" b="0" i="0" dirty="0">
+                <a:solidFill>
+                  <a:srgbClr val="374151"/>
+                </a:solidFill>
+                <a:effectLst/>
+                <a:latin typeface="Söhne"/>
+              </a:rPr>
+              <a:t> </a:t>
+            </a:r>
+            <a:r>
+              <a:rPr lang="en-US" b="0" i="0" dirty="0" err="1">
+                <a:solidFill>
+                  <a:srgbClr val="374151"/>
+                </a:solidFill>
+                <a:effectLst/>
+                <a:latin typeface="Söhne"/>
+              </a:rPr>
+              <a:t>pravnih</a:t>
+            </a:r>
+            <a:r>
+              <a:rPr lang="en-US" b="0" i="0" dirty="0">
+                <a:solidFill>
+                  <a:srgbClr val="374151"/>
+                </a:solidFill>
+                <a:effectLst/>
+                <a:latin typeface="Söhne"/>
+              </a:rPr>
+              <a:t> </a:t>
+            </a:r>
+            <a:r>
+              <a:rPr lang="en-US" b="0" i="0" dirty="0" err="1">
+                <a:solidFill>
+                  <a:srgbClr val="374151"/>
+                </a:solidFill>
+                <a:effectLst/>
+                <a:latin typeface="Söhne"/>
+              </a:rPr>
+              <a:t>pitanja</a:t>
+            </a:r>
+            <a:r>
+              <a:rPr lang="en-US" b="0" i="0" dirty="0">
+                <a:solidFill>
+                  <a:srgbClr val="374151"/>
+                </a:solidFill>
+                <a:effectLst/>
+                <a:latin typeface="Söhne"/>
+              </a:rPr>
+              <a:t> </a:t>
+            </a:r>
+            <a:r>
+              <a:rPr lang="en-US" b="0" i="0" dirty="0" err="1">
+                <a:solidFill>
+                  <a:srgbClr val="374151"/>
+                </a:solidFill>
+                <a:effectLst/>
+                <a:latin typeface="Söhne"/>
+              </a:rPr>
+              <a:t>i</a:t>
+            </a:r>
+            <a:r>
+              <a:rPr lang="en-US" b="0" i="0" dirty="0">
+                <a:solidFill>
+                  <a:srgbClr val="374151"/>
+                </a:solidFill>
+                <a:effectLst/>
+                <a:latin typeface="Söhne"/>
+              </a:rPr>
+              <a:t> </a:t>
+            </a:r>
+            <a:r>
+              <a:rPr lang="en-US" b="0" i="0" dirty="0" err="1">
+                <a:solidFill>
+                  <a:srgbClr val="374151"/>
+                </a:solidFill>
+                <a:effectLst/>
+                <a:latin typeface="Söhne"/>
+              </a:rPr>
+              <a:t>donošenju</a:t>
+            </a:r>
+            <a:r>
+              <a:rPr lang="en-US" b="0" i="0" dirty="0">
+                <a:solidFill>
+                  <a:srgbClr val="374151"/>
+                </a:solidFill>
+                <a:effectLst/>
+                <a:latin typeface="Söhne"/>
+              </a:rPr>
+              <a:t> </a:t>
+            </a:r>
+            <a:r>
+              <a:rPr lang="en-US" b="0" i="0" dirty="0" err="1">
+                <a:solidFill>
+                  <a:srgbClr val="374151"/>
+                </a:solidFill>
+                <a:effectLst/>
+                <a:latin typeface="Söhne"/>
+              </a:rPr>
+              <a:t>kvalitetnih</a:t>
+            </a:r>
+            <a:r>
+              <a:rPr lang="en-US" b="0" i="0" dirty="0">
+                <a:solidFill>
+                  <a:srgbClr val="374151"/>
+                </a:solidFill>
+                <a:effectLst/>
+                <a:latin typeface="Söhne"/>
+              </a:rPr>
+              <a:t> </a:t>
+            </a:r>
+            <a:r>
+              <a:rPr lang="en-US" b="0" i="0" dirty="0" err="1">
+                <a:solidFill>
+                  <a:srgbClr val="374151"/>
+                </a:solidFill>
+                <a:effectLst/>
+                <a:latin typeface="Söhne"/>
+              </a:rPr>
+              <a:t>odluka</a:t>
+            </a:r>
+            <a:r>
+              <a:rPr lang="en-US" b="0" i="0" dirty="0">
                 <a:solidFill>
                   <a:srgbClr val="374151"/>
                 </a:solidFill>
@@ -22624,7 +22652,7 @@
     </p:spTree>
     <p:extLst>
       <p:ext uri="{BB962C8B-B14F-4D97-AF65-F5344CB8AC3E}">
-        <p14:creationId xmlns:p14="http://schemas.microsoft.com/office/powerpoint/2010/main" val="2421200628"/>
+        <p14:creationId xmlns:p14="http://schemas.microsoft.com/office/powerpoint/2010/main" val="4290222120"/>
       </p:ext>
     </p:extLst>
   </p:cSld>
@@ -22965,6 +22993,653 @@
         <p:spPr>
           <a:xfrm>
             <a:off x="4447308" y="591344"/>
+            <a:ext cx="6906491" cy="5585619"/>
+          </a:xfrm>
+        </p:spPr>
+        <p:txBody>
+          <a:bodyPr anchor="ctr">
+            <a:normAutofit/>
+          </a:bodyPr>
+          <a:lstStyle/>
+          <a:p>
+            <a:r>
+              <a:rPr lang="en-US" b="0" i="0" dirty="0">
+                <a:solidFill>
+                  <a:srgbClr val="374151"/>
+                </a:solidFill>
+                <a:effectLst/>
+                <a:latin typeface="Söhne"/>
+              </a:rPr>
+              <a:t>Kao </a:t>
+            </a:r>
+            <a:r>
+              <a:rPr lang="en-US" b="0" i="0" dirty="0" err="1">
+                <a:solidFill>
+                  <a:srgbClr val="374151"/>
+                </a:solidFill>
+                <a:effectLst/>
+                <a:latin typeface="Söhne"/>
+              </a:rPr>
+              <a:t>što</a:t>
+            </a:r>
+            <a:r>
+              <a:rPr lang="en-US" b="0" i="0" dirty="0">
+                <a:solidFill>
+                  <a:srgbClr val="374151"/>
+                </a:solidFill>
+                <a:effectLst/>
+                <a:latin typeface="Söhne"/>
+              </a:rPr>
+              <a:t> se </a:t>
+            </a:r>
+            <a:r>
+              <a:rPr lang="en-US" b="0" i="0" dirty="0" err="1">
+                <a:solidFill>
+                  <a:srgbClr val="374151"/>
+                </a:solidFill>
+                <a:effectLst/>
+                <a:latin typeface="Söhne"/>
+              </a:rPr>
+              <a:t>razvijaju</a:t>
+            </a:r>
+            <a:r>
+              <a:rPr lang="en-US" b="0" i="0" dirty="0">
+                <a:solidFill>
+                  <a:srgbClr val="374151"/>
+                </a:solidFill>
+                <a:effectLst/>
+                <a:latin typeface="Söhne"/>
+              </a:rPr>
+              <a:t> </a:t>
+            </a:r>
+            <a:r>
+              <a:rPr lang="en-US" b="0" i="0" dirty="0" err="1">
+                <a:solidFill>
+                  <a:srgbClr val="374151"/>
+                </a:solidFill>
+                <a:effectLst/>
+                <a:latin typeface="Söhne"/>
+              </a:rPr>
+              <a:t>i</a:t>
+            </a:r>
+            <a:r>
+              <a:rPr lang="en-US" b="0" i="0" dirty="0">
+                <a:solidFill>
+                  <a:srgbClr val="374151"/>
+                </a:solidFill>
+                <a:effectLst/>
+                <a:latin typeface="Söhne"/>
+              </a:rPr>
+              <a:t> </a:t>
+            </a:r>
+            <a:r>
+              <a:rPr lang="en-US" b="0" i="0" dirty="0" err="1">
+                <a:solidFill>
+                  <a:srgbClr val="374151"/>
+                </a:solidFill>
+                <a:effectLst/>
+                <a:latin typeface="Söhne"/>
+              </a:rPr>
+              <a:t>napreduju</a:t>
+            </a:r>
+            <a:r>
+              <a:rPr lang="en-US" b="0" i="0" dirty="0">
+                <a:solidFill>
+                  <a:srgbClr val="374151"/>
+                </a:solidFill>
+                <a:effectLst/>
+                <a:latin typeface="Söhne"/>
+              </a:rPr>
+              <a:t> </a:t>
+            </a:r>
+            <a:r>
+              <a:rPr lang="en-US" b="0" i="0" dirty="0" err="1">
+                <a:solidFill>
+                  <a:srgbClr val="374151"/>
+                </a:solidFill>
+                <a:effectLst/>
+                <a:latin typeface="Söhne"/>
+              </a:rPr>
+              <a:t>tehnološke</a:t>
+            </a:r>
+            <a:r>
+              <a:rPr lang="en-US" b="0" i="0" dirty="0">
+                <a:solidFill>
+                  <a:srgbClr val="374151"/>
+                </a:solidFill>
+                <a:effectLst/>
+                <a:latin typeface="Söhne"/>
+              </a:rPr>
+              <a:t> </a:t>
+            </a:r>
+            <a:r>
+              <a:rPr lang="en-US" b="0" i="0" dirty="0" err="1">
+                <a:solidFill>
+                  <a:srgbClr val="374151"/>
+                </a:solidFill>
+                <a:effectLst/>
+                <a:latin typeface="Söhne"/>
+              </a:rPr>
+              <a:t>mogućnosti</a:t>
+            </a:r>
+            <a:r>
+              <a:rPr lang="en-US" b="0" i="0" dirty="0">
+                <a:solidFill>
+                  <a:srgbClr val="374151"/>
+                </a:solidFill>
+                <a:effectLst/>
+                <a:latin typeface="Söhne"/>
+              </a:rPr>
+              <a:t>, </a:t>
+            </a:r>
+            <a:r>
+              <a:rPr lang="en-US" b="0" i="0" dirty="0" err="1">
+                <a:solidFill>
+                  <a:srgbClr val="374151"/>
+                </a:solidFill>
+                <a:effectLst/>
+                <a:latin typeface="Söhne"/>
+              </a:rPr>
+              <a:t>tako</a:t>
+            </a:r>
+            <a:r>
+              <a:rPr lang="en-US" b="0" i="0" dirty="0">
+                <a:solidFill>
+                  <a:srgbClr val="374151"/>
+                </a:solidFill>
+                <a:effectLst/>
+                <a:latin typeface="Söhne"/>
+              </a:rPr>
+              <a:t> se </a:t>
+            </a:r>
+            <a:r>
+              <a:rPr lang="en-US" b="0" i="0" dirty="0" err="1">
+                <a:solidFill>
+                  <a:srgbClr val="374151"/>
+                </a:solidFill>
+                <a:effectLst/>
+                <a:latin typeface="Söhne"/>
+              </a:rPr>
+              <a:t>i</a:t>
+            </a:r>
+            <a:r>
+              <a:rPr lang="en-US" b="0" i="0" dirty="0">
+                <a:solidFill>
+                  <a:srgbClr val="374151"/>
+                </a:solidFill>
+                <a:effectLst/>
+                <a:latin typeface="Söhne"/>
+              </a:rPr>
+              <a:t> oblast </a:t>
+            </a:r>
+            <a:r>
+              <a:rPr lang="en-US" b="0" i="0" dirty="0" err="1">
+                <a:solidFill>
+                  <a:srgbClr val="374151"/>
+                </a:solidFill>
+                <a:effectLst/>
+                <a:latin typeface="Söhne"/>
+              </a:rPr>
+              <a:t>pravne</a:t>
+            </a:r>
+            <a:r>
+              <a:rPr lang="en-US" b="0" i="0" dirty="0">
+                <a:solidFill>
+                  <a:srgbClr val="374151"/>
+                </a:solidFill>
+                <a:effectLst/>
+                <a:latin typeface="Söhne"/>
+              </a:rPr>
+              <a:t> </a:t>
+            </a:r>
+            <a:r>
+              <a:rPr lang="en-US" b="0" i="0" dirty="0" err="1">
+                <a:solidFill>
+                  <a:srgbClr val="374151"/>
+                </a:solidFill>
+                <a:effectLst/>
+                <a:latin typeface="Söhne"/>
+              </a:rPr>
+              <a:t>informatike</a:t>
+            </a:r>
+            <a:r>
+              <a:rPr lang="en-US" b="0" i="0" dirty="0">
+                <a:solidFill>
+                  <a:srgbClr val="374151"/>
+                </a:solidFill>
+                <a:effectLst/>
+                <a:latin typeface="Söhne"/>
+              </a:rPr>
+              <a:t> </a:t>
+            </a:r>
+            <a:r>
+              <a:rPr lang="en-US" b="0" i="0" dirty="0" err="1">
+                <a:solidFill>
+                  <a:srgbClr val="374151"/>
+                </a:solidFill>
+                <a:effectLst/>
+                <a:latin typeface="Söhne"/>
+              </a:rPr>
+              <a:t>neprestano</a:t>
+            </a:r>
+            <a:r>
+              <a:rPr lang="en-US" b="0" i="0" dirty="0">
+                <a:solidFill>
+                  <a:srgbClr val="374151"/>
+                </a:solidFill>
+                <a:effectLst/>
+                <a:latin typeface="Söhne"/>
+              </a:rPr>
+              <a:t> </a:t>
+            </a:r>
+            <a:r>
+              <a:rPr lang="en-US" b="0" i="0" dirty="0" err="1">
+                <a:solidFill>
+                  <a:srgbClr val="374151"/>
+                </a:solidFill>
+                <a:effectLst/>
+                <a:latin typeface="Söhne"/>
+              </a:rPr>
+              <a:t>razvija</a:t>
+            </a:r>
+            <a:r>
+              <a:rPr lang="en-US" b="0" i="0" dirty="0">
+                <a:solidFill>
+                  <a:srgbClr val="374151"/>
+                </a:solidFill>
+                <a:effectLst/>
+                <a:latin typeface="Söhne"/>
+              </a:rPr>
+              <a:t> </a:t>
+            </a:r>
+            <a:r>
+              <a:rPr lang="en-US" b="0" i="0" dirty="0" err="1">
+                <a:solidFill>
+                  <a:srgbClr val="374151"/>
+                </a:solidFill>
+                <a:effectLst/>
+                <a:latin typeface="Söhne"/>
+              </a:rPr>
+              <a:t>i</a:t>
+            </a:r>
+            <a:r>
+              <a:rPr lang="en-US" b="0" i="0" dirty="0">
+                <a:solidFill>
+                  <a:srgbClr val="374151"/>
+                </a:solidFill>
+                <a:effectLst/>
+                <a:latin typeface="Söhne"/>
+              </a:rPr>
+              <a:t> </a:t>
+            </a:r>
+            <a:r>
+              <a:rPr lang="en-US" b="0" i="0" dirty="0" err="1">
+                <a:solidFill>
+                  <a:srgbClr val="374151"/>
+                </a:solidFill>
+                <a:effectLst/>
+                <a:latin typeface="Söhne"/>
+              </a:rPr>
+              <a:t>unapređuje</a:t>
+            </a:r>
+            <a:r>
+              <a:rPr lang="sr-Latn-RS" b="0" i="0" dirty="0">
+                <a:solidFill>
+                  <a:srgbClr val="374151"/>
+                </a:solidFill>
+                <a:effectLst/>
+                <a:latin typeface="Söhne"/>
+              </a:rPr>
+              <a:t>.</a:t>
+            </a:r>
+            <a:endParaRPr dirty="0"/>
+          </a:p>
+        </p:txBody>
+      </p:sp>
+    </p:spTree>
+    <p:extLst>
+      <p:ext uri="{BB962C8B-B14F-4D97-AF65-F5344CB8AC3E}">
+        <p14:creationId xmlns:p14="http://schemas.microsoft.com/office/powerpoint/2010/main" val="2421200628"/>
+      </p:ext>
+    </p:extLst>
+  </p:cSld>
+  <p:clrMapOvr>
+    <a:masterClrMapping/>
+  </p:clrMapOvr>
+</p:sld>
+</file>
+
+<file path=ppt/slides/slide33.xml><?xml version="1.0" encoding="utf-8"?>
+<p:sld xmlns:a="http://schemas.openxmlformats.org/drawingml/2006/main" xmlns:r="http://schemas.openxmlformats.org/officeDocument/2006/relationships" xmlns:p="http://schemas.openxmlformats.org/presentationml/2006/main">
+  <p:cSld>
+    <p:bg>
+      <p:bgPr>
+        <a:solidFill>
+          <a:schemeClr val="bg1"/>
+        </a:solidFill>
+        <a:effectLst/>
+      </p:bgPr>
+    </p:bg>
+    <p:spTree>
+      <p:nvGrpSpPr>
+        <p:cNvPr id="1" name=""/>
+        <p:cNvGrpSpPr/>
+        <p:nvPr/>
+      </p:nvGrpSpPr>
+      <p:grpSpPr>
+        <a:xfrm>
+          <a:off x="0" y="0"/>
+          <a:ext cx="0" cy="0"/>
+          <a:chOff x="0" y="0"/>
+          <a:chExt cx="0" cy="0"/>
+        </a:xfrm>
+      </p:grpSpPr>
+      <p:sp useBgFill="1">
+        <p:nvSpPr>
+          <p:cNvPr id="9" name="Rectangle 8">
+            <a:extLst>
+              <a:ext uri="{FF2B5EF4-FFF2-40B4-BE49-F238E27FC236}">
+                <a16:creationId xmlns:a16="http://schemas.microsoft.com/office/drawing/2014/main" id="{907EF6B7-1338-4443-8C46-6A318D952DFD}"/>
+              </a:ext>
+              <a:ext uri="{C183D7F6-B498-43B3-948B-1728B52AA6E4}">
+                <adec:decorative xmlns:adec="http://schemas.microsoft.com/office/drawing/2017/decorative" val="1"/>
+              </a:ext>
+            </a:extLst>
+          </p:cNvPr>
+          <p:cNvSpPr>
+            <a:spLocks noGrp="1" noRot="1" noChangeAspect="1" noMove="1" noResize="1" noEditPoints="1" noAdjustHandles="1" noChangeArrowheads="1" noChangeShapeType="1" noTextEdit="1"/>
+          </p:cNvSpPr>
+          <p:nvPr>
+            <p:extLst>
+              <p:ext uri="{386F3935-93C4-4BCD-93E2-E3B085C9AB24}">
+                <p16:designElem xmlns:p16="http://schemas.microsoft.com/office/powerpoint/2015/main" val="1"/>
+              </p:ext>
+            </p:extLst>
+          </p:nvPr>
+        </p:nvSpPr>
+        <p:spPr>
+          <a:xfrm>
+            <a:off x="3048" y="0"/>
+            <a:ext cx="12188952" cy="6858000"/>
+          </a:xfrm>
+          <a:prstGeom prst="rect">
+            <a:avLst/>
+          </a:prstGeom>
+          <a:ln>
+            <a:noFill/>
+          </a:ln>
+        </p:spPr>
+        <p:style>
+          <a:lnRef idx="2">
+            <a:schemeClr val="accent1">
+              <a:shade val="50000"/>
+            </a:schemeClr>
+          </a:lnRef>
+          <a:fillRef idx="1">
+            <a:schemeClr val="accent1"/>
+          </a:fillRef>
+          <a:effectRef idx="0">
+            <a:schemeClr val="accent1"/>
+          </a:effectRef>
+          <a:fontRef idx="minor">
+            <a:schemeClr val="lt1"/>
+          </a:fontRef>
+        </p:style>
+        <p:txBody>
+          <a:bodyPr rtlCol="0" anchor="ctr"/>
+          <a:lstStyle/>
+          <a:p>
+            <a:pPr algn="ctr"/>
+            <a:endParaRPr lang="en-US"/>
+          </a:p>
+        </p:txBody>
+      </p:sp>
+      <p:sp>
+        <p:nvSpPr>
+          <p:cNvPr id="11" name="Freeform: Shape 10">
+            <a:extLst>
+              <a:ext uri="{FF2B5EF4-FFF2-40B4-BE49-F238E27FC236}">
+                <a16:creationId xmlns:a16="http://schemas.microsoft.com/office/drawing/2014/main" id="{DAAE4CDD-124C-4DCF-9584-B6033B545DD5}"/>
+              </a:ext>
+              <a:ext uri="{C183D7F6-B498-43B3-948B-1728B52AA6E4}">
+                <adec:decorative xmlns:adec="http://schemas.microsoft.com/office/drawing/2017/decorative" val="1"/>
+              </a:ext>
+            </a:extLst>
+          </p:cNvPr>
+          <p:cNvSpPr>
+            <a:spLocks noGrp="1" noRot="1" noChangeAspect="1" noMove="1" noResize="1" noEditPoints="1" noAdjustHandles="1" noChangeArrowheads="1" noChangeShapeType="1" noTextEdit="1"/>
+          </p:cNvSpPr>
+          <p:nvPr>
+            <p:extLst>
+              <p:ext uri="{386F3935-93C4-4BCD-93E2-E3B085C9AB24}">
+                <p16:designElem xmlns:p16="http://schemas.microsoft.com/office/powerpoint/2015/main" val="1"/>
+              </p:ext>
+            </p:extLst>
+          </p:nvPr>
+        </p:nvSpPr>
+        <p:spPr>
+          <a:xfrm>
+            <a:off x="1" y="0"/>
+            <a:ext cx="4167271" cy="6858000"/>
+          </a:xfrm>
+          <a:custGeom>
+            <a:avLst/>
+            <a:gdLst>
+              <a:gd name="connsiteX0" fmla="*/ 0 w 4167271"/>
+              <a:gd name="connsiteY0" fmla="*/ 0 h 6858000"/>
+              <a:gd name="connsiteX1" fmla="*/ 2259550 w 4167271"/>
+              <a:gd name="connsiteY1" fmla="*/ 0 h 6858000"/>
+              <a:gd name="connsiteX2" fmla="*/ 2387803 w 4167271"/>
+              <a:gd name="connsiteY2" fmla="*/ 82222 h 6858000"/>
+              <a:gd name="connsiteX3" fmla="*/ 4167271 w 4167271"/>
+              <a:gd name="connsiteY3" fmla="*/ 3429000 h 6858000"/>
+              <a:gd name="connsiteX4" fmla="*/ 2387803 w 4167271"/>
+              <a:gd name="connsiteY4" fmla="*/ 6775779 h 6858000"/>
+              <a:gd name="connsiteX5" fmla="*/ 2259550 w 4167271"/>
+              <a:gd name="connsiteY5" fmla="*/ 6858000 h 6858000"/>
+              <a:gd name="connsiteX6" fmla="*/ 0 w 4167271"/>
+              <a:gd name="connsiteY6" fmla="*/ 6858000 h 6858000"/>
+            </a:gdLst>
+            <a:ahLst/>
+            <a:cxnLst>
+              <a:cxn ang="0">
+                <a:pos x="connsiteX0" y="connsiteY0"/>
+              </a:cxn>
+              <a:cxn ang="0">
+                <a:pos x="connsiteX1" y="connsiteY1"/>
+              </a:cxn>
+              <a:cxn ang="0">
+                <a:pos x="connsiteX2" y="connsiteY2"/>
+              </a:cxn>
+              <a:cxn ang="0">
+                <a:pos x="connsiteX3" y="connsiteY3"/>
+              </a:cxn>
+              <a:cxn ang="0">
+                <a:pos x="connsiteX4" y="connsiteY4"/>
+              </a:cxn>
+              <a:cxn ang="0">
+                <a:pos x="connsiteX5" y="connsiteY5"/>
+              </a:cxn>
+              <a:cxn ang="0">
+                <a:pos x="connsiteX6" y="connsiteY6"/>
+              </a:cxn>
+            </a:cxnLst>
+            <a:rect l="l" t="t" r="r" b="b"/>
+            <a:pathLst>
+              <a:path w="4167271" h="6858000">
+                <a:moveTo>
+                  <a:pt x="0" y="0"/>
+                </a:moveTo>
+                <a:lnTo>
+                  <a:pt x="2259550" y="0"/>
+                </a:lnTo>
+                <a:lnTo>
+                  <a:pt x="2387803" y="82222"/>
+                </a:lnTo>
+                <a:cubicBezTo>
+                  <a:pt x="3461407" y="807534"/>
+                  <a:pt x="4167271" y="2035835"/>
+                  <a:pt x="4167271" y="3429000"/>
+                </a:cubicBezTo>
+                <a:cubicBezTo>
+                  <a:pt x="4167271" y="4822165"/>
+                  <a:pt x="3461407" y="6050467"/>
+                  <a:pt x="2387803" y="6775779"/>
+                </a:cubicBezTo>
+                <a:lnTo>
+                  <a:pt x="2259550" y="6858000"/>
+                </a:lnTo>
+                <a:lnTo>
+                  <a:pt x="0" y="6858000"/>
+                </a:lnTo>
+                <a:close/>
+              </a:path>
+            </a:pathLst>
+          </a:custGeom>
+          <a:solidFill>
+            <a:schemeClr val="accent2"/>
+          </a:solidFill>
+          <a:ln>
+            <a:noFill/>
+          </a:ln>
+        </p:spPr>
+        <p:style>
+          <a:lnRef idx="2">
+            <a:schemeClr val="accent1">
+              <a:shade val="50000"/>
+            </a:schemeClr>
+          </a:lnRef>
+          <a:fillRef idx="1">
+            <a:schemeClr val="accent1"/>
+          </a:fillRef>
+          <a:effectRef idx="0">
+            <a:schemeClr val="accent1"/>
+          </a:effectRef>
+          <a:fontRef idx="minor">
+            <a:schemeClr val="lt1"/>
+          </a:fontRef>
+        </p:style>
+        <p:txBody>
+          <a:bodyPr rtlCol="0" anchor="ctr"/>
+          <a:lstStyle/>
+          <a:p>
+            <a:pPr algn="ctr"/>
+            <a:endParaRPr lang="en-US"/>
+          </a:p>
+        </p:txBody>
+      </p:sp>
+      <p:sp>
+        <p:nvSpPr>
+          <p:cNvPr id="2" name="Title 1"/>
+          <p:cNvSpPr>
+            <a:spLocks noGrp="1"/>
+          </p:cNvSpPr>
+          <p:nvPr>
+            <p:ph type="title"/>
+          </p:nvPr>
+        </p:nvSpPr>
+        <p:spPr>
+          <a:xfrm>
+            <a:off x="686834" y="1153572"/>
+            <a:ext cx="3200400" cy="4461163"/>
+          </a:xfrm>
+        </p:spPr>
+        <p:txBody>
+          <a:bodyPr>
+            <a:normAutofit/>
+          </a:bodyPr>
+          <a:lstStyle/>
+          <a:p>
+            <a:r>
+              <a:rPr lang="sr-Latn-RS" dirty="0">
+                <a:solidFill>
+                  <a:srgbClr val="FFFFFF"/>
+                </a:solidFill>
+              </a:rPr>
+              <a:t>Dalja unapređenja</a:t>
+            </a:r>
+            <a:endParaRPr lang="en-US" dirty="0">
+              <a:solidFill>
+                <a:srgbClr val="FFFFFF"/>
+              </a:solidFill>
+            </a:endParaRPr>
+          </a:p>
+        </p:txBody>
+      </p:sp>
+      <p:sp>
+        <p:nvSpPr>
+          <p:cNvPr id="13" name="Arc 12">
+            <a:extLst>
+              <a:ext uri="{FF2B5EF4-FFF2-40B4-BE49-F238E27FC236}">
+                <a16:creationId xmlns:a16="http://schemas.microsoft.com/office/drawing/2014/main" id="{081E4A58-353D-44AE-B2FC-2A74E2E400F7}"/>
+              </a:ext>
+              <a:ext uri="{C183D7F6-B498-43B3-948B-1728B52AA6E4}">
+                <adec:decorative xmlns:adec="http://schemas.microsoft.com/office/drawing/2017/decorative" val="1"/>
+              </a:ext>
+            </a:extLst>
+          </p:cNvPr>
+          <p:cNvSpPr>
+            <a:spLocks noGrp="1" noRot="1" noChangeAspect="1" noMove="1" noResize="1" noEditPoints="1" noAdjustHandles="1" noChangeArrowheads="1" noChangeShapeType="1" noTextEdit="1"/>
+          </p:cNvSpPr>
+          <p:nvPr>
+            <p:extLst>
+              <p:ext uri="{386F3935-93C4-4BCD-93E2-E3B085C9AB24}">
+                <p16:designElem xmlns:p16="http://schemas.microsoft.com/office/powerpoint/2015/main" val="1"/>
+              </p:ext>
+            </p:extLst>
+          </p:nvPr>
+        </p:nvSpPr>
+        <p:spPr>
+          <a:xfrm flipV="1">
+            <a:off x="7550402" y="2455479"/>
+            <a:ext cx="4083433" cy="4083433"/>
+          </a:xfrm>
+          <a:prstGeom prst="arc">
+            <a:avLst/>
+          </a:prstGeom>
+          <a:ln w="127000" cap="rnd">
+            <a:solidFill>
+              <a:schemeClr val="accent4"/>
+            </a:solidFill>
+            <a:prstDash val="dash"/>
+          </a:ln>
+        </p:spPr>
+        <p:style>
+          <a:lnRef idx="1">
+            <a:schemeClr val="accent1"/>
+          </a:lnRef>
+          <a:fillRef idx="0">
+            <a:schemeClr val="accent1"/>
+          </a:fillRef>
+          <a:effectRef idx="0">
+            <a:schemeClr val="accent1"/>
+          </a:effectRef>
+          <a:fontRef idx="minor">
+            <a:schemeClr val="tx1"/>
+          </a:fontRef>
+        </p:style>
+        <p:txBody>
+          <a:bodyPr rtlCol="0" anchor="ctr"/>
+          <a:lstStyle/>
+          <a:p>
+            <a:pPr algn="ctr"/>
+            <a:endParaRPr lang="en-US" dirty="0"/>
+          </a:p>
+        </p:txBody>
+      </p:sp>
+      <p:sp>
+        <p:nvSpPr>
+          <p:cNvPr id="3" name="Content Placeholder 2"/>
+          <p:cNvSpPr>
+            <a:spLocks noGrp="1"/>
+          </p:cNvSpPr>
+          <p:nvPr>
+            <p:ph type="body" idx="1"/>
+          </p:nvPr>
+        </p:nvSpPr>
+        <p:spPr>
+          <a:xfrm>
+            <a:off x="4447308" y="591344"/>
             <a:ext cx="6906491" cy="6033743"/>
           </a:xfrm>
         </p:spPr>
@@ -23344,7 +24019,7 @@
 </p:sld>
 </file>
 
-<file path=ppt/slides/slide33.xml><?xml version="1.0" encoding="utf-8"?>
+<file path=ppt/slides/slide34.xml><?xml version="1.0" encoding="utf-8"?>
 <p:sld xmlns:a="http://schemas.openxmlformats.org/drawingml/2006/main" xmlns:r="http://schemas.openxmlformats.org/officeDocument/2006/relationships" xmlns:p="http://schemas.openxmlformats.org/presentationml/2006/main">
   <p:cSld>
     <p:bg>
